--- a/documentation/Präsentation_Hashi_TeamSG.pptx
+++ b/documentation/Präsentation_Hashi_TeamSG.pptx
@@ -5,17 +5,19 @@
     <p:sldMasterId id="2147483725" r:id="rId1"/>
   </p:sldMasterIdLst>
   <p:notesMasterIdLst>
-    <p:notesMasterId r:id="rId10"/>
+    <p:notesMasterId r:id="rId12"/>
   </p:notesMasterIdLst>
   <p:sldIdLst>
     <p:sldId id="256" r:id="rId2"/>
     <p:sldId id="261" r:id="rId3"/>
-    <p:sldId id="257" r:id="rId4"/>
-    <p:sldId id="262" r:id="rId5"/>
-    <p:sldId id="263" r:id="rId6"/>
-    <p:sldId id="259" r:id="rId7"/>
-    <p:sldId id="260" r:id="rId8"/>
-    <p:sldId id="258" r:id="rId9"/>
+    <p:sldId id="266" r:id="rId4"/>
+    <p:sldId id="257" r:id="rId5"/>
+    <p:sldId id="262" r:id="rId6"/>
+    <p:sldId id="263" r:id="rId7"/>
+    <p:sldId id="259" r:id="rId8"/>
+    <p:sldId id="260" r:id="rId9"/>
+    <p:sldId id="258" r:id="rId10"/>
+    <p:sldId id="264" r:id="rId11"/>
   </p:sldIdLst>
   <p:sldSz cx="12192000" cy="6858000"/>
   <p:notesSz cx="6858000" cy="9144000"/>
@@ -114,6 +116,11 @@
       </a:defRPr>
     </a:lvl9pPr>
   </p:defaultTextStyle>
+  <p:extLst>
+    <p:ext uri="{EFAFB233-063F-42B5-8137-9DF3F51BA10A}">
+      <p15:sldGuideLst xmlns:p15="http://schemas.microsoft.com/office/powerpoint/2012/main"/>
+    </p:ext>
+  </p:extLst>
 </p:presentation>
 </file>
 
@@ -199,7 +206,7 @@
           <a:p>
             <a:fld id="{E0AA2C8D-CD60-42F0-B358-E14A0DF454F0}" type="datetimeFigureOut">
               <a:rPr lang="de-CH" smtClean="0"/>
-              <a:t>31.05.2016</a:t>
+              <a:t>02.06.2016</a:t>
             </a:fld>
             <a:endParaRPr lang="de-CH"/>
           </a:p>
@@ -511,6 +518,134 @@
           <a:bodyPr/>
           <a:lstStyle/>
           <a:p>
+            <a:r>
+              <a:rPr lang="de-CH" dirty="0" smtClean="0"/>
+              <a:t>MVC (Model-View-Controller):</a:t>
+            </a:r>
+            <a:r>
+              <a:rPr lang="de-CH" baseline="0" dirty="0" smtClean="0"/>
+              <a:t> </a:t>
+            </a:r>
+            <a:endParaRPr lang="de-CH" dirty="0" smtClean="0"/>
+          </a:p>
+          <a:p>
+            <a:r>
+              <a:rPr lang="de-CH" dirty="0" smtClean="0"/>
+              <a:t>Factory: </a:t>
+            </a:r>
+          </a:p>
+          <a:p>
+            <a:r>
+              <a:rPr lang="de-CH" dirty="0" err="1" smtClean="0"/>
+              <a:t>Decorator</a:t>
+            </a:r>
+            <a:r>
+              <a:rPr lang="de-CH" dirty="0" smtClean="0"/>
+              <a:t>: </a:t>
+            </a:r>
+            <a:r>
+              <a:rPr lang="de-CH" dirty="0" err="1" smtClean="0"/>
+              <a:t>Undo</a:t>
+            </a:r>
+            <a:r>
+              <a:rPr lang="de-CH" dirty="0" smtClean="0"/>
+              <a:t>/</a:t>
+            </a:r>
+            <a:r>
+              <a:rPr lang="de-CH" dirty="0" err="1" smtClean="0"/>
+              <a:t>Redo</a:t>
+            </a:r>
+            <a:endParaRPr lang="de-CH" dirty="0" smtClean="0"/>
+          </a:p>
+          <a:p>
+            <a:r>
+              <a:rPr lang="de-CH" dirty="0" smtClean="0"/>
+              <a:t>Template: </a:t>
+            </a:r>
+            <a:endParaRPr lang="de-CH" dirty="0"/>
+          </a:p>
+        </p:txBody>
+      </p:sp>
+      <p:sp>
+        <p:nvSpPr>
+          <p:cNvPr id="4" name="Foliennummernplatzhalter 3"/>
+          <p:cNvSpPr>
+            <a:spLocks noGrp="1"/>
+          </p:cNvSpPr>
+          <p:nvPr>
+            <p:ph type="sldNum" sz="quarter" idx="10"/>
+          </p:nvPr>
+        </p:nvSpPr>
+        <p:spPr/>
+        <p:txBody>
+          <a:bodyPr/>
+          <a:lstStyle/>
+          <a:p>
+            <a:fld id="{F5B24102-8416-4B7F-9D73-26FC6C4DF7AF}" type="slidenum">
+              <a:rPr lang="de-CH" smtClean="0"/>
+              <a:t>4</a:t>
+            </a:fld>
+            <a:endParaRPr lang="de-CH"/>
+          </a:p>
+        </p:txBody>
+      </p:sp>
+    </p:spTree>
+    <p:extLst>
+      <p:ext uri="{BB962C8B-B14F-4D97-AF65-F5344CB8AC3E}">
+        <p14:creationId xmlns:p14="http://schemas.microsoft.com/office/powerpoint/2010/main" val="4264859063"/>
+      </p:ext>
+    </p:extLst>
+  </p:cSld>
+  <p:clrMapOvr>
+    <a:masterClrMapping/>
+  </p:clrMapOvr>
+</p:notes>
+</file>
+
+<file path=ppt/notesSlides/notesSlide2.xml><?xml version="1.0" encoding="utf-8"?>
+<p:notes xmlns:a="http://schemas.openxmlformats.org/drawingml/2006/main" xmlns:r="http://schemas.openxmlformats.org/officeDocument/2006/relationships" xmlns:p="http://schemas.openxmlformats.org/presentationml/2006/main">
+  <p:cSld>
+    <p:spTree>
+      <p:nvGrpSpPr>
+        <p:cNvPr id="1" name=""/>
+        <p:cNvGrpSpPr/>
+        <p:nvPr/>
+      </p:nvGrpSpPr>
+      <p:grpSpPr>
+        <a:xfrm>
+          <a:off x="0" y="0"/>
+          <a:ext cx="0" cy="0"/>
+          <a:chOff x="0" y="0"/>
+          <a:chExt cx="0" cy="0"/>
+        </a:xfrm>
+      </p:grpSpPr>
+      <p:sp>
+        <p:nvSpPr>
+          <p:cNvPr id="2" name="Folienbildplatzhalter 1"/>
+          <p:cNvSpPr>
+            <a:spLocks noGrp="1" noRot="1" noChangeAspect="1"/>
+          </p:cNvSpPr>
+          <p:nvPr>
+            <p:ph type="sldImg"/>
+          </p:nvPr>
+        </p:nvSpPr>
+        <p:spPr/>
+      </p:sp>
+      <p:sp>
+        <p:nvSpPr>
+          <p:cNvPr id="3" name="Notizenplatzhalter 2"/>
+          <p:cNvSpPr>
+            <a:spLocks noGrp="1"/>
+          </p:cNvSpPr>
+          <p:nvPr>
+            <p:ph type="body" idx="1"/>
+          </p:nvPr>
+        </p:nvSpPr>
+        <p:spPr/>
+        <p:txBody>
+          <a:bodyPr/>
+          <a:lstStyle/>
+          <a:p>
             <a:pPr marL="0" marR="0" indent="0" algn="l" defTabSz="914400" rtl="0" eaLnBrk="1" fontAlgn="auto" latinLnBrk="0" hangingPunct="1">
               <a:lnSpc>
                 <a:spcPct val="100000"/>
@@ -561,7 +696,7 @@
           <a:p>
             <a:fld id="{F5B24102-8416-4B7F-9D73-26FC6C4DF7AF}" type="slidenum">
               <a:rPr lang="de-CH" smtClean="0"/>
-              <a:t>8</a:t>
+              <a:t>9</a:t>
             </a:fld>
             <a:endParaRPr lang="de-CH"/>
           </a:p>
@@ -711,7 +846,7 @@
           <a:p>
             <a:fld id="{EDF032E5-4712-4CD3-A297-BA927FE98535}" type="datetimeFigureOut">
               <a:rPr lang="de-CH" smtClean="0"/>
-              <a:t>31.05.2016</a:t>
+              <a:t>02.06.2016</a:t>
             </a:fld>
             <a:endParaRPr lang="de-CH"/>
           </a:p>
@@ -881,7 +1016,7 @@
           <a:p>
             <a:fld id="{EDF032E5-4712-4CD3-A297-BA927FE98535}" type="datetimeFigureOut">
               <a:rPr lang="de-CH" smtClean="0"/>
-              <a:t>31.05.2016</a:t>
+              <a:t>02.06.2016</a:t>
             </a:fld>
             <a:endParaRPr lang="de-CH"/>
           </a:p>
@@ -1061,7 +1196,7 @@
           <a:p>
             <a:fld id="{EDF032E5-4712-4CD3-A297-BA927FE98535}" type="datetimeFigureOut">
               <a:rPr lang="de-CH" smtClean="0"/>
-              <a:t>31.05.2016</a:t>
+              <a:t>02.06.2016</a:t>
             </a:fld>
             <a:endParaRPr lang="de-CH"/>
           </a:p>
@@ -1231,7 +1366,7 @@
           <a:p>
             <a:fld id="{EDF032E5-4712-4CD3-A297-BA927FE98535}" type="datetimeFigureOut">
               <a:rPr lang="de-CH" smtClean="0"/>
-              <a:t>31.05.2016</a:t>
+              <a:t>02.06.2016</a:t>
             </a:fld>
             <a:endParaRPr lang="de-CH"/>
           </a:p>
@@ -1477,7 +1612,7 @@
           <a:p>
             <a:fld id="{EDF032E5-4712-4CD3-A297-BA927FE98535}" type="datetimeFigureOut">
               <a:rPr lang="de-CH" smtClean="0"/>
-              <a:t>31.05.2016</a:t>
+              <a:t>02.06.2016</a:t>
             </a:fld>
             <a:endParaRPr lang="de-CH"/>
           </a:p>
@@ -1709,7 +1844,7 @@
           <a:p>
             <a:fld id="{EDF032E5-4712-4CD3-A297-BA927FE98535}" type="datetimeFigureOut">
               <a:rPr lang="de-CH" smtClean="0"/>
-              <a:t>31.05.2016</a:t>
+              <a:t>02.06.2016</a:t>
             </a:fld>
             <a:endParaRPr lang="de-CH"/>
           </a:p>
@@ -2076,7 +2211,7 @@
           <a:p>
             <a:fld id="{EDF032E5-4712-4CD3-A297-BA927FE98535}" type="datetimeFigureOut">
               <a:rPr lang="de-CH" smtClean="0"/>
-              <a:t>31.05.2016</a:t>
+              <a:t>02.06.2016</a:t>
             </a:fld>
             <a:endParaRPr lang="de-CH"/>
           </a:p>
@@ -2194,7 +2329,7 @@
           <a:p>
             <a:fld id="{EDF032E5-4712-4CD3-A297-BA927FE98535}" type="datetimeFigureOut">
               <a:rPr lang="de-CH" smtClean="0"/>
-              <a:t>31.05.2016</a:t>
+              <a:t>02.06.2016</a:t>
             </a:fld>
             <a:endParaRPr lang="de-CH"/>
           </a:p>
@@ -2289,7 +2424,7 @@
           <a:p>
             <a:fld id="{EDF032E5-4712-4CD3-A297-BA927FE98535}" type="datetimeFigureOut">
               <a:rPr lang="de-CH" smtClean="0"/>
-              <a:t>31.05.2016</a:t>
+              <a:t>02.06.2016</a:t>
             </a:fld>
             <a:endParaRPr lang="de-CH"/>
           </a:p>
@@ -2566,7 +2701,7 @@
           <a:p>
             <a:fld id="{EDF032E5-4712-4CD3-A297-BA927FE98535}" type="datetimeFigureOut">
               <a:rPr lang="de-CH" smtClean="0"/>
-              <a:t>31.05.2016</a:t>
+              <a:t>02.06.2016</a:t>
             </a:fld>
             <a:endParaRPr lang="de-CH"/>
           </a:p>
@@ -2819,7 +2954,7 @@
           <a:p>
             <a:fld id="{EDF032E5-4712-4CD3-A297-BA927FE98535}" type="datetimeFigureOut">
               <a:rPr lang="de-CH" smtClean="0"/>
-              <a:t>31.05.2016</a:t>
+              <a:t>02.06.2016</a:t>
             </a:fld>
             <a:endParaRPr lang="de-CH"/>
           </a:p>
@@ -3032,7 +3167,7 @@
           <a:p>
             <a:fld id="{EDF032E5-4712-4CD3-A297-BA927FE98535}" type="datetimeFigureOut">
               <a:rPr lang="de-CH" smtClean="0"/>
-              <a:t>31.05.2016</a:t>
+              <a:t>02.06.2016</a:t>
             </a:fld>
             <a:endParaRPr lang="de-CH"/>
           </a:p>
@@ -3504,6 +3639,78 @@
 </p:sld>
 </file>
 
+<file path=ppt/slides/slide10.xml><?xml version="1.0" encoding="utf-8"?>
+<p:sld xmlns:a="http://schemas.openxmlformats.org/drawingml/2006/main" xmlns:r="http://schemas.openxmlformats.org/officeDocument/2006/relationships" xmlns:p="http://schemas.openxmlformats.org/presentationml/2006/main">
+  <p:cSld>
+    <p:spTree>
+      <p:nvGrpSpPr>
+        <p:cNvPr id="1" name=""/>
+        <p:cNvGrpSpPr/>
+        <p:nvPr/>
+      </p:nvGrpSpPr>
+      <p:grpSpPr>
+        <a:xfrm>
+          <a:off x="0" y="0"/>
+          <a:ext cx="0" cy="0"/>
+          <a:chOff x="0" y="0"/>
+          <a:chExt cx="0" cy="0"/>
+        </a:xfrm>
+      </p:grpSpPr>
+      <p:sp>
+        <p:nvSpPr>
+          <p:cNvPr id="4" name="Titel 3"/>
+          <p:cNvSpPr>
+            <a:spLocks noGrp="1"/>
+          </p:cNvSpPr>
+          <p:nvPr>
+            <p:ph type="title"/>
+          </p:nvPr>
+        </p:nvSpPr>
+        <p:spPr/>
+        <p:txBody>
+          <a:bodyPr/>
+          <a:lstStyle/>
+          <a:p>
+            <a:r>
+              <a:rPr lang="de-CH" dirty="0" smtClean="0"/>
+              <a:t>Fragen?</a:t>
+            </a:r>
+            <a:endParaRPr lang="de-CH" dirty="0"/>
+          </a:p>
+        </p:txBody>
+      </p:sp>
+      <p:sp>
+        <p:nvSpPr>
+          <p:cNvPr id="5" name="Textplatzhalter 4"/>
+          <p:cNvSpPr>
+            <a:spLocks noGrp="1"/>
+          </p:cNvSpPr>
+          <p:nvPr>
+            <p:ph type="body" idx="1"/>
+          </p:nvPr>
+        </p:nvSpPr>
+        <p:spPr/>
+        <p:txBody>
+          <a:bodyPr/>
+          <a:lstStyle/>
+          <a:p>
+            <a:endParaRPr lang="de-CH"/>
+          </a:p>
+        </p:txBody>
+      </p:sp>
+    </p:spTree>
+    <p:extLst>
+      <p:ext uri="{BB962C8B-B14F-4D97-AF65-F5344CB8AC3E}">
+        <p14:creationId xmlns:p14="http://schemas.microsoft.com/office/powerpoint/2010/main" val="727181056"/>
+      </p:ext>
+    </p:extLst>
+  </p:cSld>
+  <p:clrMapOvr>
+    <a:masterClrMapping/>
+  </p:clrMapOvr>
+</p:sld>
+</file>
+
 <file path=ppt/slides/slide2.xml><?xml version="1.0" encoding="utf-8"?>
 <p:sld xmlns:a="http://schemas.openxmlformats.org/drawingml/2006/main" xmlns:r="http://schemas.openxmlformats.org/officeDocument/2006/relationships" xmlns:p="http://schemas.openxmlformats.org/presentationml/2006/main">
   <p:cSld>
@@ -3551,18 +3758,105 @@
             <a:spLocks noGrp="1"/>
           </p:cNvSpPr>
           <p:nvPr>
-            <p:ph idx="1"/>
-          </p:nvPr>
-        </p:nvSpPr>
-        <p:spPr/>
-        <p:txBody>
-          <a:bodyPr/>
-          <a:lstStyle/>
-          <a:p>
-            <a:endParaRPr lang="de-CH"/>
-          </a:p>
-        </p:txBody>
-      </p:sp>
+            <p:ph sz="half" idx="1"/>
+          </p:nvPr>
+        </p:nvSpPr>
+        <p:spPr/>
+        <p:txBody>
+          <a:bodyPr/>
+          <a:lstStyle/>
+          <a:p>
+            <a:r>
+              <a:rPr lang="de-CH" dirty="0" smtClean="0"/>
+              <a:t>Software unterteilt in 3 Packages</a:t>
+            </a:r>
+            <a:endParaRPr lang="de-CH" dirty="0"/>
+          </a:p>
+        </p:txBody>
+      </p:sp>
+      <p:sp>
+        <p:nvSpPr>
+          <p:cNvPr id="5" name="Inhaltsplatzhalter 4"/>
+          <p:cNvSpPr>
+            <a:spLocks noGrp="1"/>
+          </p:cNvSpPr>
+          <p:nvPr>
+            <p:ph sz="half" idx="2"/>
+          </p:nvPr>
+        </p:nvSpPr>
+        <p:spPr/>
+        <p:txBody>
+          <a:bodyPr/>
+          <a:lstStyle/>
+          <a:p>
+            <a:r>
+              <a:rPr lang="de-CH" dirty="0" smtClean="0"/>
+              <a:t>Model</a:t>
+            </a:r>
+            <a:endParaRPr lang="de-CH" dirty="0"/>
+          </a:p>
+        </p:txBody>
+      </p:sp>
+      <p:pic>
+        <p:nvPicPr>
+          <p:cNvPr id="4" name="Grafik 3"/>
+          <p:cNvPicPr>
+            <a:picLocks noChangeAspect="1"/>
+          </p:cNvPicPr>
+          <p:nvPr/>
+        </p:nvPicPr>
+        <p:blipFill>
+          <a:blip r:embed="rId2">
+            <a:extLst>
+              <a:ext uri="{28A0092B-C50C-407E-A947-70E740481C1C}">
+                <a14:useLocalDpi xmlns:a14="http://schemas.microsoft.com/office/drawing/2010/main" val="0"/>
+              </a:ext>
+            </a:extLst>
+          </a:blip>
+          <a:stretch>
+            <a:fillRect/>
+          </a:stretch>
+        </p:blipFill>
+        <p:spPr>
+          <a:xfrm>
+            <a:off x="1184705" y="2655478"/>
+            <a:ext cx="4717189" cy="2118544"/>
+          </a:xfrm>
+          <a:prstGeom prst="rect">
+            <a:avLst/>
+          </a:prstGeom>
+        </p:spPr>
+      </p:pic>
+      <p:pic>
+        <p:nvPicPr>
+          <p:cNvPr id="6" name="Grafik 5"/>
+          <p:cNvPicPr>
+            <a:picLocks noChangeAspect="1"/>
+          </p:cNvPicPr>
+          <p:nvPr/>
+        </p:nvPicPr>
+        <p:blipFill>
+          <a:blip r:embed="rId3">
+            <a:extLst>
+              <a:ext uri="{28A0092B-C50C-407E-A947-70E740481C1C}">
+                <a14:useLocalDpi xmlns:a14="http://schemas.microsoft.com/office/drawing/2010/main" val="0"/>
+              </a:ext>
+            </a:extLst>
+          </a:blip>
+          <a:stretch>
+            <a:fillRect/>
+          </a:stretch>
+        </p:blipFill>
+        <p:spPr>
+          <a:xfrm>
+            <a:off x="6172200" y="2655478"/>
+            <a:ext cx="4987495" cy="2491190"/>
+          </a:xfrm>
+          <a:prstGeom prst="rect">
+            <a:avLst/>
+          </a:prstGeom>
+        </p:spPr>
+      </p:pic>
     </p:spTree>
     <p:extLst>
       <p:ext uri="{BB962C8B-B14F-4D97-AF65-F5344CB8AC3E}">
@@ -3610,7 +3904,7 @@
           <a:p>
             <a:r>
               <a:rPr lang="de-CH" dirty="0" smtClean="0"/>
-              <a:t>Verwendete Patterns</a:t>
+              <a:t>Klassendiagramm</a:t>
             </a:r>
             <a:endParaRPr lang="de-CH" dirty="0"/>
           </a:p>
@@ -3618,12 +3912,12 @@
       </p:sp>
       <p:sp>
         <p:nvSpPr>
-          <p:cNvPr id="3" name="Inhaltsplatzhalter 2"/>
-          <p:cNvSpPr>
-            <a:spLocks noGrp="1"/>
-          </p:cNvSpPr>
-          <p:nvPr>
-            <p:ph idx="1"/>
+          <p:cNvPr id="4" name="Inhaltsplatzhalter 3"/>
+          <p:cNvSpPr>
+            <a:spLocks noGrp="1"/>
+          </p:cNvSpPr>
+          <p:nvPr>
+            <p:ph sz="half" idx="1"/>
           </p:nvPr>
         </p:nvSpPr>
         <p:spPr/>
@@ -3633,22 +3927,99 @@
           <a:p>
             <a:r>
               <a:rPr lang="de-CH" dirty="0" smtClean="0"/>
-              <a:t>MVC (Model-View-Controller)</a:t>
-            </a:r>
-          </a:p>
+              <a:t>Graph</a:t>
+            </a:r>
+            <a:endParaRPr lang="de-CH" dirty="0"/>
+          </a:p>
+        </p:txBody>
+      </p:sp>
+      <p:sp>
+        <p:nvSpPr>
+          <p:cNvPr id="5" name="Inhaltsplatzhalter 4"/>
+          <p:cNvSpPr>
+            <a:spLocks noGrp="1"/>
+          </p:cNvSpPr>
+          <p:nvPr>
+            <p:ph sz="half" idx="2"/>
+          </p:nvPr>
+        </p:nvSpPr>
+        <p:spPr/>
+        <p:txBody>
+          <a:bodyPr/>
+          <a:lstStyle/>
           <a:p>
             <a:r>
               <a:rPr lang="de-CH" dirty="0" smtClean="0"/>
-              <a:t>Command</a:t>
+              <a:t>Controller</a:t>
             </a:r>
             <a:endParaRPr lang="de-CH" dirty="0"/>
           </a:p>
         </p:txBody>
       </p:sp>
+      <p:pic>
+        <p:nvPicPr>
+          <p:cNvPr id="6" name="Grafik 5"/>
+          <p:cNvPicPr>
+            <a:picLocks noChangeAspect="1"/>
+          </p:cNvPicPr>
+          <p:nvPr/>
+        </p:nvPicPr>
+        <p:blipFill>
+          <a:blip r:embed="rId2">
+            <a:extLst>
+              <a:ext uri="{28A0092B-C50C-407E-A947-70E740481C1C}">
+                <a14:useLocalDpi xmlns:a14="http://schemas.microsoft.com/office/drawing/2010/main" val="0"/>
+              </a:ext>
+            </a:extLst>
+          </a:blip>
+          <a:stretch>
+            <a:fillRect/>
+          </a:stretch>
+        </p:blipFill>
+        <p:spPr>
+          <a:xfrm>
+            <a:off x="1207577" y="2370472"/>
+            <a:ext cx="4442845" cy="3261643"/>
+          </a:xfrm>
+          <a:prstGeom prst="rect">
+            <a:avLst/>
+          </a:prstGeom>
+        </p:spPr>
+      </p:pic>
+      <p:pic>
+        <p:nvPicPr>
+          <p:cNvPr id="7" name="Grafik 6"/>
+          <p:cNvPicPr>
+            <a:picLocks noChangeAspect="1"/>
+          </p:cNvPicPr>
+          <p:nvPr/>
+        </p:nvPicPr>
+        <p:blipFill>
+          <a:blip r:embed="rId3">
+            <a:extLst>
+              <a:ext uri="{28A0092B-C50C-407E-A947-70E740481C1C}">
+                <a14:useLocalDpi xmlns:a14="http://schemas.microsoft.com/office/drawing/2010/main" val="0"/>
+              </a:ext>
+            </a:extLst>
+          </a:blip>
+          <a:stretch>
+            <a:fillRect/>
+          </a:stretch>
+        </p:blipFill>
+        <p:spPr>
+          <a:xfrm>
+            <a:off x="6172200" y="2370472"/>
+            <a:ext cx="4457700" cy="3318437"/>
+          </a:xfrm>
+          <a:prstGeom prst="rect">
+            <a:avLst/>
+          </a:prstGeom>
+        </p:spPr>
+      </p:pic>
     </p:spTree>
     <p:extLst>
       <p:ext uri="{BB962C8B-B14F-4D97-AF65-F5344CB8AC3E}">
-        <p14:creationId xmlns:p14="http://schemas.microsoft.com/office/powerpoint/2010/main" val="1710362237"/>
+        <p14:creationId xmlns:p14="http://schemas.microsoft.com/office/powerpoint/2010/main" val="907418453"/>
       </p:ext>
     </p:extLst>
   </p:cSld>
@@ -3692,43 +4063,58 @@
           <a:p>
             <a:r>
               <a:rPr lang="de-CH" dirty="0" smtClean="0"/>
-              <a:t>Spiel speichern (XML-Datei/</a:t>
-            </a:r>
+              <a:t>Verwendete Patterns</a:t>
+            </a:r>
+            <a:endParaRPr lang="de-CH" dirty="0"/>
+          </a:p>
+        </p:txBody>
+      </p:sp>
+      <p:sp>
+        <p:nvSpPr>
+          <p:cNvPr id="3" name="Inhaltsplatzhalter 2"/>
+          <p:cNvSpPr>
+            <a:spLocks noGrp="1"/>
+          </p:cNvSpPr>
+          <p:nvPr>
+            <p:ph idx="1"/>
+          </p:nvPr>
+        </p:nvSpPr>
+        <p:spPr/>
+        <p:txBody>
+          <a:bodyPr/>
+          <a:lstStyle/>
+          <a:p>
+            <a:r>
+              <a:rPr lang="de-CH" dirty="0" smtClean="0"/>
+              <a:t>MVC (Model-View-Controller)</a:t>
+            </a:r>
+          </a:p>
+          <a:p>
+            <a:r>
+              <a:rPr lang="de-CH" dirty="0" smtClean="0"/>
+              <a:t>Factory</a:t>
+            </a:r>
+          </a:p>
+          <a:p>
             <a:r>
               <a:rPr lang="de-CH" dirty="0" err="1" smtClean="0"/>
-              <a:t>Json</a:t>
-            </a:r>
-            <a:r>
-              <a:rPr lang="de-CH" smtClean="0"/>
-              <a:t>)</a:t>
+              <a:t>Decorator</a:t>
+            </a:r>
+            <a:endParaRPr lang="de-CH" dirty="0" smtClean="0"/>
+          </a:p>
+          <a:p>
+            <a:r>
+              <a:rPr lang="de-CH" dirty="0" smtClean="0"/>
+              <a:t>Template</a:t>
             </a:r>
             <a:endParaRPr lang="de-CH" dirty="0"/>
-          </a:p>
-        </p:txBody>
-      </p:sp>
-      <p:sp>
-        <p:nvSpPr>
-          <p:cNvPr id="3" name="Inhaltsplatzhalter 2"/>
-          <p:cNvSpPr>
-            <a:spLocks noGrp="1"/>
-          </p:cNvSpPr>
-          <p:nvPr>
-            <p:ph idx="1"/>
-          </p:nvPr>
-        </p:nvSpPr>
-        <p:spPr/>
-        <p:txBody>
-          <a:bodyPr/>
-          <a:lstStyle/>
-          <a:p>
-            <a:endParaRPr lang="de-CH"/>
           </a:p>
         </p:txBody>
       </p:sp>
     </p:spTree>
     <p:extLst>
       <p:ext uri="{BB962C8B-B14F-4D97-AF65-F5344CB8AC3E}">
-        <p14:creationId xmlns:p14="http://schemas.microsoft.com/office/powerpoint/2010/main" val="2462075312"/>
+        <p14:creationId xmlns:p14="http://schemas.microsoft.com/office/powerpoint/2010/main" val="1710362237"/>
       </p:ext>
     </p:extLst>
   </p:cSld>
@@ -3771,20 +4157,16 @@
           <a:lstStyle/>
           <a:p>
             <a:r>
+              <a:rPr lang="de-CH" dirty="0" smtClean="0"/>
+              <a:t>Spiel speichern (XML-Datei/</a:t>
+            </a:r>
+            <a:r>
               <a:rPr lang="de-CH" dirty="0" err="1" smtClean="0"/>
-              <a:t>Product</a:t>
-            </a:r>
-            <a:r>
-              <a:rPr lang="de-CH" dirty="0"/>
-              <a:t> </a:t>
+              <a:t>Json</a:t>
             </a:r>
             <a:r>
               <a:rPr lang="de-CH" dirty="0" smtClean="0"/>
-              <a:t>&amp; Sprint </a:t>
-            </a:r>
-            <a:r>
-              <a:rPr lang="de-CH" dirty="0" err="1" smtClean="0"/>
-              <a:t>Backlog</a:t>
+              <a:t>)</a:t>
             </a:r>
             <a:endParaRPr lang="de-CH" dirty="0"/>
           </a:p>
@@ -3805,14 +4187,14 @@
           <a:bodyPr/>
           <a:lstStyle/>
           <a:p>
-            <a:endParaRPr lang="de-CH" dirty="0"/>
+            <a:endParaRPr lang="de-CH"/>
           </a:p>
         </p:txBody>
       </p:sp>
     </p:spTree>
     <p:extLst>
       <p:ext uri="{BB962C8B-B14F-4D97-AF65-F5344CB8AC3E}">
-        <p14:creationId xmlns:p14="http://schemas.microsoft.com/office/powerpoint/2010/main" val="4243382410"/>
+        <p14:creationId xmlns:p14="http://schemas.microsoft.com/office/powerpoint/2010/main" val="2462075312"/>
       </p:ext>
     </p:extLst>
   </p:cSld>
@@ -3855,8 +4237,20 @@
           <a:lstStyle/>
           <a:p>
             <a:r>
+              <a:rPr lang="de-CH" dirty="0" err="1" smtClean="0"/>
+              <a:t>Product</a:t>
+            </a:r>
+            <a:r>
+              <a:rPr lang="de-CH" dirty="0"/>
+              <a:t> </a:t>
+            </a:r>
+            <a:r>
               <a:rPr lang="de-CH" dirty="0" smtClean="0"/>
-              <a:t>Erfahrungen</a:t>
+              <a:t>&amp; Sprint </a:t>
+            </a:r>
+            <a:r>
+              <a:rPr lang="de-CH" dirty="0" err="1" smtClean="0"/>
+              <a:t>Backlog</a:t>
             </a:r>
             <a:endParaRPr lang="de-CH" dirty="0"/>
           </a:p>
@@ -3877,14 +4271,14 @@
           <a:bodyPr/>
           <a:lstStyle/>
           <a:p>
-            <a:endParaRPr lang="de-CH"/>
+            <a:endParaRPr lang="de-CH" dirty="0"/>
           </a:p>
         </p:txBody>
       </p:sp>
     </p:spTree>
     <p:extLst>
       <p:ext uri="{BB962C8B-B14F-4D97-AF65-F5344CB8AC3E}">
-        <p14:creationId xmlns:p14="http://schemas.microsoft.com/office/powerpoint/2010/main" val="632529554"/>
+        <p14:creationId xmlns:p14="http://schemas.microsoft.com/office/powerpoint/2010/main" val="4243382410"/>
       </p:ext>
     </p:extLst>
   </p:cSld>
@@ -3928,6 +4322,78 @@
           <a:p>
             <a:r>
               <a:rPr lang="de-CH" dirty="0" smtClean="0"/>
+              <a:t>Erfahrungen</a:t>
+            </a:r>
+            <a:endParaRPr lang="de-CH" dirty="0"/>
+          </a:p>
+        </p:txBody>
+      </p:sp>
+      <p:sp>
+        <p:nvSpPr>
+          <p:cNvPr id="3" name="Inhaltsplatzhalter 2"/>
+          <p:cNvSpPr>
+            <a:spLocks noGrp="1"/>
+          </p:cNvSpPr>
+          <p:nvPr>
+            <p:ph idx="1"/>
+          </p:nvPr>
+        </p:nvSpPr>
+        <p:spPr/>
+        <p:txBody>
+          <a:bodyPr/>
+          <a:lstStyle/>
+          <a:p>
+            <a:endParaRPr lang="de-CH"/>
+          </a:p>
+        </p:txBody>
+      </p:sp>
+    </p:spTree>
+    <p:extLst>
+      <p:ext uri="{BB962C8B-B14F-4D97-AF65-F5344CB8AC3E}">
+        <p14:creationId xmlns:p14="http://schemas.microsoft.com/office/powerpoint/2010/main" val="632529554"/>
+      </p:ext>
+    </p:extLst>
+  </p:cSld>
+  <p:clrMapOvr>
+    <a:masterClrMapping/>
+  </p:clrMapOvr>
+</p:sld>
+</file>
+
+<file path=ppt/slides/slide8.xml><?xml version="1.0" encoding="utf-8"?>
+<p:sld xmlns:a="http://schemas.openxmlformats.org/drawingml/2006/main" xmlns:r="http://schemas.openxmlformats.org/officeDocument/2006/relationships" xmlns:p="http://schemas.openxmlformats.org/presentationml/2006/main">
+  <p:cSld>
+    <p:spTree>
+      <p:nvGrpSpPr>
+        <p:cNvPr id="1" name=""/>
+        <p:cNvGrpSpPr/>
+        <p:nvPr/>
+      </p:nvGrpSpPr>
+      <p:grpSpPr>
+        <a:xfrm>
+          <a:off x="0" y="0"/>
+          <a:ext cx="0" cy="0"/>
+          <a:chOff x="0" y="0"/>
+          <a:chExt cx="0" cy="0"/>
+        </a:xfrm>
+      </p:grpSpPr>
+      <p:sp>
+        <p:nvSpPr>
+          <p:cNvPr id="2" name="Titel 1"/>
+          <p:cNvSpPr>
+            <a:spLocks noGrp="1"/>
+          </p:cNvSpPr>
+          <p:nvPr>
+            <p:ph type="title"/>
+          </p:nvPr>
+        </p:nvSpPr>
+        <p:spPr/>
+        <p:txBody>
+          <a:bodyPr/>
+          <a:lstStyle/>
+          <a:p>
+            <a:r>
+              <a:rPr lang="de-CH" dirty="0" smtClean="0"/>
               <a:t>Vergleich der Prozesse</a:t>
             </a:r>
             <a:endParaRPr lang="de-CH" dirty="0"/>
@@ -3966,7 +4432,7 @@
 </p:sld>
 </file>
 
-<file path=ppt/slides/slide8.xml><?xml version="1.0" encoding="utf-8"?>
+<file path=ppt/slides/slide9.xml><?xml version="1.0" encoding="utf-8"?>
 <p:sld xmlns:a="http://schemas.openxmlformats.org/drawingml/2006/main" xmlns:r="http://schemas.openxmlformats.org/officeDocument/2006/relationships" xmlns:p="http://schemas.openxmlformats.org/presentationml/2006/main">
   <p:cSld>
     <p:spTree>

--- a/documentation/Präsentation_Hashi_TeamSG.pptx
+++ b/documentation/Präsentation_Hashi_TeamSG.pptx
@@ -5,7 +5,7 @@
     <p:sldMasterId id="2147483725" r:id="rId1"/>
   </p:sldMasterIdLst>
   <p:notesMasterIdLst>
-    <p:notesMasterId r:id="rId12"/>
+    <p:notesMasterId r:id="rId13"/>
   </p:notesMasterIdLst>
   <p:sldIdLst>
     <p:sldId id="256" r:id="rId2"/>
@@ -14,10 +14,11 @@
     <p:sldId id="257" r:id="rId5"/>
     <p:sldId id="262" r:id="rId6"/>
     <p:sldId id="263" r:id="rId7"/>
-    <p:sldId id="259" r:id="rId8"/>
-    <p:sldId id="260" r:id="rId9"/>
-    <p:sldId id="258" r:id="rId10"/>
-    <p:sldId id="264" r:id="rId11"/>
+    <p:sldId id="267" r:id="rId8"/>
+    <p:sldId id="259" r:id="rId9"/>
+    <p:sldId id="260" r:id="rId10"/>
+    <p:sldId id="258" r:id="rId11"/>
+    <p:sldId id="264" r:id="rId12"/>
   </p:sldIdLst>
   <p:sldSz cx="12192000" cy="6858000"/>
   <p:notesSz cx="6858000" cy="9144000"/>
@@ -206,7 +207,7 @@
           <a:p>
             <a:fld id="{E0AA2C8D-CD60-42F0-B358-E14A0DF454F0}" type="datetimeFigureOut">
               <a:rPr lang="de-CH" smtClean="0"/>
-              <a:t>02.06.2016</a:t>
+              <a:t>04.06.2016</a:t>
             </a:fld>
             <a:endParaRPr lang="de-CH"/>
           </a:p>
@@ -270,35 +271,35 @@
           <a:p>
             <a:pPr lvl="0"/>
             <a:r>
-              <a:rPr lang="de-DE" smtClean="0"/>
+              <a:rPr lang="de-DE"/>
               <a:t>Textmasterformat bearbeiten</a:t>
             </a:r>
           </a:p>
           <a:p>
             <a:pPr lvl="1"/>
             <a:r>
-              <a:rPr lang="de-DE" smtClean="0"/>
+              <a:rPr lang="de-DE"/>
               <a:t>Zweite Ebene</a:t>
             </a:r>
           </a:p>
           <a:p>
             <a:pPr lvl="2"/>
             <a:r>
-              <a:rPr lang="de-DE" smtClean="0"/>
+              <a:rPr lang="de-DE"/>
               <a:t>Dritte Ebene</a:t>
             </a:r>
           </a:p>
           <a:p>
             <a:pPr lvl="3"/>
             <a:r>
-              <a:rPr lang="de-DE" smtClean="0"/>
+              <a:rPr lang="de-DE"/>
               <a:t>Vierte Ebene</a:t>
             </a:r>
           </a:p>
           <a:p>
             <a:pPr lvl="4"/>
             <a:r>
-              <a:rPr lang="de-DE" smtClean="0"/>
+              <a:rPr lang="de-DE"/>
               <a:t>Fünfte Ebene</a:t>
             </a:r>
             <a:endParaRPr lang="de-CH"/>
@@ -519,50 +520,49 @@
           <a:lstStyle/>
           <a:p>
             <a:r>
-              <a:rPr lang="de-CH" dirty="0" smtClean="0"/>
+              <a:rPr lang="de-CH" dirty="0"/>
               <a:t>MVC (Model-View-Controller):</a:t>
             </a:r>
             <a:r>
-              <a:rPr lang="de-CH" baseline="0" dirty="0" smtClean="0"/>
+              <a:rPr lang="de-CH" baseline="0" dirty="0"/>
               <a:t> </a:t>
             </a:r>
-            <a:endParaRPr lang="de-CH" dirty="0" smtClean="0"/>
-          </a:p>
-          <a:p>
-            <a:r>
-              <a:rPr lang="de-CH" dirty="0" smtClean="0"/>
+            <a:endParaRPr lang="de-CH" dirty="0"/>
+          </a:p>
+          <a:p>
+            <a:r>
+              <a:rPr lang="de-CH" dirty="0"/>
               <a:t>Factory: </a:t>
             </a:r>
           </a:p>
           <a:p>
             <a:r>
-              <a:rPr lang="de-CH" dirty="0" err="1" smtClean="0"/>
+              <a:rPr lang="de-CH" dirty="0" err="1"/>
               <a:t>Decorator</a:t>
             </a:r>
             <a:r>
-              <a:rPr lang="de-CH" dirty="0" smtClean="0"/>
+              <a:rPr lang="de-CH" dirty="0"/>
               <a:t>: </a:t>
             </a:r>
             <a:r>
-              <a:rPr lang="de-CH" dirty="0" err="1" smtClean="0"/>
+              <a:rPr lang="de-CH" dirty="0" err="1"/>
               <a:t>Undo</a:t>
             </a:r>
             <a:r>
-              <a:rPr lang="de-CH" dirty="0" smtClean="0"/>
+              <a:rPr lang="de-CH" dirty="0"/>
               <a:t>/</a:t>
             </a:r>
             <a:r>
-              <a:rPr lang="de-CH" dirty="0" err="1" smtClean="0"/>
+              <a:rPr lang="de-CH" dirty="0" err="1"/>
               <a:t>Redo</a:t>
             </a:r>
-            <a:endParaRPr lang="de-CH" dirty="0" smtClean="0"/>
-          </a:p>
-          <a:p>
-            <a:r>
-              <a:rPr lang="de-CH" dirty="0" smtClean="0"/>
+            <a:endParaRPr lang="de-CH" dirty="0"/>
+          </a:p>
+          <a:p>
+            <a:r>
+              <a:rPr lang="de-CH" dirty="0"/>
               <a:t>Template: </a:t>
             </a:r>
-            <a:endParaRPr lang="de-CH" dirty="0"/>
           </a:p>
         </p:txBody>
       </p:sp>
@@ -664,18 +664,17 @@
               <a:defRPr/>
             </a:pPr>
             <a:r>
-              <a:rPr lang="de-CH" dirty="0" smtClean="0"/>
+              <a:rPr lang="de-CH" dirty="0"/>
               <a:t>Screenshot </a:t>
             </a:r>
             <a:r>
-              <a:rPr lang="de-CH" dirty="0" err="1" smtClean="0"/>
+              <a:rPr lang="de-CH" dirty="0" err="1"/>
               <a:t>Hashi</a:t>
             </a:r>
             <a:r>
-              <a:rPr lang="de-CH" dirty="0" smtClean="0"/>
+              <a:rPr lang="de-CH" dirty="0"/>
               <a:t>, Funktionen Vorzeigen</a:t>
             </a:r>
-            <a:endParaRPr lang="de-CH" dirty="0"/>
           </a:p>
         </p:txBody>
       </p:sp>
@@ -696,7 +695,7 @@
           <a:p>
             <a:fld id="{F5B24102-8416-4B7F-9D73-26FC6C4DF7AF}" type="slidenum">
               <a:rPr lang="de-CH" smtClean="0"/>
-              <a:t>9</a:t>
+              <a:t>10</a:t>
             </a:fld>
             <a:endParaRPr lang="de-CH"/>
           </a:p>
@@ -757,7 +756,7 @@
           </a:lstStyle>
           <a:p>
             <a:r>
-              <a:rPr lang="de-DE" smtClean="0"/>
+              <a:rPr lang="de-DE"/>
               <a:t>Titelmasterformat durch Klicken bearbeiten</a:t>
             </a:r>
             <a:endParaRPr lang="de-CH"/>
@@ -822,7 +821,7 @@
           </a:lstStyle>
           <a:p>
             <a:r>
-              <a:rPr lang="de-DE" smtClean="0"/>
+              <a:rPr lang="de-DE"/>
               <a:t>Formatvorlage des Untertitelmasters durch Klicken bearbeiten</a:t>
             </a:r>
             <a:endParaRPr lang="de-CH"/>
@@ -846,7 +845,7 @@
           <a:p>
             <a:fld id="{EDF032E5-4712-4CD3-A297-BA927FE98535}" type="datetimeFigureOut">
               <a:rPr lang="de-CH" smtClean="0"/>
-              <a:t>02.06.2016</a:t>
+              <a:t>04.06.2016</a:t>
             </a:fld>
             <a:endParaRPr lang="de-CH"/>
           </a:p>
@@ -940,7 +939,7 @@
           <a:lstStyle/>
           <a:p>
             <a:r>
-              <a:rPr lang="de-DE" smtClean="0"/>
+              <a:rPr lang="de-DE"/>
               <a:t>Titelmasterformat durch Klicken bearbeiten</a:t>
             </a:r>
             <a:endParaRPr lang="de-CH"/>
@@ -964,35 +963,35 @@
           <a:p>
             <a:pPr lvl="0"/>
             <a:r>
-              <a:rPr lang="de-DE" smtClean="0"/>
+              <a:rPr lang="de-DE"/>
               <a:t>Textmasterformat bearbeiten</a:t>
             </a:r>
           </a:p>
           <a:p>
             <a:pPr lvl="1"/>
             <a:r>
-              <a:rPr lang="de-DE" smtClean="0"/>
+              <a:rPr lang="de-DE"/>
               <a:t>Zweite Ebene</a:t>
             </a:r>
           </a:p>
           <a:p>
             <a:pPr lvl="2"/>
             <a:r>
-              <a:rPr lang="de-DE" smtClean="0"/>
+              <a:rPr lang="de-DE"/>
               <a:t>Dritte Ebene</a:t>
             </a:r>
           </a:p>
           <a:p>
             <a:pPr lvl="3"/>
             <a:r>
-              <a:rPr lang="de-DE" smtClean="0"/>
+              <a:rPr lang="de-DE"/>
               <a:t>Vierte Ebene</a:t>
             </a:r>
           </a:p>
           <a:p>
             <a:pPr lvl="4"/>
             <a:r>
-              <a:rPr lang="de-DE" smtClean="0"/>
+              <a:rPr lang="de-DE"/>
               <a:t>Fünfte Ebene</a:t>
             </a:r>
             <a:endParaRPr lang="de-CH"/>
@@ -1016,7 +1015,7 @@
           <a:p>
             <a:fld id="{EDF032E5-4712-4CD3-A297-BA927FE98535}" type="datetimeFigureOut">
               <a:rPr lang="de-CH" smtClean="0"/>
-              <a:t>02.06.2016</a:t>
+              <a:t>04.06.2016</a:t>
             </a:fld>
             <a:endParaRPr lang="de-CH"/>
           </a:p>
@@ -1115,7 +1114,7 @@
           <a:lstStyle/>
           <a:p>
             <a:r>
-              <a:rPr lang="de-DE" smtClean="0"/>
+              <a:rPr lang="de-DE"/>
               <a:t>Titelmasterformat durch Klicken bearbeiten</a:t>
             </a:r>
             <a:endParaRPr lang="de-CH"/>
@@ -1144,35 +1143,35 @@
           <a:p>
             <a:pPr lvl="0"/>
             <a:r>
-              <a:rPr lang="de-DE" smtClean="0"/>
+              <a:rPr lang="de-DE"/>
               <a:t>Textmasterformat bearbeiten</a:t>
             </a:r>
           </a:p>
           <a:p>
             <a:pPr lvl="1"/>
             <a:r>
-              <a:rPr lang="de-DE" smtClean="0"/>
+              <a:rPr lang="de-DE"/>
               <a:t>Zweite Ebene</a:t>
             </a:r>
           </a:p>
           <a:p>
             <a:pPr lvl="2"/>
             <a:r>
-              <a:rPr lang="de-DE" smtClean="0"/>
+              <a:rPr lang="de-DE"/>
               <a:t>Dritte Ebene</a:t>
             </a:r>
           </a:p>
           <a:p>
             <a:pPr lvl="3"/>
             <a:r>
-              <a:rPr lang="de-DE" smtClean="0"/>
+              <a:rPr lang="de-DE"/>
               <a:t>Vierte Ebene</a:t>
             </a:r>
           </a:p>
           <a:p>
             <a:pPr lvl="4"/>
             <a:r>
-              <a:rPr lang="de-DE" smtClean="0"/>
+              <a:rPr lang="de-DE"/>
               <a:t>Fünfte Ebene</a:t>
             </a:r>
             <a:endParaRPr lang="de-CH"/>
@@ -1196,7 +1195,7 @@
           <a:p>
             <a:fld id="{EDF032E5-4712-4CD3-A297-BA927FE98535}" type="datetimeFigureOut">
               <a:rPr lang="de-CH" smtClean="0"/>
-              <a:t>02.06.2016</a:t>
+              <a:t>04.06.2016</a:t>
             </a:fld>
             <a:endParaRPr lang="de-CH"/>
           </a:p>
@@ -1290,7 +1289,7 @@
           <a:lstStyle/>
           <a:p>
             <a:r>
-              <a:rPr lang="de-DE" smtClean="0"/>
+              <a:rPr lang="de-DE"/>
               <a:t>Titelmasterformat durch Klicken bearbeiten</a:t>
             </a:r>
             <a:endParaRPr lang="de-CH"/>
@@ -1314,35 +1313,35 @@
           <a:p>
             <a:pPr lvl="0"/>
             <a:r>
-              <a:rPr lang="de-DE" smtClean="0"/>
+              <a:rPr lang="de-DE"/>
               <a:t>Textmasterformat bearbeiten</a:t>
             </a:r>
           </a:p>
           <a:p>
             <a:pPr lvl="1"/>
             <a:r>
-              <a:rPr lang="de-DE" smtClean="0"/>
+              <a:rPr lang="de-DE"/>
               <a:t>Zweite Ebene</a:t>
             </a:r>
           </a:p>
           <a:p>
             <a:pPr lvl="2"/>
             <a:r>
-              <a:rPr lang="de-DE" smtClean="0"/>
+              <a:rPr lang="de-DE"/>
               <a:t>Dritte Ebene</a:t>
             </a:r>
           </a:p>
           <a:p>
             <a:pPr lvl="3"/>
             <a:r>
-              <a:rPr lang="de-DE" smtClean="0"/>
+              <a:rPr lang="de-DE"/>
               <a:t>Vierte Ebene</a:t>
             </a:r>
           </a:p>
           <a:p>
             <a:pPr lvl="4"/>
             <a:r>
-              <a:rPr lang="de-DE" smtClean="0"/>
+              <a:rPr lang="de-DE"/>
               <a:t>Fünfte Ebene</a:t>
             </a:r>
             <a:endParaRPr lang="de-CH"/>
@@ -1366,7 +1365,7 @@
           <a:p>
             <a:fld id="{EDF032E5-4712-4CD3-A297-BA927FE98535}" type="datetimeFigureOut">
               <a:rPr lang="de-CH" smtClean="0"/>
-              <a:t>02.06.2016</a:t>
+              <a:t>04.06.2016</a:t>
             </a:fld>
             <a:endParaRPr lang="de-CH"/>
           </a:p>
@@ -1469,7 +1468,7 @@
           </a:lstStyle>
           <a:p>
             <a:r>
-              <a:rPr lang="de-DE" smtClean="0"/>
+              <a:rPr lang="de-DE"/>
               <a:t>Titelmasterformat durch Klicken bearbeiten</a:t>
             </a:r>
             <a:endParaRPr lang="de-CH"/>
@@ -1589,7 +1588,7 @@
           <a:p>
             <a:pPr lvl="0"/>
             <a:r>
-              <a:rPr lang="de-DE" smtClean="0"/>
+              <a:rPr lang="de-DE"/>
               <a:t>Textmasterformat bearbeiten</a:t>
             </a:r>
           </a:p>
@@ -1612,7 +1611,7 @@
           <a:p>
             <a:fld id="{EDF032E5-4712-4CD3-A297-BA927FE98535}" type="datetimeFigureOut">
               <a:rPr lang="de-CH" smtClean="0"/>
-              <a:t>02.06.2016</a:t>
+              <a:t>04.06.2016</a:t>
             </a:fld>
             <a:endParaRPr lang="de-CH"/>
           </a:p>
@@ -1706,7 +1705,7 @@
           <a:lstStyle/>
           <a:p>
             <a:r>
-              <a:rPr lang="de-DE" smtClean="0"/>
+              <a:rPr lang="de-DE"/>
               <a:t>Titelmasterformat durch Klicken bearbeiten</a:t>
             </a:r>
             <a:endParaRPr lang="de-CH"/>
@@ -1735,35 +1734,35 @@
           <a:p>
             <a:pPr lvl="0"/>
             <a:r>
-              <a:rPr lang="de-DE" smtClean="0"/>
+              <a:rPr lang="de-DE"/>
               <a:t>Textmasterformat bearbeiten</a:t>
             </a:r>
           </a:p>
           <a:p>
             <a:pPr lvl="1"/>
             <a:r>
-              <a:rPr lang="de-DE" smtClean="0"/>
+              <a:rPr lang="de-DE"/>
               <a:t>Zweite Ebene</a:t>
             </a:r>
           </a:p>
           <a:p>
             <a:pPr lvl="2"/>
             <a:r>
-              <a:rPr lang="de-DE" smtClean="0"/>
+              <a:rPr lang="de-DE"/>
               <a:t>Dritte Ebene</a:t>
             </a:r>
           </a:p>
           <a:p>
             <a:pPr lvl="3"/>
             <a:r>
-              <a:rPr lang="de-DE" smtClean="0"/>
+              <a:rPr lang="de-DE"/>
               <a:t>Vierte Ebene</a:t>
             </a:r>
           </a:p>
           <a:p>
             <a:pPr lvl="4"/>
             <a:r>
-              <a:rPr lang="de-DE" smtClean="0"/>
+              <a:rPr lang="de-DE"/>
               <a:t>Fünfte Ebene</a:t>
             </a:r>
             <a:endParaRPr lang="de-CH"/>
@@ -1792,35 +1791,35 @@
           <a:p>
             <a:pPr lvl="0"/>
             <a:r>
-              <a:rPr lang="de-DE" smtClean="0"/>
+              <a:rPr lang="de-DE"/>
               <a:t>Textmasterformat bearbeiten</a:t>
             </a:r>
           </a:p>
           <a:p>
             <a:pPr lvl="1"/>
             <a:r>
-              <a:rPr lang="de-DE" smtClean="0"/>
+              <a:rPr lang="de-DE"/>
               <a:t>Zweite Ebene</a:t>
             </a:r>
           </a:p>
           <a:p>
             <a:pPr lvl="2"/>
             <a:r>
-              <a:rPr lang="de-DE" smtClean="0"/>
+              <a:rPr lang="de-DE"/>
               <a:t>Dritte Ebene</a:t>
             </a:r>
           </a:p>
           <a:p>
             <a:pPr lvl="3"/>
             <a:r>
-              <a:rPr lang="de-DE" smtClean="0"/>
+              <a:rPr lang="de-DE"/>
               <a:t>Vierte Ebene</a:t>
             </a:r>
           </a:p>
           <a:p>
             <a:pPr lvl="4"/>
             <a:r>
-              <a:rPr lang="de-DE" smtClean="0"/>
+              <a:rPr lang="de-DE"/>
               <a:t>Fünfte Ebene</a:t>
             </a:r>
             <a:endParaRPr lang="de-CH"/>
@@ -1844,7 +1843,7 @@
           <a:p>
             <a:fld id="{EDF032E5-4712-4CD3-A297-BA927FE98535}" type="datetimeFigureOut">
               <a:rPr lang="de-CH" smtClean="0"/>
-              <a:t>02.06.2016</a:t>
+              <a:t>04.06.2016</a:t>
             </a:fld>
             <a:endParaRPr lang="de-CH"/>
           </a:p>
@@ -1943,7 +1942,7 @@
           <a:lstStyle/>
           <a:p>
             <a:r>
-              <a:rPr lang="de-DE" smtClean="0"/>
+              <a:rPr lang="de-DE"/>
               <a:t>Titelmasterformat durch Klicken bearbeiten</a:t>
             </a:r>
             <a:endParaRPr lang="de-CH"/>
@@ -2009,7 +2008,7 @@
           <a:p>
             <a:pPr lvl="0"/>
             <a:r>
-              <a:rPr lang="de-DE" smtClean="0"/>
+              <a:rPr lang="de-DE"/>
               <a:t>Textmasterformat bearbeiten</a:t>
             </a:r>
           </a:p>
@@ -2037,35 +2036,35 @@
           <a:p>
             <a:pPr lvl="0"/>
             <a:r>
-              <a:rPr lang="de-DE" smtClean="0"/>
+              <a:rPr lang="de-DE"/>
               <a:t>Textmasterformat bearbeiten</a:t>
             </a:r>
           </a:p>
           <a:p>
             <a:pPr lvl="1"/>
             <a:r>
-              <a:rPr lang="de-DE" smtClean="0"/>
+              <a:rPr lang="de-DE"/>
               <a:t>Zweite Ebene</a:t>
             </a:r>
           </a:p>
           <a:p>
             <a:pPr lvl="2"/>
             <a:r>
-              <a:rPr lang="de-DE" smtClean="0"/>
+              <a:rPr lang="de-DE"/>
               <a:t>Dritte Ebene</a:t>
             </a:r>
           </a:p>
           <a:p>
             <a:pPr lvl="3"/>
             <a:r>
-              <a:rPr lang="de-DE" smtClean="0"/>
+              <a:rPr lang="de-DE"/>
               <a:t>Vierte Ebene</a:t>
             </a:r>
           </a:p>
           <a:p>
             <a:pPr lvl="4"/>
             <a:r>
-              <a:rPr lang="de-DE" smtClean="0"/>
+              <a:rPr lang="de-DE"/>
               <a:t>Fünfte Ebene</a:t>
             </a:r>
             <a:endParaRPr lang="de-CH"/>
@@ -2131,7 +2130,7 @@
           <a:p>
             <a:pPr lvl="0"/>
             <a:r>
-              <a:rPr lang="de-DE" smtClean="0"/>
+              <a:rPr lang="de-DE"/>
               <a:t>Textmasterformat bearbeiten</a:t>
             </a:r>
           </a:p>
@@ -2159,35 +2158,35 @@
           <a:p>
             <a:pPr lvl="0"/>
             <a:r>
-              <a:rPr lang="de-DE" smtClean="0"/>
+              <a:rPr lang="de-DE"/>
               <a:t>Textmasterformat bearbeiten</a:t>
             </a:r>
           </a:p>
           <a:p>
             <a:pPr lvl="1"/>
             <a:r>
-              <a:rPr lang="de-DE" smtClean="0"/>
+              <a:rPr lang="de-DE"/>
               <a:t>Zweite Ebene</a:t>
             </a:r>
           </a:p>
           <a:p>
             <a:pPr lvl="2"/>
             <a:r>
-              <a:rPr lang="de-DE" smtClean="0"/>
+              <a:rPr lang="de-DE"/>
               <a:t>Dritte Ebene</a:t>
             </a:r>
           </a:p>
           <a:p>
             <a:pPr lvl="3"/>
             <a:r>
-              <a:rPr lang="de-DE" smtClean="0"/>
+              <a:rPr lang="de-DE"/>
               <a:t>Vierte Ebene</a:t>
             </a:r>
           </a:p>
           <a:p>
             <a:pPr lvl="4"/>
             <a:r>
-              <a:rPr lang="de-DE" smtClean="0"/>
+              <a:rPr lang="de-DE"/>
               <a:t>Fünfte Ebene</a:t>
             </a:r>
             <a:endParaRPr lang="de-CH"/>
@@ -2211,7 +2210,7 @@
           <a:p>
             <a:fld id="{EDF032E5-4712-4CD3-A297-BA927FE98535}" type="datetimeFigureOut">
               <a:rPr lang="de-CH" smtClean="0"/>
-              <a:t>02.06.2016</a:t>
+              <a:t>04.06.2016</a:t>
             </a:fld>
             <a:endParaRPr lang="de-CH"/>
           </a:p>
@@ -2305,7 +2304,7 @@
           <a:lstStyle/>
           <a:p>
             <a:r>
-              <a:rPr lang="de-DE" smtClean="0"/>
+              <a:rPr lang="de-DE"/>
               <a:t>Titelmasterformat durch Klicken bearbeiten</a:t>
             </a:r>
             <a:endParaRPr lang="de-CH"/>
@@ -2329,7 +2328,7 @@
           <a:p>
             <a:fld id="{EDF032E5-4712-4CD3-A297-BA927FE98535}" type="datetimeFigureOut">
               <a:rPr lang="de-CH" smtClean="0"/>
-              <a:t>02.06.2016</a:t>
+              <a:t>04.06.2016</a:t>
             </a:fld>
             <a:endParaRPr lang="de-CH"/>
           </a:p>
@@ -2424,7 +2423,7 @@
           <a:p>
             <a:fld id="{EDF032E5-4712-4CD3-A297-BA927FE98535}" type="datetimeFigureOut">
               <a:rPr lang="de-CH" smtClean="0"/>
-              <a:t>02.06.2016</a:t>
+              <a:t>04.06.2016</a:t>
             </a:fld>
             <a:endParaRPr lang="de-CH"/>
           </a:p>
@@ -2527,7 +2526,7 @@
           </a:lstStyle>
           <a:p>
             <a:r>
-              <a:rPr lang="de-DE" smtClean="0"/>
+              <a:rPr lang="de-DE"/>
               <a:t>Titelmasterformat durch Klicken bearbeiten</a:t>
             </a:r>
             <a:endParaRPr lang="de-CH"/>
@@ -2584,35 +2583,35 @@
           <a:p>
             <a:pPr lvl="0"/>
             <a:r>
-              <a:rPr lang="de-DE" smtClean="0"/>
+              <a:rPr lang="de-DE"/>
               <a:t>Textmasterformat bearbeiten</a:t>
             </a:r>
           </a:p>
           <a:p>
             <a:pPr lvl="1"/>
             <a:r>
-              <a:rPr lang="de-DE" smtClean="0"/>
+              <a:rPr lang="de-DE"/>
               <a:t>Zweite Ebene</a:t>
             </a:r>
           </a:p>
           <a:p>
             <a:pPr lvl="2"/>
             <a:r>
-              <a:rPr lang="de-DE" smtClean="0"/>
+              <a:rPr lang="de-DE"/>
               <a:t>Dritte Ebene</a:t>
             </a:r>
           </a:p>
           <a:p>
             <a:pPr lvl="3"/>
             <a:r>
-              <a:rPr lang="de-DE" smtClean="0"/>
+              <a:rPr lang="de-DE"/>
               <a:t>Vierte Ebene</a:t>
             </a:r>
           </a:p>
           <a:p>
             <a:pPr lvl="4"/>
             <a:r>
-              <a:rPr lang="de-DE" smtClean="0"/>
+              <a:rPr lang="de-DE"/>
               <a:t>Fünfte Ebene</a:t>
             </a:r>
             <a:endParaRPr lang="de-CH"/>
@@ -2678,7 +2677,7 @@
           <a:p>
             <a:pPr lvl="0"/>
             <a:r>
-              <a:rPr lang="de-DE" smtClean="0"/>
+              <a:rPr lang="de-DE"/>
               <a:t>Textmasterformat bearbeiten</a:t>
             </a:r>
           </a:p>
@@ -2701,7 +2700,7 @@
           <a:p>
             <a:fld id="{EDF032E5-4712-4CD3-A297-BA927FE98535}" type="datetimeFigureOut">
               <a:rPr lang="de-CH" smtClean="0"/>
-              <a:t>02.06.2016</a:t>
+              <a:t>04.06.2016</a:t>
             </a:fld>
             <a:endParaRPr lang="de-CH"/>
           </a:p>
@@ -2804,7 +2803,7 @@
           </a:lstStyle>
           <a:p>
             <a:r>
-              <a:rPr lang="de-DE" smtClean="0"/>
+              <a:rPr lang="de-DE"/>
               <a:t>Titelmasterformat durch Klicken bearbeiten</a:t>
             </a:r>
             <a:endParaRPr lang="de-CH"/>
@@ -2931,7 +2930,7 @@
           <a:p>
             <a:pPr lvl="0"/>
             <a:r>
-              <a:rPr lang="de-DE" smtClean="0"/>
+              <a:rPr lang="de-DE"/>
               <a:t>Textmasterformat bearbeiten</a:t>
             </a:r>
           </a:p>
@@ -2954,7 +2953,7 @@
           <a:p>
             <a:fld id="{EDF032E5-4712-4CD3-A297-BA927FE98535}" type="datetimeFigureOut">
               <a:rPr lang="de-CH" smtClean="0"/>
-              <a:t>02.06.2016</a:t>
+              <a:t>04.06.2016</a:t>
             </a:fld>
             <a:endParaRPr lang="de-CH"/>
           </a:p>
@@ -3063,7 +3062,7 @@
           <a:lstStyle/>
           <a:p>
             <a:r>
-              <a:rPr lang="de-DE" smtClean="0"/>
+              <a:rPr lang="de-DE"/>
               <a:t>Titelmasterformat durch Klicken bearbeiten</a:t>
             </a:r>
             <a:endParaRPr lang="de-CH"/>
@@ -3097,35 +3096,35 @@
           <a:p>
             <a:pPr lvl="0"/>
             <a:r>
-              <a:rPr lang="de-DE" smtClean="0"/>
+              <a:rPr lang="de-DE"/>
               <a:t>Textmasterformat bearbeiten</a:t>
             </a:r>
           </a:p>
           <a:p>
             <a:pPr lvl="1"/>
             <a:r>
-              <a:rPr lang="de-DE" smtClean="0"/>
+              <a:rPr lang="de-DE"/>
               <a:t>Zweite Ebene</a:t>
             </a:r>
           </a:p>
           <a:p>
             <a:pPr lvl="2"/>
             <a:r>
-              <a:rPr lang="de-DE" smtClean="0"/>
+              <a:rPr lang="de-DE"/>
               <a:t>Dritte Ebene</a:t>
             </a:r>
           </a:p>
           <a:p>
             <a:pPr lvl="3"/>
             <a:r>
-              <a:rPr lang="de-DE" smtClean="0"/>
+              <a:rPr lang="de-DE"/>
               <a:t>Vierte Ebene</a:t>
             </a:r>
           </a:p>
           <a:p>
             <a:pPr lvl="4"/>
             <a:r>
-              <a:rPr lang="de-DE" smtClean="0"/>
+              <a:rPr lang="de-DE"/>
               <a:t>Fünfte Ebene</a:t>
             </a:r>
             <a:endParaRPr lang="de-CH"/>
@@ -3167,7 +3166,7 @@
           <a:p>
             <a:fld id="{EDF032E5-4712-4CD3-A297-BA927FE98535}" type="datetimeFigureOut">
               <a:rPr lang="de-CH" smtClean="0"/>
-              <a:t>02.06.2016</a:t>
+              <a:t>04.06.2016</a:t>
             </a:fld>
             <a:endParaRPr lang="de-CH"/>
           </a:p>
@@ -3588,7 +3587,7 @@
           <a:lstStyle/>
           <a:p>
             <a:r>
-              <a:rPr lang="de-CH" dirty="0" err="1" smtClean="0"/>
+              <a:rPr lang="de-CH" dirty="0" err="1"/>
               <a:t>Hashi</a:t>
             </a:r>
             <a:endParaRPr lang="de-CH" dirty="0"/>
@@ -3611,18 +3610,17 @@
           <a:lstStyle/>
           <a:p>
             <a:r>
-              <a:rPr lang="de-CH" dirty="0" smtClean="0"/>
+              <a:rPr lang="de-CH" dirty="0"/>
               <a:t>Projektentwicklung mit </a:t>
             </a:r>
             <a:r>
-              <a:rPr lang="de-CH" dirty="0" err="1" smtClean="0"/>
+              <a:rPr lang="de-CH" dirty="0" err="1"/>
               <a:t>Scrum</a:t>
             </a:r>
             <a:r>
-              <a:rPr lang="de-CH" dirty="0" smtClean="0"/>
+              <a:rPr lang="de-CH" dirty="0"/>
               <a:t> – Team SG</a:t>
             </a:r>
-            <a:endParaRPr lang="de-CH" dirty="0"/>
           </a:p>
         </p:txBody>
       </p:sp>
@@ -3658,6 +3656,77 @@
       </p:grpSpPr>
       <p:sp>
         <p:nvSpPr>
+          <p:cNvPr id="2" name="Titel 1"/>
+          <p:cNvSpPr>
+            <a:spLocks noGrp="1"/>
+          </p:cNvSpPr>
+          <p:nvPr>
+            <p:ph type="title"/>
+          </p:nvPr>
+        </p:nvSpPr>
+        <p:spPr/>
+        <p:txBody>
+          <a:bodyPr/>
+          <a:lstStyle/>
+          <a:p>
+            <a:r>
+              <a:rPr lang="de-CH" dirty="0"/>
+              <a:t>Demo Spiel	</a:t>
+            </a:r>
+          </a:p>
+        </p:txBody>
+      </p:sp>
+      <p:sp>
+        <p:nvSpPr>
+          <p:cNvPr id="3" name="Inhaltsplatzhalter 2"/>
+          <p:cNvSpPr>
+            <a:spLocks noGrp="1"/>
+          </p:cNvSpPr>
+          <p:nvPr>
+            <p:ph idx="1"/>
+          </p:nvPr>
+        </p:nvSpPr>
+        <p:spPr/>
+        <p:txBody>
+          <a:bodyPr/>
+          <a:lstStyle/>
+          <a:p>
+            <a:endParaRPr lang="de-CH" dirty="0"/>
+          </a:p>
+        </p:txBody>
+      </p:sp>
+    </p:spTree>
+    <p:extLst>
+      <p:ext uri="{BB962C8B-B14F-4D97-AF65-F5344CB8AC3E}">
+        <p14:creationId xmlns:p14="http://schemas.microsoft.com/office/powerpoint/2010/main" val="644133017"/>
+      </p:ext>
+    </p:extLst>
+  </p:cSld>
+  <p:clrMapOvr>
+    <a:masterClrMapping/>
+  </p:clrMapOvr>
+</p:sld>
+</file>
+
+<file path=ppt/slides/slide11.xml><?xml version="1.0" encoding="utf-8"?>
+<p:sld xmlns:a="http://schemas.openxmlformats.org/drawingml/2006/main" xmlns:r="http://schemas.openxmlformats.org/officeDocument/2006/relationships" xmlns:p="http://schemas.openxmlformats.org/presentationml/2006/main">
+  <p:cSld>
+    <p:spTree>
+      <p:nvGrpSpPr>
+        <p:cNvPr id="1" name=""/>
+        <p:cNvGrpSpPr/>
+        <p:nvPr/>
+      </p:nvGrpSpPr>
+      <p:grpSpPr>
+        <a:xfrm>
+          <a:off x="0" y="0"/>
+          <a:ext cx="0" cy="0"/>
+          <a:chOff x="0" y="0"/>
+          <a:chExt cx="0" cy="0"/>
+        </a:xfrm>
+      </p:grpSpPr>
+      <p:sp>
+        <p:nvSpPr>
           <p:cNvPr id="4" name="Titel 3"/>
           <p:cNvSpPr>
             <a:spLocks noGrp="1"/>
@@ -3672,10 +3741,9 @@
           <a:lstStyle/>
           <a:p>
             <a:r>
-              <a:rPr lang="de-CH" dirty="0" smtClean="0"/>
+              <a:rPr lang="de-CH" dirty="0"/>
               <a:t>Fragen?</a:t>
             </a:r>
-            <a:endParaRPr lang="de-CH" dirty="0"/>
           </a:p>
         </p:txBody>
       </p:sp>
@@ -3744,10 +3812,9 @@
           <a:lstStyle/>
           <a:p>
             <a:r>
-              <a:rPr lang="de-CH" dirty="0" smtClean="0"/>
+              <a:rPr lang="de-CH" dirty="0"/>
               <a:t>Klassendiagramm</a:t>
             </a:r>
-            <a:endParaRPr lang="de-CH" dirty="0"/>
           </a:p>
         </p:txBody>
       </p:sp>
@@ -3767,10 +3834,9 @@
           <a:lstStyle/>
           <a:p>
             <a:r>
-              <a:rPr lang="de-CH" dirty="0" smtClean="0"/>
+              <a:rPr lang="de-CH" dirty="0"/>
               <a:t>Software unterteilt in 3 Packages</a:t>
             </a:r>
-            <a:endParaRPr lang="de-CH" dirty="0"/>
           </a:p>
         </p:txBody>
       </p:sp>
@@ -3790,10 +3856,9 @@
           <a:lstStyle/>
           <a:p>
             <a:r>
-              <a:rPr lang="de-CH" dirty="0" smtClean="0"/>
+              <a:rPr lang="de-CH" dirty="0"/>
               <a:t>Model</a:t>
             </a:r>
-            <a:endParaRPr lang="de-CH" dirty="0"/>
           </a:p>
         </p:txBody>
       </p:sp>
@@ -3903,10 +3968,9 @@
           <a:lstStyle/>
           <a:p>
             <a:r>
-              <a:rPr lang="de-CH" dirty="0" smtClean="0"/>
+              <a:rPr lang="de-CH" dirty="0"/>
               <a:t>Klassendiagramm</a:t>
             </a:r>
-            <a:endParaRPr lang="de-CH" dirty="0"/>
           </a:p>
         </p:txBody>
       </p:sp>
@@ -3926,10 +3990,9 @@
           <a:lstStyle/>
           <a:p>
             <a:r>
-              <a:rPr lang="de-CH" dirty="0" smtClean="0"/>
+              <a:rPr lang="de-CH" dirty="0"/>
               <a:t>Graph</a:t>
             </a:r>
-            <a:endParaRPr lang="de-CH" dirty="0"/>
           </a:p>
         </p:txBody>
       </p:sp>
@@ -3949,10 +4012,9 @@
           <a:lstStyle/>
           <a:p>
             <a:r>
-              <a:rPr lang="de-CH" dirty="0" smtClean="0"/>
+              <a:rPr lang="de-CH" dirty="0"/>
               <a:t>Controller</a:t>
             </a:r>
-            <a:endParaRPr lang="de-CH" dirty="0"/>
           </a:p>
         </p:txBody>
       </p:sp>
@@ -4062,52 +4124,56 @@
           <a:lstStyle/>
           <a:p>
             <a:r>
-              <a:rPr lang="de-CH" dirty="0" smtClean="0"/>
+              <a:rPr lang="de-CH" dirty="0"/>
               <a:t>Verwendete Patterns</a:t>
             </a:r>
+          </a:p>
+        </p:txBody>
+      </p:sp>
+      <p:sp>
+        <p:nvSpPr>
+          <p:cNvPr id="3" name="Inhaltsplatzhalter 2"/>
+          <p:cNvSpPr>
+            <a:spLocks noGrp="1"/>
+          </p:cNvSpPr>
+          <p:nvPr>
+            <p:ph idx="1"/>
+          </p:nvPr>
+        </p:nvSpPr>
+        <p:spPr/>
+        <p:txBody>
+          <a:bodyPr/>
+          <a:lstStyle/>
+          <a:p>
+            <a:r>
+              <a:rPr lang="de-CH" dirty="0"/>
+              <a:t>MVC (Model-View-Controller)</a:t>
+            </a:r>
+          </a:p>
+          <a:p>
+            <a:r>
+              <a:rPr lang="de-CH" dirty="0"/>
+              <a:t>Factory</a:t>
+            </a:r>
+          </a:p>
+          <a:p>
+            <a:r>
+              <a:rPr lang="de-CH" dirty="0" err="1"/>
+              <a:t>Decorator</a:t>
+            </a:r>
             <a:endParaRPr lang="de-CH" dirty="0"/>
           </a:p>
-        </p:txBody>
-      </p:sp>
-      <p:sp>
-        <p:nvSpPr>
-          <p:cNvPr id="3" name="Inhaltsplatzhalter 2"/>
-          <p:cNvSpPr>
-            <a:spLocks noGrp="1"/>
-          </p:cNvSpPr>
-          <p:nvPr>
-            <p:ph idx="1"/>
-          </p:nvPr>
-        </p:nvSpPr>
-        <p:spPr/>
-        <p:txBody>
-          <a:bodyPr/>
-          <a:lstStyle/>
-          <a:p>
-            <a:r>
-              <a:rPr lang="de-CH" dirty="0" smtClean="0"/>
-              <a:t>MVC (Model-View-Controller)</a:t>
-            </a:r>
-          </a:p>
-          <a:p>
-            <a:r>
-              <a:rPr lang="de-CH" dirty="0" smtClean="0"/>
-              <a:t>Factory</a:t>
-            </a:r>
-          </a:p>
-          <a:p>
-            <a:r>
-              <a:rPr lang="de-CH" dirty="0" err="1" smtClean="0"/>
-              <a:t>Decorator</a:t>
-            </a:r>
-            <a:endParaRPr lang="de-CH" dirty="0" smtClean="0"/>
-          </a:p>
-          <a:p>
-            <a:r>
-              <a:rPr lang="de-CH" dirty="0" smtClean="0"/>
+          <a:p>
+            <a:r>
+              <a:rPr lang="de-CH" dirty="0"/>
+              <a:t>Command</a:t>
+            </a:r>
+          </a:p>
+          <a:p>
+            <a:r>
+              <a:rPr lang="de-CH" dirty="0"/>
               <a:t>Template</a:t>
             </a:r>
-            <a:endParaRPr lang="de-CH" dirty="0"/>
           </a:p>
         </p:txBody>
       </p:sp>
@@ -4157,18 +4223,17 @@
           <a:lstStyle/>
           <a:p>
             <a:r>
-              <a:rPr lang="de-CH" dirty="0" smtClean="0"/>
+              <a:rPr lang="de-CH" dirty="0"/>
               <a:t>Spiel speichern (XML-Datei/</a:t>
             </a:r>
             <a:r>
-              <a:rPr lang="de-CH" dirty="0" err="1" smtClean="0"/>
+              <a:rPr lang="de-CH" dirty="0" err="1"/>
               <a:t>Json</a:t>
             </a:r>
             <a:r>
-              <a:rPr lang="de-CH" dirty="0" smtClean="0"/>
+              <a:rPr lang="de-CH" dirty="0"/>
               <a:t>)</a:t>
             </a:r>
-            <a:endParaRPr lang="de-CH" dirty="0"/>
           </a:p>
         </p:txBody>
       </p:sp>
@@ -4237,19 +4302,15 @@
           <a:lstStyle/>
           <a:p>
             <a:r>
-              <a:rPr lang="de-CH" dirty="0" err="1" smtClean="0"/>
+              <a:rPr lang="de-CH" dirty="0" err="1"/>
               <a:t>Product</a:t>
             </a:r>
             <a:r>
               <a:rPr lang="de-CH" dirty="0"/>
-              <a:t> </a:t>
-            </a:r>
-            <a:r>
-              <a:rPr lang="de-CH" dirty="0" smtClean="0"/>
-              <a:t>&amp; Sprint </a:t>
-            </a:r>
-            <a:r>
-              <a:rPr lang="de-CH" dirty="0" err="1" smtClean="0"/>
+              <a:t> &amp; Sprint </a:t>
+            </a:r>
+            <a:r>
+              <a:rPr lang="de-CH" dirty="0" err="1"/>
               <a:t>Backlog</a:t>
             </a:r>
             <a:endParaRPr lang="de-CH" dirty="0"/>
@@ -4321,10 +4382,9 @@
           <a:lstStyle/>
           <a:p>
             <a:r>
-              <a:rPr lang="de-CH" dirty="0" smtClean="0"/>
-              <a:t>Erfahrungen</a:t>
-            </a:r>
-            <a:endParaRPr lang="de-CH" dirty="0"/>
+              <a:rPr lang="de-CH" dirty="0"/>
+              <a:t>Metriken und Tests</a:t>
+            </a:r>
           </a:p>
         </p:txBody>
       </p:sp>
@@ -4350,7 +4410,7 @@
     </p:spTree>
     <p:extLst>
       <p:ext uri="{BB962C8B-B14F-4D97-AF65-F5344CB8AC3E}">
-        <p14:creationId xmlns:p14="http://schemas.microsoft.com/office/powerpoint/2010/main" val="632529554"/>
+        <p14:creationId xmlns:p14="http://schemas.microsoft.com/office/powerpoint/2010/main" val="3441222141"/>
       </p:ext>
     </p:extLst>
   </p:cSld>
@@ -4393,10 +4453,9 @@
           <a:lstStyle/>
           <a:p>
             <a:r>
-              <a:rPr lang="de-CH" dirty="0" smtClean="0"/>
-              <a:t>Vergleich der Prozesse</a:t>
-            </a:r>
-            <a:endParaRPr lang="de-CH" dirty="0"/>
+              <a:rPr lang="de-CH" dirty="0"/>
+              <a:t>Erfahrungen</a:t>
+            </a:r>
           </a:p>
         </p:txBody>
       </p:sp>
@@ -4422,7 +4481,7 @@
     </p:spTree>
     <p:extLst>
       <p:ext uri="{BB962C8B-B14F-4D97-AF65-F5344CB8AC3E}">
-        <p14:creationId xmlns:p14="http://schemas.microsoft.com/office/powerpoint/2010/main" val="981955686"/>
+        <p14:creationId xmlns:p14="http://schemas.microsoft.com/office/powerpoint/2010/main" val="632529554"/>
       </p:ext>
     </p:extLst>
   </p:cSld>
@@ -4465,10 +4524,9 @@
           <a:lstStyle/>
           <a:p>
             <a:r>
-              <a:rPr lang="de-CH" dirty="0" smtClean="0"/>
-              <a:t>Demo Spiel	</a:t>
-            </a:r>
-            <a:endParaRPr lang="de-CH" dirty="0"/>
+              <a:rPr lang="de-CH" dirty="0"/>
+              <a:t>Vergleich der Prozesse</a:t>
+            </a:r>
           </a:p>
         </p:txBody>
       </p:sp>
@@ -4487,14 +4545,14 @@
           <a:bodyPr/>
           <a:lstStyle/>
           <a:p>
-            <a:endParaRPr lang="de-CH" dirty="0"/>
+            <a:endParaRPr lang="de-CH"/>
           </a:p>
         </p:txBody>
       </p:sp>
     </p:spTree>
     <p:extLst>
       <p:ext uri="{BB962C8B-B14F-4D97-AF65-F5344CB8AC3E}">
-        <p14:creationId xmlns:p14="http://schemas.microsoft.com/office/powerpoint/2010/main" val="644133017"/>
+        <p14:creationId xmlns:p14="http://schemas.microsoft.com/office/powerpoint/2010/main" val="981955686"/>
       </p:ext>
     </p:extLst>
   </p:cSld>

--- a/documentation/Präsentation_Hashi_TeamSG.pptx
+++ b/documentation/Präsentation_Hashi_TeamSG.pptx
@@ -207,7 +207,7 @@
           <a:p>
             <a:fld id="{E0AA2C8D-CD60-42F0-B358-E14A0DF454F0}" type="datetimeFigureOut">
               <a:rPr lang="de-CH" smtClean="0"/>
-              <a:t>04.06.2016</a:t>
+              <a:t>05.06.2016</a:t>
             </a:fld>
             <a:endParaRPr lang="de-CH"/>
           </a:p>
@@ -531,9 +531,10 @@
           </a:p>
           <a:p>
             <a:r>
-              <a:rPr lang="de-CH" dirty="0"/>
-              <a:t>Factory: </a:t>
-            </a:r>
+              <a:rPr lang="de-CH"/>
+              <a:t>Factory:</a:t>
+            </a:r>
+            <a:endParaRPr lang="de-CH" dirty="0"/>
           </a:p>
           <a:p>
             <a:r>
@@ -555,6 +556,45 @@
             <a:r>
               <a:rPr lang="de-CH" dirty="0" err="1"/>
               <a:t>Redo</a:t>
+            </a:r>
+            <a:r>
+              <a:rPr lang="de-CH" dirty="0"/>
+              <a:t> Funktionalität</a:t>
+            </a:r>
+            <a:r>
+              <a:rPr lang="de-CH" baseline="0" dirty="0"/>
+              <a:t> auf </a:t>
+            </a:r>
+            <a:r>
+              <a:rPr lang="de-CH" baseline="0" dirty="0" err="1"/>
+              <a:t>BaseGraphDAS</a:t>
+            </a:r>
+            <a:endParaRPr lang="de-CH" dirty="0"/>
+          </a:p>
+          <a:p>
+            <a:r>
+              <a:rPr lang="de-CH" dirty="0"/>
+              <a:t>Command: </a:t>
+            </a:r>
+            <a:r>
+              <a:rPr lang="de-CH" dirty="0" err="1"/>
+              <a:t>Undo</a:t>
+            </a:r>
+            <a:r>
+              <a:rPr lang="de-CH" dirty="0"/>
+              <a:t>/</a:t>
+            </a:r>
+            <a:r>
+              <a:rPr lang="de-CH" dirty="0" err="1"/>
+              <a:t>Redo</a:t>
+            </a:r>
+            <a:r>
+              <a:rPr lang="de-CH" dirty="0"/>
+              <a:t> </a:t>
+            </a:r>
+            <a:r>
+              <a:rPr lang="de-CH" dirty="0" err="1"/>
+              <a:t>Kommands</a:t>
             </a:r>
             <a:endParaRPr lang="de-CH" dirty="0"/>
           </a:p>
@@ -845,7 +885,7 @@
           <a:p>
             <a:fld id="{EDF032E5-4712-4CD3-A297-BA927FE98535}" type="datetimeFigureOut">
               <a:rPr lang="de-CH" smtClean="0"/>
-              <a:t>04.06.2016</a:t>
+              <a:t>05.06.2016</a:t>
             </a:fld>
             <a:endParaRPr lang="de-CH"/>
           </a:p>
@@ -1015,7 +1055,7 @@
           <a:p>
             <a:fld id="{EDF032E5-4712-4CD3-A297-BA927FE98535}" type="datetimeFigureOut">
               <a:rPr lang="de-CH" smtClean="0"/>
-              <a:t>04.06.2016</a:t>
+              <a:t>05.06.2016</a:t>
             </a:fld>
             <a:endParaRPr lang="de-CH"/>
           </a:p>
@@ -1195,7 +1235,7 @@
           <a:p>
             <a:fld id="{EDF032E5-4712-4CD3-A297-BA927FE98535}" type="datetimeFigureOut">
               <a:rPr lang="de-CH" smtClean="0"/>
-              <a:t>04.06.2016</a:t>
+              <a:t>05.06.2016</a:t>
             </a:fld>
             <a:endParaRPr lang="de-CH"/>
           </a:p>
@@ -1365,7 +1405,7 @@
           <a:p>
             <a:fld id="{EDF032E5-4712-4CD3-A297-BA927FE98535}" type="datetimeFigureOut">
               <a:rPr lang="de-CH" smtClean="0"/>
-              <a:t>04.06.2016</a:t>
+              <a:t>05.06.2016</a:t>
             </a:fld>
             <a:endParaRPr lang="de-CH"/>
           </a:p>
@@ -1611,7 +1651,7 @@
           <a:p>
             <a:fld id="{EDF032E5-4712-4CD3-A297-BA927FE98535}" type="datetimeFigureOut">
               <a:rPr lang="de-CH" smtClean="0"/>
-              <a:t>04.06.2016</a:t>
+              <a:t>05.06.2016</a:t>
             </a:fld>
             <a:endParaRPr lang="de-CH"/>
           </a:p>
@@ -1843,7 +1883,7 @@
           <a:p>
             <a:fld id="{EDF032E5-4712-4CD3-A297-BA927FE98535}" type="datetimeFigureOut">
               <a:rPr lang="de-CH" smtClean="0"/>
-              <a:t>04.06.2016</a:t>
+              <a:t>05.06.2016</a:t>
             </a:fld>
             <a:endParaRPr lang="de-CH"/>
           </a:p>
@@ -2210,7 +2250,7 @@
           <a:p>
             <a:fld id="{EDF032E5-4712-4CD3-A297-BA927FE98535}" type="datetimeFigureOut">
               <a:rPr lang="de-CH" smtClean="0"/>
-              <a:t>04.06.2016</a:t>
+              <a:t>05.06.2016</a:t>
             </a:fld>
             <a:endParaRPr lang="de-CH"/>
           </a:p>
@@ -2328,7 +2368,7 @@
           <a:p>
             <a:fld id="{EDF032E5-4712-4CD3-A297-BA927FE98535}" type="datetimeFigureOut">
               <a:rPr lang="de-CH" smtClean="0"/>
-              <a:t>04.06.2016</a:t>
+              <a:t>05.06.2016</a:t>
             </a:fld>
             <a:endParaRPr lang="de-CH"/>
           </a:p>
@@ -2423,7 +2463,7 @@
           <a:p>
             <a:fld id="{EDF032E5-4712-4CD3-A297-BA927FE98535}" type="datetimeFigureOut">
               <a:rPr lang="de-CH" smtClean="0"/>
-              <a:t>04.06.2016</a:t>
+              <a:t>05.06.2016</a:t>
             </a:fld>
             <a:endParaRPr lang="de-CH"/>
           </a:p>
@@ -2700,7 +2740,7 @@
           <a:p>
             <a:fld id="{EDF032E5-4712-4CD3-A297-BA927FE98535}" type="datetimeFigureOut">
               <a:rPr lang="de-CH" smtClean="0"/>
-              <a:t>04.06.2016</a:t>
+              <a:t>05.06.2016</a:t>
             </a:fld>
             <a:endParaRPr lang="de-CH"/>
           </a:p>
@@ -2953,7 +2993,7 @@
           <a:p>
             <a:fld id="{EDF032E5-4712-4CD3-A297-BA927FE98535}" type="datetimeFigureOut">
               <a:rPr lang="de-CH" smtClean="0"/>
-              <a:t>04.06.2016</a:t>
+              <a:t>05.06.2016</a:t>
             </a:fld>
             <a:endParaRPr lang="de-CH"/>
           </a:p>
@@ -3166,7 +3206,7 @@
           <a:p>
             <a:fld id="{EDF032E5-4712-4CD3-A297-BA927FE98535}" type="datetimeFigureOut">
               <a:rPr lang="de-CH" smtClean="0"/>
-              <a:t>04.06.2016</a:t>
+              <a:t>05.06.2016</a:t>
             </a:fld>
             <a:endParaRPr lang="de-CH"/>
           </a:p>

--- a/documentation/Präsentation_Hashi_TeamSG.pptx
+++ b/documentation/Präsentation_Hashi_TeamSG.pptx
@@ -2,23 +2,25 @@
 <file path=ppt/presentation.xml><?xml version="1.0" encoding="utf-8"?>
 <p:presentation xmlns:a="http://schemas.openxmlformats.org/drawingml/2006/main" xmlns:r="http://schemas.openxmlformats.org/officeDocument/2006/relationships" xmlns:p="http://schemas.openxmlformats.org/presentationml/2006/main" saveSubsetFonts="1">
   <p:sldMasterIdLst>
-    <p:sldMasterId id="2147483725" r:id="rId1"/>
+    <p:sldMasterId id="2147483737" r:id="rId1"/>
   </p:sldMasterIdLst>
   <p:notesMasterIdLst>
-    <p:notesMasterId r:id="rId13"/>
+    <p:notesMasterId r:id="rId15"/>
   </p:notesMasterIdLst>
   <p:sldIdLst>
     <p:sldId id="256" r:id="rId2"/>
-    <p:sldId id="261" r:id="rId3"/>
-    <p:sldId id="266" r:id="rId4"/>
-    <p:sldId id="257" r:id="rId5"/>
-    <p:sldId id="262" r:id="rId6"/>
-    <p:sldId id="263" r:id="rId7"/>
-    <p:sldId id="267" r:id="rId8"/>
-    <p:sldId id="259" r:id="rId9"/>
-    <p:sldId id="260" r:id="rId10"/>
-    <p:sldId id="258" r:id="rId11"/>
-    <p:sldId id="264" r:id="rId12"/>
+    <p:sldId id="268" r:id="rId3"/>
+    <p:sldId id="263" r:id="rId4"/>
+    <p:sldId id="269" r:id="rId5"/>
+    <p:sldId id="261" r:id="rId6"/>
+    <p:sldId id="266" r:id="rId7"/>
+    <p:sldId id="257" r:id="rId8"/>
+    <p:sldId id="262" r:id="rId9"/>
+    <p:sldId id="267" r:id="rId10"/>
+    <p:sldId id="259" r:id="rId11"/>
+    <p:sldId id="260" r:id="rId12"/>
+    <p:sldId id="258" r:id="rId13"/>
+    <p:sldId id="264" r:id="rId14"/>
   </p:sldIdLst>
   <p:sldSz cx="12192000" cy="6858000"/>
   <p:notesSz cx="6858000" cy="9144000"/>
@@ -623,7 +625,7 @@
           <a:p>
             <a:fld id="{F5B24102-8416-4B7F-9D73-26FC6C4DF7AF}" type="slidenum">
               <a:rPr lang="de-CH" smtClean="0"/>
-              <a:t>4</a:t>
+              <a:t>7</a:t>
             </a:fld>
             <a:endParaRPr lang="de-CH"/>
           </a:p>
@@ -735,7 +737,7 @@
           <a:p>
             <a:fld id="{F5B24102-8416-4B7F-9D73-26FC6C4DF7AF}" type="slidenum">
               <a:rPr lang="de-CH" smtClean="0"/>
-              <a:t>10</a:t>
+              <a:t>12</a:t>
             </a:fld>
             <a:endParaRPr lang="de-CH"/>
           </a:p>
@@ -755,8 +757,18 @@
 </file>
 
 <file path=ppt/slideLayouts/slideLayout1.xml><?xml version="1.0" encoding="utf-8"?>
-<p:sldLayout xmlns:a="http://schemas.openxmlformats.org/drawingml/2006/main" xmlns:r="http://schemas.openxmlformats.org/officeDocument/2006/relationships" xmlns:p="http://schemas.openxmlformats.org/presentationml/2006/main" type="title" preserve="1">
+<p:sldLayout xmlns:a="http://schemas.openxmlformats.org/drawingml/2006/main" xmlns:r="http://schemas.openxmlformats.org/officeDocument/2006/relationships" xmlns:p="http://schemas.openxmlformats.org/presentationml/2006/main" showMasterSp="0" type="title" preserve="1">
   <p:cSld name="Titelfolie">
+    <p:bg>
+      <p:bgPr>
+        <a:solidFill>
+          <a:schemeClr val="bg2">
+            <a:lumMod val="75000"/>
+          </a:schemeClr>
+        </a:solidFill>
+        <a:effectLst/>
+      </p:bgPr>
+    </p:bg>
     <p:spTree>
       <p:nvGrpSpPr>
         <p:cNvPr id="1" name=""/>
@@ -773,7 +785,7 @@
       </p:grpSpPr>
       <p:sp>
         <p:nvSpPr>
-          <p:cNvPr id="2" name="Titel 1"/>
+          <p:cNvPr id="2" name="Title 1"/>
           <p:cNvSpPr>
             <a:spLocks noGrp="1"/>
           </p:cNvSpPr>
@@ -783,29 +795,38 @@
         </p:nvSpPr>
         <p:spPr>
           <a:xfrm>
-            <a:off x="1524000" y="1122363"/>
-            <a:ext cx="9144000" cy="2387600"/>
+            <a:off x="1261872" y="758952"/>
+            <a:ext cx="9418320" cy="4041648"/>
           </a:xfrm>
         </p:spPr>
         <p:txBody>
-          <a:bodyPr anchor="b"/>
+          <a:bodyPr anchor="b">
+            <a:normAutofit/>
+          </a:bodyPr>
           <a:lstStyle>
-            <a:lvl1pPr algn="ctr">
-              <a:defRPr sz="6000"/>
+            <a:lvl1pPr algn="l">
+              <a:lnSpc>
+                <a:spcPct val="85000"/>
+              </a:lnSpc>
+              <a:defRPr sz="7200" baseline="0">
+                <a:solidFill>
+                  <a:schemeClr val="tx1"/>
+                </a:solidFill>
+              </a:defRPr>
             </a:lvl1pPr>
           </a:lstStyle>
           <a:p>
             <a:r>
-              <a:rPr lang="de-DE"/>
+              <a:rPr lang="de-DE" smtClean="0"/>
               <a:t>Titelmasterformat durch Klicken bearbeiten</a:t>
             </a:r>
-            <a:endParaRPr lang="de-CH"/>
-          </a:p>
-        </p:txBody>
-      </p:sp>
-      <p:sp>
-        <p:nvSpPr>
-          <p:cNvPr id="3" name="Untertitel 2"/>
+            <a:endParaRPr lang="en-US" dirty="0"/>
+          </a:p>
+        </p:txBody>
+      </p:sp>
+      <p:sp>
+        <p:nvSpPr>
+          <p:cNvPr id="3" name="Subtitle 2"/>
           <p:cNvSpPr>
             <a:spLocks noGrp="1"/>
           </p:cNvSpPr>
@@ -815,62 +836,70 @@
         </p:nvSpPr>
         <p:spPr>
           <a:xfrm>
-            <a:off x="1524000" y="3602038"/>
-            <a:ext cx="9144000" cy="1655762"/>
+            <a:off x="1261872" y="4800600"/>
+            <a:ext cx="9418320" cy="1691640"/>
           </a:xfrm>
         </p:spPr>
         <p:txBody>
-          <a:bodyPr/>
+          <a:bodyPr>
+            <a:normAutofit/>
+          </a:bodyPr>
           <a:lstStyle>
-            <a:lvl1pPr marL="0" indent="0" algn="ctr">
-              <a:buNone/>
-              <a:defRPr sz="2400"/>
+            <a:lvl1pPr marL="0" indent="0" algn="l">
+              <a:buNone/>
+              <a:defRPr sz="2200" baseline="0">
+                <a:solidFill>
+                  <a:schemeClr val="tx1">
+                    <a:lumMod val="75000"/>
+                  </a:schemeClr>
+                </a:solidFill>
+              </a:defRPr>
             </a:lvl1pPr>
             <a:lvl2pPr marL="457200" indent="0" algn="ctr">
               <a:buNone/>
-              <a:defRPr sz="2000"/>
+              <a:defRPr sz="2200"/>
             </a:lvl2pPr>
             <a:lvl3pPr marL="914400" indent="0" algn="ctr">
               <a:buNone/>
-              <a:defRPr sz="1800"/>
+              <a:defRPr sz="2200"/>
             </a:lvl3pPr>
             <a:lvl4pPr marL="1371600" indent="0" algn="ctr">
               <a:buNone/>
-              <a:defRPr sz="1600"/>
+              <a:defRPr sz="2000"/>
             </a:lvl4pPr>
             <a:lvl5pPr marL="1828800" indent="0" algn="ctr">
               <a:buNone/>
-              <a:defRPr sz="1600"/>
+              <a:defRPr sz="2000"/>
             </a:lvl5pPr>
             <a:lvl6pPr marL="2286000" indent="0" algn="ctr">
               <a:buNone/>
-              <a:defRPr sz="1600"/>
+              <a:defRPr sz="2000"/>
             </a:lvl6pPr>
             <a:lvl7pPr marL="2743200" indent="0" algn="ctr">
               <a:buNone/>
-              <a:defRPr sz="1600"/>
+              <a:defRPr sz="2000"/>
             </a:lvl7pPr>
             <a:lvl8pPr marL="3200400" indent="0" algn="ctr">
               <a:buNone/>
-              <a:defRPr sz="1600"/>
+              <a:defRPr sz="2000"/>
             </a:lvl8pPr>
             <a:lvl9pPr marL="3657600" indent="0" algn="ctr">
               <a:buNone/>
-              <a:defRPr sz="1600"/>
+              <a:defRPr sz="2000"/>
             </a:lvl9pPr>
           </a:lstStyle>
           <a:p>
             <a:r>
-              <a:rPr lang="de-DE"/>
+              <a:rPr lang="de-DE" smtClean="0"/>
               <a:t>Formatvorlage des Untertitelmasters durch Klicken bearbeiten</a:t>
             </a:r>
-            <a:endParaRPr lang="de-CH"/>
-          </a:p>
-        </p:txBody>
-      </p:sp>
-      <p:sp>
-        <p:nvSpPr>
-          <p:cNvPr id="4" name="Datumsplatzhalter 3"/>
+            <a:endParaRPr lang="en-US" dirty="0"/>
+          </a:p>
+        </p:txBody>
+      </p:sp>
+      <p:sp>
+        <p:nvSpPr>
+          <p:cNvPr id="4" name="Date Placeholder 3"/>
           <p:cNvSpPr>
             <a:spLocks noGrp="1"/>
           </p:cNvSpPr>
@@ -881,7 +910,17 @@
         <p:spPr/>
         <p:txBody>
           <a:bodyPr/>
-          <a:lstStyle/>
+          <a:lstStyle>
+            <a:lvl1pPr>
+              <a:defRPr>
+                <a:solidFill>
+                  <a:schemeClr val="tx1">
+                    <a:lumMod val="50000"/>
+                  </a:schemeClr>
+                </a:solidFill>
+              </a:defRPr>
+            </a:lvl1pPr>
+          </a:lstStyle>
           <a:p>
             <a:fld id="{EDF032E5-4712-4CD3-A297-BA927FE98535}" type="datetimeFigureOut">
               <a:rPr lang="de-CH" smtClean="0"/>
@@ -893,7 +932,7 @@
       </p:sp>
       <p:sp>
         <p:nvSpPr>
-          <p:cNvPr id="5" name="Fußzeilenplatzhalter 4"/>
+          <p:cNvPr id="5" name="Footer Placeholder 4"/>
           <p:cNvSpPr>
             <a:spLocks noGrp="1"/>
           </p:cNvSpPr>
@@ -904,7 +943,17 @@
         <p:spPr/>
         <p:txBody>
           <a:bodyPr/>
-          <a:lstStyle/>
+          <a:lstStyle>
+            <a:lvl1pPr>
+              <a:defRPr>
+                <a:solidFill>
+                  <a:schemeClr val="tx1">
+                    <a:lumMod val="65000"/>
+                  </a:schemeClr>
+                </a:solidFill>
+              </a:defRPr>
+            </a:lvl1pPr>
+          </a:lstStyle>
           <a:p>
             <a:endParaRPr lang="de-CH"/>
           </a:p>
@@ -912,7 +961,7 @@
       </p:sp>
       <p:sp>
         <p:nvSpPr>
-          <p:cNvPr id="6" name="Foliennummernplatzhalter 5"/>
+          <p:cNvPr id="6" name="Slide Number Placeholder 5"/>
           <p:cNvSpPr>
             <a:spLocks noGrp="1"/>
           </p:cNvSpPr>
@@ -923,7 +972,17 @@
         <p:spPr/>
         <p:txBody>
           <a:bodyPr/>
-          <a:lstStyle/>
+          <a:lstStyle>
+            <a:lvl1pPr>
+              <a:defRPr>
+                <a:solidFill>
+                  <a:schemeClr val="tx1">
+                    <a:lumMod val="65000"/>
+                  </a:schemeClr>
+                </a:solidFill>
+              </a:defRPr>
+            </a:lvl1pPr>
+          </a:lstStyle>
           <a:p>
             <a:fld id="{36806A77-241B-4637-9471-A19C210B9798}" type="slidenum">
               <a:rPr lang="de-CH" smtClean="0"/>
@@ -933,15 +992,53 @@
           </a:p>
         </p:txBody>
       </p:sp>
+      <p:sp>
+        <p:nvSpPr>
+          <p:cNvPr id="7" name="Rectangle 6"/>
+          <p:cNvSpPr/>
+          <p:nvPr/>
+        </p:nvSpPr>
+        <p:spPr>
+          <a:xfrm>
+            <a:off x="0" y="0"/>
+            <a:ext cx="457200" cy="6858000"/>
+          </a:xfrm>
+          <a:prstGeom prst="rect">
+            <a:avLst/>
+          </a:prstGeom>
+          <a:solidFill>
+            <a:schemeClr val="accent1"/>
+          </a:solidFill>
+          <a:ln>
+            <a:noFill/>
+          </a:ln>
+        </p:spPr>
+        <p:style>
+          <a:lnRef idx="2">
+            <a:schemeClr val="accent1">
+              <a:shade val="50000"/>
+            </a:schemeClr>
+          </a:lnRef>
+          <a:fillRef idx="1">
+            <a:schemeClr val="accent1"/>
+          </a:fillRef>
+          <a:effectRef idx="0">
+            <a:schemeClr val="accent1"/>
+          </a:effectRef>
+          <a:fontRef idx="minor">
+            <a:schemeClr val="lt1"/>
+          </a:fontRef>
+        </p:style>
+      </p:sp>
     </p:spTree>
     <p:extLst>
       <p:ext uri="{BB962C8B-B14F-4D97-AF65-F5344CB8AC3E}">
-        <p14:creationId xmlns:p14="http://schemas.microsoft.com/office/powerpoint/2010/main" val="3740968700"/>
+        <p14:creationId xmlns:p14="http://schemas.microsoft.com/office/powerpoint/2010/main" val="536206563"/>
       </p:ext>
     </p:extLst>
   </p:cSld>
   <p:clrMapOvr>
-    <a:masterClrMapping/>
+    <a:overrideClrMapping bg1="dk1" tx1="lt1" bg2="dk2" tx2="lt2" accent1="accent1" accent2="accent2" accent3="accent3" accent4="accent4" accent5="accent5" accent6="accent6" hlink="hlink" folHlink="folHlink"/>
   </p:clrMapOvr>
 </p:sldLayout>
 </file>
@@ -965,7 +1062,7 @@
       </p:grpSpPr>
       <p:sp>
         <p:nvSpPr>
-          <p:cNvPr id="2" name="Titel 1"/>
+          <p:cNvPr id="2" name="Title 1"/>
           <p:cNvSpPr>
             <a:spLocks noGrp="1"/>
           </p:cNvSpPr>
@@ -979,16 +1076,16 @@
           <a:lstStyle/>
           <a:p>
             <a:r>
-              <a:rPr lang="de-DE"/>
+              <a:rPr lang="de-DE" smtClean="0"/>
               <a:t>Titelmasterformat durch Klicken bearbeiten</a:t>
             </a:r>
-            <a:endParaRPr lang="de-CH"/>
-          </a:p>
-        </p:txBody>
-      </p:sp>
-      <p:sp>
-        <p:nvSpPr>
-          <p:cNvPr id="3" name="Vertikaler Textplatzhalter 2"/>
+            <a:endParaRPr lang="en-US" dirty="0"/>
+          </a:p>
+        </p:txBody>
+      </p:sp>
+      <p:sp>
+        <p:nvSpPr>
+          <p:cNvPr id="3" name="Vertical Text Placeholder 2"/>
           <p:cNvSpPr>
             <a:spLocks noGrp="1"/>
           </p:cNvSpPr>
@@ -1003,44 +1100,44 @@
           <a:p>
             <a:pPr lvl="0"/>
             <a:r>
-              <a:rPr lang="de-DE"/>
+              <a:rPr lang="de-DE" smtClean="0"/>
               <a:t>Textmasterformat bearbeiten</a:t>
             </a:r>
           </a:p>
           <a:p>
             <a:pPr lvl="1"/>
             <a:r>
-              <a:rPr lang="de-DE"/>
+              <a:rPr lang="de-DE" smtClean="0"/>
               <a:t>Zweite Ebene</a:t>
             </a:r>
           </a:p>
           <a:p>
             <a:pPr lvl="2"/>
             <a:r>
-              <a:rPr lang="de-DE"/>
+              <a:rPr lang="de-DE" smtClean="0"/>
               <a:t>Dritte Ebene</a:t>
             </a:r>
           </a:p>
           <a:p>
             <a:pPr lvl="3"/>
             <a:r>
-              <a:rPr lang="de-DE"/>
+              <a:rPr lang="de-DE" smtClean="0"/>
               <a:t>Vierte Ebene</a:t>
             </a:r>
           </a:p>
           <a:p>
             <a:pPr lvl="4"/>
             <a:r>
-              <a:rPr lang="de-DE"/>
+              <a:rPr lang="de-DE" smtClean="0"/>
               <a:t>Fünfte Ebene</a:t>
             </a:r>
-            <a:endParaRPr lang="de-CH"/>
-          </a:p>
-        </p:txBody>
-      </p:sp>
-      <p:sp>
-        <p:nvSpPr>
-          <p:cNvPr id="4" name="Datumsplatzhalter 3"/>
+            <a:endParaRPr lang="en-US" dirty="0"/>
+          </a:p>
+        </p:txBody>
+      </p:sp>
+      <p:sp>
+        <p:nvSpPr>
+          <p:cNvPr id="4" name="Date Placeholder 3"/>
           <p:cNvSpPr>
             <a:spLocks noGrp="1"/>
           </p:cNvSpPr>
@@ -1063,7 +1160,7 @@
       </p:sp>
       <p:sp>
         <p:nvSpPr>
-          <p:cNvPr id="5" name="Fußzeilenplatzhalter 4"/>
+          <p:cNvPr id="5" name="Footer Placeholder 4"/>
           <p:cNvSpPr>
             <a:spLocks noGrp="1"/>
           </p:cNvSpPr>
@@ -1082,7 +1179,7 @@
       </p:sp>
       <p:sp>
         <p:nvSpPr>
-          <p:cNvPr id="6" name="Foliennummernplatzhalter 5"/>
+          <p:cNvPr id="6" name="Slide Number Placeholder 5"/>
           <p:cNvSpPr>
             <a:spLocks noGrp="1"/>
           </p:cNvSpPr>
@@ -1106,7 +1203,7 @@
     </p:spTree>
     <p:extLst>
       <p:ext uri="{BB962C8B-B14F-4D97-AF65-F5344CB8AC3E}">
-        <p14:creationId xmlns:p14="http://schemas.microsoft.com/office/powerpoint/2010/main" val="3121172827"/>
+        <p14:creationId xmlns:p14="http://schemas.microsoft.com/office/powerpoint/2010/main" val="2019316880"/>
       </p:ext>
     </p:extLst>
   </p:cSld>
@@ -1135,7 +1232,7 @@
       </p:grpSpPr>
       <p:sp>
         <p:nvSpPr>
-          <p:cNvPr id="2" name="Vertikaler Titel 1"/>
+          <p:cNvPr id="2" name="Vertical Title 1"/>
           <p:cNvSpPr>
             <a:spLocks noGrp="1"/>
           </p:cNvSpPr>
@@ -1145,8 +1242,8 @@
         </p:nvSpPr>
         <p:spPr>
           <a:xfrm>
-            <a:off x="8724900" y="365125"/>
-            <a:ext cx="2628900" cy="5811838"/>
+            <a:off x="8648700" y="381000"/>
+            <a:ext cx="2476500" cy="5897562"/>
           </a:xfrm>
         </p:spPr>
         <p:txBody>
@@ -1154,16 +1251,16 @@
           <a:lstStyle/>
           <a:p>
             <a:r>
-              <a:rPr lang="de-DE"/>
+              <a:rPr lang="de-DE" smtClean="0"/>
               <a:t>Titelmasterformat durch Klicken bearbeiten</a:t>
             </a:r>
-            <a:endParaRPr lang="de-CH"/>
-          </a:p>
-        </p:txBody>
-      </p:sp>
-      <p:sp>
-        <p:nvSpPr>
-          <p:cNvPr id="3" name="Vertikaler Textplatzhalter 2"/>
+            <a:endParaRPr lang="en-US" dirty="0"/>
+          </a:p>
+        </p:txBody>
+      </p:sp>
+      <p:sp>
+        <p:nvSpPr>
+          <p:cNvPr id="3" name="Vertical Text Placeholder 2"/>
           <p:cNvSpPr>
             <a:spLocks noGrp="1"/>
           </p:cNvSpPr>
@@ -1173,8 +1270,8 @@
         </p:nvSpPr>
         <p:spPr>
           <a:xfrm>
-            <a:off x="838200" y="365125"/>
-            <a:ext cx="7734300" cy="5811838"/>
+            <a:off x="762000" y="381000"/>
+            <a:ext cx="7734300" cy="5897562"/>
           </a:xfrm>
         </p:spPr>
         <p:txBody>
@@ -1183,44 +1280,44 @@
           <a:p>
             <a:pPr lvl="0"/>
             <a:r>
-              <a:rPr lang="de-DE"/>
+              <a:rPr lang="de-DE" smtClean="0"/>
               <a:t>Textmasterformat bearbeiten</a:t>
             </a:r>
           </a:p>
           <a:p>
             <a:pPr lvl="1"/>
             <a:r>
-              <a:rPr lang="de-DE"/>
+              <a:rPr lang="de-DE" smtClean="0"/>
               <a:t>Zweite Ebene</a:t>
             </a:r>
           </a:p>
           <a:p>
             <a:pPr lvl="2"/>
             <a:r>
-              <a:rPr lang="de-DE"/>
+              <a:rPr lang="de-DE" smtClean="0"/>
               <a:t>Dritte Ebene</a:t>
             </a:r>
           </a:p>
           <a:p>
             <a:pPr lvl="3"/>
             <a:r>
-              <a:rPr lang="de-DE"/>
+              <a:rPr lang="de-DE" smtClean="0"/>
               <a:t>Vierte Ebene</a:t>
             </a:r>
           </a:p>
           <a:p>
             <a:pPr lvl="4"/>
             <a:r>
-              <a:rPr lang="de-DE"/>
+              <a:rPr lang="de-DE" smtClean="0"/>
               <a:t>Fünfte Ebene</a:t>
             </a:r>
-            <a:endParaRPr lang="de-CH"/>
-          </a:p>
-        </p:txBody>
-      </p:sp>
-      <p:sp>
-        <p:nvSpPr>
-          <p:cNvPr id="4" name="Datumsplatzhalter 3"/>
+            <a:endParaRPr lang="en-US" dirty="0"/>
+          </a:p>
+        </p:txBody>
+      </p:sp>
+      <p:sp>
+        <p:nvSpPr>
+          <p:cNvPr id="4" name="Date Placeholder 3"/>
           <p:cNvSpPr>
             <a:spLocks noGrp="1"/>
           </p:cNvSpPr>
@@ -1243,7 +1340,7 @@
       </p:sp>
       <p:sp>
         <p:nvSpPr>
-          <p:cNvPr id="5" name="Fußzeilenplatzhalter 4"/>
+          <p:cNvPr id="5" name="Footer Placeholder 4"/>
           <p:cNvSpPr>
             <a:spLocks noGrp="1"/>
           </p:cNvSpPr>
@@ -1262,7 +1359,7 @@
       </p:sp>
       <p:sp>
         <p:nvSpPr>
-          <p:cNvPr id="6" name="Foliennummernplatzhalter 5"/>
+          <p:cNvPr id="6" name="Slide Number Placeholder 5"/>
           <p:cNvSpPr>
             <a:spLocks noGrp="1"/>
           </p:cNvSpPr>
@@ -1286,7 +1383,7 @@
     </p:spTree>
     <p:extLst>
       <p:ext uri="{BB962C8B-B14F-4D97-AF65-F5344CB8AC3E}">
-        <p14:creationId xmlns:p14="http://schemas.microsoft.com/office/powerpoint/2010/main" val="892980282"/>
+        <p14:creationId xmlns:p14="http://schemas.microsoft.com/office/powerpoint/2010/main" val="2610123567"/>
       </p:ext>
     </p:extLst>
   </p:cSld>
@@ -1315,7 +1412,7 @@
       </p:grpSpPr>
       <p:sp>
         <p:nvSpPr>
-          <p:cNvPr id="2" name="Titel 1"/>
+          <p:cNvPr id="2" name="Title 1"/>
           <p:cNvSpPr>
             <a:spLocks noGrp="1"/>
           </p:cNvSpPr>
@@ -1329,16 +1426,16 @@
           <a:lstStyle/>
           <a:p>
             <a:r>
-              <a:rPr lang="de-DE"/>
+              <a:rPr lang="de-DE" smtClean="0"/>
               <a:t>Titelmasterformat durch Klicken bearbeiten</a:t>
             </a:r>
-            <a:endParaRPr lang="de-CH"/>
-          </a:p>
-        </p:txBody>
-      </p:sp>
-      <p:sp>
-        <p:nvSpPr>
-          <p:cNvPr id="3" name="Inhaltsplatzhalter 2"/>
+            <a:endParaRPr lang="en-US" dirty="0"/>
+          </a:p>
+        </p:txBody>
+      </p:sp>
+      <p:sp>
+        <p:nvSpPr>
+          <p:cNvPr id="3" name="Content Placeholder 2"/>
           <p:cNvSpPr>
             <a:spLocks noGrp="1"/>
           </p:cNvSpPr>
@@ -1353,44 +1450,44 @@
           <a:p>
             <a:pPr lvl="0"/>
             <a:r>
-              <a:rPr lang="de-DE"/>
+              <a:rPr lang="de-DE" smtClean="0"/>
               <a:t>Textmasterformat bearbeiten</a:t>
             </a:r>
           </a:p>
           <a:p>
             <a:pPr lvl="1"/>
             <a:r>
-              <a:rPr lang="de-DE"/>
+              <a:rPr lang="de-DE" smtClean="0"/>
               <a:t>Zweite Ebene</a:t>
             </a:r>
           </a:p>
           <a:p>
             <a:pPr lvl="2"/>
             <a:r>
-              <a:rPr lang="de-DE"/>
+              <a:rPr lang="de-DE" smtClean="0"/>
               <a:t>Dritte Ebene</a:t>
             </a:r>
           </a:p>
           <a:p>
             <a:pPr lvl="3"/>
             <a:r>
-              <a:rPr lang="de-DE"/>
+              <a:rPr lang="de-DE" smtClean="0"/>
               <a:t>Vierte Ebene</a:t>
             </a:r>
           </a:p>
           <a:p>
             <a:pPr lvl="4"/>
             <a:r>
-              <a:rPr lang="de-DE"/>
+              <a:rPr lang="de-DE" smtClean="0"/>
               <a:t>Fünfte Ebene</a:t>
             </a:r>
-            <a:endParaRPr lang="de-CH"/>
-          </a:p>
-        </p:txBody>
-      </p:sp>
-      <p:sp>
-        <p:nvSpPr>
-          <p:cNvPr id="4" name="Datumsplatzhalter 3"/>
+            <a:endParaRPr lang="en-US" dirty="0"/>
+          </a:p>
+        </p:txBody>
+      </p:sp>
+      <p:sp>
+        <p:nvSpPr>
+          <p:cNvPr id="4" name="Date Placeholder 3"/>
           <p:cNvSpPr>
             <a:spLocks noGrp="1"/>
           </p:cNvSpPr>
@@ -1413,7 +1510,7 @@
       </p:sp>
       <p:sp>
         <p:nvSpPr>
-          <p:cNvPr id="5" name="Fußzeilenplatzhalter 4"/>
+          <p:cNvPr id="5" name="Footer Placeholder 4"/>
           <p:cNvSpPr>
             <a:spLocks noGrp="1"/>
           </p:cNvSpPr>
@@ -1432,7 +1529,7 @@
       </p:sp>
       <p:sp>
         <p:nvSpPr>
-          <p:cNvPr id="6" name="Foliennummernplatzhalter 5"/>
+          <p:cNvPr id="6" name="Slide Number Placeholder 5"/>
           <p:cNvSpPr>
             <a:spLocks noGrp="1"/>
           </p:cNvSpPr>
@@ -1456,7 +1553,7 @@
     </p:spTree>
     <p:extLst>
       <p:ext uri="{BB962C8B-B14F-4D97-AF65-F5344CB8AC3E}">
-        <p14:creationId xmlns:p14="http://schemas.microsoft.com/office/powerpoint/2010/main" val="2656200079"/>
+        <p14:creationId xmlns:p14="http://schemas.microsoft.com/office/powerpoint/2010/main" val="2586121529"/>
       </p:ext>
     </p:extLst>
   </p:cSld>
@@ -1485,7 +1582,7 @@
       </p:grpSpPr>
       <p:sp>
         <p:nvSpPr>
-          <p:cNvPr id="2" name="Titel 1"/>
+          <p:cNvPr id="2" name="Title 1"/>
           <p:cNvSpPr>
             <a:spLocks noGrp="1"/>
           </p:cNvSpPr>
@@ -1495,29 +1592,34 @@
         </p:nvSpPr>
         <p:spPr>
           <a:xfrm>
-            <a:off x="831850" y="1709738"/>
-            <a:ext cx="10515600" cy="2852737"/>
+            <a:off x="1261872" y="758952"/>
+            <a:ext cx="9418320" cy="4041648"/>
           </a:xfrm>
         </p:spPr>
         <p:txBody>
-          <a:bodyPr anchor="b"/>
+          <a:bodyPr anchor="b">
+            <a:normAutofit/>
+          </a:bodyPr>
           <a:lstStyle>
             <a:lvl1pPr>
-              <a:defRPr sz="6000"/>
+              <a:lnSpc>
+                <a:spcPct val="85000"/>
+              </a:lnSpc>
+              <a:defRPr sz="7200" b="0"/>
             </a:lvl1pPr>
           </a:lstStyle>
           <a:p>
             <a:r>
-              <a:rPr lang="de-DE"/>
+              <a:rPr lang="de-DE" smtClean="0"/>
               <a:t>Titelmasterformat durch Klicken bearbeiten</a:t>
             </a:r>
-            <a:endParaRPr lang="de-CH"/>
-          </a:p>
-        </p:txBody>
-      </p:sp>
-      <p:sp>
-        <p:nvSpPr>
-          <p:cNvPr id="3" name="Textplatzhalter 2"/>
+            <a:endParaRPr lang="en-US" dirty="0"/>
+          </a:p>
+        </p:txBody>
+      </p:sp>
+      <p:sp>
+        <p:nvSpPr>
+          <p:cNvPr id="3" name="Text Placeholder 2"/>
           <p:cNvSpPr>
             <a:spLocks noGrp="1"/>
           </p:cNvSpPr>
@@ -1527,26 +1629,29 @@
         </p:nvSpPr>
         <p:spPr>
           <a:xfrm>
-            <a:off x="831850" y="4589463"/>
-            <a:ext cx="10515600" cy="1500187"/>
+            <a:off x="1261872" y="4800600"/>
+            <a:ext cx="9418320" cy="1691640"/>
           </a:xfrm>
         </p:spPr>
         <p:txBody>
-          <a:bodyPr/>
+          <a:bodyPr anchor="t">
+            <a:normAutofit/>
+          </a:bodyPr>
           <a:lstStyle>
             <a:lvl1pPr marL="0" indent="0">
               <a:buNone/>
-              <a:defRPr sz="2400">
+              <a:defRPr sz="2200">
                 <a:solidFill>
                   <a:schemeClr val="tx1">
-                    <a:tint val="75000"/>
+                    <a:lumMod val="65000"/>
+                    <a:lumOff val="35000"/>
                   </a:schemeClr>
                 </a:solidFill>
               </a:defRPr>
             </a:lvl1pPr>
             <a:lvl2pPr marL="457200" indent="0">
               <a:buNone/>
-              <a:defRPr sz="2000">
+              <a:defRPr sz="1800">
                 <a:solidFill>
                   <a:schemeClr val="tx1">
                     <a:tint val="75000"/>
@@ -1556,7 +1661,7 @@
             </a:lvl2pPr>
             <a:lvl3pPr marL="914400" indent="0">
               <a:buNone/>
-              <a:defRPr sz="1800">
+              <a:defRPr sz="1600">
                 <a:solidFill>
                   <a:schemeClr val="tx1">
                     <a:tint val="75000"/>
@@ -1566,7 +1671,7 @@
             </a:lvl3pPr>
             <a:lvl4pPr marL="1371600" indent="0">
               <a:buNone/>
-              <a:defRPr sz="1600">
+              <a:defRPr sz="1400">
                 <a:solidFill>
                   <a:schemeClr val="tx1">
                     <a:tint val="75000"/>
@@ -1576,7 +1681,7 @@
             </a:lvl4pPr>
             <a:lvl5pPr marL="1828800" indent="0">
               <a:buNone/>
-              <a:defRPr sz="1600">
+              <a:defRPr sz="1400">
                 <a:solidFill>
                   <a:schemeClr val="tx1">
                     <a:tint val="75000"/>
@@ -1586,7 +1691,7 @@
             </a:lvl5pPr>
             <a:lvl6pPr marL="2286000" indent="0">
               <a:buNone/>
-              <a:defRPr sz="1600">
+              <a:defRPr sz="1400">
                 <a:solidFill>
                   <a:schemeClr val="tx1">
                     <a:tint val="75000"/>
@@ -1596,7 +1701,7 @@
             </a:lvl6pPr>
             <a:lvl7pPr marL="2743200" indent="0">
               <a:buNone/>
-              <a:defRPr sz="1600">
+              <a:defRPr sz="1400">
                 <a:solidFill>
                   <a:schemeClr val="tx1">
                     <a:tint val="75000"/>
@@ -1606,7 +1711,7 @@
             </a:lvl7pPr>
             <a:lvl8pPr marL="3200400" indent="0">
               <a:buNone/>
-              <a:defRPr sz="1600">
+              <a:defRPr sz="1400">
                 <a:solidFill>
                   <a:schemeClr val="tx1">
                     <a:tint val="75000"/>
@@ -1616,7 +1721,7 @@
             </a:lvl8pPr>
             <a:lvl9pPr marL="3657600" indent="0">
               <a:buNone/>
-              <a:defRPr sz="1600">
+              <a:defRPr sz="1400">
                 <a:solidFill>
                   <a:schemeClr val="tx1">
                     <a:tint val="75000"/>
@@ -1628,7 +1733,7 @@
           <a:p>
             <a:pPr lvl="0"/>
             <a:r>
-              <a:rPr lang="de-DE"/>
+              <a:rPr lang="de-DE" smtClean="0"/>
               <a:t>Textmasterformat bearbeiten</a:t>
             </a:r>
           </a:p>
@@ -1636,7 +1741,7 @@
       </p:sp>
       <p:sp>
         <p:nvSpPr>
-          <p:cNvPr id="4" name="Datumsplatzhalter 3"/>
+          <p:cNvPr id="4" name="Date Placeholder 3"/>
           <p:cNvSpPr>
             <a:spLocks noGrp="1"/>
           </p:cNvSpPr>
@@ -1659,7 +1764,7 @@
       </p:sp>
       <p:sp>
         <p:nvSpPr>
-          <p:cNvPr id="5" name="Fußzeilenplatzhalter 4"/>
+          <p:cNvPr id="5" name="Footer Placeholder 4"/>
           <p:cNvSpPr>
             <a:spLocks noGrp="1"/>
           </p:cNvSpPr>
@@ -1678,7 +1783,7 @@
       </p:sp>
       <p:sp>
         <p:nvSpPr>
-          <p:cNvPr id="6" name="Foliennummernplatzhalter 5"/>
+          <p:cNvPr id="6" name="Slide Number Placeholder 5"/>
           <p:cNvSpPr>
             <a:spLocks noGrp="1"/>
           </p:cNvSpPr>
@@ -1699,10 +1804,48 @@
           </a:p>
         </p:txBody>
       </p:sp>
+      <p:sp>
+        <p:nvSpPr>
+          <p:cNvPr id="7" name="Rectangle 6"/>
+          <p:cNvSpPr/>
+          <p:nvPr/>
+        </p:nvSpPr>
+        <p:spPr>
+          <a:xfrm>
+            <a:off x="0" y="0"/>
+            <a:ext cx="457200" cy="6858000"/>
+          </a:xfrm>
+          <a:prstGeom prst="rect">
+            <a:avLst/>
+          </a:prstGeom>
+          <a:solidFill>
+            <a:schemeClr val="accent1"/>
+          </a:solidFill>
+          <a:ln>
+            <a:noFill/>
+          </a:ln>
+        </p:spPr>
+        <p:style>
+          <a:lnRef idx="2">
+            <a:schemeClr val="accent1">
+              <a:shade val="50000"/>
+            </a:schemeClr>
+          </a:lnRef>
+          <a:fillRef idx="1">
+            <a:schemeClr val="accent1"/>
+          </a:fillRef>
+          <a:effectRef idx="0">
+            <a:schemeClr val="accent1"/>
+          </a:effectRef>
+          <a:fontRef idx="minor">
+            <a:schemeClr val="lt1"/>
+          </a:fontRef>
+        </p:style>
+      </p:sp>
     </p:spTree>
     <p:extLst>
       <p:ext uri="{BB962C8B-B14F-4D97-AF65-F5344CB8AC3E}">
-        <p14:creationId xmlns:p14="http://schemas.microsoft.com/office/powerpoint/2010/main" val="2905017616"/>
+        <p14:creationId xmlns:p14="http://schemas.microsoft.com/office/powerpoint/2010/main" val="1157962474"/>
       </p:ext>
     </p:extLst>
   </p:cSld>
@@ -1731,7 +1874,7 @@
       </p:grpSpPr>
       <p:sp>
         <p:nvSpPr>
-          <p:cNvPr id="2" name="Titel 1"/>
+          <p:cNvPr id="2" name="Title 1"/>
           <p:cNvSpPr>
             <a:spLocks noGrp="1"/>
           </p:cNvSpPr>
@@ -1745,16 +1888,16 @@
           <a:lstStyle/>
           <a:p>
             <a:r>
-              <a:rPr lang="de-DE"/>
+              <a:rPr lang="de-DE" smtClean="0"/>
               <a:t>Titelmasterformat durch Klicken bearbeiten</a:t>
             </a:r>
-            <a:endParaRPr lang="de-CH"/>
-          </a:p>
-        </p:txBody>
-      </p:sp>
-      <p:sp>
-        <p:nvSpPr>
-          <p:cNvPr id="3" name="Inhaltsplatzhalter 2"/>
+            <a:endParaRPr lang="en-US" dirty="0"/>
+          </a:p>
+        </p:txBody>
+      </p:sp>
+      <p:sp>
+        <p:nvSpPr>
+          <p:cNvPr id="3" name="Content Placeholder 2"/>
           <p:cNvSpPr>
             <a:spLocks noGrp="1"/>
           </p:cNvSpPr>
@@ -1764,54 +1907,82 @@
         </p:nvSpPr>
         <p:spPr>
           <a:xfrm>
-            <a:off x="838200" y="1825625"/>
-            <a:ext cx="5181600" cy="4351338"/>
+            <a:off x="1261872" y="1828800"/>
+            <a:ext cx="4480560" cy="4351337"/>
           </a:xfrm>
         </p:spPr>
         <p:txBody>
           <a:bodyPr/>
-          <a:lstStyle/>
+          <a:lstStyle>
+            <a:lvl1pPr>
+              <a:defRPr sz="1800"/>
+            </a:lvl1pPr>
+            <a:lvl2pPr>
+              <a:defRPr sz="1600"/>
+            </a:lvl2pPr>
+            <a:lvl3pPr>
+              <a:defRPr sz="1400"/>
+            </a:lvl3pPr>
+            <a:lvl4pPr>
+              <a:defRPr sz="1400"/>
+            </a:lvl4pPr>
+            <a:lvl5pPr>
+              <a:defRPr sz="1400"/>
+            </a:lvl5pPr>
+            <a:lvl6pPr>
+              <a:defRPr sz="1400"/>
+            </a:lvl6pPr>
+            <a:lvl7pPr>
+              <a:defRPr sz="1400"/>
+            </a:lvl7pPr>
+            <a:lvl8pPr>
+              <a:defRPr sz="1400"/>
+            </a:lvl8pPr>
+            <a:lvl9pPr>
+              <a:defRPr sz="1400"/>
+            </a:lvl9pPr>
+          </a:lstStyle>
           <a:p>
             <a:pPr lvl="0"/>
             <a:r>
-              <a:rPr lang="de-DE"/>
+              <a:rPr lang="de-DE" smtClean="0"/>
               <a:t>Textmasterformat bearbeiten</a:t>
             </a:r>
           </a:p>
           <a:p>
             <a:pPr lvl="1"/>
             <a:r>
-              <a:rPr lang="de-DE"/>
+              <a:rPr lang="de-DE" smtClean="0"/>
               <a:t>Zweite Ebene</a:t>
             </a:r>
           </a:p>
           <a:p>
             <a:pPr lvl="2"/>
             <a:r>
-              <a:rPr lang="de-DE"/>
+              <a:rPr lang="de-DE" smtClean="0"/>
               <a:t>Dritte Ebene</a:t>
             </a:r>
           </a:p>
           <a:p>
             <a:pPr lvl="3"/>
             <a:r>
-              <a:rPr lang="de-DE"/>
+              <a:rPr lang="de-DE" smtClean="0"/>
               <a:t>Vierte Ebene</a:t>
             </a:r>
           </a:p>
           <a:p>
             <a:pPr lvl="4"/>
             <a:r>
-              <a:rPr lang="de-DE"/>
+              <a:rPr lang="de-DE" smtClean="0"/>
               <a:t>Fünfte Ebene</a:t>
             </a:r>
-            <a:endParaRPr lang="de-CH"/>
-          </a:p>
-        </p:txBody>
-      </p:sp>
-      <p:sp>
-        <p:nvSpPr>
-          <p:cNvPr id="4" name="Inhaltsplatzhalter 3"/>
+            <a:endParaRPr lang="en-US" dirty="0"/>
+          </a:p>
+        </p:txBody>
+      </p:sp>
+      <p:sp>
+        <p:nvSpPr>
+          <p:cNvPr id="4" name="Content Placeholder 3"/>
           <p:cNvSpPr>
             <a:spLocks noGrp="1"/>
           </p:cNvSpPr>
@@ -1821,54 +1992,82 @@
         </p:nvSpPr>
         <p:spPr>
           <a:xfrm>
-            <a:off x="6172200" y="1825625"/>
-            <a:ext cx="5181600" cy="4351338"/>
+            <a:off x="6126480" y="1828800"/>
+            <a:ext cx="4480560" cy="4351337"/>
           </a:xfrm>
         </p:spPr>
         <p:txBody>
           <a:bodyPr/>
-          <a:lstStyle/>
+          <a:lstStyle>
+            <a:lvl1pPr>
+              <a:defRPr sz="1800"/>
+            </a:lvl1pPr>
+            <a:lvl2pPr>
+              <a:defRPr sz="1600"/>
+            </a:lvl2pPr>
+            <a:lvl3pPr>
+              <a:defRPr sz="1400"/>
+            </a:lvl3pPr>
+            <a:lvl4pPr>
+              <a:defRPr sz="1400"/>
+            </a:lvl4pPr>
+            <a:lvl5pPr>
+              <a:defRPr sz="1400"/>
+            </a:lvl5pPr>
+            <a:lvl6pPr>
+              <a:defRPr sz="1400"/>
+            </a:lvl6pPr>
+            <a:lvl7pPr>
+              <a:defRPr sz="1400"/>
+            </a:lvl7pPr>
+            <a:lvl8pPr>
+              <a:defRPr sz="1400"/>
+            </a:lvl8pPr>
+            <a:lvl9pPr>
+              <a:defRPr sz="1400"/>
+            </a:lvl9pPr>
+          </a:lstStyle>
           <a:p>
             <a:pPr lvl="0"/>
             <a:r>
-              <a:rPr lang="de-DE"/>
+              <a:rPr lang="de-DE" smtClean="0"/>
               <a:t>Textmasterformat bearbeiten</a:t>
             </a:r>
           </a:p>
           <a:p>
             <a:pPr lvl="1"/>
             <a:r>
-              <a:rPr lang="de-DE"/>
+              <a:rPr lang="de-DE" smtClean="0"/>
               <a:t>Zweite Ebene</a:t>
             </a:r>
           </a:p>
           <a:p>
             <a:pPr lvl="2"/>
             <a:r>
-              <a:rPr lang="de-DE"/>
+              <a:rPr lang="de-DE" smtClean="0"/>
               <a:t>Dritte Ebene</a:t>
             </a:r>
           </a:p>
           <a:p>
             <a:pPr lvl="3"/>
             <a:r>
-              <a:rPr lang="de-DE"/>
+              <a:rPr lang="de-DE" smtClean="0"/>
               <a:t>Vierte Ebene</a:t>
             </a:r>
           </a:p>
           <a:p>
             <a:pPr lvl="4"/>
             <a:r>
-              <a:rPr lang="de-DE"/>
+              <a:rPr lang="de-DE" smtClean="0"/>
               <a:t>Fünfte Ebene</a:t>
             </a:r>
-            <a:endParaRPr lang="de-CH"/>
-          </a:p>
-        </p:txBody>
-      </p:sp>
-      <p:sp>
-        <p:nvSpPr>
-          <p:cNvPr id="5" name="Datumsplatzhalter 4"/>
+            <a:endParaRPr lang="en-US" dirty="0"/>
+          </a:p>
+        </p:txBody>
+      </p:sp>
+      <p:sp>
+        <p:nvSpPr>
+          <p:cNvPr id="5" name="Date Placeholder 4"/>
           <p:cNvSpPr>
             <a:spLocks noGrp="1"/>
           </p:cNvSpPr>
@@ -1891,7 +2090,7 @@
       </p:sp>
       <p:sp>
         <p:nvSpPr>
-          <p:cNvPr id="6" name="Fußzeilenplatzhalter 5"/>
+          <p:cNvPr id="6" name="Footer Placeholder 5"/>
           <p:cNvSpPr>
             <a:spLocks noGrp="1"/>
           </p:cNvSpPr>
@@ -1910,7 +2109,7 @@
       </p:sp>
       <p:sp>
         <p:nvSpPr>
-          <p:cNvPr id="7" name="Foliennummernplatzhalter 6"/>
+          <p:cNvPr id="7" name="Slide Number Placeholder 6"/>
           <p:cNvSpPr>
             <a:spLocks noGrp="1"/>
           </p:cNvSpPr>
@@ -1934,7 +2133,7 @@
     </p:spTree>
     <p:extLst>
       <p:ext uri="{BB962C8B-B14F-4D97-AF65-F5344CB8AC3E}">
-        <p14:creationId xmlns:p14="http://schemas.microsoft.com/office/powerpoint/2010/main" val="3081451606"/>
+        <p14:creationId xmlns:p14="http://schemas.microsoft.com/office/powerpoint/2010/main" val="834463943"/>
       </p:ext>
     </p:extLst>
   </p:cSld>
@@ -1963,54 +2162,58 @@
       </p:grpSpPr>
       <p:sp>
         <p:nvSpPr>
-          <p:cNvPr id="2" name="Titel 1"/>
+          <p:cNvPr id="10" name="Title 9"/>
           <p:cNvSpPr>
             <a:spLocks noGrp="1"/>
           </p:cNvSpPr>
           <p:nvPr>
             <p:ph type="title"/>
+          </p:nvPr>
+        </p:nvSpPr>
+        <p:spPr/>
+        <p:txBody>
+          <a:bodyPr/>
+          <a:lstStyle/>
+          <a:p>
+            <a:r>
+              <a:rPr lang="de-DE" smtClean="0"/>
+              <a:t>Titelmasterformat durch Klicken bearbeiten</a:t>
+            </a:r>
+            <a:endParaRPr lang="en-US" dirty="0"/>
+          </a:p>
+        </p:txBody>
+      </p:sp>
+      <p:sp>
+        <p:nvSpPr>
+          <p:cNvPr id="3" name="Text Placeholder 2"/>
+          <p:cNvSpPr>
+            <a:spLocks noGrp="1"/>
+          </p:cNvSpPr>
+          <p:nvPr>
+            <p:ph type="body" idx="1"/>
           </p:nvPr>
         </p:nvSpPr>
         <p:spPr>
           <a:xfrm>
-            <a:off x="839788" y="365125"/>
-            <a:ext cx="10515600" cy="1325563"/>
+            <a:off x="1261872" y="1713655"/>
+            <a:ext cx="4480560" cy="731520"/>
           </a:xfrm>
         </p:spPr>
         <p:txBody>
-          <a:bodyPr/>
-          <a:lstStyle/>
-          <a:p>
-            <a:r>
-              <a:rPr lang="de-DE"/>
-              <a:t>Titelmasterformat durch Klicken bearbeiten</a:t>
-            </a:r>
-            <a:endParaRPr lang="de-CH"/>
-          </a:p>
-        </p:txBody>
-      </p:sp>
-      <p:sp>
-        <p:nvSpPr>
-          <p:cNvPr id="3" name="Textplatzhalter 2"/>
-          <p:cNvSpPr>
-            <a:spLocks noGrp="1"/>
-          </p:cNvSpPr>
-          <p:nvPr>
-            <p:ph type="body" idx="1"/>
-          </p:nvPr>
-        </p:nvSpPr>
-        <p:spPr>
-          <a:xfrm>
-            <a:off x="839788" y="1681163"/>
-            <a:ext cx="5157787" cy="823912"/>
-          </a:xfrm>
-        </p:spPr>
-        <p:txBody>
-          <a:bodyPr anchor="b"/>
+          <a:bodyPr anchor="b">
+            <a:normAutofit/>
+          </a:bodyPr>
           <a:lstStyle>
             <a:lvl1pPr marL="0" indent="0">
-              <a:buNone/>
-              <a:defRPr sz="2400" b="1"/>
+              <a:spcBef>
+                <a:spcPts val="0"/>
+              </a:spcBef>
+              <a:buNone/>
+              <a:defRPr sz="2000" b="0">
+                <a:solidFill>
+                  <a:schemeClr val="tx2"/>
+                </a:solidFill>
+              </a:defRPr>
             </a:lvl1pPr>
             <a:lvl2pPr marL="457200" indent="0">
               <a:buNone/>
@@ -2048,7 +2251,7 @@
           <a:p>
             <a:pPr lvl="0"/>
             <a:r>
-              <a:rPr lang="de-DE"/>
+              <a:rPr lang="de-DE" smtClean="0"/>
               <a:t>Textmasterformat bearbeiten</a:t>
             </a:r>
           </a:p>
@@ -2056,7 +2259,7 @@
       </p:sp>
       <p:sp>
         <p:nvSpPr>
-          <p:cNvPr id="4" name="Inhaltsplatzhalter 3"/>
+          <p:cNvPr id="4" name="Content Placeholder 3"/>
           <p:cNvSpPr>
             <a:spLocks noGrp="1"/>
           </p:cNvSpPr>
@@ -2066,54 +2269,82 @@
         </p:nvSpPr>
         <p:spPr>
           <a:xfrm>
-            <a:off x="839788" y="2505075"/>
-            <a:ext cx="5157787" cy="3684588"/>
+            <a:off x="1261872" y="2507550"/>
+            <a:ext cx="4480560" cy="3664650"/>
           </a:xfrm>
         </p:spPr>
         <p:txBody>
           <a:bodyPr/>
-          <a:lstStyle/>
+          <a:lstStyle>
+            <a:lvl1pPr>
+              <a:defRPr sz="1800"/>
+            </a:lvl1pPr>
+            <a:lvl2pPr>
+              <a:defRPr sz="1600"/>
+            </a:lvl2pPr>
+            <a:lvl3pPr>
+              <a:defRPr sz="1400"/>
+            </a:lvl3pPr>
+            <a:lvl4pPr>
+              <a:defRPr sz="1400"/>
+            </a:lvl4pPr>
+            <a:lvl5pPr>
+              <a:defRPr sz="1400"/>
+            </a:lvl5pPr>
+            <a:lvl6pPr>
+              <a:defRPr sz="1400"/>
+            </a:lvl6pPr>
+            <a:lvl7pPr>
+              <a:defRPr sz="1400"/>
+            </a:lvl7pPr>
+            <a:lvl8pPr>
+              <a:defRPr sz="1400"/>
+            </a:lvl8pPr>
+            <a:lvl9pPr>
+              <a:defRPr sz="1400"/>
+            </a:lvl9pPr>
+          </a:lstStyle>
           <a:p>
             <a:pPr lvl="0"/>
             <a:r>
-              <a:rPr lang="de-DE"/>
+              <a:rPr lang="de-DE" smtClean="0"/>
               <a:t>Textmasterformat bearbeiten</a:t>
             </a:r>
           </a:p>
           <a:p>
             <a:pPr lvl="1"/>
             <a:r>
-              <a:rPr lang="de-DE"/>
+              <a:rPr lang="de-DE" smtClean="0"/>
               <a:t>Zweite Ebene</a:t>
             </a:r>
           </a:p>
           <a:p>
             <a:pPr lvl="2"/>
             <a:r>
-              <a:rPr lang="de-DE"/>
+              <a:rPr lang="de-DE" smtClean="0"/>
               <a:t>Dritte Ebene</a:t>
             </a:r>
           </a:p>
           <a:p>
             <a:pPr lvl="3"/>
             <a:r>
-              <a:rPr lang="de-DE"/>
+              <a:rPr lang="de-DE" smtClean="0"/>
               <a:t>Vierte Ebene</a:t>
             </a:r>
           </a:p>
           <a:p>
             <a:pPr lvl="4"/>
             <a:r>
-              <a:rPr lang="de-DE"/>
+              <a:rPr lang="de-DE" smtClean="0"/>
               <a:t>Fünfte Ebene</a:t>
             </a:r>
-            <a:endParaRPr lang="de-CH"/>
-          </a:p>
-        </p:txBody>
-      </p:sp>
-      <p:sp>
-        <p:nvSpPr>
-          <p:cNvPr id="5" name="Textplatzhalter 4"/>
+            <a:endParaRPr lang="en-US" dirty="0"/>
+          </a:p>
+        </p:txBody>
+      </p:sp>
+      <p:sp>
+        <p:nvSpPr>
+          <p:cNvPr id="5" name="Text Placeholder 4"/>
           <p:cNvSpPr>
             <a:spLocks noGrp="1"/>
           </p:cNvSpPr>
@@ -2123,16 +2354,31 @@
         </p:nvSpPr>
         <p:spPr>
           <a:xfrm>
-            <a:off x="6172200" y="1681163"/>
-            <a:ext cx="5183188" cy="823912"/>
+            <a:off x="6126480" y="1713655"/>
+            <a:ext cx="4480560" cy="731520"/>
           </a:xfrm>
         </p:spPr>
         <p:txBody>
-          <a:bodyPr anchor="b"/>
+          <a:bodyPr anchor="b">
+            <a:normAutofit/>
+          </a:bodyPr>
           <a:lstStyle>
             <a:lvl1pPr marL="0" indent="0">
-              <a:buNone/>
-              <a:defRPr sz="2400" b="1"/>
+              <a:lnSpc>
+                <a:spcPct val="95000"/>
+              </a:lnSpc>
+              <a:spcBef>
+                <a:spcPts val="0"/>
+              </a:spcBef>
+              <a:buNone/>
+              <a:defRPr lang="en-US" sz="2000" b="0" kern="1200" dirty="0">
+                <a:solidFill>
+                  <a:schemeClr val="tx2"/>
+                </a:solidFill>
+                <a:latin typeface="+mn-lt"/>
+                <a:ea typeface="+mn-ea"/>
+                <a:cs typeface="+mn-cs"/>
+              </a:defRPr>
             </a:lvl1pPr>
             <a:lvl2pPr marL="457200" indent="0">
               <a:buNone/>
@@ -2168,9 +2414,18 @@
             </a:lvl9pPr>
           </a:lstStyle>
           <a:p>
-            <a:pPr lvl="0"/>
-            <a:r>
-              <a:rPr lang="de-DE"/>
+            <a:pPr marL="0" lvl="0" indent="0" algn="l" defTabSz="914400" rtl="0" eaLnBrk="1" latinLnBrk="0" hangingPunct="1">
+              <a:lnSpc>
+                <a:spcPct val="90000"/>
+              </a:lnSpc>
+              <a:spcBef>
+                <a:spcPts val="2000"/>
+              </a:spcBef>
+              <a:buFontTx/>
+              <a:buNone/>
+            </a:pPr>
+            <a:r>
+              <a:rPr lang="de-DE" smtClean="0"/>
               <a:t>Textmasterformat bearbeiten</a:t>
             </a:r>
           </a:p>
@@ -2178,7 +2433,7 @@
       </p:sp>
       <p:sp>
         <p:nvSpPr>
-          <p:cNvPr id="6" name="Inhaltsplatzhalter 5"/>
+          <p:cNvPr id="6" name="Content Placeholder 5"/>
           <p:cNvSpPr>
             <a:spLocks noGrp="1"/>
           </p:cNvSpPr>
@@ -2188,54 +2443,82 @@
         </p:nvSpPr>
         <p:spPr>
           <a:xfrm>
-            <a:off x="6172200" y="2505075"/>
-            <a:ext cx="5183188" cy="3684588"/>
+            <a:off x="6126480" y="2507550"/>
+            <a:ext cx="4480560" cy="3664650"/>
           </a:xfrm>
         </p:spPr>
         <p:txBody>
           <a:bodyPr/>
-          <a:lstStyle/>
+          <a:lstStyle>
+            <a:lvl1pPr>
+              <a:defRPr sz="1800"/>
+            </a:lvl1pPr>
+            <a:lvl2pPr>
+              <a:defRPr sz="1600"/>
+            </a:lvl2pPr>
+            <a:lvl3pPr>
+              <a:defRPr sz="1400"/>
+            </a:lvl3pPr>
+            <a:lvl4pPr>
+              <a:defRPr sz="1400"/>
+            </a:lvl4pPr>
+            <a:lvl5pPr>
+              <a:defRPr sz="1400"/>
+            </a:lvl5pPr>
+            <a:lvl6pPr>
+              <a:defRPr sz="1400"/>
+            </a:lvl6pPr>
+            <a:lvl7pPr>
+              <a:defRPr sz="1400"/>
+            </a:lvl7pPr>
+            <a:lvl8pPr>
+              <a:defRPr sz="1400"/>
+            </a:lvl8pPr>
+            <a:lvl9pPr>
+              <a:defRPr sz="1400"/>
+            </a:lvl9pPr>
+          </a:lstStyle>
           <a:p>
             <a:pPr lvl="0"/>
             <a:r>
-              <a:rPr lang="de-DE"/>
+              <a:rPr lang="de-DE" smtClean="0"/>
               <a:t>Textmasterformat bearbeiten</a:t>
             </a:r>
           </a:p>
           <a:p>
             <a:pPr lvl="1"/>
             <a:r>
-              <a:rPr lang="de-DE"/>
+              <a:rPr lang="de-DE" smtClean="0"/>
               <a:t>Zweite Ebene</a:t>
             </a:r>
           </a:p>
           <a:p>
             <a:pPr lvl="2"/>
             <a:r>
-              <a:rPr lang="de-DE"/>
+              <a:rPr lang="de-DE" smtClean="0"/>
               <a:t>Dritte Ebene</a:t>
             </a:r>
           </a:p>
           <a:p>
             <a:pPr lvl="3"/>
             <a:r>
-              <a:rPr lang="de-DE"/>
+              <a:rPr lang="de-DE" smtClean="0"/>
               <a:t>Vierte Ebene</a:t>
             </a:r>
           </a:p>
           <a:p>
             <a:pPr lvl="4"/>
             <a:r>
-              <a:rPr lang="de-DE"/>
+              <a:rPr lang="de-DE" smtClean="0"/>
               <a:t>Fünfte Ebene</a:t>
             </a:r>
-            <a:endParaRPr lang="de-CH"/>
-          </a:p>
-        </p:txBody>
-      </p:sp>
-      <p:sp>
-        <p:nvSpPr>
-          <p:cNvPr id="7" name="Datumsplatzhalter 6"/>
+            <a:endParaRPr lang="en-US" dirty="0"/>
+          </a:p>
+        </p:txBody>
+      </p:sp>
+      <p:sp>
+        <p:nvSpPr>
+          <p:cNvPr id="7" name="Date Placeholder 6"/>
           <p:cNvSpPr>
             <a:spLocks noGrp="1"/>
           </p:cNvSpPr>
@@ -2258,7 +2541,7 @@
       </p:sp>
       <p:sp>
         <p:nvSpPr>
-          <p:cNvPr id="8" name="Fußzeilenplatzhalter 7"/>
+          <p:cNvPr id="8" name="Footer Placeholder 7"/>
           <p:cNvSpPr>
             <a:spLocks noGrp="1"/>
           </p:cNvSpPr>
@@ -2277,7 +2560,7 @@
       </p:sp>
       <p:sp>
         <p:nvSpPr>
-          <p:cNvPr id="9" name="Foliennummernplatzhalter 8"/>
+          <p:cNvPr id="9" name="Slide Number Placeholder 8"/>
           <p:cNvSpPr>
             <a:spLocks noGrp="1"/>
           </p:cNvSpPr>
@@ -2301,7 +2584,7 @@
     </p:spTree>
     <p:extLst>
       <p:ext uri="{BB962C8B-B14F-4D97-AF65-F5344CB8AC3E}">
-        <p14:creationId xmlns:p14="http://schemas.microsoft.com/office/powerpoint/2010/main" val="148674994"/>
+        <p14:creationId xmlns:p14="http://schemas.microsoft.com/office/powerpoint/2010/main" val="2269805268"/>
       </p:ext>
     </p:extLst>
   </p:cSld>
@@ -2330,7 +2613,7 @@
       </p:grpSpPr>
       <p:sp>
         <p:nvSpPr>
-          <p:cNvPr id="2" name="Titel 1"/>
+          <p:cNvPr id="6" name="Title 5"/>
           <p:cNvSpPr>
             <a:spLocks noGrp="1"/>
           </p:cNvSpPr>
@@ -2344,16 +2627,16 @@
           <a:lstStyle/>
           <a:p>
             <a:r>
-              <a:rPr lang="de-DE"/>
+              <a:rPr lang="de-DE" smtClean="0"/>
               <a:t>Titelmasterformat durch Klicken bearbeiten</a:t>
             </a:r>
-            <a:endParaRPr lang="de-CH"/>
-          </a:p>
-        </p:txBody>
-      </p:sp>
-      <p:sp>
-        <p:nvSpPr>
-          <p:cNvPr id="3" name="Datumsplatzhalter 2"/>
+            <a:endParaRPr lang="en-US" dirty="0"/>
+          </a:p>
+        </p:txBody>
+      </p:sp>
+      <p:sp>
+        <p:nvSpPr>
+          <p:cNvPr id="3" name="Date Placeholder 2"/>
           <p:cNvSpPr>
             <a:spLocks noGrp="1"/>
           </p:cNvSpPr>
@@ -2376,7 +2659,7 @@
       </p:sp>
       <p:sp>
         <p:nvSpPr>
-          <p:cNvPr id="4" name="Fußzeilenplatzhalter 3"/>
+          <p:cNvPr id="4" name="Footer Placeholder 3"/>
           <p:cNvSpPr>
             <a:spLocks noGrp="1"/>
           </p:cNvSpPr>
@@ -2395,7 +2678,7 @@
       </p:sp>
       <p:sp>
         <p:nvSpPr>
-          <p:cNvPr id="5" name="Foliennummernplatzhalter 4"/>
+          <p:cNvPr id="5" name="Slide Number Placeholder 4"/>
           <p:cNvSpPr>
             <a:spLocks noGrp="1"/>
           </p:cNvSpPr>
@@ -2419,7 +2702,7 @@
     </p:spTree>
     <p:extLst>
       <p:ext uri="{BB962C8B-B14F-4D97-AF65-F5344CB8AC3E}">
-        <p14:creationId xmlns:p14="http://schemas.microsoft.com/office/powerpoint/2010/main" val="3391885786"/>
+        <p14:creationId xmlns:p14="http://schemas.microsoft.com/office/powerpoint/2010/main" val="1303383340"/>
       </p:ext>
     </p:extLst>
   </p:cSld>
@@ -2448,7 +2731,7 @@
       </p:grpSpPr>
       <p:sp>
         <p:nvSpPr>
-          <p:cNvPr id="2" name="Datumsplatzhalter 1"/>
+          <p:cNvPr id="2" name="Date Placeholder 1"/>
           <p:cNvSpPr>
             <a:spLocks noGrp="1"/>
           </p:cNvSpPr>
@@ -2471,7 +2754,7 @@
       </p:sp>
       <p:sp>
         <p:nvSpPr>
-          <p:cNvPr id="3" name="Fußzeilenplatzhalter 2"/>
+          <p:cNvPr id="3" name="Footer Placeholder 2"/>
           <p:cNvSpPr>
             <a:spLocks noGrp="1"/>
           </p:cNvSpPr>
@@ -2490,7 +2773,7 @@
       </p:sp>
       <p:sp>
         <p:nvSpPr>
-          <p:cNvPr id="4" name="Foliennummernplatzhalter 3"/>
+          <p:cNvPr id="4" name="Slide Number Placeholder 3"/>
           <p:cNvSpPr>
             <a:spLocks noGrp="1"/>
           </p:cNvSpPr>
@@ -2514,7 +2797,7 @@
     </p:spTree>
     <p:extLst>
       <p:ext uri="{BB962C8B-B14F-4D97-AF65-F5344CB8AC3E}">
-        <p14:creationId xmlns:p14="http://schemas.microsoft.com/office/powerpoint/2010/main" val="658312508"/>
+        <p14:creationId xmlns:p14="http://schemas.microsoft.com/office/powerpoint/2010/main" val="748483625"/>
       </p:ext>
     </p:extLst>
   </p:cSld>
@@ -2543,7 +2826,7 @@
       </p:grpSpPr>
       <p:sp>
         <p:nvSpPr>
-          <p:cNvPr id="2" name="Titel 1"/>
+          <p:cNvPr id="2" name="Title 1"/>
           <p:cNvSpPr>
             <a:spLocks noGrp="1"/>
           </p:cNvSpPr>
@@ -2553,29 +2836,31 @@
         </p:nvSpPr>
         <p:spPr>
           <a:xfrm>
-            <a:off x="839788" y="457200"/>
-            <a:ext cx="3932237" cy="1600200"/>
+            <a:off x="841248" y="457200"/>
+            <a:ext cx="3200400" cy="1600197"/>
           </a:xfrm>
         </p:spPr>
         <p:txBody>
-          <a:bodyPr anchor="b"/>
+          <a:bodyPr anchor="b">
+            <a:normAutofit/>
+          </a:bodyPr>
           <a:lstStyle>
             <a:lvl1pPr>
-              <a:defRPr sz="3200"/>
+              <a:defRPr sz="3200" b="0" baseline="0"/>
             </a:lvl1pPr>
           </a:lstStyle>
           <a:p>
             <a:r>
-              <a:rPr lang="de-DE"/>
+              <a:rPr lang="de-DE" smtClean="0"/>
               <a:t>Titelmasterformat durch Klicken bearbeiten</a:t>
             </a:r>
-            <a:endParaRPr lang="de-CH"/>
-          </a:p>
-        </p:txBody>
-      </p:sp>
-      <p:sp>
-        <p:nvSpPr>
-          <p:cNvPr id="3" name="Inhaltsplatzhalter 2"/>
+            <a:endParaRPr lang="en-US" dirty="0"/>
+          </a:p>
+        </p:txBody>
+      </p:sp>
+      <p:sp>
+        <p:nvSpPr>
+          <p:cNvPr id="3" name="Content Placeholder 2"/>
           <p:cNvSpPr>
             <a:spLocks noGrp="1"/>
           </p:cNvSpPr>
@@ -2585,82 +2870,82 @@
         </p:nvSpPr>
         <p:spPr>
           <a:xfrm>
-            <a:off x="5183188" y="987425"/>
-            <a:ext cx="6172200" cy="4873625"/>
+            <a:off x="4504267" y="685800"/>
+            <a:ext cx="6079066" cy="5486400"/>
           </a:xfrm>
         </p:spPr>
         <p:txBody>
           <a:bodyPr/>
           <a:lstStyle>
             <a:lvl1pPr>
-              <a:defRPr sz="3200"/>
+              <a:defRPr sz="2000"/>
             </a:lvl1pPr>
             <a:lvl2pPr>
-              <a:defRPr sz="2800"/>
+              <a:defRPr sz="1800"/>
             </a:lvl2pPr>
             <a:lvl3pPr>
-              <a:defRPr sz="2400"/>
+              <a:defRPr sz="1600"/>
             </a:lvl3pPr>
             <a:lvl4pPr>
-              <a:defRPr sz="2000"/>
+              <a:defRPr sz="1400"/>
             </a:lvl4pPr>
             <a:lvl5pPr>
-              <a:defRPr sz="2000"/>
+              <a:defRPr sz="1400"/>
             </a:lvl5pPr>
             <a:lvl6pPr>
-              <a:defRPr sz="2000"/>
+              <a:defRPr sz="1400"/>
             </a:lvl6pPr>
             <a:lvl7pPr>
-              <a:defRPr sz="2000"/>
+              <a:defRPr sz="1400"/>
             </a:lvl7pPr>
             <a:lvl8pPr>
-              <a:defRPr sz="2000"/>
+              <a:defRPr sz="1400"/>
             </a:lvl8pPr>
             <a:lvl9pPr>
-              <a:defRPr sz="2000"/>
+              <a:defRPr sz="1400"/>
             </a:lvl9pPr>
           </a:lstStyle>
           <a:p>
             <a:pPr lvl="0"/>
             <a:r>
-              <a:rPr lang="de-DE"/>
+              <a:rPr lang="de-DE" smtClean="0"/>
               <a:t>Textmasterformat bearbeiten</a:t>
             </a:r>
           </a:p>
           <a:p>
             <a:pPr lvl="1"/>
             <a:r>
-              <a:rPr lang="de-DE"/>
+              <a:rPr lang="de-DE" smtClean="0"/>
               <a:t>Zweite Ebene</a:t>
             </a:r>
           </a:p>
           <a:p>
             <a:pPr lvl="2"/>
             <a:r>
-              <a:rPr lang="de-DE"/>
+              <a:rPr lang="de-DE" smtClean="0"/>
               <a:t>Dritte Ebene</a:t>
             </a:r>
           </a:p>
           <a:p>
             <a:pPr lvl="3"/>
             <a:r>
-              <a:rPr lang="de-DE"/>
+              <a:rPr lang="de-DE" smtClean="0"/>
               <a:t>Vierte Ebene</a:t>
             </a:r>
           </a:p>
           <a:p>
             <a:pPr lvl="4"/>
             <a:r>
-              <a:rPr lang="de-DE"/>
+              <a:rPr lang="de-DE" smtClean="0"/>
               <a:t>Fünfte Ebene</a:t>
             </a:r>
-            <a:endParaRPr lang="de-CH"/>
-          </a:p>
-        </p:txBody>
-      </p:sp>
-      <p:sp>
-        <p:nvSpPr>
-          <p:cNvPr id="4" name="Textplatzhalter 3"/>
+            <a:endParaRPr lang="en-US" dirty="0"/>
+          </a:p>
+        </p:txBody>
+      </p:sp>
+      <p:sp>
+        <p:nvSpPr>
+          <p:cNvPr id="4" name="Text Placeholder 3"/>
           <p:cNvSpPr>
             <a:spLocks noGrp="1"/>
           </p:cNvSpPr>
@@ -2670,54 +2955,62 @@
         </p:nvSpPr>
         <p:spPr>
           <a:xfrm>
-            <a:off x="839788" y="2057400"/>
-            <a:ext cx="3932237" cy="3811588"/>
+            <a:off x="841248" y="2099734"/>
+            <a:ext cx="3200400" cy="3810001"/>
           </a:xfrm>
         </p:spPr>
         <p:txBody>
-          <a:bodyPr/>
+          <a:bodyPr>
+            <a:normAutofit/>
+          </a:bodyPr>
           <a:lstStyle>
             <a:lvl1pPr marL="0" indent="0">
-              <a:buNone/>
-              <a:defRPr sz="1600"/>
+              <a:lnSpc>
+                <a:spcPct val="114000"/>
+              </a:lnSpc>
+              <a:spcBef>
+                <a:spcPts val="800"/>
+              </a:spcBef>
+              <a:buNone/>
+              <a:defRPr sz="1300"/>
             </a:lvl1pPr>
             <a:lvl2pPr marL="457200" indent="0">
               <a:buNone/>
-              <a:defRPr sz="1400"/>
+              <a:defRPr sz="1200"/>
             </a:lvl2pPr>
             <a:lvl3pPr marL="914400" indent="0">
               <a:buNone/>
-              <a:defRPr sz="1200"/>
+              <a:defRPr sz="1000"/>
             </a:lvl3pPr>
             <a:lvl4pPr marL="1371600" indent="0">
               <a:buNone/>
-              <a:defRPr sz="1000"/>
+              <a:defRPr sz="900"/>
             </a:lvl4pPr>
             <a:lvl5pPr marL="1828800" indent="0">
               <a:buNone/>
-              <a:defRPr sz="1000"/>
+              <a:defRPr sz="900"/>
             </a:lvl5pPr>
             <a:lvl6pPr marL="2286000" indent="0">
               <a:buNone/>
-              <a:defRPr sz="1000"/>
+              <a:defRPr sz="900"/>
             </a:lvl6pPr>
             <a:lvl7pPr marL="2743200" indent="0">
               <a:buNone/>
-              <a:defRPr sz="1000"/>
+              <a:defRPr sz="900"/>
             </a:lvl7pPr>
             <a:lvl8pPr marL="3200400" indent="0">
               <a:buNone/>
-              <a:defRPr sz="1000"/>
+              <a:defRPr sz="900"/>
             </a:lvl8pPr>
             <a:lvl9pPr marL="3657600" indent="0">
               <a:buNone/>
-              <a:defRPr sz="1000"/>
+              <a:defRPr sz="900"/>
             </a:lvl9pPr>
           </a:lstStyle>
           <a:p>
             <a:pPr lvl="0"/>
             <a:r>
-              <a:rPr lang="de-DE"/>
+              <a:rPr lang="de-DE" smtClean="0"/>
               <a:t>Textmasterformat bearbeiten</a:t>
             </a:r>
           </a:p>
@@ -2725,7 +3018,7 @@
       </p:sp>
       <p:sp>
         <p:nvSpPr>
-          <p:cNvPr id="5" name="Datumsplatzhalter 4"/>
+          <p:cNvPr id="5" name="Date Placeholder 4"/>
           <p:cNvSpPr>
             <a:spLocks noGrp="1"/>
           </p:cNvSpPr>
@@ -2748,7 +3041,7 @@
       </p:sp>
       <p:sp>
         <p:nvSpPr>
-          <p:cNvPr id="6" name="Fußzeilenplatzhalter 5"/>
+          <p:cNvPr id="6" name="Footer Placeholder 5"/>
           <p:cNvSpPr>
             <a:spLocks noGrp="1"/>
           </p:cNvSpPr>
@@ -2767,7 +3060,7 @@
       </p:sp>
       <p:sp>
         <p:nvSpPr>
-          <p:cNvPr id="7" name="Foliennummernplatzhalter 6"/>
+          <p:cNvPr id="7" name="Slide Number Placeholder 6"/>
           <p:cNvSpPr>
             <a:spLocks noGrp="1"/>
           </p:cNvSpPr>
@@ -2791,7 +3084,7 @@
     </p:spTree>
     <p:extLst>
       <p:ext uri="{BB962C8B-B14F-4D97-AF65-F5344CB8AC3E}">
-        <p14:creationId xmlns:p14="http://schemas.microsoft.com/office/powerpoint/2010/main" val="1830488604"/>
+        <p14:creationId xmlns:p14="http://schemas.microsoft.com/office/powerpoint/2010/main" val="3928811603"/>
       </p:ext>
     </p:extLst>
   </p:cSld>
@@ -2820,41 +3113,85 @@
       </p:grpSpPr>
       <p:sp>
         <p:nvSpPr>
-          <p:cNvPr id="2" name="Titel 1"/>
-          <p:cNvSpPr>
-            <a:spLocks noGrp="1"/>
-          </p:cNvSpPr>
-          <p:nvPr>
-            <p:ph type="title"/>
-          </p:nvPr>
+          <p:cNvPr id="8" name="Rectangle 7"/>
+          <p:cNvSpPr/>
+          <p:nvPr/>
         </p:nvSpPr>
         <p:spPr>
           <a:xfrm>
-            <a:off x="839788" y="457200"/>
-            <a:ext cx="3932237" cy="1600200"/>
+            <a:off x="0" y="5105400"/>
+            <a:ext cx="11292840" cy="1752600"/>
+          </a:xfrm>
+          <a:prstGeom prst="rect">
+            <a:avLst/>
+          </a:prstGeom>
+          <a:solidFill>
+            <a:srgbClr val="000000"/>
+          </a:solidFill>
+          <a:ln>
+            <a:noFill/>
+          </a:ln>
+        </p:spPr>
+        <p:style>
+          <a:lnRef idx="2">
+            <a:schemeClr val="accent1">
+              <a:shade val="50000"/>
+            </a:schemeClr>
+          </a:lnRef>
+          <a:fillRef idx="1">
+            <a:schemeClr val="accent1"/>
+          </a:fillRef>
+          <a:effectRef idx="0">
+            <a:schemeClr val="accent1"/>
+          </a:effectRef>
+          <a:fontRef idx="minor">
+            <a:schemeClr val="lt1"/>
+          </a:fontRef>
+        </p:style>
+      </p:sp>
+      <p:sp>
+        <p:nvSpPr>
+          <p:cNvPr id="2" name="Title 1"/>
+          <p:cNvSpPr>
+            <a:spLocks noGrp="1"/>
+          </p:cNvSpPr>
+          <p:nvPr>
+            <p:ph type="title"/>
+          </p:nvPr>
+        </p:nvSpPr>
+        <p:spPr>
+          <a:xfrm>
+            <a:off x="914400" y="5257800"/>
+            <a:ext cx="9982200" cy="914400"/>
           </a:xfrm>
         </p:spPr>
         <p:txBody>
-          <a:bodyPr anchor="b"/>
+          <a:bodyPr anchor="b">
+            <a:normAutofit/>
+          </a:bodyPr>
           <a:lstStyle>
             <a:lvl1pPr>
-              <a:defRPr sz="3200"/>
+              <a:defRPr sz="2800" b="0">
+                <a:solidFill>
+                  <a:schemeClr val="bg1"/>
+                </a:solidFill>
+              </a:defRPr>
             </a:lvl1pPr>
           </a:lstStyle>
           <a:p>
             <a:r>
-              <a:rPr lang="de-DE"/>
+              <a:rPr lang="de-DE" smtClean="0"/>
               <a:t>Titelmasterformat durch Klicken bearbeiten</a:t>
             </a:r>
-            <a:endParaRPr lang="de-CH"/>
-          </a:p>
-        </p:txBody>
-      </p:sp>
-      <p:sp>
-        <p:nvSpPr>
-          <p:cNvPr id="3" name="Bildplatzhalter 2"/>
-          <p:cNvSpPr>
-            <a:spLocks noGrp="1"/>
+            <a:endParaRPr lang="en-US" dirty="0"/>
+          </a:p>
+        </p:txBody>
+      </p:sp>
+      <p:sp>
+        <p:nvSpPr>
+          <p:cNvPr id="3" name="Picture Placeholder 2"/>
+          <p:cNvSpPr>
+            <a:spLocks noGrp="1" noChangeAspect="1"/>
           </p:cNvSpPr>
           <p:nvPr>
             <p:ph type="pic" idx="1"/>
@@ -2862,16 +3199,26 @@
         </p:nvSpPr>
         <p:spPr>
           <a:xfrm>
-            <a:off x="5183188" y="987425"/>
-            <a:ext cx="6172200" cy="4873625"/>
+            <a:off x="0" y="0"/>
+            <a:ext cx="11292840" cy="5128923"/>
           </a:xfrm>
+          <a:blipFill>
+            <a:blip r:embed="rId2"/>
+            <a:stretch>
+              <a:fillRect/>
+            </a:stretch>
+          </a:blipFill>
         </p:spPr>
         <p:txBody>
-          <a:bodyPr/>
+          <a:bodyPr anchor="t"/>
           <a:lstStyle>
             <a:lvl1pPr marL="0" indent="0">
               <a:buNone/>
-              <a:defRPr sz="3200"/>
+              <a:defRPr sz="3200">
+                <a:solidFill>
+                  <a:schemeClr val="bg1"/>
+                </a:solidFill>
+              </a:defRPr>
             </a:lvl1pPr>
             <a:lvl2pPr marL="457200" indent="0">
               <a:buNone/>
@@ -2907,13 +3254,17 @@
             </a:lvl9pPr>
           </a:lstStyle>
           <a:p>
-            <a:endParaRPr lang="de-CH"/>
-          </a:p>
-        </p:txBody>
-      </p:sp>
-      <p:sp>
-        <p:nvSpPr>
-          <p:cNvPr id="4" name="Textplatzhalter 3"/>
+            <a:r>
+              <a:rPr lang="de-DE" smtClean="0"/>
+              <a:t>Bild durch Klicken auf Symbol hinzufügen</a:t>
+            </a:r>
+            <a:endParaRPr lang="en-US" dirty="0"/>
+          </a:p>
+        </p:txBody>
+      </p:sp>
+      <p:sp>
+        <p:nvSpPr>
+          <p:cNvPr id="4" name="Text Placeholder 3"/>
           <p:cNvSpPr>
             <a:spLocks noGrp="1"/>
           </p:cNvSpPr>
@@ -2923,54 +3274,68 @@
         </p:nvSpPr>
         <p:spPr>
           <a:xfrm>
-            <a:off x="839788" y="2057400"/>
-            <a:ext cx="3932237" cy="3811588"/>
+            <a:off x="914400" y="6108589"/>
+            <a:ext cx="9982200" cy="597011"/>
           </a:xfrm>
         </p:spPr>
         <p:txBody>
-          <a:bodyPr/>
+          <a:bodyPr>
+            <a:normAutofit/>
+          </a:bodyPr>
           <a:lstStyle>
             <a:lvl1pPr marL="0" indent="0">
-              <a:buNone/>
-              <a:defRPr sz="1600"/>
+              <a:lnSpc>
+                <a:spcPct val="100000"/>
+              </a:lnSpc>
+              <a:spcBef>
+                <a:spcPts val="800"/>
+              </a:spcBef>
+              <a:buNone/>
+              <a:defRPr sz="1300">
+                <a:solidFill>
+                  <a:schemeClr val="bg1">
+                    <a:lumMod val="85000"/>
+                  </a:schemeClr>
+                </a:solidFill>
+              </a:defRPr>
             </a:lvl1pPr>
             <a:lvl2pPr marL="457200" indent="0">
               <a:buNone/>
-              <a:defRPr sz="1400"/>
+              <a:defRPr sz="1200"/>
             </a:lvl2pPr>
             <a:lvl3pPr marL="914400" indent="0">
               <a:buNone/>
-              <a:defRPr sz="1200"/>
+              <a:defRPr sz="1000"/>
             </a:lvl3pPr>
             <a:lvl4pPr marL="1371600" indent="0">
               <a:buNone/>
-              <a:defRPr sz="1000"/>
+              <a:defRPr sz="900"/>
             </a:lvl4pPr>
             <a:lvl5pPr marL="1828800" indent="0">
               <a:buNone/>
-              <a:defRPr sz="1000"/>
+              <a:defRPr sz="900"/>
             </a:lvl5pPr>
             <a:lvl6pPr marL="2286000" indent="0">
               <a:buNone/>
-              <a:defRPr sz="1000"/>
+              <a:defRPr sz="900"/>
             </a:lvl6pPr>
             <a:lvl7pPr marL="2743200" indent="0">
               <a:buNone/>
-              <a:defRPr sz="1000"/>
+              <a:defRPr sz="900"/>
             </a:lvl7pPr>
             <a:lvl8pPr marL="3200400" indent="0">
               <a:buNone/>
-              <a:defRPr sz="1000"/>
+              <a:defRPr sz="900"/>
             </a:lvl8pPr>
             <a:lvl9pPr marL="3657600" indent="0">
               <a:buNone/>
-              <a:defRPr sz="1000"/>
+              <a:defRPr sz="900"/>
             </a:lvl9pPr>
           </a:lstStyle>
           <a:p>
             <a:pPr lvl="0"/>
             <a:r>
-              <a:rPr lang="de-DE"/>
+              <a:rPr lang="de-DE" smtClean="0"/>
               <a:t>Textmasterformat bearbeiten</a:t>
             </a:r>
           </a:p>
@@ -2978,7 +3343,7 @@
       </p:sp>
       <p:sp>
         <p:nvSpPr>
-          <p:cNvPr id="5" name="Datumsplatzhalter 4"/>
+          <p:cNvPr id="5" name="Date Placeholder 4"/>
           <p:cNvSpPr>
             <a:spLocks noGrp="1"/>
           </p:cNvSpPr>
@@ -3001,7 +3366,7 @@
       </p:sp>
       <p:sp>
         <p:nvSpPr>
-          <p:cNvPr id="6" name="Fußzeilenplatzhalter 5"/>
+          <p:cNvPr id="6" name="Footer Placeholder 5"/>
           <p:cNvSpPr>
             <a:spLocks noGrp="1"/>
           </p:cNvSpPr>
@@ -3020,7 +3385,7 @@
       </p:sp>
       <p:sp>
         <p:nvSpPr>
-          <p:cNvPr id="7" name="Foliennummernplatzhalter 6"/>
+          <p:cNvPr id="7" name="Slide Number Placeholder 6"/>
           <p:cNvSpPr>
             <a:spLocks noGrp="1"/>
           </p:cNvSpPr>
@@ -3044,7 +3409,7 @@
     </p:spTree>
     <p:extLst>
       <p:ext uri="{BB962C8B-B14F-4D97-AF65-F5344CB8AC3E}">
-        <p14:creationId xmlns:p14="http://schemas.microsoft.com/office/powerpoint/2010/main" val="1120949923"/>
+        <p14:creationId xmlns:p14="http://schemas.microsoft.com/office/powerpoint/2010/main" val="3477356140"/>
       </p:ext>
     </p:extLst>
   </p:cSld>
@@ -3078,40 +3443,80 @@
       </p:grpSpPr>
       <p:sp>
         <p:nvSpPr>
-          <p:cNvPr id="2" name="Titelplatzhalter 1"/>
-          <p:cNvSpPr>
-            <a:spLocks noGrp="1"/>
-          </p:cNvSpPr>
-          <p:nvPr>
-            <p:ph type="title"/>
-          </p:nvPr>
+          <p:cNvPr id="7" name="Rectangle 6"/>
+          <p:cNvSpPr/>
+          <p:nvPr/>
         </p:nvSpPr>
         <p:spPr>
           <a:xfrm>
-            <a:off x="838200" y="365125"/>
-            <a:ext cx="10515600" cy="1325563"/>
+            <a:off x="11292840" y="0"/>
+            <a:ext cx="914400" cy="6858000"/>
+          </a:xfrm>
+          <a:prstGeom prst="rect">
+            <a:avLst/>
+          </a:prstGeom>
+          <a:solidFill>
+            <a:schemeClr val="tx2">
+              <a:lumMod val="75000"/>
+            </a:schemeClr>
+          </a:solidFill>
+          <a:ln>
+            <a:noFill/>
+          </a:ln>
+        </p:spPr>
+        <p:style>
+          <a:lnRef idx="2">
+            <a:schemeClr val="accent1">
+              <a:shade val="50000"/>
+            </a:schemeClr>
+          </a:lnRef>
+          <a:fillRef idx="1">
+            <a:schemeClr val="accent1"/>
+          </a:fillRef>
+          <a:effectRef idx="0">
+            <a:schemeClr val="accent1"/>
+          </a:effectRef>
+          <a:fontRef idx="minor">
+            <a:schemeClr val="lt1"/>
+          </a:fontRef>
+        </p:style>
+      </p:sp>
+      <p:sp>
+        <p:nvSpPr>
+          <p:cNvPr id="2" name="Title Placeholder 1"/>
+          <p:cNvSpPr>
+            <a:spLocks noGrp="1"/>
+          </p:cNvSpPr>
+          <p:nvPr>
+            <p:ph type="title"/>
+          </p:nvPr>
+        </p:nvSpPr>
+        <p:spPr>
+          <a:xfrm>
+            <a:off x="1261872" y="365760"/>
+            <a:ext cx="9692640" cy="1325562"/>
           </a:xfrm>
           <a:prstGeom prst="rect">
             <a:avLst/>
           </a:prstGeom>
         </p:spPr>
         <p:txBody>
-          <a:bodyPr vert="horz" lIns="91440" tIns="45720" rIns="91440" bIns="45720" rtlCol="0" anchor="ctr">
+          <a:bodyPr vert="horz" lIns="91440" tIns="45720" rIns="91440" bIns="45720" rtlCol="0" anchor="b">
             <a:normAutofit/>
           </a:bodyPr>
           <a:lstStyle/>
           <a:p>
             <a:r>
-              <a:rPr lang="de-DE"/>
+              <a:rPr lang="de-DE" smtClean="0"/>
               <a:t>Titelmasterformat durch Klicken bearbeiten</a:t>
             </a:r>
-            <a:endParaRPr lang="de-CH"/>
-          </a:p>
-        </p:txBody>
-      </p:sp>
-      <p:sp>
-        <p:nvSpPr>
-          <p:cNvPr id="3" name="Textplatzhalter 2"/>
+            <a:endParaRPr lang="en-US" dirty="0"/>
+          </a:p>
+        </p:txBody>
+      </p:sp>
+      <p:sp>
+        <p:nvSpPr>
+          <p:cNvPr id="3" name="Text Placeholder 2"/>
           <p:cNvSpPr>
             <a:spLocks noGrp="1"/>
           </p:cNvSpPr>
@@ -3121,8 +3526,8 @@
         </p:nvSpPr>
         <p:spPr>
           <a:xfrm>
-            <a:off x="838200" y="1825625"/>
-            <a:ext cx="10515600" cy="4351338"/>
+            <a:off x="1261872" y="1828800"/>
+            <a:ext cx="8595360" cy="4351337"/>
           </a:xfrm>
           <a:prstGeom prst="rect">
             <a:avLst/>
@@ -3136,44 +3541,44 @@
           <a:p>
             <a:pPr lvl="0"/>
             <a:r>
-              <a:rPr lang="de-DE"/>
+              <a:rPr lang="de-DE" smtClean="0"/>
               <a:t>Textmasterformat bearbeiten</a:t>
             </a:r>
           </a:p>
           <a:p>
             <a:pPr lvl="1"/>
             <a:r>
-              <a:rPr lang="de-DE"/>
+              <a:rPr lang="de-DE" smtClean="0"/>
               <a:t>Zweite Ebene</a:t>
             </a:r>
           </a:p>
           <a:p>
             <a:pPr lvl="2"/>
             <a:r>
-              <a:rPr lang="de-DE"/>
+              <a:rPr lang="de-DE" smtClean="0"/>
               <a:t>Dritte Ebene</a:t>
             </a:r>
           </a:p>
           <a:p>
             <a:pPr lvl="3"/>
             <a:r>
-              <a:rPr lang="de-DE"/>
+              <a:rPr lang="de-DE" smtClean="0"/>
               <a:t>Vierte Ebene</a:t>
             </a:r>
           </a:p>
           <a:p>
             <a:pPr lvl="4"/>
             <a:r>
-              <a:rPr lang="de-DE"/>
+              <a:rPr lang="de-DE" smtClean="0"/>
               <a:t>Fünfte Ebene</a:t>
             </a:r>
-            <a:endParaRPr lang="de-CH"/>
-          </a:p>
-        </p:txBody>
-      </p:sp>
-      <p:sp>
-        <p:nvSpPr>
-          <p:cNvPr id="4" name="Datumsplatzhalter 3"/>
+            <a:endParaRPr lang="en-US" dirty="0"/>
+          </a:p>
+        </p:txBody>
+      </p:sp>
+      <p:sp>
+        <p:nvSpPr>
+          <p:cNvPr id="4" name="Date Placeholder 3"/>
           <p:cNvSpPr>
             <a:spLocks noGrp="1"/>
           </p:cNvSpPr>
@@ -3182,9 +3587,9 @@
           </p:nvPr>
         </p:nvSpPr>
         <p:spPr>
-          <a:xfrm>
-            <a:off x="838200" y="6356350"/>
-            <a:ext cx="2743200" cy="365125"/>
+          <a:xfrm rot="16200000">
+            <a:off x="10797542" y="998537"/>
+            <a:ext cx="1904999" cy="365125"/>
           </a:xfrm>
           <a:prstGeom prst="rect">
             <a:avLst/>
@@ -3193,11 +3598,12 @@
         <p:txBody>
           <a:bodyPr vert="horz" lIns="91440" tIns="45720" rIns="91440" bIns="45720" rtlCol="0" anchor="ctr"/>
           <a:lstStyle>
-            <a:lvl1pPr algn="l">
-              <a:defRPr sz="1200">
+            <a:lvl1pPr algn="r">
+              <a:defRPr sz="1050" b="0">
                 <a:solidFill>
-                  <a:schemeClr val="tx1">
-                    <a:tint val="75000"/>
+                  <a:schemeClr val="tx2">
+                    <a:lumMod val="20000"/>
+                    <a:lumOff val="80000"/>
                   </a:schemeClr>
                 </a:solidFill>
               </a:defRPr>
@@ -3214,7 +3620,7 @@
       </p:sp>
       <p:sp>
         <p:nvSpPr>
-          <p:cNvPr id="5" name="Fußzeilenplatzhalter 4"/>
+          <p:cNvPr id="5" name="Footer Placeholder 4"/>
           <p:cNvSpPr>
             <a:spLocks noGrp="1"/>
           </p:cNvSpPr>
@@ -3223,9 +3629,9 @@
           </p:nvPr>
         </p:nvSpPr>
         <p:spPr>
-          <a:xfrm>
-            <a:off x="4038600" y="6356350"/>
-            <a:ext cx="4114800" cy="365125"/>
+          <a:xfrm rot="16200000">
+            <a:off x="9959341" y="4046537"/>
+            <a:ext cx="3581400" cy="365125"/>
           </a:xfrm>
           <a:prstGeom prst="rect">
             <a:avLst/>
@@ -3234,11 +3640,12 @@
         <p:txBody>
           <a:bodyPr vert="horz" lIns="91440" tIns="45720" rIns="91440" bIns="45720" rtlCol="0" anchor="ctr"/>
           <a:lstStyle>
-            <a:lvl1pPr algn="ctr">
-              <a:defRPr sz="1200">
+            <a:lvl1pPr algn="l">
+              <a:defRPr sz="1050">
                 <a:solidFill>
-                  <a:schemeClr val="tx1">
-                    <a:tint val="75000"/>
+                  <a:schemeClr val="tx2">
+                    <a:lumMod val="20000"/>
+                    <a:lumOff val="80000"/>
                   </a:schemeClr>
                 </a:solidFill>
               </a:defRPr>
@@ -3251,7 +3658,7 @@
       </p:sp>
       <p:sp>
         <p:nvSpPr>
-          <p:cNvPr id="6" name="Foliennummernplatzhalter 5"/>
+          <p:cNvPr id="6" name="Slide Number Placeholder 5"/>
           <p:cNvSpPr>
             <a:spLocks noGrp="1"/>
           </p:cNvSpPr>
@@ -3261,21 +3668,24 @@
         </p:nvSpPr>
         <p:spPr>
           <a:xfrm>
-            <a:off x="8610600" y="6356350"/>
-            <a:ext cx="2743200" cy="365125"/>
+            <a:off x="11292840" y="6172200"/>
+            <a:ext cx="914400" cy="593725"/>
           </a:xfrm>
           <a:prstGeom prst="rect">
             <a:avLst/>
           </a:prstGeom>
         </p:spPr>
         <p:txBody>
-          <a:bodyPr vert="horz" lIns="91440" tIns="45720" rIns="91440" bIns="45720" rtlCol="0" anchor="ctr"/>
+          <a:bodyPr vert="horz" lIns="45720" tIns="45720" rIns="45720" bIns="45720" rtlCol="0" anchor="ctr">
+            <a:normAutofit/>
+          </a:bodyPr>
           <a:lstStyle>
-            <a:lvl1pPr algn="r">
-              <a:defRPr sz="1200">
+            <a:lvl1pPr algn="ctr">
+              <a:defRPr sz="3600">
                 <a:solidFill>
-                  <a:schemeClr val="tx1">
-                    <a:tint val="75000"/>
+                  <a:schemeClr val="tx2">
+                    <a:lumMod val="60000"/>
+                    <a:lumOff val="40000"/>
                   </a:schemeClr>
                 </a:solidFill>
               </a:defRPr>
@@ -3293,23 +3703,23 @@
     </p:spTree>
     <p:extLst>
       <p:ext uri="{BB962C8B-B14F-4D97-AF65-F5344CB8AC3E}">
-        <p14:creationId xmlns:p14="http://schemas.microsoft.com/office/powerpoint/2010/main" val="393091691"/>
+        <p14:creationId xmlns:p14="http://schemas.microsoft.com/office/powerpoint/2010/main" val="620725582"/>
       </p:ext>
     </p:extLst>
   </p:cSld>
   <p:clrMap bg1="lt1" tx1="dk1" bg2="lt2" tx2="dk2" accent1="accent1" accent2="accent2" accent3="accent3" accent4="accent4" accent5="accent5" accent6="accent6" hlink="hlink" folHlink="folHlink"/>
   <p:sldLayoutIdLst>
-    <p:sldLayoutId id="2147483726" r:id="rId1"/>
-    <p:sldLayoutId id="2147483727" r:id="rId2"/>
-    <p:sldLayoutId id="2147483728" r:id="rId3"/>
-    <p:sldLayoutId id="2147483729" r:id="rId4"/>
-    <p:sldLayoutId id="2147483730" r:id="rId5"/>
-    <p:sldLayoutId id="2147483731" r:id="rId6"/>
-    <p:sldLayoutId id="2147483732" r:id="rId7"/>
-    <p:sldLayoutId id="2147483733" r:id="rId8"/>
-    <p:sldLayoutId id="2147483734" r:id="rId9"/>
-    <p:sldLayoutId id="2147483735" r:id="rId10"/>
-    <p:sldLayoutId id="2147483736" r:id="rId11"/>
+    <p:sldLayoutId id="2147483738" r:id="rId1"/>
+    <p:sldLayoutId id="2147483739" r:id="rId2"/>
+    <p:sldLayoutId id="2147483740" r:id="rId3"/>
+    <p:sldLayoutId id="2147483741" r:id="rId4"/>
+    <p:sldLayoutId id="2147483742" r:id="rId5"/>
+    <p:sldLayoutId id="2147483743" r:id="rId6"/>
+    <p:sldLayoutId id="2147483744" r:id="rId7"/>
+    <p:sldLayoutId id="2147483745" r:id="rId8"/>
+    <p:sldLayoutId id="2147483746" r:id="rId9"/>
+    <p:sldLayoutId id="2147483747" r:id="rId10"/>
+    <p:sldLayoutId id="2147483748" r:id="rId11"/>
   </p:sldLayoutIdLst>
   <p:txStyles>
     <p:titleStyle>
@@ -3321,7 +3731,7 @@
           <a:spcPct val="0"/>
         </a:spcBef>
         <a:buNone/>
-        <a:defRPr sz="4400" kern="1200">
+        <a:defRPr sz="4400" kern="1200" spc="-50" baseline="0">
           <a:solidFill>
             <a:schemeClr val="tx1"/>
           </a:solidFill>
@@ -3332,16 +3742,23 @@
       </a:lvl1pPr>
     </p:titleStyle>
     <p:bodyStyle>
-      <a:lvl1pPr marL="228600" indent="-228600" algn="l" defTabSz="914400" rtl="0" eaLnBrk="1" latinLnBrk="0" hangingPunct="1">
+      <a:lvl1pPr marL="182880" indent="-182880" algn="l" defTabSz="914400" rtl="0" eaLnBrk="1" latinLnBrk="0" hangingPunct="1">
         <a:lnSpc>
-          <a:spcPct val="90000"/>
+          <a:spcPct val="95000"/>
         </a:lnSpc>
         <a:spcBef>
-          <a:spcPts val="1000"/>
+          <a:spcPts val="1400"/>
         </a:spcBef>
-        <a:buFont typeface="Arial" panose="020B0604020202020204" pitchFamily="34" charset="0"/>
+        <a:spcAft>
+          <a:spcPts val="200"/>
+        </a:spcAft>
+        <a:buClr>
+          <a:schemeClr val="accent1"/>
+        </a:buClr>
+        <a:buSzPct val="80000"/>
+        <a:buFont typeface="Arial" pitchFamily="34" charset="0"/>
         <a:buChar char="•"/>
-        <a:defRPr sz="2800" kern="1200">
+        <a:defRPr sz="1800" kern="1200" spc="10" baseline="0">
           <a:solidFill>
             <a:schemeClr val="tx1"/>
           </a:solidFill>
@@ -3350,144 +3767,216 @@
           <a:cs typeface="+mn-cs"/>
         </a:defRPr>
       </a:lvl1pPr>
-      <a:lvl2pPr marL="685800" indent="-228600" algn="l" defTabSz="914400" rtl="0" eaLnBrk="1" latinLnBrk="0" hangingPunct="1">
+      <a:lvl2pPr marL="457200" indent="-182880" algn="l" defTabSz="914400" rtl="0" eaLnBrk="1" latinLnBrk="0" hangingPunct="1">
         <a:lnSpc>
           <a:spcPct val="90000"/>
         </a:lnSpc>
         <a:spcBef>
-          <a:spcPts val="500"/>
+          <a:spcPts val="300"/>
         </a:spcBef>
-        <a:buFont typeface="Arial" panose="020B0604020202020204" pitchFamily="34" charset="0"/>
-        <a:buChar char="•"/>
-        <a:defRPr sz="2400" kern="1200">
+        <a:spcAft>
+          <a:spcPts val="300"/>
+        </a:spcAft>
+        <a:buClr>
+          <a:schemeClr val="accent1"/>
+        </a:buClr>
+        <a:buFont typeface="Wingdings 2" pitchFamily="18" charset="2"/>
+        <a:buChar char=""/>
+        <a:defRPr sz="1600" kern="1200">
           <a:solidFill>
-            <a:schemeClr val="tx1"/>
+            <a:schemeClr val="tx1">
+              <a:lumMod val="85000"/>
+              <a:lumOff val="15000"/>
+            </a:schemeClr>
           </a:solidFill>
           <a:latin typeface="+mn-lt"/>
           <a:ea typeface="+mn-ea"/>
           <a:cs typeface="+mn-cs"/>
         </a:defRPr>
       </a:lvl2pPr>
-      <a:lvl3pPr marL="1143000" indent="-228600" algn="l" defTabSz="914400" rtl="0" eaLnBrk="1" latinLnBrk="0" hangingPunct="1">
+      <a:lvl3pPr marL="731520" indent="-182880" algn="l" defTabSz="914400" rtl="0" eaLnBrk="1" latinLnBrk="0" hangingPunct="1">
         <a:lnSpc>
           <a:spcPct val="90000"/>
         </a:lnSpc>
         <a:spcBef>
-          <a:spcPts val="500"/>
+          <a:spcPts val="300"/>
         </a:spcBef>
-        <a:buFont typeface="Arial" panose="020B0604020202020204" pitchFamily="34" charset="0"/>
-        <a:buChar char="•"/>
-        <a:defRPr sz="2000" kern="1200">
+        <a:spcAft>
+          <a:spcPts val="300"/>
+        </a:spcAft>
+        <a:buClr>
+          <a:schemeClr val="accent1"/>
+        </a:buClr>
+        <a:buFont typeface="Wingdings 2" pitchFamily="18" charset="2"/>
+        <a:buChar char=""/>
+        <a:defRPr sz="1400" kern="1200">
           <a:solidFill>
-            <a:schemeClr val="tx1"/>
+            <a:schemeClr val="tx1">
+              <a:lumMod val="85000"/>
+              <a:lumOff val="15000"/>
+            </a:schemeClr>
           </a:solidFill>
           <a:latin typeface="+mn-lt"/>
           <a:ea typeface="+mn-ea"/>
           <a:cs typeface="+mn-cs"/>
         </a:defRPr>
       </a:lvl3pPr>
-      <a:lvl4pPr marL="1600200" indent="-228600" algn="l" defTabSz="914400" rtl="0" eaLnBrk="1" latinLnBrk="0" hangingPunct="1">
+      <a:lvl4pPr marL="1005840" indent="-182880" algn="l" defTabSz="914400" rtl="0" eaLnBrk="1" latinLnBrk="0" hangingPunct="1">
         <a:lnSpc>
           <a:spcPct val="90000"/>
         </a:lnSpc>
         <a:spcBef>
-          <a:spcPts val="500"/>
+          <a:spcPts val="300"/>
         </a:spcBef>
-        <a:buFont typeface="Arial" panose="020B0604020202020204" pitchFamily="34" charset="0"/>
-        <a:buChar char="•"/>
-        <a:defRPr sz="1800" kern="1200">
+        <a:spcAft>
+          <a:spcPts val="300"/>
+        </a:spcAft>
+        <a:buClr>
+          <a:schemeClr val="accent1"/>
+        </a:buClr>
+        <a:buFont typeface="Wingdings 2" pitchFamily="18" charset="2"/>
+        <a:buChar char=""/>
+        <a:defRPr sz="1400" kern="1200">
           <a:solidFill>
-            <a:schemeClr val="tx1"/>
+            <a:schemeClr val="tx1">
+              <a:lumMod val="85000"/>
+              <a:lumOff val="15000"/>
+            </a:schemeClr>
           </a:solidFill>
           <a:latin typeface="+mn-lt"/>
           <a:ea typeface="+mn-ea"/>
           <a:cs typeface="+mn-cs"/>
         </a:defRPr>
       </a:lvl4pPr>
-      <a:lvl5pPr marL="2057400" indent="-228600" algn="l" defTabSz="914400" rtl="0" eaLnBrk="1" latinLnBrk="0" hangingPunct="1">
+      <a:lvl5pPr marL="1280160" indent="-182880" algn="l" defTabSz="914400" rtl="0" eaLnBrk="1" latinLnBrk="0" hangingPunct="1">
         <a:lnSpc>
           <a:spcPct val="90000"/>
         </a:lnSpc>
         <a:spcBef>
-          <a:spcPts val="500"/>
+          <a:spcPts val="300"/>
         </a:spcBef>
-        <a:buFont typeface="Arial" panose="020B0604020202020204" pitchFamily="34" charset="0"/>
-        <a:buChar char="•"/>
-        <a:defRPr sz="1800" kern="1200">
+        <a:spcAft>
+          <a:spcPts val="300"/>
+        </a:spcAft>
+        <a:buClr>
+          <a:schemeClr val="accent1"/>
+        </a:buClr>
+        <a:buFont typeface="Wingdings 2" pitchFamily="18" charset="2"/>
+        <a:buChar char=""/>
+        <a:defRPr sz="1400" kern="1200">
           <a:solidFill>
-            <a:schemeClr val="tx1"/>
+            <a:schemeClr val="tx1">
+              <a:lumMod val="85000"/>
+              <a:lumOff val="15000"/>
+            </a:schemeClr>
           </a:solidFill>
           <a:latin typeface="+mn-lt"/>
           <a:ea typeface="+mn-ea"/>
           <a:cs typeface="+mn-cs"/>
         </a:defRPr>
       </a:lvl5pPr>
-      <a:lvl6pPr marL="2514600" indent="-228600" algn="l" defTabSz="914400" rtl="0" eaLnBrk="1" latinLnBrk="0" hangingPunct="1">
+      <a:lvl6pPr marL="1600000" indent="-228600" algn="l" defTabSz="914400" rtl="0" eaLnBrk="1" latinLnBrk="0" hangingPunct="1">
         <a:lnSpc>
           <a:spcPct val="90000"/>
         </a:lnSpc>
         <a:spcBef>
-          <a:spcPts val="500"/>
+          <a:spcPts val="300"/>
         </a:spcBef>
-        <a:buFont typeface="Arial" panose="020B0604020202020204" pitchFamily="34" charset="0"/>
-        <a:buChar char="•"/>
-        <a:defRPr sz="1800" kern="1200">
+        <a:spcAft>
+          <a:spcPts val="300"/>
+        </a:spcAft>
+        <a:buClr>
+          <a:schemeClr val="accent1"/>
+        </a:buClr>
+        <a:buFont typeface="Wingdings 2" pitchFamily="18" charset="2"/>
+        <a:buChar char=""/>
+        <a:defRPr sz="1400" kern="1200">
           <a:solidFill>
-            <a:schemeClr val="tx1"/>
+            <a:schemeClr val="tx1">
+              <a:lumMod val="85000"/>
+              <a:lumOff val="15000"/>
+            </a:schemeClr>
           </a:solidFill>
           <a:latin typeface="+mn-lt"/>
           <a:ea typeface="+mn-ea"/>
           <a:cs typeface="+mn-cs"/>
         </a:defRPr>
       </a:lvl6pPr>
-      <a:lvl7pPr marL="2971800" indent="-228600" algn="l" defTabSz="914400" rtl="0" eaLnBrk="1" latinLnBrk="0" hangingPunct="1">
+      <a:lvl7pPr marL="1900000" indent="-228600" algn="l" defTabSz="914400" rtl="0" eaLnBrk="1" latinLnBrk="0" hangingPunct="1">
         <a:lnSpc>
           <a:spcPct val="90000"/>
         </a:lnSpc>
         <a:spcBef>
-          <a:spcPts val="500"/>
+          <a:spcPts val="300"/>
         </a:spcBef>
-        <a:buFont typeface="Arial" panose="020B0604020202020204" pitchFamily="34" charset="0"/>
-        <a:buChar char="•"/>
-        <a:defRPr sz="1800" kern="1200">
+        <a:spcAft>
+          <a:spcPts val="300"/>
+        </a:spcAft>
+        <a:buClr>
+          <a:schemeClr val="accent1"/>
+        </a:buClr>
+        <a:buFont typeface="Wingdings 2" pitchFamily="18" charset="2"/>
+        <a:buChar char=""/>
+        <a:defRPr sz="1400" kern="1200">
           <a:solidFill>
-            <a:schemeClr val="tx1"/>
+            <a:schemeClr val="tx1">
+              <a:lumMod val="85000"/>
+              <a:lumOff val="15000"/>
+            </a:schemeClr>
           </a:solidFill>
           <a:latin typeface="+mn-lt"/>
           <a:ea typeface="+mn-ea"/>
           <a:cs typeface="+mn-cs"/>
         </a:defRPr>
       </a:lvl7pPr>
-      <a:lvl8pPr marL="3429000" indent="-228600" algn="l" defTabSz="914400" rtl="0" eaLnBrk="1" latinLnBrk="0" hangingPunct="1">
+      <a:lvl8pPr marL="2200000" indent="-228600" algn="l" defTabSz="914400" rtl="0" eaLnBrk="1" latinLnBrk="0" hangingPunct="1">
         <a:lnSpc>
           <a:spcPct val="90000"/>
         </a:lnSpc>
         <a:spcBef>
-          <a:spcPts val="500"/>
+          <a:spcPts val="300"/>
         </a:spcBef>
-        <a:buFont typeface="Arial" panose="020B0604020202020204" pitchFamily="34" charset="0"/>
-        <a:buChar char="•"/>
-        <a:defRPr sz="1800" kern="1200">
+        <a:spcAft>
+          <a:spcPts val="300"/>
+        </a:spcAft>
+        <a:buClr>
+          <a:schemeClr val="accent1"/>
+        </a:buClr>
+        <a:buFont typeface="Wingdings 2" pitchFamily="18" charset="2"/>
+        <a:buChar char=""/>
+        <a:defRPr sz="1400" kern="1200">
           <a:solidFill>
-            <a:schemeClr val="tx1"/>
+            <a:schemeClr val="tx1">
+              <a:lumMod val="85000"/>
+              <a:lumOff val="15000"/>
+            </a:schemeClr>
           </a:solidFill>
           <a:latin typeface="+mn-lt"/>
           <a:ea typeface="+mn-ea"/>
           <a:cs typeface="+mn-cs"/>
         </a:defRPr>
       </a:lvl8pPr>
-      <a:lvl9pPr marL="3886200" indent="-228600" algn="l" defTabSz="914400" rtl="0" eaLnBrk="1" latinLnBrk="0" hangingPunct="1">
+      <a:lvl9pPr marL="2500000" indent="-228600" algn="l" defTabSz="914400" rtl="0" eaLnBrk="1" latinLnBrk="0" hangingPunct="1">
         <a:lnSpc>
           <a:spcPct val="90000"/>
         </a:lnSpc>
         <a:spcBef>
-          <a:spcPts val="500"/>
+          <a:spcPts val="300"/>
         </a:spcBef>
-        <a:buFont typeface="Arial" panose="020B0604020202020204" pitchFamily="34" charset="0"/>
-        <a:buChar char="•"/>
-        <a:defRPr sz="1800" kern="1200">
+        <a:spcAft>
+          <a:spcPts val="300"/>
+        </a:spcAft>
+        <a:buClr>
+          <a:schemeClr val="accent1"/>
+        </a:buClr>
+        <a:buFont typeface="Wingdings 2" pitchFamily="18" charset="2"/>
+        <a:buChar char=""/>
+        <a:defRPr sz="1400" kern="1200">
           <a:solidFill>
-            <a:schemeClr val="tx1"/>
+            <a:schemeClr val="tx1">
+              <a:lumMod val="85000"/>
+              <a:lumOff val="15000"/>
+            </a:schemeClr>
           </a:solidFill>
           <a:latin typeface="+mn-lt"/>
           <a:ea typeface="+mn-ea"/>
@@ -3497,7 +3986,7 @@
     </p:bodyStyle>
     <p:otherStyle>
       <a:defPPr>
-        <a:defRPr lang="de-DE"/>
+        <a:defRPr lang="en-US"/>
       </a:defPPr>
       <a:lvl1pPr marL="0" algn="l" defTabSz="914400" rtl="0" eaLnBrk="1" latinLnBrk="0" hangingPunct="1">
         <a:defRPr sz="1800" kern="1200">
@@ -3711,7 +4200,7 @@
           <a:p>
             <a:r>
               <a:rPr lang="de-CH" dirty="0"/>
-              <a:t>Demo Spiel	</a:t>
+              <a:t>Erfahrungen</a:t>
             </a:r>
           </a:p>
         </p:txBody>
@@ -3730,6 +4219,31 @@
         <p:txBody>
           <a:bodyPr/>
           <a:lstStyle/>
+          <a:p>
+            <a:r>
+              <a:rPr lang="de-CH" dirty="0" smtClean="0"/>
+              <a:t>Grundplanung</a:t>
+            </a:r>
+          </a:p>
+          <a:p>
+            <a:r>
+              <a:rPr lang="de-CH" dirty="0" smtClean="0"/>
+              <a:t>Entwicklung parallel </a:t>
+            </a:r>
+            <a:r>
+              <a:rPr lang="de-CH" dirty="0" smtClean="0">
+                <a:sym typeface="Wingdings" panose="05000000000000000000" pitchFamily="2" charset="2"/>
+              </a:rPr>
+              <a:t> gute Kommunikation zwingend notwendig</a:t>
+            </a:r>
+            <a:endParaRPr lang="de-CH" dirty="0" smtClean="0"/>
+          </a:p>
+          <a:p>
+            <a:r>
+              <a:rPr lang="de-CH" dirty="0" smtClean="0"/>
+              <a:t>Gezieltes Einsetzen der Stärken und Fähigkeiten der Teammitglieder</a:t>
+            </a:r>
+          </a:p>
           <a:p>
             <a:endParaRPr lang="de-CH" dirty="0"/>
           </a:p>
@@ -3738,7 +4252,7 @@
     </p:spTree>
     <p:extLst>
       <p:ext uri="{BB962C8B-B14F-4D97-AF65-F5344CB8AC3E}">
-        <p14:creationId xmlns:p14="http://schemas.microsoft.com/office/powerpoint/2010/main" val="644133017"/>
+        <p14:creationId xmlns:p14="http://schemas.microsoft.com/office/powerpoint/2010/main" val="632529554"/>
       </p:ext>
     </p:extLst>
   </p:cSld>
@@ -3767,6 +4281,164 @@
       </p:grpSpPr>
       <p:sp>
         <p:nvSpPr>
+          <p:cNvPr id="2" name="Titel 1"/>
+          <p:cNvSpPr>
+            <a:spLocks noGrp="1"/>
+          </p:cNvSpPr>
+          <p:nvPr>
+            <p:ph type="title"/>
+          </p:nvPr>
+        </p:nvSpPr>
+        <p:spPr/>
+        <p:txBody>
+          <a:bodyPr/>
+          <a:lstStyle/>
+          <a:p>
+            <a:r>
+              <a:rPr lang="de-CH" dirty="0"/>
+              <a:t>Vergleich der Prozesse</a:t>
+            </a:r>
+          </a:p>
+        </p:txBody>
+      </p:sp>
+      <p:sp>
+        <p:nvSpPr>
+          <p:cNvPr id="3" name="Inhaltsplatzhalter 2"/>
+          <p:cNvSpPr>
+            <a:spLocks noGrp="1"/>
+          </p:cNvSpPr>
+          <p:nvPr>
+            <p:ph idx="1"/>
+          </p:nvPr>
+        </p:nvSpPr>
+        <p:spPr/>
+        <p:txBody>
+          <a:bodyPr/>
+          <a:lstStyle/>
+          <a:p>
+            <a:r>
+              <a:rPr lang="de-CH" dirty="0" smtClean="0"/>
+              <a:t>Wenig Planung erforderlich</a:t>
+            </a:r>
+          </a:p>
+          <a:p>
+            <a:r>
+              <a:rPr lang="de-CH" dirty="0" smtClean="0"/>
+              <a:t>Flexibilität</a:t>
+            </a:r>
+          </a:p>
+          <a:p>
+            <a:r>
+              <a:rPr lang="de-CH" dirty="0" smtClean="0"/>
+              <a:t>Entwickler viel Freiheit aber auch Eigenverantwortung</a:t>
+            </a:r>
+            <a:endParaRPr lang="de-CH" dirty="0"/>
+          </a:p>
+        </p:txBody>
+      </p:sp>
+    </p:spTree>
+    <p:extLst>
+      <p:ext uri="{BB962C8B-B14F-4D97-AF65-F5344CB8AC3E}">
+        <p14:creationId xmlns:p14="http://schemas.microsoft.com/office/powerpoint/2010/main" val="981955686"/>
+      </p:ext>
+    </p:extLst>
+  </p:cSld>
+  <p:clrMapOvr>
+    <a:masterClrMapping/>
+  </p:clrMapOvr>
+</p:sld>
+</file>
+
+<file path=ppt/slides/slide12.xml><?xml version="1.0" encoding="utf-8"?>
+<p:sld xmlns:a="http://schemas.openxmlformats.org/drawingml/2006/main" xmlns:r="http://schemas.openxmlformats.org/officeDocument/2006/relationships" xmlns:p="http://schemas.openxmlformats.org/presentationml/2006/main">
+  <p:cSld>
+    <p:spTree>
+      <p:nvGrpSpPr>
+        <p:cNvPr id="1" name=""/>
+        <p:cNvGrpSpPr/>
+        <p:nvPr/>
+      </p:nvGrpSpPr>
+      <p:grpSpPr>
+        <a:xfrm>
+          <a:off x="0" y="0"/>
+          <a:ext cx="0" cy="0"/>
+          <a:chOff x="0" y="0"/>
+          <a:chExt cx="0" cy="0"/>
+        </a:xfrm>
+      </p:grpSpPr>
+      <p:sp>
+        <p:nvSpPr>
+          <p:cNvPr id="2" name="Titel 1"/>
+          <p:cNvSpPr>
+            <a:spLocks noGrp="1"/>
+          </p:cNvSpPr>
+          <p:nvPr>
+            <p:ph type="title"/>
+          </p:nvPr>
+        </p:nvSpPr>
+        <p:spPr/>
+        <p:txBody>
+          <a:bodyPr/>
+          <a:lstStyle/>
+          <a:p>
+            <a:r>
+              <a:rPr lang="de-CH" dirty="0"/>
+              <a:t>Demo Spiel	</a:t>
+            </a:r>
+          </a:p>
+        </p:txBody>
+      </p:sp>
+      <p:sp>
+        <p:nvSpPr>
+          <p:cNvPr id="3" name="Inhaltsplatzhalter 2"/>
+          <p:cNvSpPr>
+            <a:spLocks noGrp="1"/>
+          </p:cNvSpPr>
+          <p:nvPr>
+            <p:ph idx="1"/>
+          </p:nvPr>
+        </p:nvSpPr>
+        <p:spPr/>
+        <p:txBody>
+          <a:bodyPr/>
+          <a:lstStyle/>
+          <a:p>
+            <a:endParaRPr lang="de-CH" dirty="0"/>
+          </a:p>
+        </p:txBody>
+      </p:sp>
+    </p:spTree>
+    <p:extLst>
+      <p:ext uri="{BB962C8B-B14F-4D97-AF65-F5344CB8AC3E}">
+        <p14:creationId xmlns:p14="http://schemas.microsoft.com/office/powerpoint/2010/main" val="644133017"/>
+      </p:ext>
+    </p:extLst>
+  </p:cSld>
+  <p:clrMapOvr>
+    <a:masterClrMapping/>
+  </p:clrMapOvr>
+</p:sld>
+</file>
+
+<file path=ppt/slides/slide13.xml><?xml version="1.0" encoding="utf-8"?>
+<p:sld xmlns:a="http://schemas.openxmlformats.org/drawingml/2006/main" xmlns:r="http://schemas.openxmlformats.org/officeDocument/2006/relationships" xmlns:p="http://schemas.openxmlformats.org/presentationml/2006/main">
+  <p:cSld>
+    <p:spTree>
+      <p:nvGrpSpPr>
+        <p:cNvPr id="1" name=""/>
+        <p:cNvGrpSpPr/>
+        <p:nvPr/>
+      </p:nvGrpSpPr>
+      <p:grpSpPr>
+        <a:xfrm>
+          <a:off x="0" y="0"/>
+          <a:ext cx="0" cy="0"/>
+          <a:chOff x="0" y="0"/>
+          <a:chExt cx="0" cy="0"/>
+        </a:xfrm>
+      </p:grpSpPr>
+      <p:sp>
+        <p:nvSpPr>
           <p:cNvPr id="4" name="Titel 3"/>
           <p:cNvSpPr>
             <a:spLocks noGrp="1"/>
@@ -3820,6 +4492,385 @@
 </file>
 
 <file path=ppt/slides/slide2.xml><?xml version="1.0" encoding="utf-8"?>
+<p:sld xmlns:a="http://schemas.openxmlformats.org/drawingml/2006/main" xmlns:r="http://schemas.openxmlformats.org/officeDocument/2006/relationships" xmlns:p="http://schemas.openxmlformats.org/presentationml/2006/main">
+  <p:cSld>
+    <p:spTree>
+      <p:nvGrpSpPr>
+        <p:cNvPr id="1" name=""/>
+        <p:cNvGrpSpPr/>
+        <p:nvPr/>
+      </p:nvGrpSpPr>
+      <p:grpSpPr>
+        <a:xfrm>
+          <a:off x="0" y="0"/>
+          <a:ext cx="0" cy="0"/>
+          <a:chOff x="0" y="0"/>
+          <a:chExt cx="0" cy="0"/>
+        </a:xfrm>
+      </p:grpSpPr>
+      <p:sp>
+        <p:nvSpPr>
+          <p:cNvPr id="2" name="Titel 1"/>
+          <p:cNvSpPr>
+            <a:spLocks noGrp="1"/>
+          </p:cNvSpPr>
+          <p:nvPr>
+            <p:ph type="title"/>
+          </p:nvPr>
+        </p:nvSpPr>
+        <p:spPr/>
+        <p:txBody>
+          <a:bodyPr/>
+          <a:lstStyle/>
+          <a:p>
+            <a:r>
+              <a:rPr lang="de-CH" dirty="0" smtClean="0"/>
+              <a:t>Ablauf</a:t>
+            </a:r>
+            <a:endParaRPr lang="de-CH" dirty="0"/>
+          </a:p>
+        </p:txBody>
+      </p:sp>
+      <p:sp>
+        <p:nvSpPr>
+          <p:cNvPr id="3" name="Inhaltsplatzhalter 2"/>
+          <p:cNvSpPr>
+            <a:spLocks noGrp="1"/>
+          </p:cNvSpPr>
+          <p:nvPr>
+            <p:ph idx="1"/>
+          </p:nvPr>
+        </p:nvSpPr>
+        <p:spPr/>
+        <p:txBody>
+          <a:bodyPr/>
+          <a:lstStyle/>
+          <a:p>
+            <a:r>
+              <a:rPr lang="de-CH" dirty="0" smtClean="0"/>
+              <a:t>Prozessmodell </a:t>
+            </a:r>
+            <a:r>
+              <a:rPr lang="de-CH" dirty="0" err="1" smtClean="0"/>
+              <a:t>Scrum</a:t>
+            </a:r>
+            <a:endParaRPr lang="de-CH" dirty="0" smtClean="0"/>
+          </a:p>
+          <a:p>
+            <a:r>
+              <a:rPr lang="de-CH" dirty="0" smtClean="0"/>
+              <a:t>Aufbau Software</a:t>
+            </a:r>
+          </a:p>
+          <a:p>
+            <a:pPr lvl="1"/>
+            <a:r>
+              <a:rPr lang="de-CH" dirty="0" smtClean="0"/>
+              <a:t>Klassendiagramme</a:t>
+            </a:r>
+          </a:p>
+          <a:p>
+            <a:pPr lvl="1"/>
+            <a:r>
+              <a:rPr lang="de-CH" dirty="0" smtClean="0"/>
+              <a:t>Verwendete Patterns</a:t>
+            </a:r>
+          </a:p>
+          <a:p>
+            <a:r>
+              <a:rPr lang="de-CH" dirty="0" smtClean="0"/>
+              <a:t>Spiel speichern</a:t>
+            </a:r>
+            <a:endParaRPr lang="de-CH" dirty="0"/>
+          </a:p>
+        </p:txBody>
+      </p:sp>
+    </p:spTree>
+    <p:extLst>
+      <p:ext uri="{BB962C8B-B14F-4D97-AF65-F5344CB8AC3E}">
+        <p14:creationId xmlns:p14="http://schemas.microsoft.com/office/powerpoint/2010/main" val="1971739813"/>
+      </p:ext>
+    </p:extLst>
+  </p:cSld>
+  <p:clrMapOvr>
+    <a:masterClrMapping/>
+  </p:clrMapOvr>
+</p:sld>
+</file>
+
+<file path=ppt/slides/slide3.xml><?xml version="1.0" encoding="utf-8"?>
+<p:sld xmlns:a="http://schemas.openxmlformats.org/drawingml/2006/main" xmlns:r="http://schemas.openxmlformats.org/officeDocument/2006/relationships" xmlns:p="http://schemas.openxmlformats.org/presentationml/2006/main">
+  <p:cSld>
+    <p:spTree>
+      <p:nvGrpSpPr>
+        <p:cNvPr id="1" name=""/>
+        <p:cNvGrpSpPr/>
+        <p:nvPr/>
+      </p:nvGrpSpPr>
+      <p:grpSpPr>
+        <a:xfrm>
+          <a:off x="0" y="0"/>
+          <a:ext cx="0" cy="0"/>
+          <a:chOff x="0" y="0"/>
+          <a:chExt cx="0" cy="0"/>
+        </a:xfrm>
+      </p:grpSpPr>
+      <p:sp>
+        <p:nvSpPr>
+          <p:cNvPr id="2" name="Titel 1"/>
+          <p:cNvSpPr>
+            <a:spLocks noGrp="1"/>
+          </p:cNvSpPr>
+          <p:nvPr>
+            <p:ph type="title"/>
+          </p:nvPr>
+        </p:nvSpPr>
+        <p:spPr/>
+        <p:txBody>
+          <a:bodyPr/>
+          <a:lstStyle/>
+          <a:p>
+            <a:r>
+              <a:rPr lang="de-CH" dirty="0" err="1" smtClean="0"/>
+              <a:t>Scrum</a:t>
+            </a:r>
+            <a:endParaRPr lang="de-CH" dirty="0"/>
+          </a:p>
+        </p:txBody>
+      </p:sp>
+      <p:sp>
+        <p:nvSpPr>
+          <p:cNvPr id="3" name="Inhaltsplatzhalter 2"/>
+          <p:cNvSpPr>
+            <a:spLocks noGrp="1"/>
+          </p:cNvSpPr>
+          <p:nvPr>
+            <p:ph idx="1"/>
+          </p:nvPr>
+        </p:nvSpPr>
+        <p:spPr/>
+        <p:txBody>
+          <a:bodyPr/>
+          <a:lstStyle/>
+          <a:p>
+            <a:r>
+              <a:rPr lang="de-CH" dirty="0" smtClean="0"/>
+              <a:t>User Stories</a:t>
+            </a:r>
+          </a:p>
+          <a:p>
+            <a:endParaRPr lang="de-CH" dirty="0"/>
+          </a:p>
+          <a:p>
+            <a:endParaRPr lang="de-CH" dirty="0" smtClean="0"/>
+          </a:p>
+          <a:p>
+            <a:endParaRPr lang="de-CH" dirty="0"/>
+          </a:p>
+          <a:p>
+            <a:endParaRPr lang="de-CH" dirty="0" smtClean="0"/>
+          </a:p>
+          <a:p>
+            <a:r>
+              <a:rPr lang="de-CH" dirty="0" err="1" smtClean="0"/>
+              <a:t>Product</a:t>
+            </a:r>
+            <a:r>
+              <a:rPr lang="de-CH" dirty="0" smtClean="0"/>
+              <a:t> </a:t>
+            </a:r>
+            <a:r>
+              <a:rPr lang="de-CH" dirty="0" err="1" smtClean="0"/>
+              <a:t>Backlog</a:t>
+            </a:r>
+            <a:endParaRPr lang="de-CH" dirty="0" smtClean="0"/>
+          </a:p>
+          <a:p>
+            <a:endParaRPr lang="de-CH" dirty="0" smtClean="0"/>
+          </a:p>
+          <a:p>
+            <a:endParaRPr lang="de-CH" dirty="0"/>
+          </a:p>
+        </p:txBody>
+      </p:sp>
+      <p:pic>
+        <p:nvPicPr>
+          <p:cNvPr id="5" name="Grafik 4"/>
+          <p:cNvPicPr>
+            <a:picLocks noChangeAspect="1"/>
+          </p:cNvPicPr>
+          <p:nvPr/>
+        </p:nvPicPr>
+        <p:blipFill>
+          <a:blip r:embed="rId2"/>
+          <a:stretch>
+            <a:fillRect/>
+          </a:stretch>
+        </p:blipFill>
+        <p:spPr>
+          <a:xfrm>
+            <a:off x="948480" y="2324065"/>
+            <a:ext cx="9438526" cy="1614600"/>
+          </a:xfrm>
+          <a:prstGeom prst="rect">
+            <a:avLst/>
+          </a:prstGeom>
+        </p:spPr>
+      </p:pic>
+      <p:pic>
+        <p:nvPicPr>
+          <p:cNvPr id="7" name="Grafik 6"/>
+          <p:cNvPicPr>
+            <a:picLocks noChangeAspect="1"/>
+          </p:cNvPicPr>
+          <p:nvPr/>
+        </p:nvPicPr>
+        <p:blipFill>
+          <a:blip r:embed="rId3"/>
+          <a:stretch>
+            <a:fillRect/>
+          </a:stretch>
+        </p:blipFill>
+        <p:spPr>
+          <a:xfrm>
+            <a:off x="948480" y="4814704"/>
+            <a:ext cx="10006032" cy="1365433"/>
+          </a:xfrm>
+          <a:prstGeom prst="rect">
+            <a:avLst/>
+          </a:prstGeom>
+        </p:spPr>
+      </p:pic>
+    </p:spTree>
+    <p:extLst>
+      <p:ext uri="{BB962C8B-B14F-4D97-AF65-F5344CB8AC3E}">
+        <p14:creationId xmlns:p14="http://schemas.microsoft.com/office/powerpoint/2010/main" val="4243382410"/>
+      </p:ext>
+    </p:extLst>
+  </p:cSld>
+  <p:clrMapOvr>
+    <a:masterClrMapping/>
+  </p:clrMapOvr>
+</p:sld>
+</file>
+
+<file path=ppt/slides/slide4.xml><?xml version="1.0" encoding="utf-8"?>
+<p:sld xmlns:a="http://schemas.openxmlformats.org/drawingml/2006/main" xmlns:r="http://schemas.openxmlformats.org/officeDocument/2006/relationships" xmlns:p="http://schemas.openxmlformats.org/presentationml/2006/main">
+  <p:cSld>
+    <p:spTree>
+      <p:nvGrpSpPr>
+        <p:cNvPr id="1" name=""/>
+        <p:cNvGrpSpPr/>
+        <p:nvPr/>
+      </p:nvGrpSpPr>
+      <p:grpSpPr>
+        <a:xfrm>
+          <a:off x="0" y="0"/>
+          <a:ext cx="0" cy="0"/>
+          <a:chOff x="0" y="0"/>
+          <a:chExt cx="0" cy="0"/>
+        </a:xfrm>
+      </p:grpSpPr>
+      <p:sp>
+        <p:nvSpPr>
+          <p:cNvPr id="2" name="Titel 1"/>
+          <p:cNvSpPr>
+            <a:spLocks noGrp="1"/>
+          </p:cNvSpPr>
+          <p:nvPr>
+            <p:ph type="title"/>
+          </p:nvPr>
+        </p:nvSpPr>
+        <p:spPr/>
+        <p:txBody>
+          <a:bodyPr/>
+          <a:lstStyle/>
+          <a:p>
+            <a:r>
+              <a:rPr lang="de-CH" dirty="0" err="1" smtClean="0"/>
+              <a:t>Scrum</a:t>
+            </a:r>
+            <a:endParaRPr lang="de-CH" dirty="0"/>
+          </a:p>
+        </p:txBody>
+      </p:sp>
+      <p:sp>
+        <p:nvSpPr>
+          <p:cNvPr id="3" name="Inhaltsplatzhalter 2"/>
+          <p:cNvSpPr>
+            <a:spLocks noGrp="1"/>
+          </p:cNvSpPr>
+          <p:nvPr>
+            <p:ph idx="1"/>
+          </p:nvPr>
+        </p:nvSpPr>
+        <p:spPr/>
+        <p:txBody>
+          <a:bodyPr/>
+          <a:lstStyle/>
+          <a:p>
+            <a:r>
+              <a:rPr lang="de-CH" dirty="0" smtClean="0"/>
+              <a:t>Sprint </a:t>
+            </a:r>
+            <a:r>
+              <a:rPr lang="de-CH" dirty="0" err="1" smtClean="0"/>
+              <a:t>Backlog</a:t>
+            </a:r>
+            <a:endParaRPr lang="de-CH" dirty="0" smtClean="0"/>
+          </a:p>
+          <a:p>
+            <a:endParaRPr lang="de-CH" dirty="0" smtClean="0"/>
+          </a:p>
+          <a:p>
+            <a:endParaRPr lang="de-CH" dirty="0"/>
+          </a:p>
+          <a:p>
+            <a:endParaRPr lang="de-CH" dirty="0" smtClean="0"/>
+          </a:p>
+          <a:p>
+            <a:endParaRPr lang="de-CH" dirty="0"/>
+          </a:p>
+        </p:txBody>
+      </p:sp>
+      <p:pic>
+        <p:nvPicPr>
+          <p:cNvPr id="6" name="Grafik 5"/>
+          <p:cNvPicPr>
+            <a:picLocks noChangeAspect="1"/>
+          </p:cNvPicPr>
+          <p:nvPr/>
+        </p:nvPicPr>
+        <p:blipFill>
+          <a:blip r:embed="rId2"/>
+          <a:stretch>
+            <a:fillRect/>
+          </a:stretch>
+        </p:blipFill>
+        <p:spPr>
+          <a:xfrm>
+            <a:off x="1261872" y="2355812"/>
+            <a:ext cx="8860272" cy="1398041"/>
+          </a:xfrm>
+          <a:prstGeom prst="rect">
+            <a:avLst/>
+          </a:prstGeom>
+        </p:spPr>
+      </p:pic>
+    </p:spTree>
+    <p:extLst>
+      <p:ext uri="{BB962C8B-B14F-4D97-AF65-F5344CB8AC3E}">
+        <p14:creationId xmlns:p14="http://schemas.microsoft.com/office/powerpoint/2010/main" val="1873969505"/>
+      </p:ext>
+    </p:extLst>
+  </p:cSld>
+  <p:clrMapOvr>
+    <a:masterClrMapping/>
+  </p:clrMapOvr>
+</p:sld>
+</file>
+
+<file path=ppt/slides/slide5.xml><?xml version="1.0" encoding="utf-8"?>
 <p:sld xmlns:a="http://schemas.openxmlformats.org/drawingml/2006/main" xmlns:r="http://schemas.openxmlformats.org/officeDocument/2006/relationships" xmlns:p="http://schemas.openxmlformats.org/presentationml/2006/main">
   <p:cSld>
     <p:spTree>
@@ -3975,7 +5026,7 @@
 </p:sld>
 </file>
 
-<file path=ppt/slides/slide3.xml><?xml version="1.0" encoding="utf-8"?>
+<file path=ppt/slides/slide6.xml><?xml version="1.0" encoding="utf-8"?>
 <p:sld xmlns:a="http://schemas.openxmlformats.org/drawingml/2006/main" xmlns:r="http://schemas.openxmlformats.org/officeDocument/2006/relationships" xmlns:p="http://schemas.openxmlformats.org/presentationml/2006/main">
   <p:cSld>
     <p:spTree>
@@ -4131,264 +5182,6 @@
 </p:sld>
 </file>
 
-<file path=ppt/slides/slide4.xml><?xml version="1.0" encoding="utf-8"?>
-<p:sld xmlns:a="http://schemas.openxmlformats.org/drawingml/2006/main" xmlns:r="http://schemas.openxmlformats.org/officeDocument/2006/relationships" xmlns:p="http://schemas.openxmlformats.org/presentationml/2006/main">
-  <p:cSld>
-    <p:spTree>
-      <p:nvGrpSpPr>
-        <p:cNvPr id="1" name=""/>
-        <p:cNvGrpSpPr/>
-        <p:nvPr/>
-      </p:nvGrpSpPr>
-      <p:grpSpPr>
-        <a:xfrm>
-          <a:off x="0" y="0"/>
-          <a:ext cx="0" cy="0"/>
-          <a:chOff x="0" y="0"/>
-          <a:chExt cx="0" cy="0"/>
-        </a:xfrm>
-      </p:grpSpPr>
-      <p:sp>
-        <p:nvSpPr>
-          <p:cNvPr id="2" name="Titel 1"/>
-          <p:cNvSpPr>
-            <a:spLocks noGrp="1"/>
-          </p:cNvSpPr>
-          <p:nvPr>
-            <p:ph type="title"/>
-          </p:nvPr>
-        </p:nvSpPr>
-        <p:spPr/>
-        <p:txBody>
-          <a:bodyPr/>
-          <a:lstStyle/>
-          <a:p>
-            <a:r>
-              <a:rPr lang="de-CH" dirty="0"/>
-              <a:t>Verwendete Patterns</a:t>
-            </a:r>
-          </a:p>
-        </p:txBody>
-      </p:sp>
-      <p:sp>
-        <p:nvSpPr>
-          <p:cNvPr id="3" name="Inhaltsplatzhalter 2"/>
-          <p:cNvSpPr>
-            <a:spLocks noGrp="1"/>
-          </p:cNvSpPr>
-          <p:nvPr>
-            <p:ph idx="1"/>
-          </p:nvPr>
-        </p:nvSpPr>
-        <p:spPr/>
-        <p:txBody>
-          <a:bodyPr/>
-          <a:lstStyle/>
-          <a:p>
-            <a:r>
-              <a:rPr lang="de-CH" dirty="0"/>
-              <a:t>MVC (Model-View-Controller)</a:t>
-            </a:r>
-          </a:p>
-          <a:p>
-            <a:r>
-              <a:rPr lang="de-CH" dirty="0"/>
-              <a:t>Factory</a:t>
-            </a:r>
-          </a:p>
-          <a:p>
-            <a:r>
-              <a:rPr lang="de-CH" dirty="0" err="1"/>
-              <a:t>Decorator</a:t>
-            </a:r>
-            <a:endParaRPr lang="de-CH" dirty="0"/>
-          </a:p>
-          <a:p>
-            <a:r>
-              <a:rPr lang="de-CH" dirty="0"/>
-              <a:t>Command</a:t>
-            </a:r>
-          </a:p>
-          <a:p>
-            <a:r>
-              <a:rPr lang="de-CH" dirty="0"/>
-              <a:t>Template</a:t>
-            </a:r>
-          </a:p>
-        </p:txBody>
-      </p:sp>
-    </p:spTree>
-    <p:extLst>
-      <p:ext uri="{BB962C8B-B14F-4D97-AF65-F5344CB8AC3E}">
-        <p14:creationId xmlns:p14="http://schemas.microsoft.com/office/powerpoint/2010/main" val="1710362237"/>
-      </p:ext>
-    </p:extLst>
-  </p:cSld>
-  <p:clrMapOvr>
-    <a:masterClrMapping/>
-  </p:clrMapOvr>
-</p:sld>
-</file>
-
-<file path=ppt/slides/slide5.xml><?xml version="1.0" encoding="utf-8"?>
-<p:sld xmlns:a="http://schemas.openxmlformats.org/drawingml/2006/main" xmlns:r="http://schemas.openxmlformats.org/officeDocument/2006/relationships" xmlns:p="http://schemas.openxmlformats.org/presentationml/2006/main">
-  <p:cSld>
-    <p:spTree>
-      <p:nvGrpSpPr>
-        <p:cNvPr id="1" name=""/>
-        <p:cNvGrpSpPr/>
-        <p:nvPr/>
-      </p:nvGrpSpPr>
-      <p:grpSpPr>
-        <a:xfrm>
-          <a:off x="0" y="0"/>
-          <a:ext cx="0" cy="0"/>
-          <a:chOff x="0" y="0"/>
-          <a:chExt cx="0" cy="0"/>
-        </a:xfrm>
-      </p:grpSpPr>
-      <p:sp>
-        <p:nvSpPr>
-          <p:cNvPr id="2" name="Titel 1"/>
-          <p:cNvSpPr>
-            <a:spLocks noGrp="1"/>
-          </p:cNvSpPr>
-          <p:nvPr>
-            <p:ph type="title"/>
-          </p:nvPr>
-        </p:nvSpPr>
-        <p:spPr/>
-        <p:txBody>
-          <a:bodyPr/>
-          <a:lstStyle/>
-          <a:p>
-            <a:r>
-              <a:rPr lang="de-CH" dirty="0"/>
-              <a:t>Spiel speichern (XML-Datei/</a:t>
-            </a:r>
-            <a:r>
-              <a:rPr lang="de-CH" dirty="0" err="1"/>
-              <a:t>Json</a:t>
-            </a:r>
-            <a:r>
-              <a:rPr lang="de-CH" dirty="0"/>
-              <a:t>)</a:t>
-            </a:r>
-          </a:p>
-        </p:txBody>
-      </p:sp>
-      <p:sp>
-        <p:nvSpPr>
-          <p:cNvPr id="3" name="Inhaltsplatzhalter 2"/>
-          <p:cNvSpPr>
-            <a:spLocks noGrp="1"/>
-          </p:cNvSpPr>
-          <p:nvPr>
-            <p:ph idx="1"/>
-          </p:nvPr>
-        </p:nvSpPr>
-        <p:spPr/>
-        <p:txBody>
-          <a:bodyPr/>
-          <a:lstStyle/>
-          <a:p>
-            <a:endParaRPr lang="de-CH"/>
-          </a:p>
-        </p:txBody>
-      </p:sp>
-    </p:spTree>
-    <p:extLst>
-      <p:ext uri="{BB962C8B-B14F-4D97-AF65-F5344CB8AC3E}">
-        <p14:creationId xmlns:p14="http://schemas.microsoft.com/office/powerpoint/2010/main" val="2462075312"/>
-      </p:ext>
-    </p:extLst>
-  </p:cSld>
-  <p:clrMapOvr>
-    <a:masterClrMapping/>
-  </p:clrMapOvr>
-</p:sld>
-</file>
-
-<file path=ppt/slides/slide6.xml><?xml version="1.0" encoding="utf-8"?>
-<p:sld xmlns:a="http://schemas.openxmlformats.org/drawingml/2006/main" xmlns:r="http://schemas.openxmlformats.org/officeDocument/2006/relationships" xmlns:p="http://schemas.openxmlformats.org/presentationml/2006/main">
-  <p:cSld>
-    <p:spTree>
-      <p:nvGrpSpPr>
-        <p:cNvPr id="1" name=""/>
-        <p:cNvGrpSpPr/>
-        <p:nvPr/>
-      </p:nvGrpSpPr>
-      <p:grpSpPr>
-        <a:xfrm>
-          <a:off x="0" y="0"/>
-          <a:ext cx="0" cy="0"/>
-          <a:chOff x="0" y="0"/>
-          <a:chExt cx="0" cy="0"/>
-        </a:xfrm>
-      </p:grpSpPr>
-      <p:sp>
-        <p:nvSpPr>
-          <p:cNvPr id="2" name="Titel 1"/>
-          <p:cNvSpPr>
-            <a:spLocks noGrp="1"/>
-          </p:cNvSpPr>
-          <p:nvPr>
-            <p:ph type="title"/>
-          </p:nvPr>
-        </p:nvSpPr>
-        <p:spPr/>
-        <p:txBody>
-          <a:bodyPr/>
-          <a:lstStyle/>
-          <a:p>
-            <a:r>
-              <a:rPr lang="de-CH" dirty="0" err="1"/>
-              <a:t>Product</a:t>
-            </a:r>
-            <a:r>
-              <a:rPr lang="de-CH" dirty="0"/>
-              <a:t> &amp; Sprint </a:t>
-            </a:r>
-            <a:r>
-              <a:rPr lang="de-CH" dirty="0" err="1"/>
-              <a:t>Backlog</a:t>
-            </a:r>
-            <a:endParaRPr lang="de-CH" dirty="0"/>
-          </a:p>
-        </p:txBody>
-      </p:sp>
-      <p:sp>
-        <p:nvSpPr>
-          <p:cNvPr id="3" name="Inhaltsplatzhalter 2"/>
-          <p:cNvSpPr>
-            <a:spLocks noGrp="1"/>
-          </p:cNvSpPr>
-          <p:nvPr>
-            <p:ph idx="1"/>
-          </p:nvPr>
-        </p:nvSpPr>
-        <p:spPr/>
-        <p:txBody>
-          <a:bodyPr/>
-          <a:lstStyle/>
-          <a:p>
-            <a:endParaRPr lang="de-CH" dirty="0"/>
-          </a:p>
-        </p:txBody>
-      </p:sp>
-    </p:spTree>
-    <p:extLst>
-      <p:ext uri="{BB962C8B-B14F-4D97-AF65-F5344CB8AC3E}">
-        <p14:creationId xmlns:p14="http://schemas.microsoft.com/office/powerpoint/2010/main" val="4243382410"/>
-      </p:ext>
-    </p:extLst>
-  </p:cSld>
-  <p:clrMapOvr>
-    <a:masterClrMapping/>
-  </p:clrMapOvr>
-</p:sld>
-</file>
-
 <file path=ppt/slides/slide7.xml><?xml version="1.0" encoding="utf-8"?>
 <p:sld xmlns:a="http://schemas.openxmlformats.org/drawingml/2006/main" xmlns:r="http://schemas.openxmlformats.org/officeDocument/2006/relationships" xmlns:p="http://schemas.openxmlformats.org/presentationml/2006/main">
   <p:cSld>
@@ -4423,7 +5216,7 @@
           <a:p>
             <a:r>
               <a:rPr lang="de-CH" dirty="0"/>
-              <a:t>Metriken und Tests</a:t>
+              <a:t>Verwendete Patterns</a:t>
             </a:r>
           </a:p>
         </p:txBody>
@@ -4443,14 +5236,42 @@
           <a:bodyPr/>
           <a:lstStyle/>
           <a:p>
-            <a:endParaRPr lang="de-CH"/>
+            <a:r>
+              <a:rPr lang="de-CH" dirty="0"/>
+              <a:t>MVC (Model-View-Controller)</a:t>
+            </a:r>
+          </a:p>
+          <a:p>
+            <a:r>
+              <a:rPr lang="de-CH" dirty="0"/>
+              <a:t>Factory</a:t>
+            </a:r>
+          </a:p>
+          <a:p>
+            <a:r>
+              <a:rPr lang="de-CH" dirty="0" err="1"/>
+              <a:t>Decorator</a:t>
+            </a:r>
+            <a:endParaRPr lang="de-CH" dirty="0"/>
+          </a:p>
+          <a:p>
+            <a:r>
+              <a:rPr lang="de-CH" dirty="0"/>
+              <a:t>Command</a:t>
+            </a:r>
+          </a:p>
+          <a:p>
+            <a:r>
+              <a:rPr lang="de-CH" dirty="0"/>
+              <a:t>Template</a:t>
+            </a:r>
           </a:p>
         </p:txBody>
       </p:sp>
     </p:spTree>
     <p:extLst>
       <p:ext uri="{BB962C8B-B14F-4D97-AF65-F5344CB8AC3E}">
-        <p14:creationId xmlns:p14="http://schemas.microsoft.com/office/powerpoint/2010/main" val="3441222141"/>
+        <p14:creationId xmlns:p14="http://schemas.microsoft.com/office/powerpoint/2010/main" val="1710362237"/>
       </p:ext>
     </p:extLst>
   </p:cSld>
@@ -4494,7 +5315,15 @@
           <a:p>
             <a:r>
               <a:rPr lang="de-CH" dirty="0"/>
-              <a:t>Erfahrungen</a:t>
+              <a:t>Spiel speichern (XML-Datei/</a:t>
+            </a:r>
+            <a:r>
+              <a:rPr lang="de-CH" dirty="0" err="1"/>
+              <a:t>Json</a:t>
+            </a:r>
+            <a:r>
+              <a:rPr lang="de-CH" dirty="0"/>
+              <a:t>)</a:t>
             </a:r>
           </a:p>
         </p:txBody>
@@ -4521,7 +5350,7 @@
     </p:spTree>
     <p:extLst>
       <p:ext uri="{BB962C8B-B14F-4D97-AF65-F5344CB8AC3E}">
-        <p14:creationId xmlns:p14="http://schemas.microsoft.com/office/powerpoint/2010/main" val="632529554"/>
+        <p14:creationId xmlns:p14="http://schemas.microsoft.com/office/powerpoint/2010/main" val="2462075312"/>
       </p:ext>
     </p:extLst>
   </p:cSld>
@@ -4565,7 +5394,7 @@
           <a:p>
             <a:r>
               <a:rPr lang="de-CH" dirty="0"/>
-              <a:t>Vergleich der Prozesse</a:t>
+              <a:t>Metriken und Tests</a:t>
             </a:r>
           </a:p>
         </p:txBody>
@@ -4592,7 +5421,7 @@
     </p:spTree>
     <p:extLst>
       <p:ext uri="{BB962C8B-B14F-4D97-AF65-F5344CB8AC3E}">
-        <p14:creationId xmlns:p14="http://schemas.microsoft.com/office/powerpoint/2010/main" val="981955686"/>
+        <p14:creationId xmlns:p14="http://schemas.microsoft.com/office/powerpoint/2010/main" val="3441222141"/>
       </p:ext>
     </p:extLst>
   </p:cSld>
@@ -4603,93 +5432,58 @@
 </file>
 
 <file path=ppt/theme/theme1.xml><?xml version="1.0" encoding="utf-8"?>
-<a:theme xmlns:a="http://schemas.openxmlformats.org/drawingml/2006/main" name="Office Theme">
+<a:theme xmlns:a="http://schemas.openxmlformats.org/drawingml/2006/main" name="View">
   <a:themeElements>
-    <a:clrScheme name="Office">
+    <a:clrScheme name="View">
       <a:dk1>
-        <a:sysClr val="windowText" lastClr="000000"/>
+        <a:srgbClr val="000000"/>
       </a:dk1>
       <a:lt1>
-        <a:sysClr val="window" lastClr="FFFFFF"/>
+        <a:srgbClr val="FFFFFF"/>
       </a:lt1>
       <a:dk2>
-        <a:srgbClr val="44546A"/>
+        <a:srgbClr val="46464A"/>
       </a:dk2>
       <a:lt2>
-        <a:srgbClr val="E7E6E6"/>
+        <a:srgbClr val="D6D3CC"/>
       </a:lt2>
       <a:accent1>
-        <a:srgbClr val="5B9BD5"/>
+        <a:srgbClr val="6F6F74"/>
       </a:accent1>
       <a:accent2>
-        <a:srgbClr val="ED7D31"/>
+        <a:srgbClr val="92A9B9"/>
       </a:accent2>
       <a:accent3>
-        <a:srgbClr val="A5A5A5"/>
+        <a:srgbClr val="A7B789"/>
       </a:accent3>
       <a:accent4>
-        <a:srgbClr val="FFC000"/>
+        <a:srgbClr val="B9A489"/>
       </a:accent4>
       <a:accent5>
-        <a:srgbClr val="4472C4"/>
+        <a:srgbClr val="8D6374"/>
       </a:accent5>
       <a:accent6>
-        <a:srgbClr val="70AD47"/>
+        <a:srgbClr val="9B7362"/>
       </a:accent6>
       <a:hlink>
-        <a:srgbClr val="0563C1"/>
+        <a:srgbClr val="67AABF"/>
       </a:hlink>
       <a:folHlink>
-        <a:srgbClr val="954F72"/>
+        <a:srgbClr val="ABAFA5"/>
       </a:folHlink>
     </a:clrScheme>
-    <a:fontScheme name="Office">
+    <a:fontScheme name="View">
       <a:majorFont>
-        <a:latin typeface="Calibri Light" panose="020F0302020204030204"/>
+        <a:latin typeface="Century Schoolbook" panose="02040604050505020304"/>
         <a:ea typeface=""/>
         <a:cs typeface=""/>
-        <a:font script="Jpan" typeface="ＭＳ Ｐゴシック"/>
+        <a:font script="Jpan" typeface="ＭＳ ゴシック"/>
         <a:font script="Hang" typeface="맑은 고딕"/>
         <a:font script="Hans" typeface="宋体"/>
         <a:font script="Hant" typeface="新細明體"/>
-        <a:font script="Arab" typeface="Times New Roman"/>
-        <a:font script="Hebr" typeface="Times New Roman"/>
-        <a:font script="Thai" typeface="Angsana New"/>
-        <a:font script="Ethi" typeface="Nyala"/>
-        <a:font script="Beng" typeface="Vrinda"/>
-        <a:font script="Gujr" typeface="Shruti"/>
-        <a:font script="Khmr" typeface="MoolBoran"/>
-        <a:font script="Knda" typeface="Tunga"/>
-        <a:font script="Guru" typeface="Raavi"/>
-        <a:font script="Cans" typeface="Euphemia"/>
-        <a:font script="Cher" typeface="Plantagenet Cherokee"/>
-        <a:font script="Yiii" typeface="Microsoft Yi Baiti"/>
-        <a:font script="Tibt" typeface="Microsoft Himalaya"/>
-        <a:font script="Thaa" typeface="MV Boli"/>
-        <a:font script="Deva" typeface="Mangal"/>
-        <a:font script="Telu" typeface="Gautami"/>
-        <a:font script="Taml" typeface="Latha"/>
-        <a:font script="Syrc" typeface="Estrangelo Edessa"/>
-        <a:font script="Orya" typeface="Kalinga"/>
-        <a:font script="Mlym" typeface="Kartika"/>
-        <a:font script="Laoo" typeface="DokChampa"/>
-        <a:font script="Sinh" typeface="Iskoola Pota"/>
-        <a:font script="Mong" typeface="Mongolian Baiti"/>
-        <a:font script="Viet" typeface="Times New Roman"/>
-        <a:font script="Uigh" typeface="Microsoft Uighur"/>
-        <a:font script="Geor" typeface="Sylfaen"/>
-      </a:majorFont>
-      <a:minorFont>
-        <a:latin typeface="Calibri" panose="020F0502020204030204"/>
-        <a:ea typeface=""/>
-        <a:cs typeface=""/>
-        <a:font script="Jpan" typeface="ＭＳ Ｐゴシック"/>
-        <a:font script="Hang" typeface="맑은 고딕"/>
-        <a:font script="Hans" typeface="宋体"/>
-        <a:font script="Hant" typeface="新細明體"/>
-        <a:font script="Arab" typeface="Arial"/>
-        <a:font script="Hebr" typeface="Arial"/>
-        <a:font script="Thai" typeface="Cordia New"/>
+        <a:font script="Arab" typeface="Tahoma"/>
+        <a:font script="Hebr" typeface="Gisha"/>
+        <a:font script="Thai" typeface="DilleniaUPC"/>
         <a:font script="Ethi" typeface="Nyala"/>
         <a:font script="Beng" typeface="Vrinda"/>
         <a:font script="Gujr" typeface="Shruti"/>
@@ -4710,90 +5504,86 @@
         <a:font script="Laoo" typeface="DokChampa"/>
         <a:font script="Sinh" typeface="Iskoola Pota"/>
         <a:font script="Mong" typeface="Mongolian Baiti"/>
-        <a:font script="Viet" typeface="Arial"/>
+        <a:font script="Viet" typeface="Tahoma"/>
+        <a:font script="Uigh" typeface="Microsoft Uighur"/>
+        <a:font script="Geor" typeface="Sylfaen"/>
+      </a:majorFont>
+      <a:minorFont>
+        <a:latin typeface="Century Schoolbook" panose="02040604050505020304"/>
+        <a:ea typeface=""/>
+        <a:cs typeface=""/>
+        <a:font script="Jpan" typeface="ＭＳ ゴシック"/>
+        <a:font script="Hang" typeface="맑은 고딕"/>
+        <a:font script="Hans" typeface="宋体"/>
+        <a:font script="Hant" typeface="新細明體"/>
+        <a:font script="Arab" typeface="Tahoma"/>
+        <a:font script="Hebr" typeface="Gisha"/>
+        <a:font script="Thai" typeface="DilleniaUPC"/>
+        <a:font script="Ethi" typeface="Nyala"/>
+        <a:font script="Beng" typeface="Vrinda"/>
+        <a:font script="Gujr" typeface="Shruti"/>
+        <a:font script="Khmr" typeface="DaunPenh"/>
+        <a:font script="Knda" typeface="Tunga"/>
+        <a:font script="Guru" typeface="Raavi"/>
+        <a:font script="Cans" typeface="Euphemia"/>
+        <a:font script="Cher" typeface="Plantagenet Cherokee"/>
+        <a:font script="Yiii" typeface="Microsoft Yi Baiti"/>
+        <a:font script="Tibt" typeface="Microsoft Himalaya"/>
+        <a:font script="Thaa" typeface="MV Boli"/>
+        <a:font script="Deva" typeface="Mangal"/>
+        <a:font script="Telu" typeface="Gautami"/>
+        <a:font script="Taml" typeface="Latha"/>
+        <a:font script="Syrc" typeface="Estrangelo Edessa"/>
+        <a:font script="Orya" typeface="Kalinga"/>
+        <a:font script="Mlym" typeface="Kartika"/>
+        <a:font script="Laoo" typeface="DokChampa"/>
+        <a:font script="Sinh" typeface="Iskoola Pota"/>
+        <a:font script="Mong" typeface="Mongolian Baiti"/>
+        <a:font script="Viet" typeface="Verdana"/>
         <a:font script="Uigh" typeface="Microsoft Uighur"/>
         <a:font script="Geor" typeface="Sylfaen"/>
       </a:minorFont>
     </a:fontScheme>
-    <a:fmtScheme name="Office">
+    <a:fmtScheme name="View">
       <a:fillStyleLst>
         <a:solidFill>
           <a:schemeClr val="phClr"/>
         </a:solidFill>
-        <a:gradFill rotWithShape="1">
-          <a:gsLst>
-            <a:gs pos="0">
-              <a:schemeClr val="phClr">
-                <a:lumMod val="110000"/>
-                <a:satMod val="105000"/>
-                <a:tint val="67000"/>
-              </a:schemeClr>
-            </a:gs>
-            <a:gs pos="50000">
-              <a:schemeClr val="phClr">
-                <a:lumMod val="105000"/>
-                <a:satMod val="103000"/>
-                <a:tint val="73000"/>
-              </a:schemeClr>
-            </a:gs>
-            <a:gs pos="100000">
-              <a:schemeClr val="phClr">
-                <a:lumMod val="105000"/>
-                <a:satMod val="109000"/>
-                <a:tint val="81000"/>
-              </a:schemeClr>
-            </a:gs>
-          </a:gsLst>
-          <a:lin ang="5400000" scaled="0"/>
-        </a:gradFill>
-        <a:gradFill rotWithShape="1">
-          <a:gsLst>
-            <a:gs pos="0">
-              <a:schemeClr val="phClr">
-                <a:satMod val="103000"/>
-                <a:lumMod val="102000"/>
-                <a:tint val="94000"/>
-              </a:schemeClr>
-            </a:gs>
-            <a:gs pos="50000">
-              <a:schemeClr val="phClr">
-                <a:satMod val="110000"/>
-                <a:lumMod val="100000"/>
-                <a:shade val="100000"/>
-              </a:schemeClr>
-            </a:gs>
-            <a:gs pos="100000">
-              <a:schemeClr val="phClr">
-                <a:lumMod val="99000"/>
-                <a:satMod val="120000"/>
-                <a:shade val="78000"/>
-              </a:schemeClr>
-            </a:gs>
-          </a:gsLst>
-          <a:lin ang="5400000" scaled="0"/>
-        </a:gradFill>
+        <a:solidFill>
+          <a:schemeClr val="phClr">
+            <a:tint val="60000"/>
+            <a:satMod val="120000"/>
+          </a:schemeClr>
+        </a:solidFill>
+        <a:solidFill>
+          <a:schemeClr val="phClr">
+            <a:shade val="75000"/>
+            <a:satMod val="160000"/>
+          </a:schemeClr>
+        </a:solidFill>
       </a:fillStyleLst>
       <a:lnStyleLst>
-        <a:ln w="6350" cap="flat" cmpd="sng" algn="ctr">
+        <a:ln w="9525" cap="flat" cmpd="sng" algn="ctr">
           <a:solidFill>
             <a:schemeClr val="phClr"/>
           </a:solidFill>
           <a:prstDash val="solid"/>
-          <a:miter lim="800000"/>
         </a:ln>
-        <a:ln w="12700" cap="flat" cmpd="sng" algn="ctr">
+        <a:ln w="13970" cap="flat" cmpd="sng" algn="ctr">
           <a:solidFill>
             <a:schemeClr val="phClr"/>
           </a:solidFill>
           <a:prstDash val="solid"/>
-          <a:miter lim="800000"/>
         </a:ln>
-        <a:ln w="19050" cap="flat" cmpd="sng" algn="ctr">
+        <a:ln w="17145" cap="flat" cmpd="sng" algn="ctr">
           <a:solidFill>
-            <a:schemeClr val="phClr"/>
+            <a:schemeClr val="phClr">
+              <a:shade val="95000"/>
+              <a:alpha val="95000"/>
+              <a:satMod val="150000"/>
+            </a:schemeClr>
           </a:solidFill>
           <a:prstDash val="solid"/>
-          <a:miter lim="800000"/>
         </a:ln>
       </a:lnStyleLst>
       <a:effectStyleLst>
@@ -4801,16 +5591,52 @@
           <a:effectLst/>
         </a:effectStyle>
         <a:effectStyle>
-          <a:effectLst/>
+          <a:effectLst>
+            <a:outerShdw blurRad="50800" dist="15240" dir="5400000" algn="tl" rotWithShape="0">
+              <a:srgbClr val="000000">
+                <a:alpha val="75000"/>
+              </a:srgbClr>
+            </a:outerShdw>
+          </a:effectLst>
+          <a:scene3d>
+            <a:camera prst="orthographicFront">
+              <a:rot lat="0" lon="0" rev="0"/>
+            </a:camera>
+            <a:lightRig rig="brightRoom" dir="tl"/>
+          </a:scene3d>
+          <a:sp3d contourW="9525" prstMaterial="flat">
+            <a:bevelT w="0" h="0" prst="coolSlant"/>
+            <a:contourClr>
+              <a:schemeClr val="phClr">
+                <a:shade val="35000"/>
+                <a:satMod val="130000"/>
+              </a:schemeClr>
+            </a:contourClr>
+          </a:sp3d>
         </a:effectStyle>
         <a:effectStyle>
           <a:effectLst>
-            <a:outerShdw blurRad="57150" dist="19050" dir="5400000" algn="ctr" rotWithShape="0">
+            <a:outerShdw blurRad="76200" dist="25400" dir="5400000" algn="tl" rotWithShape="0">
               <a:srgbClr val="000000">
-                <a:alpha val="63000"/>
+                <a:alpha val="55000"/>
               </a:srgbClr>
             </a:outerShdw>
           </a:effectLst>
+          <a:scene3d>
+            <a:camera prst="orthographicFront">
+              <a:rot lat="0" lon="0" rev="0"/>
+            </a:camera>
+            <a:lightRig rig="brightRoom" dir="tl"/>
+          </a:scene3d>
+          <a:sp3d contourW="19050" prstMaterial="flat">
+            <a:bevelT w="0" h="0" prst="coolSlant"/>
+            <a:contourClr>
+              <a:schemeClr val="phClr">
+                <a:shade val="25000"/>
+                <a:satMod val="140000"/>
+              </a:schemeClr>
+            </a:contourClr>
+          </a:sp3d>
         </a:effectStyle>
       </a:effectStyleLst>
       <a:bgFillStyleLst>
@@ -4827,28 +5653,23 @@
           <a:gsLst>
             <a:gs pos="0">
               <a:schemeClr val="phClr">
-                <a:tint val="93000"/>
-                <a:satMod val="150000"/>
+                <a:tint val="94000"/>
                 <a:shade val="98000"/>
+                <a:satMod val="130000"/>
                 <a:lumMod val="102000"/>
-              </a:schemeClr>
-            </a:gs>
-            <a:gs pos="50000">
-              <a:schemeClr val="phClr">
-                <a:tint val="98000"/>
-                <a:satMod val="130000"/>
-                <a:shade val="90000"/>
-                <a:lumMod val="103000"/>
               </a:schemeClr>
             </a:gs>
             <a:gs pos="100000">
               <a:schemeClr val="phClr">
-                <a:shade val="63000"/>
-                <a:satMod val="120000"/>
+                <a:tint val="98000"/>
+                <a:shade val="78000"/>
+                <a:satMod val="140000"/>
               </a:schemeClr>
             </a:gs>
           </a:gsLst>
-          <a:lin ang="5400000" scaled="0"/>
+          <a:path path="circle">
+            <a:fillToRect l="100000" t="100000" r="100000" b="100000"/>
+          </a:path>
         </a:gradFill>
       </a:bgFillStyleLst>
     </a:fmtScheme>
@@ -4857,7 +5678,7 @@
   <a:extraClrSchemeLst/>
   <a:extLst>
     <a:ext uri="{05A4C25C-085E-4340-85A3-A5531E510DB2}">
-      <thm15:themeFamily xmlns:thm15="http://schemas.microsoft.com/office/thememl/2012/main" name="Office Theme" id="{62F939B6-93AF-4DB8-9C6B-D6C7DFDC589F}" vid="{4A3C46E8-61CC-4603-A589-7422A47A8E4A}"/>
+      <thm15:themeFamily xmlns:thm15="http://schemas.microsoft.com/office/thememl/2012/main" name="View" id="{BA0EB5A6-F2D4-4F82-977B-64ADEE4A2A69}" vid="{3969A8A2-35DB-4E3B-8885-16FD20568674}"/>
     </a:ext>
   </a:extLst>
 </a:theme>

--- a/documentation/Präsentation_Hashi_TeamSG.pptx
+++ b/documentation/Präsentation_Hashi_TeamSG.pptx
@@ -5,7 +5,7 @@
     <p:sldMasterId id="2147483737" r:id="rId1"/>
   </p:sldMasterIdLst>
   <p:notesMasterIdLst>
-    <p:notesMasterId r:id="rId15"/>
+    <p:notesMasterId r:id="rId16"/>
   </p:notesMasterIdLst>
   <p:sldIdLst>
     <p:sldId id="256" r:id="rId2"/>
@@ -18,9 +18,10 @@
     <p:sldId id="262" r:id="rId9"/>
     <p:sldId id="267" r:id="rId10"/>
     <p:sldId id="259" r:id="rId11"/>
-    <p:sldId id="260" r:id="rId12"/>
-    <p:sldId id="258" r:id="rId13"/>
-    <p:sldId id="264" r:id="rId14"/>
+    <p:sldId id="270" r:id="rId12"/>
+    <p:sldId id="260" r:id="rId13"/>
+    <p:sldId id="258" r:id="rId14"/>
+    <p:sldId id="264" r:id="rId15"/>
   </p:sldIdLst>
   <p:sldSz cx="12192000" cy="6858000"/>
   <p:notesSz cx="6858000" cy="9144000"/>
@@ -209,7 +210,7 @@
           <a:p>
             <a:fld id="{E0AA2C8D-CD60-42F0-B358-E14A0DF454F0}" type="datetimeFigureOut">
               <a:rPr lang="de-CH" smtClean="0"/>
-              <a:t>05.06.2016</a:t>
+              <a:t>06.06.2016</a:t>
             </a:fld>
             <a:endParaRPr lang="de-CH"/>
           </a:p>
@@ -522,89 +523,10 @@
           <a:lstStyle/>
           <a:p>
             <a:r>
-              <a:rPr lang="de-CH" dirty="0"/>
-              <a:t>MVC (Model-View-Controller):</a:t>
-            </a:r>
-            <a:r>
-              <a:rPr lang="de-CH" baseline="0" dirty="0"/>
-              <a:t> </a:t>
+              <a:rPr lang="de-CH" dirty="0" smtClean="0"/>
+              <a:t>Chris</a:t>
             </a:r>
             <a:endParaRPr lang="de-CH" dirty="0"/>
-          </a:p>
-          <a:p>
-            <a:r>
-              <a:rPr lang="de-CH"/>
-              <a:t>Factory:</a:t>
-            </a:r>
-            <a:endParaRPr lang="de-CH" dirty="0"/>
-          </a:p>
-          <a:p>
-            <a:r>
-              <a:rPr lang="de-CH" dirty="0" err="1"/>
-              <a:t>Decorator</a:t>
-            </a:r>
-            <a:r>
-              <a:rPr lang="de-CH" dirty="0"/>
-              <a:t>: </a:t>
-            </a:r>
-            <a:r>
-              <a:rPr lang="de-CH" dirty="0" err="1"/>
-              <a:t>Undo</a:t>
-            </a:r>
-            <a:r>
-              <a:rPr lang="de-CH" dirty="0"/>
-              <a:t>/</a:t>
-            </a:r>
-            <a:r>
-              <a:rPr lang="de-CH" dirty="0" err="1"/>
-              <a:t>Redo</a:t>
-            </a:r>
-            <a:r>
-              <a:rPr lang="de-CH" dirty="0"/>
-              <a:t> Funktionalität</a:t>
-            </a:r>
-            <a:r>
-              <a:rPr lang="de-CH" baseline="0" dirty="0"/>
-              <a:t> auf </a:t>
-            </a:r>
-            <a:r>
-              <a:rPr lang="de-CH" baseline="0" dirty="0" err="1"/>
-              <a:t>BaseGraphDAS</a:t>
-            </a:r>
-            <a:endParaRPr lang="de-CH" dirty="0"/>
-          </a:p>
-          <a:p>
-            <a:r>
-              <a:rPr lang="de-CH" dirty="0"/>
-              <a:t>Command: </a:t>
-            </a:r>
-            <a:r>
-              <a:rPr lang="de-CH" dirty="0" err="1"/>
-              <a:t>Undo</a:t>
-            </a:r>
-            <a:r>
-              <a:rPr lang="de-CH" dirty="0"/>
-              <a:t>/</a:t>
-            </a:r>
-            <a:r>
-              <a:rPr lang="de-CH" dirty="0" err="1"/>
-              <a:t>Redo</a:t>
-            </a:r>
-            <a:r>
-              <a:rPr lang="de-CH" dirty="0"/>
-              <a:t> </a:t>
-            </a:r>
-            <a:r>
-              <a:rPr lang="de-CH" dirty="0" err="1"/>
-              <a:t>Kommands</a:t>
-            </a:r>
-            <a:endParaRPr lang="de-CH" dirty="0"/>
-          </a:p>
-          <a:p>
-            <a:r>
-              <a:rPr lang="de-CH" dirty="0"/>
-              <a:t>Template: </a:t>
-            </a:r>
           </a:p>
         </p:txBody>
       </p:sp>
@@ -625,7 +547,7 @@
           <a:p>
             <a:fld id="{F5B24102-8416-4B7F-9D73-26FC6C4DF7AF}" type="slidenum">
               <a:rPr lang="de-CH" smtClean="0"/>
-              <a:t>7</a:t>
+              <a:t>1</a:t>
             </a:fld>
             <a:endParaRPr lang="de-CH"/>
           </a:p>
@@ -634,7 +556,486 @@
     </p:spTree>
     <p:extLst>
       <p:ext uri="{BB962C8B-B14F-4D97-AF65-F5344CB8AC3E}">
-        <p14:creationId xmlns:p14="http://schemas.microsoft.com/office/powerpoint/2010/main" val="4264859063"/>
+        <p14:creationId xmlns:p14="http://schemas.microsoft.com/office/powerpoint/2010/main" val="296330623"/>
+      </p:ext>
+    </p:extLst>
+  </p:cSld>
+  <p:clrMapOvr>
+    <a:masterClrMapping/>
+  </p:clrMapOvr>
+</p:notes>
+</file>
+
+<file path=ppt/notesSlides/notesSlide10.xml><?xml version="1.0" encoding="utf-8"?>
+<p:notes xmlns:a="http://schemas.openxmlformats.org/drawingml/2006/main" xmlns:r="http://schemas.openxmlformats.org/officeDocument/2006/relationships" xmlns:p="http://schemas.openxmlformats.org/presentationml/2006/main">
+  <p:cSld>
+    <p:spTree>
+      <p:nvGrpSpPr>
+        <p:cNvPr id="1" name=""/>
+        <p:cNvGrpSpPr/>
+        <p:nvPr/>
+      </p:nvGrpSpPr>
+      <p:grpSpPr>
+        <a:xfrm>
+          <a:off x="0" y="0"/>
+          <a:ext cx="0" cy="0"/>
+          <a:chOff x="0" y="0"/>
+          <a:chExt cx="0" cy="0"/>
+        </a:xfrm>
+      </p:grpSpPr>
+      <p:sp>
+        <p:nvSpPr>
+          <p:cNvPr id="2" name="Folienbildplatzhalter 1"/>
+          <p:cNvSpPr>
+            <a:spLocks noGrp="1" noRot="1" noChangeAspect="1"/>
+          </p:cNvSpPr>
+          <p:nvPr>
+            <p:ph type="sldImg"/>
+          </p:nvPr>
+        </p:nvSpPr>
+        <p:spPr/>
+      </p:sp>
+      <p:sp>
+        <p:nvSpPr>
+          <p:cNvPr id="3" name="Notizenplatzhalter 2"/>
+          <p:cNvSpPr>
+            <a:spLocks noGrp="1"/>
+          </p:cNvSpPr>
+          <p:nvPr>
+            <p:ph type="body" idx="1"/>
+          </p:nvPr>
+        </p:nvSpPr>
+        <p:spPr/>
+        <p:txBody>
+          <a:bodyPr/>
+          <a:lstStyle/>
+          <a:p>
+            <a:r>
+              <a:rPr lang="de-CH" dirty="0" err="1" smtClean="0"/>
+              <a:t>Scrum</a:t>
+            </a:r>
+            <a:r>
+              <a:rPr lang="de-CH" dirty="0" smtClean="0"/>
+              <a:t> Erfahrungen</a:t>
+            </a:r>
+            <a:r>
+              <a:rPr lang="de-CH" baseline="0" dirty="0" smtClean="0"/>
+              <a:t> -&gt; Joel</a:t>
+            </a:r>
+          </a:p>
+          <a:p>
+            <a:endParaRPr lang="de-CH" dirty="0"/>
+          </a:p>
+        </p:txBody>
+      </p:sp>
+      <p:sp>
+        <p:nvSpPr>
+          <p:cNvPr id="4" name="Foliennummernplatzhalter 3"/>
+          <p:cNvSpPr>
+            <a:spLocks noGrp="1"/>
+          </p:cNvSpPr>
+          <p:nvPr>
+            <p:ph type="sldNum" sz="quarter" idx="10"/>
+          </p:nvPr>
+        </p:nvSpPr>
+        <p:spPr/>
+        <p:txBody>
+          <a:bodyPr/>
+          <a:lstStyle/>
+          <a:p>
+            <a:fld id="{F5B24102-8416-4B7F-9D73-26FC6C4DF7AF}" type="slidenum">
+              <a:rPr lang="de-CH" smtClean="0"/>
+              <a:t>10</a:t>
+            </a:fld>
+            <a:endParaRPr lang="de-CH"/>
+          </a:p>
+        </p:txBody>
+      </p:sp>
+    </p:spTree>
+    <p:extLst>
+      <p:ext uri="{BB962C8B-B14F-4D97-AF65-F5344CB8AC3E}">
+        <p14:creationId xmlns:p14="http://schemas.microsoft.com/office/powerpoint/2010/main" val="5916178"/>
+      </p:ext>
+    </p:extLst>
+  </p:cSld>
+  <p:clrMapOvr>
+    <a:masterClrMapping/>
+  </p:clrMapOvr>
+</p:notes>
+</file>
+
+<file path=ppt/notesSlides/notesSlide11.xml><?xml version="1.0" encoding="utf-8"?>
+<p:notes xmlns:a="http://schemas.openxmlformats.org/drawingml/2006/main" xmlns:r="http://schemas.openxmlformats.org/officeDocument/2006/relationships" xmlns:p="http://schemas.openxmlformats.org/presentationml/2006/main">
+  <p:cSld>
+    <p:spTree>
+      <p:nvGrpSpPr>
+        <p:cNvPr id="1" name=""/>
+        <p:cNvGrpSpPr/>
+        <p:nvPr/>
+      </p:nvGrpSpPr>
+      <p:grpSpPr>
+        <a:xfrm>
+          <a:off x="0" y="0"/>
+          <a:ext cx="0" cy="0"/>
+          <a:chOff x="0" y="0"/>
+          <a:chExt cx="0" cy="0"/>
+        </a:xfrm>
+      </p:grpSpPr>
+      <p:sp>
+        <p:nvSpPr>
+          <p:cNvPr id="2" name="Folienbildplatzhalter 1"/>
+          <p:cNvSpPr>
+            <a:spLocks noGrp="1" noRot="1" noChangeAspect="1"/>
+          </p:cNvSpPr>
+          <p:nvPr>
+            <p:ph type="sldImg"/>
+          </p:nvPr>
+        </p:nvSpPr>
+        <p:spPr/>
+      </p:sp>
+      <p:sp>
+        <p:nvSpPr>
+          <p:cNvPr id="3" name="Notizenplatzhalter 2"/>
+          <p:cNvSpPr>
+            <a:spLocks noGrp="1"/>
+          </p:cNvSpPr>
+          <p:nvPr>
+            <p:ph type="body" idx="1"/>
+          </p:nvPr>
+        </p:nvSpPr>
+        <p:spPr/>
+        <p:txBody>
+          <a:bodyPr/>
+          <a:lstStyle/>
+          <a:p>
+            <a:r>
+              <a:rPr lang="de-CH" baseline="0" dirty="0" err="1" smtClean="0"/>
+              <a:t>Git</a:t>
+            </a:r>
+            <a:r>
+              <a:rPr lang="de-CH" baseline="0" dirty="0" smtClean="0"/>
+              <a:t> -&gt; </a:t>
+            </a:r>
+            <a:r>
+              <a:rPr lang="de-CH" baseline="0" dirty="0" err="1" smtClean="0"/>
+              <a:t>joel</a:t>
+            </a:r>
+            <a:endParaRPr lang="de-CH" baseline="0" dirty="0" smtClean="0"/>
+          </a:p>
+          <a:p>
+            <a:r>
+              <a:rPr lang="de-CH" baseline="0" dirty="0" smtClean="0"/>
+              <a:t>Neo4j -&gt; Philippe</a:t>
+            </a:r>
+          </a:p>
+          <a:p>
+            <a:r>
+              <a:rPr lang="de-CH" baseline="0" dirty="0" smtClean="0"/>
+              <a:t>FXML -&gt; Martin</a:t>
+            </a:r>
+          </a:p>
+          <a:p>
+            <a:r>
+              <a:rPr lang="de-CH" baseline="0" dirty="0" err="1" smtClean="0"/>
+              <a:t>Junit</a:t>
+            </a:r>
+            <a:r>
+              <a:rPr lang="de-CH" baseline="0" dirty="0" smtClean="0"/>
+              <a:t> -&gt; Christian</a:t>
+            </a:r>
+          </a:p>
+        </p:txBody>
+      </p:sp>
+      <p:sp>
+        <p:nvSpPr>
+          <p:cNvPr id="4" name="Foliennummernplatzhalter 3"/>
+          <p:cNvSpPr>
+            <a:spLocks noGrp="1"/>
+          </p:cNvSpPr>
+          <p:nvPr>
+            <p:ph type="sldNum" sz="quarter" idx="10"/>
+          </p:nvPr>
+        </p:nvSpPr>
+        <p:spPr/>
+        <p:txBody>
+          <a:bodyPr/>
+          <a:lstStyle/>
+          <a:p>
+            <a:fld id="{F5B24102-8416-4B7F-9D73-26FC6C4DF7AF}" type="slidenum">
+              <a:rPr lang="de-CH" smtClean="0"/>
+              <a:t>11</a:t>
+            </a:fld>
+            <a:endParaRPr lang="de-CH"/>
+          </a:p>
+        </p:txBody>
+      </p:sp>
+    </p:spTree>
+    <p:extLst>
+      <p:ext uri="{BB962C8B-B14F-4D97-AF65-F5344CB8AC3E}">
+        <p14:creationId xmlns:p14="http://schemas.microsoft.com/office/powerpoint/2010/main" val="54988532"/>
+      </p:ext>
+    </p:extLst>
+  </p:cSld>
+  <p:clrMapOvr>
+    <a:masterClrMapping/>
+  </p:clrMapOvr>
+</p:notes>
+</file>
+
+<file path=ppt/notesSlides/notesSlide12.xml><?xml version="1.0" encoding="utf-8"?>
+<p:notes xmlns:a="http://schemas.openxmlformats.org/drawingml/2006/main" xmlns:r="http://schemas.openxmlformats.org/officeDocument/2006/relationships" xmlns:p="http://schemas.openxmlformats.org/presentationml/2006/main">
+  <p:cSld>
+    <p:spTree>
+      <p:nvGrpSpPr>
+        <p:cNvPr id="1" name=""/>
+        <p:cNvGrpSpPr/>
+        <p:nvPr/>
+      </p:nvGrpSpPr>
+      <p:grpSpPr>
+        <a:xfrm>
+          <a:off x="0" y="0"/>
+          <a:ext cx="0" cy="0"/>
+          <a:chOff x="0" y="0"/>
+          <a:chExt cx="0" cy="0"/>
+        </a:xfrm>
+      </p:grpSpPr>
+      <p:sp>
+        <p:nvSpPr>
+          <p:cNvPr id="2" name="Folienbildplatzhalter 1"/>
+          <p:cNvSpPr>
+            <a:spLocks noGrp="1" noRot="1" noChangeAspect="1"/>
+          </p:cNvSpPr>
+          <p:nvPr>
+            <p:ph type="sldImg"/>
+          </p:nvPr>
+        </p:nvSpPr>
+        <p:spPr/>
+      </p:sp>
+      <p:sp>
+        <p:nvSpPr>
+          <p:cNvPr id="3" name="Notizenplatzhalter 2"/>
+          <p:cNvSpPr>
+            <a:spLocks noGrp="1"/>
+          </p:cNvSpPr>
+          <p:nvPr>
+            <p:ph type="body" idx="1"/>
+          </p:nvPr>
+        </p:nvSpPr>
+        <p:spPr/>
+        <p:txBody>
+          <a:bodyPr/>
+          <a:lstStyle/>
+          <a:p>
+            <a:r>
+              <a:rPr lang="de-CH" dirty="0" err="1" smtClean="0"/>
+              <a:t>Ghenzi</a:t>
+            </a:r>
+            <a:endParaRPr lang="de-CH" dirty="0"/>
+          </a:p>
+        </p:txBody>
+      </p:sp>
+      <p:sp>
+        <p:nvSpPr>
+          <p:cNvPr id="4" name="Foliennummernplatzhalter 3"/>
+          <p:cNvSpPr>
+            <a:spLocks noGrp="1"/>
+          </p:cNvSpPr>
+          <p:nvPr>
+            <p:ph type="sldNum" sz="quarter" idx="10"/>
+          </p:nvPr>
+        </p:nvSpPr>
+        <p:spPr/>
+        <p:txBody>
+          <a:bodyPr/>
+          <a:lstStyle/>
+          <a:p>
+            <a:fld id="{F5B24102-8416-4B7F-9D73-26FC6C4DF7AF}" type="slidenum">
+              <a:rPr lang="de-CH" smtClean="0"/>
+              <a:t>12</a:t>
+            </a:fld>
+            <a:endParaRPr lang="de-CH"/>
+          </a:p>
+        </p:txBody>
+      </p:sp>
+    </p:spTree>
+    <p:extLst>
+      <p:ext uri="{BB962C8B-B14F-4D97-AF65-F5344CB8AC3E}">
+        <p14:creationId xmlns:p14="http://schemas.microsoft.com/office/powerpoint/2010/main" val="3104461328"/>
+      </p:ext>
+    </p:extLst>
+  </p:cSld>
+  <p:clrMapOvr>
+    <a:masterClrMapping/>
+  </p:clrMapOvr>
+</p:notes>
+</file>
+
+<file path=ppt/notesSlides/notesSlide13.xml><?xml version="1.0" encoding="utf-8"?>
+<p:notes xmlns:a="http://schemas.openxmlformats.org/drawingml/2006/main" xmlns:r="http://schemas.openxmlformats.org/officeDocument/2006/relationships" xmlns:p="http://schemas.openxmlformats.org/presentationml/2006/main">
+  <p:cSld>
+    <p:spTree>
+      <p:nvGrpSpPr>
+        <p:cNvPr id="1" name=""/>
+        <p:cNvGrpSpPr/>
+        <p:nvPr/>
+      </p:nvGrpSpPr>
+      <p:grpSpPr>
+        <a:xfrm>
+          <a:off x="0" y="0"/>
+          <a:ext cx="0" cy="0"/>
+          <a:chOff x="0" y="0"/>
+          <a:chExt cx="0" cy="0"/>
+        </a:xfrm>
+      </p:grpSpPr>
+      <p:sp>
+        <p:nvSpPr>
+          <p:cNvPr id="2" name="Folienbildplatzhalter 1"/>
+          <p:cNvSpPr>
+            <a:spLocks noGrp="1" noRot="1" noChangeAspect="1"/>
+          </p:cNvSpPr>
+          <p:nvPr>
+            <p:ph type="sldImg"/>
+          </p:nvPr>
+        </p:nvSpPr>
+        <p:spPr/>
+      </p:sp>
+      <p:sp>
+        <p:nvSpPr>
+          <p:cNvPr id="3" name="Notizenplatzhalter 2"/>
+          <p:cNvSpPr>
+            <a:spLocks noGrp="1"/>
+          </p:cNvSpPr>
+          <p:nvPr>
+            <p:ph type="body" idx="1"/>
+          </p:nvPr>
+        </p:nvSpPr>
+        <p:spPr/>
+        <p:txBody>
+          <a:bodyPr/>
+          <a:lstStyle/>
+          <a:p>
+            <a:pPr marL="0" marR="0" indent="0" algn="l" defTabSz="914400" rtl="0" eaLnBrk="1" fontAlgn="auto" latinLnBrk="0" hangingPunct="1">
+              <a:lnSpc>
+                <a:spcPct val="100000"/>
+              </a:lnSpc>
+              <a:spcBef>
+                <a:spcPts val="0"/>
+              </a:spcBef>
+              <a:spcAft>
+                <a:spcPts val="0"/>
+              </a:spcAft>
+              <a:buClrTx/>
+              <a:buSzTx/>
+              <a:buFontTx/>
+              <a:buNone/>
+              <a:tabLst/>
+              <a:defRPr/>
+            </a:pPr>
+            <a:r>
+              <a:rPr lang="de-CH" dirty="0" smtClean="0"/>
+              <a:t>Joel</a:t>
+            </a:r>
+          </a:p>
+          <a:p>
+            <a:pPr marL="0" marR="0" indent="0" algn="l" defTabSz="914400" rtl="0" eaLnBrk="1" fontAlgn="auto" latinLnBrk="0" hangingPunct="1">
+              <a:lnSpc>
+                <a:spcPct val="100000"/>
+              </a:lnSpc>
+              <a:spcBef>
+                <a:spcPts val="0"/>
+              </a:spcBef>
+              <a:spcAft>
+                <a:spcPts val="0"/>
+              </a:spcAft>
+              <a:buClrTx/>
+              <a:buSzTx/>
+              <a:buFontTx/>
+              <a:buNone/>
+              <a:tabLst/>
+              <a:defRPr/>
+            </a:pPr>
+            <a:endParaRPr lang="de-CH" dirty="0" smtClean="0"/>
+          </a:p>
+          <a:p>
+            <a:pPr marL="0" marR="0" indent="0" algn="l" defTabSz="914400" rtl="0" eaLnBrk="1" fontAlgn="auto" latinLnBrk="0" hangingPunct="1">
+              <a:lnSpc>
+                <a:spcPct val="100000"/>
+              </a:lnSpc>
+              <a:spcBef>
+                <a:spcPts val="0"/>
+              </a:spcBef>
+              <a:spcAft>
+                <a:spcPts val="0"/>
+              </a:spcAft>
+              <a:buClrTx/>
+              <a:buSzTx/>
+              <a:buFontTx/>
+              <a:buNone/>
+              <a:tabLst/>
+              <a:defRPr/>
+            </a:pPr>
+            <a:endParaRPr lang="de-CH" dirty="0" smtClean="0"/>
+          </a:p>
+          <a:p>
+            <a:pPr marL="0" marR="0" indent="0" algn="l" defTabSz="914400" rtl="0" eaLnBrk="1" fontAlgn="auto" latinLnBrk="0" hangingPunct="1">
+              <a:lnSpc>
+                <a:spcPct val="100000"/>
+              </a:lnSpc>
+              <a:spcBef>
+                <a:spcPts val="0"/>
+              </a:spcBef>
+              <a:spcAft>
+                <a:spcPts val="0"/>
+              </a:spcAft>
+              <a:buClrTx/>
+              <a:buSzTx/>
+              <a:buFontTx/>
+              <a:buNone/>
+              <a:tabLst/>
+              <a:defRPr/>
+            </a:pPr>
+            <a:r>
+              <a:rPr lang="de-CH" dirty="0" smtClean="0"/>
+              <a:t>Screenshot </a:t>
+            </a:r>
+            <a:r>
+              <a:rPr lang="de-CH" dirty="0" err="1"/>
+              <a:t>Hashi</a:t>
+            </a:r>
+            <a:r>
+              <a:rPr lang="de-CH" dirty="0"/>
+              <a:t>, Funktionen Vorzeigen</a:t>
+            </a:r>
+          </a:p>
+        </p:txBody>
+      </p:sp>
+      <p:sp>
+        <p:nvSpPr>
+          <p:cNvPr id="4" name="Foliennummernplatzhalter 3"/>
+          <p:cNvSpPr>
+            <a:spLocks noGrp="1"/>
+          </p:cNvSpPr>
+          <p:nvPr>
+            <p:ph type="sldNum" sz="quarter" idx="10"/>
+          </p:nvPr>
+        </p:nvSpPr>
+        <p:spPr/>
+        <p:txBody>
+          <a:bodyPr/>
+          <a:lstStyle/>
+          <a:p>
+            <a:fld id="{F5B24102-8416-4B7F-9D73-26FC6C4DF7AF}" type="slidenum">
+              <a:rPr lang="de-CH" smtClean="0"/>
+              <a:t>13</a:t>
+            </a:fld>
+            <a:endParaRPr lang="de-CH"/>
+          </a:p>
+        </p:txBody>
+      </p:sp>
+    </p:spTree>
+    <p:extLst>
+      <p:ext uri="{BB962C8B-B14F-4D97-AF65-F5344CB8AC3E}">
+        <p14:creationId xmlns:p14="http://schemas.microsoft.com/office/powerpoint/2010/main" val="1714103544"/>
       </p:ext>
     </p:extLst>
   </p:cSld>
@@ -688,6 +1089,446 @@
           <a:bodyPr/>
           <a:lstStyle/>
           <a:p>
+            <a:r>
+              <a:rPr lang="de-CH" dirty="0" smtClean="0"/>
+              <a:t>Chris</a:t>
+            </a:r>
+            <a:endParaRPr lang="de-CH" dirty="0"/>
+          </a:p>
+        </p:txBody>
+      </p:sp>
+      <p:sp>
+        <p:nvSpPr>
+          <p:cNvPr id="4" name="Foliennummernplatzhalter 3"/>
+          <p:cNvSpPr>
+            <a:spLocks noGrp="1"/>
+          </p:cNvSpPr>
+          <p:nvPr>
+            <p:ph type="sldNum" sz="quarter" idx="10"/>
+          </p:nvPr>
+        </p:nvSpPr>
+        <p:spPr/>
+        <p:txBody>
+          <a:bodyPr/>
+          <a:lstStyle/>
+          <a:p>
+            <a:fld id="{F5B24102-8416-4B7F-9D73-26FC6C4DF7AF}" type="slidenum">
+              <a:rPr lang="de-CH" smtClean="0"/>
+              <a:t>2</a:t>
+            </a:fld>
+            <a:endParaRPr lang="de-CH"/>
+          </a:p>
+        </p:txBody>
+      </p:sp>
+    </p:spTree>
+    <p:extLst>
+      <p:ext uri="{BB962C8B-B14F-4D97-AF65-F5344CB8AC3E}">
+        <p14:creationId xmlns:p14="http://schemas.microsoft.com/office/powerpoint/2010/main" val="2528089185"/>
+      </p:ext>
+    </p:extLst>
+  </p:cSld>
+  <p:clrMapOvr>
+    <a:masterClrMapping/>
+  </p:clrMapOvr>
+</p:notes>
+</file>
+
+<file path=ppt/notesSlides/notesSlide3.xml><?xml version="1.0" encoding="utf-8"?>
+<p:notes xmlns:a="http://schemas.openxmlformats.org/drawingml/2006/main" xmlns:r="http://schemas.openxmlformats.org/officeDocument/2006/relationships" xmlns:p="http://schemas.openxmlformats.org/presentationml/2006/main">
+  <p:cSld>
+    <p:spTree>
+      <p:nvGrpSpPr>
+        <p:cNvPr id="1" name=""/>
+        <p:cNvGrpSpPr/>
+        <p:nvPr/>
+      </p:nvGrpSpPr>
+      <p:grpSpPr>
+        <a:xfrm>
+          <a:off x="0" y="0"/>
+          <a:ext cx="0" cy="0"/>
+          <a:chOff x="0" y="0"/>
+          <a:chExt cx="0" cy="0"/>
+        </a:xfrm>
+      </p:grpSpPr>
+      <p:sp>
+        <p:nvSpPr>
+          <p:cNvPr id="2" name="Folienbildplatzhalter 1"/>
+          <p:cNvSpPr>
+            <a:spLocks noGrp="1" noRot="1" noChangeAspect="1"/>
+          </p:cNvSpPr>
+          <p:nvPr>
+            <p:ph type="sldImg"/>
+          </p:nvPr>
+        </p:nvSpPr>
+        <p:spPr/>
+      </p:sp>
+      <p:sp>
+        <p:nvSpPr>
+          <p:cNvPr id="3" name="Notizenplatzhalter 2"/>
+          <p:cNvSpPr>
+            <a:spLocks noGrp="1"/>
+          </p:cNvSpPr>
+          <p:nvPr>
+            <p:ph type="body" idx="1"/>
+          </p:nvPr>
+        </p:nvSpPr>
+        <p:spPr/>
+        <p:txBody>
+          <a:bodyPr/>
+          <a:lstStyle/>
+          <a:p>
+            <a:r>
+              <a:rPr lang="de-CH" dirty="0" smtClean="0"/>
+              <a:t>Chris</a:t>
+            </a:r>
+            <a:endParaRPr lang="de-CH" dirty="0"/>
+          </a:p>
+        </p:txBody>
+      </p:sp>
+      <p:sp>
+        <p:nvSpPr>
+          <p:cNvPr id="4" name="Foliennummernplatzhalter 3"/>
+          <p:cNvSpPr>
+            <a:spLocks noGrp="1"/>
+          </p:cNvSpPr>
+          <p:nvPr>
+            <p:ph type="sldNum" sz="quarter" idx="10"/>
+          </p:nvPr>
+        </p:nvSpPr>
+        <p:spPr/>
+        <p:txBody>
+          <a:bodyPr/>
+          <a:lstStyle/>
+          <a:p>
+            <a:fld id="{F5B24102-8416-4B7F-9D73-26FC6C4DF7AF}" type="slidenum">
+              <a:rPr lang="de-CH" smtClean="0"/>
+              <a:t>3</a:t>
+            </a:fld>
+            <a:endParaRPr lang="de-CH"/>
+          </a:p>
+        </p:txBody>
+      </p:sp>
+    </p:spTree>
+    <p:extLst>
+      <p:ext uri="{BB962C8B-B14F-4D97-AF65-F5344CB8AC3E}">
+        <p14:creationId xmlns:p14="http://schemas.microsoft.com/office/powerpoint/2010/main" val="173786717"/>
+      </p:ext>
+    </p:extLst>
+  </p:cSld>
+  <p:clrMapOvr>
+    <a:masterClrMapping/>
+  </p:clrMapOvr>
+</p:notes>
+</file>
+
+<file path=ppt/notesSlides/notesSlide4.xml><?xml version="1.0" encoding="utf-8"?>
+<p:notes xmlns:a="http://schemas.openxmlformats.org/drawingml/2006/main" xmlns:r="http://schemas.openxmlformats.org/officeDocument/2006/relationships" xmlns:p="http://schemas.openxmlformats.org/presentationml/2006/main">
+  <p:cSld>
+    <p:spTree>
+      <p:nvGrpSpPr>
+        <p:cNvPr id="1" name=""/>
+        <p:cNvGrpSpPr/>
+        <p:nvPr/>
+      </p:nvGrpSpPr>
+      <p:grpSpPr>
+        <a:xfrm>
+          <a:off x="0" y="0"/>
+          <a:ext cx="0" cy="0"/>
+          <a:chOff x="0" y="0"/>
+          <a:chExt cx="0" cy="0"/>
+        </a:xfrm>
+      </p:grpSpPr>
+      <p:sp>
+        <p:nvSpPr>
+          <p:cNvPr id="2" name="Folienbildplatzhalter 1"/>
+          <p:cNvSpPr>
+            <a:spLocks noGrp="1" noRot="1" noChangeAspect="1"/>
+          </p:cNvSpPr>
+          <p:nvPr>
+            <p:ph type="sldImg"/>
+          </p:nvPr>
+        </p:nvSpPr>
+        <p:spPr/>
+      </p:sp>
+      <p:sp>
+        <p:nvSpPr>
+          <p:cNvPr id="3" name="Notizenplatzhalter 2"/>
+          <p:cNvSpPr>
+            <a:spLocks noGrp="1"/>
+          </p:cNvSpPr>
+          <p:nvPr>
+            <p:ph type="body" idx="1"/>
+          </p:nvPr>
+        </p:nvSpPr>
+        <p:spPr/>
+        <p:txBody>
+          <a:bodyPr/>
+          <a:lstStyle/>
+          <a:p>
+            <a:r>
+              <a:rPr lang="de-CH" dirty="0" smtClean="0"/>
+              <a:t>Chris</a:t>
+            </a:r>
+            <a:endParaRPr lang="de-CH" dirty="0"/>
+          </a:p>
+        </p:txBody>
+      </p:sp>
+      <p:sp>
+        <p:nvSpPr>
+          <p:cNvPr id="4" name="Foliennummernplatzhalter 3"/>
+          <p:cNvSpPr>
+            <a:spLocks noGrp="1"/>
+          </p:cNvSpPr>
+          <p:nvPr>
+            <p:ph type="sldNum" sz="quarter" idx="10"/>
+          </p:nvPr>
+        </p:nvSpPr>
+        <p:spPr/>
+        <p:txBody>
+          <a:bodyPr/>
+          <a:lstStyle/>
+          <a:p>
+            <a:fld id="{F5B24102-8416-4B7F-9D73-26FC6C4DF7AF}" type="slidenum">
+              <a:rPr lang="de-CH" smtClean="0"/>
+              <a:t>4</a:t>
+            </a:fld>
+            <a:endParaRPr lang="de-CH"/>
+          </a:p>
+        </p:txBody>
+      </p:sp>
+    </p:spTree>
+    <p:extLst>
+      <p:ext uri="{BB962C8B-B14F-4D97-AF65-F5344CB8AC3E}">
+        <p14:creationId xmlns:p14="http://schemas.microsoft.com/office/powerpoint/2010/main" val="1031749513"/>
+      </p:ext>
+    </p:extLst>
+  </p:cSld>
+  <p:clrMapOvr>
+    <a:masterClrMapping/>
+  </p:clrMapOvr>
+</p:notes>
+</file>
+
+<file path=ppt/notesSlides/notesSlide5.xml><?xml version="1.0" encoding="utf-8"?>
+<p:notes xmlns:a="http://schemas.openxmlformats.org/drawingml/2006/main" xmlns:r="http://schemas.openxmlformats.org/officeDocument/2006/relationships" xmlns:p="http://schemas.openxmlformats.org/presentationml/2006/main">
+  <p:cSld>
+    <p:spTree>
+      <p:nvGrpSpPr>
+        <p:cNvPr id="1" name=""/>
+        <p:cNvGrpSpPr/>
+        <p:nvPr/>
+      </p:nvGrpSpPr>
+      <p:grpSpPr>
+        <a:xfrm>
+          <a:off x="0" y="0"/>
+          <a:ext cx="0" cy="0"/>
+          <a:chOff x="0" y="0"/>
+          <a:chExt cx="0" cy="0"/>
+        </a:xfrm>
+      </p:grpSpPr>
+      <p:sp>
+        <p:nvSpPr>
+          <p:cNvPr id="2" name="Folienbildplatzhalter 1"/>
+          <p:cNvSpPr>
+            <a:spLocks noGrp="1" noRot="1" noChangeAspect="1"/>
+          </p:cNvSpPr>
+          <p:nvPr>
+            <p:ph type="sldImg"/>
+          </p:nvPr>
+        </p:nvSpPr>
+        <p:spPr/>
+      </p:sp>
+      <p:sp>
+        <p:nvSpPr>
+          <p:cNvPr id="3" name="Notizenplatzhalter 2"/>
+          <p:cNvSpPr>
+            <a:spLocks noGrp="1"/>
+          </p:cNvSpPr>
+          <p:nvPr>
+            <p:ph type="body" idx="1"/>
+          </p:nvPr>
+        </p:nvSpPr>
+        <p:spPr/>
+        <p:txBody>
+          <a:bodyPr/>
+          <a:lstStyle/>
+          <a:p>
+            <a:r>
+              <a:rPr lang="de-CH" dirty="0" smtClean="0"/>
+              <a:t>Mazenauer</a:t>
+            </a:r>
+            <a:endParaRPr lang="de-CH" dirty="0"/>
+          </a:p>
+        </p:txBody>
+      </p:sp>
+      <p:sp>
+        <p:nvSpPr>
+          <p:cNvPr id="4" name="Foliennummernplatzhalter 3"/>
+          <p:cNvSpPr>
+            <a:spLocks noGrp="1"/>
+          </p:cNvSpPr>
+          <p:nvPr>
+            <p:ph type="sldNum" sz="quarter" idx="10"/>
+          </p:nvPr>
+        </p:nvSpPr>
+        <p:spPr/>
+        <p:txBody>
+          <a:bodyPr/>
+          <a:lstStyle/>
+          <a:p>
+            <a:fld id="{F5B24102-8416-4B7F-9D73-26FC6C4DF7AF}" type="slidenum">
+              <a:rPr lang="de-CH" smtClean="0"/>
+              <a:t>5</a:t>
+            </a:fld>
+            <a:endParaRPr lang="de-CH"/>
+          </a:p>
+        </p:txBody>
+      </p:sp>
+    </p:spTree>
+    <p:extLst>
+      <p:ext uri="{BB962C8B-B14F-4D97-AF65-F5344CB8AC3E}">
+        <p14:creationId xmlns:p14="http://schemas.microsoft.com/office/powerpoint/2010/main" val="3235263108"/>
+      </p:ext>
+    </p:extLst>
+  </p:cSld>
+  <p:clrMapOvr>
+    <a:masterClrMapping/>
+  </p:clrMapOvr>
+</p:notes>
+</file>
+
+<file path=ppt/notesSlides/notesSlide6.xml><?xml version="1.0" encoding="utf-8"?>
+<p:notes xmlns:a="http://schemas.openxmlformats.org/drawingml/2006/main" xmlns:r="http://schemas.openxmlformats.org/officeDocument/2006/relationships" xmlns:p="http://schemas.openxmlformats.org/presentationml/2006/main">
+  <p:cSld>
+    <p:spTree>
+      <p:nvGrpSpPr>
+        <p:cNvPr id="1" name=""/>
+        <p:cNvGrpSpPr/>
+        <p:nvPr/>
+      </p:nvGrpSpPr>
+      <p:grpSpPr>
+        <a:xfrm>
+          <a:off x="0" y="0"/>
+          <a:ext cx="0" cy="0"/>
+          <a:chOff x="0" y="0"/>
+          <a:chExt cx="0" cy="0"/>
+        </a:xfrm>
+      </p:grpSpPr>
+      <p:sp>
+        <p:nvSpPr>
+          <p:cNvPr id="2" name="Folienbildplatzhalter 1"/>
+          <p:cNvSpPr>
+            <a:spLocks noGrp="1" noRot="1" noChangeAspect="1"/>
+          </p:cNvSpPr>
+          <p:nvPr>
+            <p:ph type="sldImg"/>
+          </p:nvPr>
+        </p:nvSpPr>
+        <p:spPr/>
+      </p:sp>
+      <p:sp>
+        <p:nvSpPr>
+          <p:cNvPr id="3" name="Notizenplatzhalter 2"/>
+          <p:cNvSpPr>
+            <a:spLocks noGrp="1"/>
+          </p:cNvSpPr>
+          <p:nvPr>
+            <p:ph type="body" idx="1"/>
+          </p:nvPr>
+        </p:nvSpPr>
+        <p:spPr/>
+        <p:txBody>
+          <a:bodyPr/>
+          <a:lstStyle/>
+          <a:p>
+            <a:r>
+              <a:rPr lang="de-CH" dirty="0" smtClean="0"/>
+              <a:t>Mazenauer</a:t>
+            </a:r>
+            <a:endParaRPr lang="de-CH" dirty="0"/>
+          </a:p>
+        </p:txBody>
+      </p:sp>
+      <p:sp>
+        <p:nvSpPr>
+          <p:cNvPr id="4" name="Foliennummernplatzhalter 3"/>
+          <p:cNvSpPr>
+            <a:spLocks noGrp="1"/>
+          </p:cNvSpPr>
+          <p:nvPr>
+            <p:ph type="sldNum" sz="quarter" idx="10"/>
+          </p:nvPr>
+        </p:nvSpPr>
+        <p:spPr/>
+        <p:txBody>
+          <a:bodyPr/>
+          <a:lstStyle/>
+          <a:p>
+            <a:fld id="{F5B24102-8416-4B7F-9D73-26FC6C4DF7AF}" type="slidenum">
+              <a:rPr lang="de-CH" smtClean="0"/>
+              <a:t>6</a:t>
+            </a:fld>
+            <a:endParaRPr lang="de-CH"/>
+          </a:p>
+        </p:txBody>
+      </p:sp>
+    </p:spTree>
+    <p:extLst>
+      <p:ext uri="{BB962C8B-B14F-4D97-AF65-F5344CB8AC3E}">
+        <p14:creationId xmlns:p14="http://schemas.microsoft.com/office/powerpoint/2010/main" val="3711816091"/>
+      </p:ext>
+    </p:extLst>
+  </p:cSld>
+  <p:clrMapOvr>
+    <a:masterClrMapping/>
+  </p:clrMapOvr>
+</p:notes>
+</file>
+
+<file path=ppt/notesSlides/notesSlide7.xml><?xml version="1.0" encoding="utf-8"?>
+<p:notes xmlns:a="http://schemas.openxmlformats.org/drawingml/2006/main" xmlns:r="http://schemas.openxmlformats.org/officeDocument/2006/relationships" xmlns:p="http://schemas.openxmlformats.org/presentationml/2006/main">
+  <p:cSld>
+    <p:spTree>
+      <p:nvGrpSpPr>
+        <p:cNvPr id="1" name=""/>
+        <p:cNvGrpSpPr/>
+        <p:nvPr/>
+      </p:nvGrpSpPr>
+      <p:grpSpPr>
+        <a:xfrm>
+          <a:off x="0" y="0"/>
+          <a:ext cx="0" cy="0"/>
+          <a:chOff x="0" y="0"/>
+          <a:chExt cx="0" cy="0"/>
+        </a:xfrm>
+      </p:grpSpPr>
+      <p:sp>
+        <p:nvSpPr>
+          <p:cNvPr id="2" name="Folienbildplatzhalter 1"/>
+          <p:cNvSpPr>
+            <a:spLocks noGrp="1" noRot="1" noChangeAspect="1"/>
+          </p:cNvSpPr>
+          <p:nvPr>
+            <p:ph type="sldImg"/>
+          </p:nvPr>
+        </p:nvSpPr>
+        <p:spPr/>
+      </p:sp>
+      <p:sp>
+        <p:nvSpPr>
+          <p:cNvPr id="3" name="Notizenplatzhalter 2"/>
+          <p:cNvSpPr>
+            <a:spLocks noGrp="1"/>
+          </p:cNvSpPr>
+          <p:nvPr>
+            <p:ph type="body" idx="1"/>
+          </p:nvPr>
+        </p:nvSpPr>
+        <p:spPr/>
+        <p:txBody>
+          <a:bodyPr/>
+          <a:lstStyle/>
+          <a:p>
             <a:pPr marL="0" marR="0" indent="0" algn="l" defTabSz="914400" rtl="0" eaLnBrk="1" fontAlgn="auto" latinLnBrk="0" hangingPunct="1">
               <a:lnSpc>
                 <a:spcPct val="100000"/>
@@ -706,17 +1547,144 @@
               <a:defRPr/>
             </a:pPr>
             <a:r>
+              <a:rPr lang="de-CH" dirty="0" smtClean="0"/>
+              <a:t>MVC </a:t>
+            </a:r>
+            <a:r>
               <a:rPr lang="de-CH" dirty="0"/>
-              <a:t>Screenshot </a:t>
-            </a:r>
+              <a:t>(Model-View-Controller):</a:t>
+            </a:r>
+            <a:r>
+              <a:rPr lang="de-CH" baseline="0" dirty="0"/>
+              <a:t> </a:t>
+            </a:r>
+            <a:r>
+              <a:rPr lang="de-CH" baseline="0" dirty="0" smtClean="0"/>
+              <a:t>			</a:t>
+            </a:r>
+            <a:r>
+              <a:rPr lang="de-CH" dirty="0" smtClean="0"/>
+              <a:t>Martin</a:t>
+            </a:r>
+          </a:p>
+          <a:p>
+            <a:r>
+              <a:rPr lang="de-CH" dirty="0" smtClean="0"/>
+              <a:t>Factory:					</a:t>
+            </a:r>
+            <a:r>
+              <a:rPr lang="de-CH" dirty="0" err="1" smtClean="0"/>
+              <a:t>Ghenzi</a:t>
+            </a:r>
+            <a:endParaRPr lang="de-CH" dirty="0"/>
+          </a:p>
+          <a:p>
             <a:r>
               <a:rPr lang="de-CH" dirty="0" err="1"/>
-              <a:t>Hashi</a:t>
+              <a:t>Decorator</a:t>
             </a:r>
             <a:r>
               <a:rPr lang="de-CH" dirty="0"/>
-              <a:t>, Funktionen Vorzeigen</a:t>
-            </a:r>
+              <a:t>: </a:t>
+            </a:r>
+            <a:r>
+              <a:rPr lang="de-CH" dirty="0" err="1"/>
+              <a:t>Undo</a:t>
+            </a:r>
+            <a:r>
+              <a:rPr lang="de-CH" dirty="0"/>
+              <a:t>/</a:t>
+            </a:r>
+            <a:r>
+              <a:rPr lang="de-CH" dirty="0" err="1"/>
+              <a:t>Redo</a:t>
+            </a:r>
+            <a:r>
+              <a:rPr lang="de-CH" dirty="0"/>
+              <a:t> Funktionalität</a:t>
+            </a:r>
+            <a:r>
+              <a:rPr lang="de-CH" baseline="0" dirty="0"/>
+              <a:t> auf </a:t>
+            </a:r>
+            <a:r>
+              <a:rPr lang="de-CH" baseline="0" dirty="0" err="1" smtClean="0"/>
+              <a:t>BaseGraphDAS</a:t>
+            </a:r>
+            <a:r>
+              <a:rPr lang="de-CH" baseline="0" dirty="0" smtClean="0"/>
+              <a:t>		</a:t>
+            </a:r>
+            <a:r>
+              <a:rPr lang="de-CH" baseline="0" dirty="0" err="1" smtClean="0"/>
+              <a:t>Ghenzi</a:t>
+            </a:r>
+            <a:endParaRPr lang="de-CH" dirty="0"/>
+          </a:p>
+          <a:p>
+            <a:r>
+              <a:rPr lang="de-CH" dirty="0"/>
+              <a:t>Command: </a:t>
+            </a:r>
+            <a:r>
+              <a:rPr lang="de-CH" dirty="0" err="1"/>
+              <a:t>Undo</a:t>
+            </a:r>
+            <a:r>
+              <a:rPr lang="de-CH" dirty="0"/>
+              <a:t>/</a:t>
+            </a:r>
+            <a:r>
+              <a:rPr lang="de-CH" dirty="0" err="1"/>
+              <a:t>Redo</a:t>
+            </a:r>
+            <a:r>
+              <a:rPr lang="de-CH" dirty="0"/>
+              <a:t> </a:t>
+            </a:r>
+            <a:r>
+              <a:rPr lang="de-CH" dirty="0" err="1" smtClean="0"/>
+              <a:t>Kommands</a:t>
+            </a:r>
+            <a:r>
+              <a:rPr lang="de-CH" dirty="0" smtClean="0"/>
+              <a:t>			</a:t>
+            </a:r>
+            <a:r>
+              <a:rPr lang="de-CH" dirty="0" err="1" smtClean="0"/>
+              <a:t>Ghenzi</a:t>
+            </a:r>
+            <a:endParaRPr lang="de-CH" dirty="0"/>
+          </a:p>
+          <a:p>
+            <a:pPr marL="0" marR="0" indent="0" algn="l" defTabSz="914400" rtl="0" eaLnBrk="1" fontAlgn="auto" latinLnBrk="0" hangingPunct="1">
+              <a:lnSpc>
+                <a:spcPct val="100000"/>
+              </a:lnSpc>
+              <a:spcBef>
+                <a:spcPts val="0"/>
+              </a:spcBef>
+              <a:spcAft>
+                <a:spcPts val="0"/>
+              </a:spcAft>
+              <a:buClrTx/>
+              <a:buSzTx/>
+              <a:buFontTx/>
+              <a:buNone/>
+              <a:tabLst/>
+              <a:defRPr/>
+            </a:pPr>
+            <a:r>
+              <a:rPr lang="de-CH" dirty="0"/>
+              <a:t>Template: </a:t>
+            </a:r>
+            <a:r>
+              <a:rPr lang="de-CH" dirty="0" smtClean="0"/>
+              <a:t>					Martin</a:t>
+            </a:r>
+          </a:p>
+          <a:p>
+            <a:endParaRPr lang="de-CH" dirty="0"/>
           </a:p>
         </p:txBody>
       </p:sp>
@@ -737,7 +1705,7 @@
           <a:p>
             <a:fld id="{F5B24102-8416-4B7F-9D73-26FC6C4DF7AF}" type="slidenum">
               <a:rPr lang="de-CH" smtClean="0"/>
-              <a:t>12</a:t>
+              <a:t>7</a:t>
             </a:fld>
             <a:endParaRPr lang="de-CH"/>
           </a:p>
@@ -746,7 +1714,183 @@
     </p:spTree>
     <p:extLst>
       <p:ext uri="{BB962C8B-B14F-4D97-AF65-F5344CB8AC3E}">
-        <p14:creationId xmlns:p14="http://schemas.microsoft.com/office/powerpoint/2010/main" val="1714103544"/>
+        <p14:creationId xmlns:p14="http://schemas.microsoft.com/office/powerpoint/2010/main" val="4264859063"/>
+      </p:ext>
+    </p:extLst>
+  </p:cSld>
+  <p:clrMapOvr>
+    <a:masterClrMapping/>
+  </p:clrMapOvr>
+</p:notes>
+</file>
+
+<file path=ppt/notesSlides/notesSlide8.xml><?xml version="1.0" encoding="utf-8"?>
+<p:notes xmlns:a="http://schemas.openxmlformats.org/drawingml/2006/main" xmlns:r="http://schemas.openxmlformats.org/officeDocument/2006/relationships" xmlns:p="http://schemas.openxmlformats.org/presentationml/2006/main">
+  <p:cSld>
+    <p:spTree>
+      <p:nvGrpSpPr>
+        <p:cNvPr id="1" name=""/>
+        <p:cNvGrpSpPr/>
+        <p:nvPr/>
+      </p:nvGrpSpPr>
+      <p:grpSpPr>
+        <a:xfrm>
+          <a:off x="0" y="0"/>
+          <a:ext cx="0" cy="0"/>
+          <a:chOff x="0" y="0"/>
+          <a:chExt cx="0" cy="0"/>
+        </a:xfrm>
+      </p:grpSpPr>
+      <p:sp>
+        <p:nvSpPr>
+          <p:cNvPr id="2" name="Folienbildplatzhalter 1"/>
+          <p:cNvSpPr>
+            <a:spLocks noGrp="1" noRot="1" noChangeAspect="1"/>
+          </p:cNvSpPr>
+          <p:nvPr>
+            <p:ph type="sldImg"/>
+          </p:nvPr>
+        </p:nvSpPr>
+        <p:spPr/>
+      </p:sp>
+      <p:sp>
+        <p:nvSpPr>
+          <p:cNvPr id="3" name="Notizenplatzhalter 2"/>
+          <p:cNvSpPr>
+            <a:spLocks noGrp="1"/>
+          </p:cNvSpPr>
+          <p:nvPr>
+            <p:ph type="body" idx="1"/>
+          </p:nvPr>
+        </p:nvSpPr>
+        <p:spPr/>
+        <p:txBody>
+          <a:bodyPr/>
+          <a:lstStyle/>
+          <a:p>
+            <a:r>
+              <a:rPr lang="de-CH" dirty="0" smtClean="0"/>
+              <a:t>Philippe</a:t>
+            </a:r>
+            <a:endParaRPr lang="de-CH" dirty="0"/>
+          </a:p>
+        </p:txBody>
+      </p:sp>
+      <p:sp>
+        <p:nvSpPr>
+          <p:cNvPr id="4" name="Foliennummernplatzhalter 3"/>
+          <p:cNvSpPr>
+            <a:spLocks noGrp="1"/>
+          </p:cNvSpPr>
+          <p:nvPr>
+            <p:ph type="sldNum" sz="quarter" idx="10"/>
+          </p:nvPr>
+        </p:nvSpPr>
+        <p:spPr/>
+        <p:txBody>
+          <a:bodyPr/>
+          <a:lstStyle/>
+          <a:p>
+            <a:fld id="{F5B24102-8416-4B7F-9D73-26FC6C4DF7AF}" type="slidenum">
+              <a:rPr lang="de-CH" smtClean="0"/>
+              <a:t>8</a:t>
+            </a:fld>
+            <a:endParaRPr lang="de-CH"/>
+          </a:p>
+        </p:txBody>
+      </p:sp>
+    </p:spTree>
+    <p:extLst>
+      <p:ext uri="{BB962C8B-B14F-4D97-AF65-F5344CB8AC3E}">
+        <p14:creationId xmlns:p14="http://schemas.microsoft.com/office/powerpoint/2010/main" val="3389762807"/>
+      </p:ext>
+    </p:extLst>
+  </p:cSld>
+  <p:clrMapOvr>
+    <a:masterClrMapping/>
+  </p:clrMapOvr>
+</p:notes>
+</file>
+
+<file path=ppt/notesSlides/notesSlide9.xml><?xml version="1.0" encoding="utf-8"?>
+<p:notes xmlns:a="http://schemas.openxmlformats.org/drawingml/2006/main" xmlns:r="http://schemas.openxmlformats.org/officeDocument/2006/relationships" xmlns:p="http://schemas.openxmlformats.org/presentationml/2006/main">
+  <p:cSld>
+    <p:spTree>
+      <p:nvGrpSpPr>
+        <p:cNvPr id="1" name=""/>
+        <p:cNvGrpSpPr/>
+        <p:nvPr/>
+      </p:nvGrpSpPr>
+      <p:grpSpPr>
+        <a:xfrm>
+          <a:off x="0" y="0"/>
+          <a:ext cx="0" cy="0"/>
+          <a:chOff x="0" y="0"/>
+          <a:chExt cx="0" cy="0"/>
+        </a:xfrm>
+      </p:grpSpPr>
+      <p:sp>
+        <p:nvSpPr>
+          <p:cNvPr id="2" name="Folienbildplatzhalter 1"/>
+          <p:cNvSpPr>
+            <a:spLocks noGrp="1" noRot="1" noChangeAspect="1"/>
+          </p:cNvSpPr>
+          <p:nvPr>
+            <p:ph type="sldImg"/>
+          </p:nvPr>
+        </p:nvSpPr>
+        <p:spPr/>
+      </p:sp>
+      <p:sp>
+        <p:nvSpPr>
+          <p:cNvPr id="3" name="Notizenplatzhalter 2"/>
+          <p:cNvSpPr>
+            <a:spLocks noGrp="1"/>
+          </p:cNvSpPr>
+          <p:nvPr>
+            <p:ph type="body" idx="1"/>
+          </p:nvPr>
+        </p:nvSpPr>
+        <p:spPr/>
+        <p:txBody>
+          <a:bodyPr/>
+          <a:lstStyle/>
+          <a:p>
+            <a:r>
+              <a:rPr lang="de-CH" dirty="0" smtClean="0"/>
+              <a:t>Christian</a:t>
+            </a:r>
+            <a:endParaRPr lang="de-CH" dirty="0"/>
+          </a:p>
+        </p:txBody>
+      </p:sp>
+      <p:sp>
+        <p:nvSpPr>
+          <p:cNvPr id="4" name="Foliennummernplatzhalter 3"/>
+          <p:cNvSpPr>
+            <a:spLocks noGrp="1"/>
+          </p:cNvSpPr>
+          <p:nvPr>
+            <p:ph type="sldNum" sz="quarter" idx="10"/>
+          </p:nvPr>
+        </p:nvSpPr>
+        <p:spPr/>
+        <p:txBody>
+          <a:bodyPr/>
+          <a:lstStyle/>
+          <a:p>
+            <a:fld id="{F5B24102-8416-4B7F-9D73-26FC6C4DF7AF}" type="slidenum">
+              <a:rPr lang="de-CH" smtClean="0"/>
+              <a:t>9</a:t>
+            </a:fld>
+            <a:endParaRPr lang="de-CH"/>
+          </a:p>
+        </p:txBody>
+      </p:sp>
+    </p:spTree>
+    <p:extLst>
+      <p:ext uri="{BB962C8B-B14F-4D97-AF65-F5344CB8AC3E}">
+        <p14:creationId xmlns:p14="http://schemas.microsoft.com/office/powerpoint/2010/main" val="2478300390"/>
       </p:ext>
     </p:extLst>
   </p:cSld>
@@ -924,7 +2068,7 @@
           <a:p>
             <a:fld id="{EDF032E5-4712-4CD3-A297-BA927FE98535}" type="datetimeFigureOut">
               <a:rPr lang="de-CH" smtClean="0"/>
-              <a:t>05.06.2016</a:t>
+              <a:t>06.06.2016</a:t>
             </a:fld>
             <a:endParaRPr lang="de-CH"/>
           </a:p>
@@ -1152,7 +2296,7 @@
           <a:p>
             <a:fld id="{EDF032E5-4712-4CD3-A297-BA927FE98535}" type="datetimeFigureOut">
               <a:rPr lang="de-CH" smtClean="0"/>
-              <a:t>05.06.2016</a:t>
+              <a:t>06.06.2016</a:t>
             </a:fld>
             <a:endParaRPr lang="de-CH"/>
           </a:p>
@@ -1332,7 +2476,7 @@
           <a:p>
             <a:fld id="{EDF032E5-4712-4CD3-A297-BA927FE98535}" type="datetimeFigureOut">
               <a:rPr lang="de-CH" smtClean="0"/>
-              <a:t>05.06.2016</a:t>
+              <a:t>06.06.2016</a:t>
             </a:fld>
             <a:endParaRPr lang="de-CH"/>
           </a:p>
@@ -1502,7 +2646,7 @@
           <a:p>
             <a:fld id="{EDF032E5-4712-4CD3-A297-BA927FE98535}" type="datetimeFigureOut">
               <a:rPr lang="de-CH" smtClean="0"/>
-              <a:t>05.06.2016</a:t>
+              <a:t>06.06.2016</a:t>
             </a:fld>
             <a:endParaRPr lang="de-CH"/>
           </a:p>
@@ -1756,7 +2900,7 @@
           <a:p>
             <a:fld id="{EDF032E5-4712-4CD3-A297-BA927FE98535}" type="datetimeFigureOut">
               <a:rPr lang="de-CH" smtClean="0"/>
-              <a:t>05.06.2016</a:t>
+              <a:t>06.06.2016</a:t>
             </a:fld>
             <a:endParaRPr lang="de-CH"/>
           </a:p>
@@ -2082,7 +3226,7 @@
           <a:p>
             <a:fld id="{EDF032E5-4712-4CD3-A297-BA927FE98535}" type="datetimeFigureOut">
               <a:rPr lang="de-CH" smtClean="0"/>
-              <a:t>05.06.2016</a:t>
+              <a:t>06.06.2016</a:t>
             </a:fld>
             <a:endParaRPr lang="de-CH"/>
           </a:p>
@@ -2533,7 +3677,7 @@
           <a:p>
             <a:fld id="{EDF032E5-4712-4CD3-A297-BA927FE98535}" type="datetimeFigureOut">
               <a:rPr lang="de-CH" smtClean="0"/>
-              <a:t>05.06.2016</a:t>
+              <a:t>06.06.2016</a:t>
             </a:fld>
             <a:endParaRPr lang="de-CH"/>
           </a:p>
@@ -2651,7 +3795,7 @@
           <a:p>
             <a:fld id="{EDF032E5-4712-4CD3-A297-BA927FE98535}" type="datetimeFigureOut">
               <a:rPr lang="de-CH" smtClean="0"/>
-              <a:t>05.06.2016</a:t>
+              <a:t>06.06.2016</a:t>
             </a:fld>
             <a:endParaRPr lang="de-CH"/>
           </a:p>
@@ -2746,7 +3890,7 @@
           <a:p>
             <a:fld id="{EDF032E5-4712-4CD3-A297-BA927FE98535}" type="datetimeFigureOut">
               <a:rPr lang="de-CH" smtClean="0"/>
-              <a:t>05.06.2016</a:t>
+              <a:t>06.06.2016</a:t>
             </a:fld>
             <a:endParaRPr lang="de-CH"/>
           </a:p>
@@ -3033,7 +4177,7 @@
           <a:p>
             <a:fld id="{EDF032E5-4712-4CD3-A297-BA927FE98535}" type="datetimeFigureOut">
               <a:rPr lang="de-CH" smtClean="0"/>
-              <a:t>05.06.2016</a:t>
+              <a:t>06.06.2016</a:t>
             </a:fld>
             <a:endParaRPr lang="de-CH"/>
           </a:p>
@@ -3358,7 +4502,7 @@
           <a:p>
             <a:fld id="{EDF032E5-4712-4CD3-A297-BA927FE98535}" type="datetimeFigureOut">
               <a:rPr lang="de-CH" smtClean="0"/>
-              <a:t>05.06.2016</a:t>
+              <a:t>06.06.2016</a:t>
             </a:fld>
             <a:endParaRPr lang="de-CH"/>
           </a:p>
@@ -3612,7 +4756,7 @@
           <a:p>
             <a:fld id="{EDF032E5-4712-4CD3-A297-BA927FE98535}" type="datetimeFigureOut">
               <a:rPr lang="de-CH" smtClean="0"/>
-              <a:t>05.06.2016</a:t>
+              <a:t>06.06.2016</a:t>
             </a:fld>
             <a:endParaRPr lang="de-CH"/>
           </a:p>
@@ -4163,6 +5307,13 @@
   <p:clrMapOvr>
     <a:masterClrMapping/>
   </p:clrMapOvr>
+  <p:timing>
+    <p:tnLst>
+      <p:par>
+        <p:cTn id="1" dur="indefinite" restart="never" nodeType="tmRoot"/>
+      </p:par>
+    </p:tnLst>
+  </p:timing>
 </p:sld>
 </file>
 
@@ -4217,15 +5368,27 @@
         </p:nvSpPr>
         <p:spPr/>
         <p:txBody>
-          <a:bodyPr/>
-          <a:lstStyle/>
-          <a:p>
+          <a:bodyPr>
+            <a:normAutofit/>
+          </a:bodyPr>
+          <a:lstStyle/>
+          <a:p>
+            <a:r>
+              <a:rPr lang="de-CH" dirty="0" err="1" smtClean="0"/>
+              <a:t>Scrum</a:t>
+            </a:r>
+            <a:endParaRPr lang="de-CH" dirty="0" smtClean="0"/>
+          </a:p>
+          <a:p>
+            <a:pPr lvl="1"/>
             <a:r>
               <a:rPr lang="de-CH" dirty="0" smtClean="0"/>
               <a:t>Grundplanung</a:t>
             </a:r>
-          </a:p>
-          <a:p>
+            <a:endParaRPr lang="de-CH" dirty="0" smtClean="0"/>
+          </a:p>
+          <a:p>
+            <a:pPr lvl="1"/>
             <a:r>
               <a:rPr lang="de-CH" dirty="0" smtClean="0"/>
               <a:t>Entwicklung parallel </a:t>
@@ -4239,10 +5402,68 @@
             <a:endParaRPr lang="de-CH" dirty="0" smtClean="0"/>
           </a:p>
           <a:p>
-            <a:r>
-              <a:rPr lang="de-CH" dirty="0" smtClean="0"/>
-              <a:t>Gezieltes Einsetzen der Stärken und Fähigkeiten der Teammitglieder</a:t>
-            </a:r>
+            <a:pPr lvl="1"/>
+            <a:r>
+              <a:rPr lang="de-CH" dirty="0" smtClean="0"/>
+              <a:t>Gezieltes Einsetzen der Stärken und Fähigkeiten der </a:t>
+            </a:r>
+            <a:r>
+              <a:rPr lang="de-CH" dirty="0" smtClean="0"/>
+              <a:t>Teammitglieder</a:t>
+            </a:r>
+          </a:p>
+          <a:p>
+            <a:pPr lvl="1"/>
+            <a:r>
+              <a:rPr lang="de-CH" dirty="0" smtClean="0"/>
+              <a:t>Schwierigkeiten beim Erstellen des </a:t>
+            </a:r>
+            <a:r>
+              <a:rPr lang="de-CH" dirty="0" err="1" smtClean="0"/>
+              <a:t>Product</a:t>
+            </a:r>
+            <a:r>
+              <a:rPr lang="de-CH" dirty="0" smtClean="0"/>
+              <a:t> &amp; Sprint </a:t>
+            </a:r>
+            <a:r>
+              <a:rPr lang="de-CH" dirty="0" err="1" smtClean="0"/>
+              <a:t>Backlogs</a:t>
+            </a:r>
+            <a:endParaRPr lang="de-CH" dirty="0" smtClean="0"/>
+          </a:p>
+          <a:p>
+            <a:pPr lvl="1"/>
+            <a:r>
+              <a:rPr lang="de-CH" dirty="0" smtClean="0"/>
+              <a:t>«Daily </a:t>
+            </a:r>
+            <a:r>
+              <a:rPr lang="de-CH" dirty="0" err="1" smtClean="0"/>
+              <a:t>Scrum</a:t>
+            </a:r>
+            <a:r>
+              <a:rPr lang="de-CH" dirty="0" smtClean="0"/>
+              <a:t> Meeting» nicht «</a:t>
+            </a:r>
+            <a:r>
+              <a:rPr lang="de-CH" dirty="0" err="1" smtClean="0"/>
+              <a:t>daily</a:t>
+            </a:r>
+            <a:r>
+              <a:rPr lang="de-CH" dirty="0" smtClean="0"/>
+              <a:t>» durchgeführt</a:t>
+            </a:r>
+          </a:p>
+          <a:p>
+            <a:pPr lvl="1"/>
+            <a:r>
+              <a:rPr lang="de-CH" dirty="0" smtClean="0"/>
+              <a:t>Projektabwicklung interessant</a:t>
+            </a:r>
+          </a:p>
+          <a:p>
+            <a:endParaRPr lang="de-CH" dirty="0" smtClean="0"/>
           </a:p>
           <a:p>
             <a:endParaRPr lang="de-CH" dirty="0"/>
@@ -4259,6 +5480,13 @@
   <p:clrMapOvr>
     <a:masterClrMapping/>
   </p:clrMapOvr>
+  <p:timing>
+    <p:tnLst>
+      <p:par>
+        <p:cTn id="1" dur="indefinite" restart="never" nodeType="tmRoot"/>
+      </p:par>
+    </p:tnLst>
+  </p:timing>
 </p:sld>
 </file>
 
@@ -4296,7 +5524,7 @@
           <a:p>
             <a:r>
               <a:rPr lang="de-CH" dirty="0"/>
-              <a:t>Vergleich der Prozesse</a:t>
+              <a:t>Erfahrungen</a:t>
             </a:r>
           </a:p>
         </p:txBody>
@@ -4313,24 +5541,57 @@
         </p:nvSpPr>
         <p:spPr/>
         <p:txBody>
-          <a:bodyPr/>
-          <a:lstStyle/>
-          <a:p>
-            <a:r>
-              <a:rPr lang="de-CH" dirty="0" smtClean="0"/>
-              <a:t>Wenig Planung erforderlich</a:t>
-            </a:r>
-          </a:p>
-          <a:p>
-            <a:r>
-              <a:rPr lang="de-CH" dirty="0" smtClean="0"/>
-              <a:t>Flexibilität</a:t>
-            </a:r>
-          </a:p>
-          <a:p>
-            <a:r>
-              <a:rPr lang="de-CH" dirty="0" smtClean="0"/>
-              <a:t>Entwickler viel Freiheit aber auch Eigenverantwortung</a:t>
+          <a:bodyPr>
+            <a:normAutofit/>
+          </a:bodyPr>
+          <a:lstStyle/>
+          <a:p>
+            <a:r>
+              <a:rPr lang="de-CH" dirty="0" smtClean="0"/>
+              <a:t>Verwendete </a:t>
+            </a:r>
+            <a:r>
+              <a:rPr lang="de-CH" dirty="0"/>
+              <a:t>Tools</a:t>
+            </a:r>
+          </a:p>
+          <a:p>
+            <a:pPr lvl="1"/>
+            <a:r>
+              <a:rPr lang="de-CH" dirty="0" err="1">
+                <a:hlinkClick r:id="rId3"/>
+              </a:rPr>
+              <a:t>Git</a:t>
+            </a:r>
+            <a:endParaRPr lang="de-CH" dirty="0"/>
+          </a:p>
+          <a:p>
+            <a:pPr lvl="1"/>
+            <a:r>
+              <a:rPr lang="de-CH" dirty="0"/>
+              <a:t>neo4j</a:t>
+            </a:r>
+          </a:p>
+          <a:p>
+            <a:pPr lvl="1"/>
+            <a:r>
+              <a:rPr lang="de-CH" dirty="0"/>
+              <a:t>FXML</a:t>
+            </a:r>
+          </a:p>
+          <a:p>
+            <a:pPr lvl="1"/>
+            <a:r>
+              <a:rPr lang="de-CH" dirty="0" err="1" smtClean="0"/>
+              <a:t>Junit</a:t>
+            </a:r>
+            <a:r>
+              <a:rPr lang="de-CH" dirty="0" smtClean="0"/>
+              <a:t>, </a:t>
+            </a:r>
+            <a:r>
+              <a:rPr lang="de-CH" dirty="0" err="1" smtClean="0"/>
+              <a:t>EclEmma</a:t>
             </a:r>
             <a:endParaRPr lang="de-CH" dirty="0"/>
           </a:p>
@@ -4339,13 +5600,20 @@
     </p:spTree>
     <p:extLst>
       <p:ext uri="{BB962C8B-B14F-4D97-AF65-F5344CB8AC3E}">
-        <p14:creationId xmlns:p14="http://schemas.microsoft.com/office/powerpoint/2010/main" val="981955686"/>
+        <p14:creationId xmlns:p14="http://schemas.microsoft.com/office/powerpoint/2010/main" val="1054260494"/>
       </p:ext>
     </p:extLst>
   </p:cSld>
   <p:clrMapOvr>
     <a:masterClrMapping/>
   </p:clrMapOvr>
+  <p:timing>
+    <p:tnLst>
+      <p:par>
+        <p:cTn id="1" dur="indefinite" restart="never" nodeType="tmRoot"/>
+      </p:par>
+    </p:tnLst>
+  </p:timing>
 </p:sld>
 </file>
 
@@ -4383,30 +5651,155 @@
           <a:p>
             <a:r>
               <a:rPr lang="de-CH" dirty="0"/>
+              <a:t>Vergleich der Prozesse</a:t>
+            </a:r>
+          </a:p>
+        </p:txBody>
+      </p:sp>
+      <p:sp>
+        <p:nvSpPr>
+          <p:cNvPr id="3" name="Inhaltsplatzhalter 2"/>
+          <p:cNvSpPr>
+            <a:spLocks noGrp="1"/>
+          </p:cNvSpPr>
+          <p:nvPr>
+            <p:ph idx="1"/>
+          </p:nvPr>
+        </p:nvSpPr>
+        <p:spPr/>
+        <p:txBody>
+          <a:bodyPr/>
+          <a:lstStyle/>
+          <a:p>
+            <a:r>
+              <a:rPr lang="de-CH" dirty="0" smtClean="0"/>
+              <a:t>Wenig </a:t>
+            </a:r>
+            <a:r>
+              <a:rPr lang="de-CH" dirty="0" smtClean="0"/>
+              <a:t>Planung erforderlich</a:t>
+            </a:r>
+          </a:p>
+          <a:p>
+            <a:r>
+              <a:rPr lang="de-CH" dirty="0" smtClean="0"/>
+              <a:t>Flexibilität</a:t>
+            </a:r>
+          </a:p>
+          <a:p>
+            <a:r>
+              <a:rPr lang="de-CH" dirty="0" smtClean="0"/>
+              <a:t>Entwickler viel Freiheit aber auch </a:t>
+            </a:r>
+            <a:r>
+              <a:rPr lang="de-CH" dirty="0" smtClean="0"/>
+              <a:t>Eigenverantwortung</a:t>
+            </a:r>
+          </a:p>
+          <a:p>
+            <a:pPr lvl="1"/>
+            <a:endParaRPr lang="de-CH" dirty="0"/>
+          </a:p>
+        </p:txBody>
+      </p:sp>
+    </p:spTree>
+    <p:extLst>
+      <p:ext uri="{BB962C8B-B14F-4D97-AF65-F5344CB8AC3E}">
+        <p14:creationId xmlns:p14="http://schemas.microsoft.com/office/powerpoint/2010/main" val="981955686"/>
+      </p:ext>
+    </p:extLst>
+  </p:cSld>
+  <p:clrMapOvr>
+    <a:masterClrMapping/>
+  </p:clrMapOvr>
+  <p:timing>
+    <p:tnLst>
+      <p:par>
+        <p:cTn id="1" dur="indefinite" restart="never" nodeType="tmRoot"/>
+      </p:par>
+    </p:tnLst>
+  </p:timing>
+</p:sld>
+</file>
+
+<file path=ppt/slides/slide13.xml><?xml version="1.0" encoding="utf-8"?>
+<p:sld xmlns:a="http://schemas.openxmlformats.org/drawingml/2006/main" xmlns:r="http://schemas.openxmlformats.org/officeDocument/2006/relationships" xmlns:p="http://schemas.openxmlformats.org/presentationml/2006/main">
+  <p:cSld>
+    <p:spTree>
+      <p:nvGrpSpPr>
+        <p:cNvPr id="1" name=""/>
+        <p:cNvGrpSpPr/>
+        <p:nvPr/>
+      </p:nvGrpSpPr>
+      <p:grpSpPr>
+        <a:xfrm>
+          <a:off x="0" y="0"/>
+          <a:ext cx="0" cy="0"/>
+          <a:chOff x="0" y="0"/>
+          <a:chExt cx="0" cy="0"/>
+        </a:xfrm>
+      </p:grpSpPr>
+      <p:sp>
+        <p:nvSpPr>
+          <p:cNvPr id="2" name="Titel 1"/>
+          <p:cNvSpPr>
+            <a:spLocks noGrp="1"/>
+          </p:cNvSpPr>
+          <p:nvPr>
+            <p:ph type="title"/>
+          </p:nvPr>
+        </p:nvSpPr>
+        <p:spPr/>
+        <p:txBody>
+          <a:bodyPr/>
+          <a:lstStyle/>
+          <a:p>
+            <a:r>
+              <a:rPr lang="de-CH" dirty="0"/>
               <a:t>Demo Spiel	</a:t>
             </a:r>
           </a:p>
         </p:txBody>
       </p:sp>
-      <p:sp>
-        <p:nvSpPr>
-          <p:cNvPr id="3" name="Inhaltsplatzhalter 2"/>
-          <p:cNvSpPr>
-            <a:spLocks noGrp="1"/>
-          </p:cNvSpPr>
+      <p:pic>
+        <p:nvPicPr>
+          <p:cNvPr id="4" name="Inhaltsplatzhalter 3"/>
+          <p:cNvPicPr>
+            <a:picLocks noGrp="1"/>
+          </p:cNvPicPr>
           <p:nvPr>
             <p:ph idx="1"/>
           </p:nvPr>
-        </p:nvSpPr>
-        <p:spPr/>
-        <p:txBody>
-          <a:bodyPr/>
-          <a:lstStyle/>
-          <a:p>
-            <a:endParaRPr lang="de-CH" dirty="0"/>
-          </a:p>
-        </p:txBody>
-      </p:sp>
+        </p:nvPicPr>
+        <p:blipFill rotWithShape="1">
+          <a:blip r:embed="rId3">
+            <a:extLst>
+              <a:ext uri="{28A0092B-C50C-407E-A947-70E740481C1C}">
+                <a14:useLocalDpi xmlns:a14="http://schemas.microsoft.com/office/drawing/2010/main" val="0"/>
+              </a:ext>
+            </a:extLst>
+          </a:blip>
+          <a:srcRect l="466" t="5838" r="561" b="804"/>
+          <a:stretch/>
+        </p:blipFill>
+        <p:spPr bwMode="auto">
+          <a:xfrm>
+            <a:off x="1261872" y="1691322"/>
+            <a:ext cx="5037137" cy="4351338"/>
+          </a:xfrm>
+          <a:prstGeom prst="rect">
+            <a:avLst/>
+          </a:prstGeom>
+          <a:ln>
+            <a:noFill/>
+          </a:ln>
+          <a:extLst>
+            <a:ext uri="{53640926-AAD7-44D8-BBD7-CCE9431645EC}">
+              <a14:shadowObscured xmlns:a14="http://schemas.microsoft.com/office/drawing/2010/main"/>
+            </a:ext>
+          </a:extLst>
+        </p:spPr>
+      </p:pic>
     </p:spTree>
     <p:extLst>
       <p:ext uri="{BB962C8B-B14F-4D97-AF65-F5344CB8AC3E}">
@@ -4420,7 +5813,7 @@
 </p:sld>
 </file>
 
-<file path=ppt/slides/slide13.xml><?xml version="1.0" encoding="utf-8"?>
+<file path=ppt/slides/slide14.xml><?xml version="1.0" encoding="utf-8"?>
 <p:sld xmlns:a="http://schemas.openxmlformats.org/drawingml/2006/main" xmlns:r="http://schemas.openxmlformats.org/officeDocument/2006/relationships" xmlns:p="http://schemas.openxmlformats.org/presentationml/2006/main">
   <p:cSld>
     <p:spTree>
@@ -4543,7 +5936,9 @@
         </p:nvSpPr>
         <p:spPr/>
         <p:txBody>
-          <a:bodyPr/>
+          <a:bodyPr>
+            <a:normAutofit lnSpcReduction="10000"/>
+          </a:bodyPr>
           <a:lstStyle/>
           <a:p>
             <a:r>
@@ -4559,13 +5954,43 @@
           <a:p>
             <a:r>
               <a:rPr lang="de-CH" dirty="0" smtClean="0"/>
-              <a:t>Aufbau Software</a:t>
+              <a:t>Entwicklungsschritte</a:t>
             </a:r>
           </a:p>
           <a:p>
             <a:pPr lvl="1"/>
             <a:r>
               <a:rPr lang="de-CH" dirty="0" smtClean="0"/>
+              <a:t>User Stories</a:t>
+            </a:r>
+          </a:p>
+          <a:p>
+            <a:pPr lvl="1"/>
+            <a:r>
+              <a:rPr lang="de-CH" dirty="0" err="1" smtClean="0"/>
+              <a:t>Product</a:t>
+            </a:r>
+            <a:r>
+              <a:rPr lang="de-CH" dirty="0" smtClean="0"/>
+              <a:t> und Sprint </a:t>
+            </a:r>
+            <a:r>
+              <a:rPr lang="de-CH" dirty="0" err="1" smtClean="0"/>
+              <a:t>Backlog</a:t>
+            </a:r>
+            <a:endParaRPr lang="de-CH" dirty="0" smtClean="0"/>
+          </a:p>
+          <a:p>
+            <a:r>
+              <a:rPr lang="de-CH" dirty="0" smtClean="0"/>
+              <a:t>Software</a:t>
+            </a:r>
+            <a:endParaRPr lang="de-CH" dirty="0" smtClean="0"/>
+          </a:p>
+          <a:p>
+            <a:pPr lvl="1"/>
+            <a:r>
+              <a:rPr lang="de-CH" dirty="0" smtClean="0"/>
               <a:t>Klassendiagramme</a:t>
             </a:r>
           </a:p>
@@ -4573,15 +5998,51 @@
             <a:pPr lvl="1"/>
             <a:r>
               <a:rPr lang="de-CH" dirty="0" smtClean="0"/>
-              <a:t>Verwendete Patterns</a:t>
-            </a:r>
-          </a:p>
-          <a:p>
-            <a:r>
-              <a:rPr lang="de-CH" dirty="0" smtClean="0"/>
-              <a:t>Spiel speichern</a:t>
-            </a:r>
-            <a:endParaRPr lang="de-CH" dirty="0"/>
+              <a:t>Verwendete </a:t>
+            </a:r>
+            <a:r>
+              <a:rPr lang="de-CH" dirty="0" smtClean="0"/>
+              <a:t>Patterns</a:t>
+            </a:r>
+          </a:p>
+          <a:p>
+            <a:pPr lvl="1"/>
+            <a:r>
+              <a:rPr lang="de-CH" dirty="0" smtClean="0"/>
+              <a:t>Spiel speichern/laden</a:t>
+            </a:r>
+          </a:p>
+          <a:p>
+            <a:r>
+              <a:rPr lang="de-CH" dirty="0" smtClean="0"/>
+              <a:t>Metriken und Tests</a:t>
+            </a:r>
+          </a:p>
+          <a:p>
+            <a:r>
+              <a:rPr lang="de-CH" dirty="0" smtClean="0"/>
+              <a:t>Erfahrungen</a:t>
+            </a:r>
+          </a:p>
+          <a:p>
+            <a:r>
+              <a:rPr lang="de-CH" dirty="0" smtClean="0"/>
+              <a:t>Vergleich der Prozesse</a:t>
+            </a:r>
+          </a:p>
+          <a:p>
+            <a:r>
+              <a:rPr lang="de-CH" dirty="0" smtClean="0"/>
+              <a:t>Demo </a:t>
+            </a:r>
+            <a:r>
+              <a:rPr lang="de-CH" dirty="0" err="1" smtClean="0"/>
+              <a:t>Hashi</a:t>
+            </a:r>
+            <a:endParaRPr lang="de-CH" dirty="0" smtClean="0"/>
+          </a:p>
+          <a:p>
+            <a:endParaRPr lang="de-CH" dirty="0" smtClean="0"/>
           </a:p>
         </p:txBody>
       </p:sp>
@@ -4595,6 +6056,13 @@
   <p:clrMapOvr>
     <a:masterClrMapping/>
   </p:clrMapOvr>
+  <p:timing>
+    <p:tnLst>
+      <p:par>
+        <p:cTn id="1" dur="indefinite" restart="never" nodeType="tmRoot"/>
+      </p:par>
+    </p:tnLst>
+  </p:timing>
 </p:sld>
 </file>
 
@@ -4702,7 +6170,7 @@
           <p:nvPr/>
         </p:nvPicPr>
         <p:blipFill>
-          <a:blip r:embed="rId2"/>
+          <a:blip r:embed="rId3"/>
           <a:stretch>
             <a:fillRect/>
           </a:stretch>
@@ -4726,7 +6194,7 @@
           <p:nvPr/>
         </p:nvPicPr>
         <p:blipFill>
-          <a:blip r:embed="rId3"/>
+          <a:blip r:embed="rId4"/>
           <a:stretch>
             <a:fillRect/>
           </a:stretch>
@@ -4751,6 +6219,13 @@
   <p:clrMapOvr>
     <a:masterClrMapping/>
   </p:clrMapOvr>
+  <p:timing>
+    <p:tnLst>
+      <p:par>
+        <p:cTn id="1" dur="indefinite" restart="never" nodeType="tmRoot"/>
+      </p:par>
+    </p:tnLst>
+  </p:timing>
 </p:sld>
 </file>
 
@@ -4842,7 +6317,7 @@
           <p:nvPr/>
         </p:nvPicPr>
         <p:blipFill>
-          <a:blip r:embed="rId2"/>
+          <a:blip r:embed="rId3"/>
           <a:stretch>
             <a:fillRect/>
           </a:stretch>
@@ -4867,6 +6342,13 @@
   <p:clrMapOvr>
     <a:masterClrMapping/>
   </p:clrMapOvr>
+  <p:timing>
+    <p:tnLst>
+      <p:par>
+        <p:cTn id="1" dur="indefinite" restart="never" nodeType="tmRoot"/>
+      </p:par>
+    </p:tnLst>
+  </p:timing>
 </p:sld>
 </file>
 
@@ -4962,7 +6444,7 @@
           <p:nvPr/>
         </p:nvPicPr>
         <p:blipFill>
-          <a:blip r:embed="rId2">
+          <a:blip r:embed="rId3">
             <a:extLst>
               <a:ext uri="{28A0092B-C50C-407E-A947-70E740481C1C}">
                 <a14:useLocalDpi xmlns:a14="http://schemas.microsoft.com/office/drawing/2010/main" val="0"/>
@@ -4992,7 +6474,7 @@
           <p:nvPr/>
         </p:nvPicPr>
         <p:blipFill>
-          <a:blip r:embed="rId3">
+          <a:blip r:embed="rId4">
             <a:extLst>
               <a:ext uri="{28A0092B-C50C-407E-A947-70E740481C1C}">
                 <a14:useLocalDpi xmlns:a14="http://schemas.microsoft.com/office/drawing/2010/main" val="0"/>
@@ -5023,6 +6505,13 @@
   <p:clrMapOvr>
     <a:masterClrMapping/>
   </p:clrMapOvr>
+  <p:timing>
+    <p:tnLst>
+      <p:par>
+        <p:cTn id="1" dur="indefinite" restart="never" nodeType="tmRoot"/>
+      </p:par>
+    </p:tnLst>
+  </p:timing>
 </p:sld>
 </file>
 
@@ -5118,7 +6607,7 @@
           <p:nvPr/>
         </p:nvPicPr>
         <p:blipFill>
-          <a:blip r:embed="rId2">
+          <a:blip r:embed="rId3">
             <a:extLst>
               <a:ext uri="{28A0092B-C50C-407E-A947-70E740481C1C}">
                 <a14:useLocalDpi xmlns:a14="http://schemas.microsoft.com/office/drawing/2010/main" val="0"/>
@@ -5148,7 +6637,7 @@
           <p:nvPr/>
         </p:nvPicPr>
         <p:blipFill>
-          <a:blip r:embed="rId3">
+          <a:blip r:embed="rId4">
             <a:extLst>
               <a:ext uri="{28A0092B-C50C-407E-A947-70E740481C1C}">
                 <a14:useLocalDpi xmlns:a14="http://schemas.microsoft.com/office/drawing/2010/main" val="0"/>
@@ -5179,6 +6668,13 @@
   <p:clrMapOvr>
     <a:masterClrMapping/>
   </p:clrMapOvr>
+  <p:timing>
+    <p:tnLst>
+      <p:par>
+        <p:cTn id="1" dur="indefinite" restart="never" nodeType="tmRoot"/>
+      </p:par>
+    </p:tnLst>
+  </p:timing>
 </p:sld>
 </file>
 
@@ -5238,33 +6734,115 @@
           <a:p>
             <a:r>
               <a:rPr lang="de-CH" dirty="0"/>
-              <a:t>MVC (Model-View-Controller)</a:t>
-            </a:r>
-          </a:p>
-          <a:p>
-            <a:r>
-              <a:rPr lang="de-CH" dirty="0"/>
+              <a:t>MVC (Model-View-Controller</a:t>
+            </a:r>
+            <a:r>
+              <a:rPr lang="de-CH" dirty="0" smtClean="0"/>
+              <a:t>)</a:t>
+            </a:r>
+          </a:p>
+          <a:p>
+            <a:pPr lvl="1"/>
+            <a:r>
+              <a:rPr lang="de-CH" dirty="0" smtClean="0"/>
+              <a:t>Model (Verarbeitung/Datenhaltung)</a:t>
+            </a:r>
+          </a:p>
+          <a:p>
+            <a:pPr lvl="1"/>
+            <a:r>
+              <a:rPr lang="de-CH" dirty="0" smtClean="0"/>
+              <a:t>View (GUI)</a:t>
+            </a:r>
+          </a:p>
+          <a:p>
+            <a:pPr lvl="1"/>
+            <a:r>
+              <a:rPr lang="de-CH" dirty="0" smtClean="0"/>
+              <a:t>Controller (Eingaben im Spielfeld)</a:t>
+            </a:r>
+            <a:endParaRPr lang="de-CH" dirty="0"/>
+          </a:p>
+          <a:p>
+            <a:r>
+              <a:rPr lang="de-CH" dirty="0" err="1" smtClean="0"/>
+              <a:t>Decorator</a:t>
+            </a:r>
+            <a:endParaRPr lang="de-CH" dirty="0" smtClean="0"/>
+          </a:p>
+          <a:p>
+            <a:pPr lvl="1"/>
+            <a:r>
+              <a:rPr lang="de-CH" dirty="0" err="1" smtClean="0"/>
+              <a:t>Undo</a:t>
+            </a:r>
+            <a:r>
+              <a:rPr lang="de-CH" dirty="0" smtClean="0"/>
+              <a:t>/</a:t>
+            </a:r>
+            <a:r>
+              <a:rPr lang="de-CH" dirty="0" err="1" smtClean="0"/>
+              <a:t>Redo</a:t>
+            </a:r>
+            <a:endParaRPr lang="de-CH" dirty="0"/>
+          </a:p>
+          <a:p>
+            <a:r>
+              <a:rPr lang="de-CH" dirty="0" smtClean="0"/>
+              <a:t>Command</a:t>
+            </a:r>
+          </a:p>
+          <a:p>
+            <a:pPr lvl="1"/>
+            <a:r>
+              <a:rPr lang="de-CH" dirty="0" err="1" smtClean="0"/>
+              <a:t>Undo</a:t>
+            </a:r>
+            <a:r>
+              <a:rPr lang="de-CH" dirty="0" smtClean="0"/>
+              <a:t>/</a:t>
+            </a:r>
+            <a:r>
+              <a:rPr lang="de-CH" dirty="0" err="1" smtClean="0"/>
+              <a:t>Redo</a:t>
+            </a:r>
+            <a:endParaRPr lang="de-CH" dirty="0" smtClean="0"/>
+          </a:p>
+          <a:p>
+            <a:r>
+              <a:rPr lang="de-CH" dirty="0" smtClean="0"/>
               <a:t>Factory</a:t>
             </a:r>
           </a:p>
           <a:p>
-            <a:r>
-              <a:rPr lang="de-CH" dirty="0" err="1"/>
-              <a:t>Decorator</a:t>
+            <a:pPr lvl="1"/>
+            <a:r>
+              <a:rPr lang="de-CH" dirty="0" smtClean="0"/>
+              <a:t>Erstellen neuer Spielvorlage</a:t>
             </a:r>
             <a:endParaRPr lang="de-CH" dirty="0"/>
           </a:p>
           <a:p>
             <a:r>
-              <a:rPr lang="de-CH" dirty="0"/>
-              <a:t>Command</a:t>
-            </a:r>
-          </a:p>
-          <a:p>
-            <a:r>
-              <a:rPr lang="de-CH" dirty="0"/>
+              <a:rPr lang="de-CH" dirty="0" smtClean="0"/>
               <a:t>Template</a:t>
             </a:r>
+          </a:p>
+          <a:p>
+            <a:pPr lvl="1"/>
+            <a:r>
+              <a:rPr lang="de-CH" dirty="0" smtClean="0"/>
+              <a:t>Abstrakte Klasse «</a:t>
+            </a:r>
+            <a:r>
+              <a:rPr lang="de-CH" dirty="0" err="1" smtClean="0"/>
+              <a:t>GameFieldController</a:t>
+            </a:r>
+            <a:r>
+              <a:rPr lang="de-CH" dirty="0" smtClean="0"/>
+              <a:t>»</a:t>
+            </a:r>
+            <a:endParaRPr lang="de-CH" dirty="0"/>
           </a:p>
         </p:txBody>
       </p:sp>
@@ -5278,6 +6856,13 @@
   <p:clrMapOvr>
     <a:masterClrMapping/>
   </p:clrMapOvr>
+  <p:timing>
+    <p:tnLst>
+      <p:par>
+        <p:cTn id="1" dur="indefinite" restart="never" nodeType="tmRoot"/>
+      </p:par>
+    </p:tnLst>
+  </p:timing>
 </p:sld>
 </file>
 
@@ -5315,16 +6900,13 @@
           <a:p>
             <a:r>
               <a:rPr lang="de-CH" dirty="0"/>
-              <a:t>Spiel speichern (XML-Datei/</a:t>
-            </a:r>
-            <a:r>
-              <a:rPr lang="de-CH" dirty="0" err="1"/>
-              <a:t>Json</a:t>
-            </a:r>
-            <a:r>
-              <a:rPr lang="de-CH" dirty="0"/>
-              <a:t>)</a:t>
-            </a:r>
+              <a:t>Spiel </a:t>
+            </a:r>
+            <a:r>
+              <a:rPr lang="de-CH" dirty="0" smtClean="0"/>
+              <a:t>speichern/laden</a:t>
+            </a:r>
+            <a:endParaRPr lang="de-CH" dirty="0"/>
           </a:p>
         </p:txBody>
       </p:sp>
@@ -5343,7 +6925,23 @@
           <a:bodyPr/>
           <a:lstStyle/>
           <a:p>
-            <a:endParaRPr lang="de-CH"/>
+            <a:r>
+              <a:rPr lang="de-CH" dirty="0" smtClean="0"/>
+              <a:t>Basierend auf neo4j (Graphische Datenbank)</a:t>
+            </a:r>
+          </a:p>
+          <a:p>
+            <a:r>
+              <a:rPr lang="de-CH" dirty="0" smtClean="0"/>
+              <a:t>Funktionen speichern und laden integriert</a:t>
+            </a:r>
+          </a:p>
+          <a:p>
+            <a:r>
+              <a:rPr lang="de-CH" dirty="0" smtClean="0"/>
+              <a:t>Datenbank in XML oder JSON Format</a:t>
+            </a:r>
+            <a:endParaRPr lang="de-CH" dirty="0"/>
           </a:p>
         </p:txBody>
       </p:sp>
@@ -5357,6 +6955,13 @@
   <p:clrMapOvr>
     <a:masterClrMapping/>
   </p:clrMapOvr>
+  <p:timing>
+    <p:tnLst>
+      <p:par>
+        <p:cTn id="1" dur="indefinite" restart="never" nodeType="tmRoot"/>
+      </p:par>
+    </p:tnLst>
+  </p:timing>
 </p:sld>
 </file>
 
@@ -5414,10 +7019,149 @@
           <a:bodyPr/>
           <a:lstStyle/>
           <a:p>
-            <a:endParaRPr lang="de-CH"/>
-          </a:p>
-        </p:txBody>
-      </p:sp>
+            <a:r>
+              <a:rPr lang="de-CH" dirty="0" smtClean="0"/>
+              <a:t>Tests</a:t>
+            </a:r>
+          </a:p>
+          <a:p>
+            <a:pPr lvl="1"/>
+            <a:r>
+              <a:rPr lang="de-CH" dirty="0" err="1" smtClean="0"/>
+              <a:t>Junit</a:t>
+            </a:r>
+            <a:endParaRPr lang="de-CH" dirty="0" smtClean="0"/>
+          </a:p>
+          <a:p>
+            <a:pPr lvl="1"/>
+            <a:r>
+              <a:rPr lang="de-CH" dirty="0" smtClean="0"/>
+              <a:t>Code-</a:t>
+            </a:r>
+            <a:r>
+              <a:rPr lang="de-CH" dirty="0" err="1" smtClean="0"/>
+              <a:t>Coverage</a:t>
+            </a:r>
+            <a:endParaRPr lang="de-CH" dirty="0" smtClean="0"/>
+          </a:p>
+          <a:p>
+            <a:pPr lvl="1"/>
+            <a:r>
+              <a:rPr lang="de-CH" dirty="0" smtClean="0"/>
+              <a:t>Keine gravierende Fehler, jedoch Code besser strukturieren</a:t>
+            </a:r>
+          </a:p>
+          <a:p>
+            <a:r>
+              <a:rPr lang="de-CH" dirty="0" smtClean="0"/>
+              <a:t>Metrik</a:t>
+            </a:r>
+          </a:p>
+          <a:p>
+            <a:pPr lvl="1"/>
+            <a:r>
+              <a:rPr lang="de-CH" dirty="0" smtClean="0"/>
+              <a:t>Software-Tool «Borland </a:t>
+            </a:r>
+            <a:r>
+              <a:rPr lang="de-CH" dirty="0" err="1" smtClean="0"/>
+              <a:t>Together</a:t>
+            </a:r>
+            <a:r>
+              <a:rPr lang="de-CH" dirty="0" smtClean="0"/>
+              <a:t>»</a:t>
+            </a:r>
+          </a:p>
+          <a:p>
+            <a:pPr lvl="1"/>
+            <a:r>
+              <a:rPr lang="de-CH" dirty="0" smtClean="0"/>
+              <a:t>Schlechte CBO (</a:t>
+            </a:r>
+            <a:r>
+              <a:rPr lang="de-CH" dirty="0" err="1" smtClean="0"/>
+              <a:t>Coupling</a:t>
+            </a:r>
+            <a:r>
+              <a:rPr lang="de-CH" dirty="0" smtClean="0"/>
+              <a:t> </a:t>
+            </a:r>
+            <a:r>
+              <a:rPr lang="de-CH" dirty="0" err="1" smtClean="0"/>
+              <a:t>Between</a:t>
+            </a:r>
+            <a:r>
+              <a:rPr lang="de-CH" dirty="0" smtClean="0"/>
+              <a:t> Objects) und DOIH (</a:t>
+            </a:r>
+            <a:r>
+              <a:rPr lang="de-CH" dirty="0" err="1" smtClean="0"/>
+              <a:t>Depth</a:t>
+            </a:r>
+            <a:r>
+              <a:rPr lang="de-CH" dirty="0" smtClean="0"/>
+              <a:t> </a:t>
+            </a:r>
+            <a:r>
+              <a:rPr lang="de-CH" dirty="0" err="1" smtClean="0"/>
+              <a:t>of</a:t>
+            </a:r>
+            <a:r>
+              <a:rPr lang="de-CH" dirty="0" smtClean="0"/>
+              <a:t> </a:t>
+            </a:r>
+            <a:r>
+              <a:rPr lang="de-CH" dirty="0" err="1" smtClean="0"/>
+              <a:t>Inheritance</a:t>
+            </a:r>
+            <a:r>
+              <a:rPr lang="de-CH" dirty="0" smtClean="0"/>
+              <a:t> </a:t>
+            </a:r>
+            <a:r>
+              <a:rPr lang="de-CH" dirty="0" err="1" smtClean="0"/>
+              <a:t>Hierarchy</a:t>
+            </a:r>
+            <a:r>
+              <a:rPr lang="de-CH" dirty="0" smtClean="0"/>
+              <a:t>) Werte</a:t>
+            </a:r>
+            <a:endParaRPr lang="de-CH" dirty="0" smtClean="0"/>
+          </a:p>
+          <a:p>
+            <a:pPr lvl="1"/>
+            <a:endParaRPr lang="de-CH" dirty="0" smtClean="0"/>
+          </a:p>
+        </p:txBody>
+      </p:sp>
+      <p:pic>
+        <p:nvPicPr>
+          <p:cNvPr id="4" name="Grafik 3"/>
+          <p:cNvPicPr/>
+          <p:nvPr/>
+        </p:nvPicPr>
+        <p:blipFill>
+          <a:blip r:embed="rId3" cstate="print">
+            <a:extLst>
+              <a:ext uri="{28A0092B-C50C-407E-A947-70E740481C1C}">
+                <a14:useLocalDpi xmlns:a14="http://schemas.microsoft.com/office/drawing/2010/main" val="0"/>
+              </a:ext>
+            </a:extLst>
+          </a:blip>
+          <a:stretch>
+            <a:fillRect/>
+          </a:stretch>
+        </p:blipFill>
+        <p:spPr>
+          <a:xfrm>
+            <a:off x="1261872" y="4470631"/>
+            <a:ext cx="9335991" cy="1141273"/>
+          </a:xfrm>
+          <a:prstGeom prst="rect">
+            <a:avLst/>
+          </a:prstGeom>
+        </p:spPr>
+      </p:pic>
     </p:spTree>
     <p:extLst>
       <p:ext uri="{BB962C8B-B14F-4D97-AF65-F5344CB8AC3E}">
@@ -5428,6 +7172,13 @@
   <p:clrMapOvr>
     <a:masterClrMapping/>
   </p:clrMapOvr>
+  <p:timing>
+    <p:tnLst>
+      <p:par>
+        <p:cTn id="1" dur="indefinite" restart="never" nodeType="tmRoot"/>
+      </p:par>
+    </p:tnLst>
+  </p:timing>
 </p:sld>
 </file>
 

--- a/documentation/Präsentation_Hashi_TeamSG.pptx
+++ b/documentation/Präsentation_Hashi_TeamSG.pptx
@@ -5307,6 +5307,18 @@
   <p:clrMapOvr>
     <a:masterClrMapping/>
   </p:clrMapOvr>
+  <mc:AlternateContent xmlns:mc="http://schemas.openxmlformats.org/markup-compatibility/2006">
+    <mc:Choice xmlns:p14="http://schemas.microsoft.com/office/powerpoint/2010/main" Requires="p14">
+      <p:transition spd="med" p14:dur="700">
+        <p:fade/>
+      </p:transition>
+    </mc:Choice>
+    <mc:Fallback>
+      <p:transition spd="med">
+        <p:fade/>
+      </p:transition>
+    </mc:Fallback>
+  </mc:AlternateContent>
   <p:timing>
     <p:tnLst>
       <p:par>
@@ -5385,7 +5397,6 @@
               <a:rPr lang="de-CH" dirty="0" smtClean="0"/>
               <a:t>Grundplanung</a:t>
             </a:r>
-            <a:endParaRPr lang="de-CH" dirty="0" smtClean="0"/>
           </a:p>
           <a:p>
             <a:pPr lvl="1"/>
@@ -5405,11 +5416,7 @@
             <a:pPr lvl="1"/>
             <a:r>
               <a:rPr lang="de-CH" dirty="0" smtClean="0"/>
-              <a:t>Gezieltes Einsetzen der Stärken und Fähigkeiten der </a:t>
-            </a:r>
-            <a:r>
-              <a:rPr lang="de-CH" dirty="0" smtClean="0"/>
-              <a:t>Teammitglieder</a:t>
+              <a:t>Gezieltes Einsetzen der Stärken und Fähigkeiten der Teammitglieder</a:t>
             </a:r>
           </a:p>
           <a:p>
@@ -5480,6 +5487,18 @@
   <p:clrMapOvr>
     <a:masterClrMapping/>
   </p:clrMapOvr>
+  <mc:AlternateContent xmlns:mc="http://schemas.openxmlformats.org/markup-compatibility/2006">
+    <mc:Choice xmlns:p14="http://schemas.microsoft.com/office/powerpoint/2010/main" Requires="p14">
+      <p:transition spd="med" p14:dur="700">
+        <p:fade/>
+      </p:transition>
+    </mc:Choice>
+    <mc:Fallback>
+      <p:transition spd="med">
+        <p:fade/>
+      </p:transition>
+    </mc:Fallback>
+  </mc:AlternateContent>
   <p:timing>
     <p:tnLst>
       <p:par>
@@ -5607,6 +5626,18 @@
   <p:clrMapOvr>
     <a:masterClrMapping/>
   </p:clrMapOvr>
+  <mc:AlternateContent xmlns:mc="http://schemas.openxmlformats.org/markup-compatibility/2006">
+    <mc:Choice xmlns:p14="http://schemas.microsoft.com/office/powerpoint/2010/main" Requires="p14">
+      <p:transition spd="med" p14:dur="700">
+        <p:fade/>
+      </p:transition>
+    </mc:Choice>
+    <mc:Fallback>
+      <p:transition spd="med">
+        <p:fade/>
+      </p:transition>
+    </mc:Fallback>
+  </mc:AlternateContent>
   <p:timing>
     <p:tnLst>
       <p:par>
@@ -5673,11 +5704,7 @@
           <a:p>
             <a:r>
               <a:rPr lang="de-CH" dirty="0" smtClean="0"/>
-              <a:t>Wenig </a:t>
-            </a:r>
-            <a:r>
-              <a:rPr lang="de-CH" dirty="0" smtClean="0"/>
-              <a:t>Planung erforderlich</a:t>
+              <a:t>Wenig Planung erforderlich</a:t>
             </a:r>
           </a:p>
           <a:p>
@@ -5689,11 +5716,7 @@
           <a:p>
             <a:r>
               <a:rPr lang="de-CH" dirty="0" smtClean="0"/>
-              <a:t>Entwickler viel Freiheit aber auch </a:t>
-            </a:r>
-            <a:r>
-              <a:rPr lang="de-CH" dirty="0" smtClean="0"/>
-              <a:t>Eigenverantwortung</a:t>
+              <a:t>Entwickler viel Freiheit aber auch Eigenverantwortung</a:t>
             </a:r>
           </a:p>
           <a:p>
@@ -5712,6 +5735,18 @@
   <p:clrMapOvr>
     <a:masterClrMapping/>
   </p:clrMapOvr>
+  <mc:AlternateContent xmlns:mc="http://schemas.openxmlformats.org/markup-compatibility/2006">
+    <mc:Choice xmlns:p14="http://schemas.microsoft.com/office/powerpoint/2010/main" Requires="p14">
+      <p:transition spd="med" p14:dur="700">
+        <p:fade/>
+      </p:transition>
+    </mc:Choice>
+    <mc:Fallback>
+      <p:transition spd="med">
+        <p:fade/>
+      </p:transition>
+    </mc:Fallback>
+  </mc:AlternateContent>
   <p:timing>
     <p:tnLst>
       <p:par>
@@ -5755,8 +5790,16 @@
           <a:lstStyle/>
           <a:p>
             <a:r>
+              <a:rPr lang="de-CH" dirty="0" smtClean="0"/>
+              <a:t>Vorführung </a:t>
+            </a:r>
+            <a:r>
+              <a:rPr lang="de-CH" dirty="0" err="1" smtClean="0"/>
+              <a:t>Hashi</a:t>
+            </a:r>
+            <a:r>
               <a:rPr lang="de-CH" dirty="0"/>
-              <a:t>Demo Spiel	</a:t>
+              <a:t>	</a:t>
             </a:r>
           </a:p>
         </p:txBody>
@@ -5810,6 +5853,25 @@
   <p:clrMapOvr>
     <a:masterClrMapping/>
   </p:clrMapOvr>
+  <mc:AlternateContent xmlns:mc="http://schemas.openxmlformats.org/markup-compatibility/2006">
+    <mc:Choice xmlns:p14="http://schemas.microsoft.com/office/powerpoint/2010/main" Requires="p14">
+      <p:transition spd="med" p14:dur="700">
+        <p:fade/>
+      </p:transition>
+    </mc:Choice>
+    <mc:Fallback>
+      <p:transition spd="med">
+        <p:fade/>
+      </p:transition>
+    </mc:Fallback>
+  </mc:AlternateContent>
+  <p:timing>
+    <p:tnLst>
+      <p:par>
+        <p:cTn id="1" dur="indefinite" restart="never" nodeType="tmRoot"/>
+      </p:par>
+    </p:tnLst>
+  </p:timing>
 </p:sld>
 </file>
 
@@ -5881,6 +5943,25 @@
   <p:clrMapOvr>
     <a:masterClrMapping/>
   </p:clrMapOvr>
+  <mc:AlternateContent xmlns:mc="http://schemas.openxmlformats.org/markup-compatibility/2006">
+    <mc:Choice xmlns:p14="http://schemas.microsoft.com/office/powerpoint/2010/main" Requires="p14">
+      <p:transition spd="med" p14:dur="700">
+        <p:fade/>
+      </p:transition>
+    </mc:Choice>
+    <mc:Fallback>
+      <p:transition spd="med">
+        <p:fade/>
+      </p:transition>
+    </mc:Fallback>
+  </mc:AlternateContent>
+  <p:timing>
+    <p:tnLst>
+      <p:par>
+        <p:cTn id="1" dur="indefinite" restart="never" nodeType="tmRoot"/>
+      </p:par>
+    </p:tnLst>
+  </p:timing>
 </p:sld>
 </file>
 
@@ -5985,7 +6066,6 @@
               <a:rPr lang="de-CH" dirty="0" smtClean="0"/>
               <a:t>Software</a:t>
             </a:r>
-            <a:endParaRPr lang="de-CH" dirty="0" smtClean="0"/>
           </a:p>
           <a:p>
             <a:pPr lvl="1"/>
@@ -5998,11 +6078,7 @@
             <a:pPr lvl="1"/>
             <a:r>
               <a:rPr lang="de-CH" dirty="0" smtClean="0"/>
-              <a:t>Verwendete </a:t>
-            </a:r>
-            <a:r>
-              <a:rPr lang="de-CH" dirty="0" smtClean="0"/>
-              <a:t>Patterns</a:t>
+              <a:t>Verwendete Patterns</a:t>
             </a:r>
           </a:p>
           <a:p>
@@ -6033,7 +6109,7 @@
           <a:p>
             <a:r>
               <a:rPr lang="de-CH" dirty="0" smtClean="0"/>
-              <a:t>Demo </a:t>
+              <a:t>Vorführung </a:t>
             </a:r>
             <a:r>
               <a:rPr lang="de-CH" dirty="0" err="1" smtClean="0"/>
@@ -6056,6 +6132,18 @@
   <p:clrMapOvr>
     <a:masterClrMapping/>
   </p:clrMapOvr>
+  <mc:AlternateContent xmlns:mc="http://schemas.openxmlformats.org/markup-compatibility/2006">
+    <mc:Choice xmlns:p14="http://schemas.microsoft.com/office/powerpoint/2010/main" Requires="p14">
+      <p:transition spd="med" p14:dur="700">
+        <p:fade/>
+      </p:transition>
+    </mc:Choice>
+    <mc:Fallback>
+      <p:transition spd="med">
+        <p:fade/>
+      </p:transition>
+    </mc:Fallback>
+  </mc:AlternateContent>
   <p:timing>
     <p:tnLst>
       <p:par>
@@ -6219,6 +6307,18 @@
   <p:clrMapOvr>
     <a:masterClrMapping/>
   </p:clrMapOvr>
+  <mc:AlternateContent xmlns:mc="http://schemas.openxmlformats.org/markup-compatibility/2006">
+    <mc:Choice xmlns:p14="http://schemas.microsoft.com/office/powerpoint/2010/main" Requires="p14">
+      <p:transition spd="med" p14:dur="700">
+        <p:fade/>
+      </p:transition>
+    </mc:Choice>
+    <mc:Fallback>
+      <p:transition spd="med">
+        <p:fade/>
+      </p:transition>
+    </mc:Fallback>
+  </mc:AlternateContent>
   <p:timing>
     <p:tnLst>
       <p:par>
@@ -6342,6 +6442,18 @@
   <p:clrMapOvr>
     <a:masterClrMapping/>
   </p:clrMapOvr>
+  <mc:AlternateContent xmlns:mc="http://schemas.openxmlformats.org/markup-compatibility/2006">
+    <mc:Choice xmlns:p14="http://schemas.microsoft.com/office/powerpoint/2010/main" Requires="p14">
+      <p:transition spd="med" p14:dur="700">
+        <p:fade/>
+      </p:transition>
+    </mc:Choice>
+    <mc:Fallback>
+      <p:transition spd="med">
+        <p:fade/>
+      </p:transition>
+    </mc:Fallback>
+  </mc:AlternateContent>
   <p:timing>
     <p:tnLst>
       <p:par>
@@ -6505,6 +6617,18 @@
   <p:clrMapOvr>
     <a:masterClrMapping/>
   </p:clrMapOvr>
+  <mc:AlternateContent xmlns:mc="http://schemas.openxmlformats.org/markup-compatibility/2006">
+    <mc:Choice xmlns:p14="http://schemas.microsoft.com/office/powerpoint/2010/main" Requires="p14">
+      <p:transition spd="med" p14:dur="700">
+        <p:fade/>
+      </p:transition>
+    </mc:Choice>
+    <mc:Fallback>
+      <p:transition spd="med">
+        <p:fade/>
+      </p:transition>
+    </mc:Fallback>
+  </mc:AlternateContent>
   <p:timing>
     <p:tnLst>
       <p:par>
@@ -6668,6 +6792,18 @@
   <p:clrMapOvr>
     <a:masterClrMapping/>
   </p:clrMapOvr>
+  <mc:AlternateContent xmlns:mc="http://schemas.openxmlformats.org/markup-compatibility/2006">
+    <mc:Choice xmlns:p14="http://schemas.microsoft.com/office/powerpoint/2010/main" Requires="p14">
+      <p:transition spd="med" p14:dur="700">
+        <p:fade/>
+      </p:transition>
+    </mc:Choice>
+    <mc:Fallback>
+      <p:transition spd="med">
+        <p:fade/>
+      </p:transition>
+    </mc:Fallback>
+  </mc:AlternateContent>
   <p:timing>
     <p:tnLst>
       <p:par>
@@ -6856,6 +6992,18 @@
   <p:clrMapOvr>
     <a:masterClrMapping/>
   </p:clrMapOvr>
+  <mc:AlternateContent xmlns:mc="http://schemas.openxmlformats.org/markup-compatibility/2006">
+    <mc:Choice xmlns:p14="http://schemas.microsoft.com/office/powerpoint/2010/main" Requires="p14">
+      <p:transition spd="med" p14:dur="700">
+        <p:fade/>
+      </p:transition>
+    </mc:Choice>
+    <mc:Fallback>
+      <p:transition spd="med">
+        <p:fade/>
+      </p:transition>
+    </mc:Fallback>
+  </mc:AlternateContent>
   <p:timing>
     <p:tnLst>
       <p:par>
@@ -6955,6 +7103,18 @@
   <p:clrMapOvr>
     <a:masterClrMapping/>
   </p:clrMapOvr>
+  <mc:AlternateContent xmlns:mc="http://schemas.openxmlformats.org/markup-compatibility/2006">
+    <mc:Choice xmlns:p14="http://schemas.microsoft.com/office/powerpoint/2010/main" Requires="p14">
+      <p:transition spd="med" p14:dur="700">
+        <p:fade/>
+      </p:transition>
+    </mc:Choice>
+    <mc:Fallback>
+      <p:transition spd="med">
+        <p:fade/>
+      </p:transition>
+    </mc:Fallback>
+  </mc:AlternateContent>
   <p:timing>
     <p:tnLst>
       <p:par>
@@ -7126,7 +7286,6 @@
               <a:rPr lang="de-CH" dirty="0" smtClean="0"/>
               <a:t>) Werte</a:t>
             </a:r>
-            <a:endParaRPr lang="de-CH" dirty="0" smtClean="0"/>
           </a:p>
           <a:p>
             <a:pPr lvl="1"/>
@@ -7172,6 +7331,18 @@
   <p:clrMapOvr>
     <a:masterClrMapping/>
   </p:clrMapOvr>
+  <mc:AlternateContent xmlns:mc="http://schemas.openxmlformats.org/markup-compatibility/2006">
+    <mc:Choice xmlns:p14="http://schemas.microsoft.com/office/powerpoint/2010/main" Requires="p14">
+      <p:transition spd="med" p14:dur="700">
+        <p:fade/>
+      </p:transition>
+    </mc:Choice>
+    <mc:Fallback>
+      <p:transition spd="med">
+        <p:fade/>
+      </p:transition>
+    </mc:Fallback>
+  </mc:AlternateContent>
   <p:timing>
     <p:tnLst>
       <p:par>

--- a/documentation/Präsentation_Hashi_TeamSG.pptx
+++ b/documentation/Präsentation_Hashi_TeamSG.pptx
@@ -210,7 +210,7 @@
           <a:p>
             <a:fld id="{E0AA2C8D-CD60-42F0-B358-E14A0DF454F0}" type="datetimeFigureOut">
               <a:rPr lang="de-CH" smtClean="0"/>
-              <a:t>06.06.2016</a:t>
+              <a:t>07.06.2016</a:t>
             </a:fld>
             <a:endParaRPr lang="de-CH"/>
           </a:p>
@@ -523,10 +523,9 @@
           <a:lstStyle/>
           <a:p>
             <a:r>
-              <a:rPr lang="de-CH" dirty="0" smtClean="0"/>
+              <a:rPr lang="de-CH" dirty="0"/>
               <a:t>Chris</a:t>
             </a:r>
-            <a:endParaRPr lang="de-CH" dirty="0"/>
           </a:p>
         </p:txBody>
       </p:sp>
@@ -611,15 +610,15 @@
           <a:lstStyle/>
           <a:p>
             <a:r>
-              <a:rPr lang="de-CH" dirty="0" err="1" smtClean="0"/>
+              <a:rPr lang="de-CH" dirty="0" err="1"/>
               <a:t>Scrum</a:t>
             </a:r>
             <a:r>
-              <a:rPr lang="de-CH" dirty="0" smtClean="0"/>
+              <a:rPr lang="de-CH" dirty="0"/>
               <a:t> Erfahrungen</a:t>
             </a:r>
             <a:r>
-              <a:rPr lang="de-CH" baseline="0" dirty="0" smtClean="0"/>
+              <a:rPr lang="de-CH" baseline="0" dirty="0"/>
               <a:t> -&gt; Joel</a:t>
             </a:r>
           </a:p>
@@ -709,40 +708,131 @@
           <a:lstStyle/>
           <a:p>
             <a:r>
-              <a:rPr lang="de-CH" baseline="0" dirty="0" err="1" smtClean="0"/>
+              <a:rPr lang="de-CH" baseline="0" dirty="0" err="1"/>
               <a:t>Git</a:t>
             </a:r>
             <a:r>
-              <a:rPr lang="de-CH" baseline="0" dirty="0" smtClean="0"/>
+              <a:rPr lang="de-CH" baseline="0" dirty="0"/>
               <a:t> -&gt; </a:t>
             </a:r>
             <a:r>
-              <a:rPr lang="de-CH" baseline="0" dirty="0" err="1" smtClean="0"/>
+              <a:rPr lang="de-CH" baseline="0" dirty="0" err="1"/>
               <a:t>joel</a:t>
             </a:r>
-            <a:endParaRPr lang="de-CH" baseline="0" dirty="0" smtClean="0"/>
-          </a:p>
-          <a:p>
-            <a:r>
-              <a:rPr lang="de-CH" baseline="0" dirty="0" smtClean="0"/>
+            <a:endParaRPr lang="de-CH" baseline="0" dirty="0"/>
+          </a:p>
+          <a:p>
+            <a:r>
+              <a:rPr lang="de-CH" baseline="0" dirty="0"/>
               <a:t>Neo4j -&gt; Philippe</a:t>
             </a:r>
           </a:p>
           <a:p>
             <a:r>
-              <a:rPr lang="de-CH" baseline="0" dirty="0" smtClean="0"/>
+              <a:rPr lang="de-CH" baseline="0" dirty="0"/>
               <a:t>FXML -&gt; Martin</a:t>
             </a:r>
           </a:p>
           <a:p>
             <a:r>
-              <a:rPr lang="de-CH" baseline="0" dirty="0" err="1" smtClean="0"/>
+              <a:rPr lang="de-CH" baseline="0" dirty="0" err="1"/>
               <a:t>Junit</a:t>
             </a:r>
             <a:r>
-              <a:rPr lang="de-CH" baseline="0" dirty="0" smtClean="0"/>
+              <a:rPr lang="de-CH" baseline="0" dirty="0"/>
               <a:t> -&gt; Christian</a:t>
             </a:r>
+          </a:p>
+          <a:p>
+            <a:endParaRPr lang="de-CH" baseline="0" dirty="0"/>
+          </a:p>
+          <a:p>
+            <a:r>
+              <a:rPr lang="de-CH" baseline="0" dirty="0" err="1"/>
+              <a:t>Junit</a:t>
+            </a:r>
+            <a:r>
+              <a:rPr lang="de-CH" baseline="0" dirty="0"/>
+              <a:t>, </a:t>
+            </a:r>
+            <a:r>
+              <a:rPr lang="de-CH" baseline="0" dirty="0" err="1"/>
+              <a:t>EclEmma</a:t>
+            </a:r>
+            <a:r>
+              <a:rPr lang="de-CH" baseline="0" dirty="0"/>
+              <a:t>, Borland </a:t>
+            </a:r>
+            <a:r>
+              <a:rPr lang="de-CH" baseline="0" dirty="0" err="1"/>
+              <a:t>Together</a:t>
+            </a:r>
+            <a:endParaRPr lang="de-CH" baseline="0" dirty="0"/>
+          </a:p>
+          <a:p>
+            <a:pPr marL="171450" marR="0" lvl="1" indent="-171450" algn="l" defTabSz="914400" rtl="0" eaLnBrk="1" fontAlgn="auto" latinLnBrk="0" hangingPunct="1">
+              <a:lnSpc>
+                <a:spcPct val="100000"/>
+              </a:lnSpc>
+              <a:spcBef>
+                <a:spcPts val="0"/>
+              </a:spcBef>
+              <a:spcAft>
+                <a:spcPts val="0"/>
+              </a:spcAft>
+              <a:buClrTx/>
+              <a:buSzTx/>
+              <a:buFontTx/>
+              <a:buChar char="-"/>
+              <a:tabLst/>
+              <a:defRPr/>
+            </a:pPr>
+            <a:r>
+              <a:rPr lang="de-CH" baseline="0" dirty="0"/>
+              <a:t>Mühsames einfügen des existierenden Codes</a:t>
+            </a:r>
+          </a:p>
+          <a:p>
+            <a:pPr marL="171450" marR="0" lvl="1" indent="-171450" algn="l" defTabSz="914400" rtl="0" eaLnBrk="1" fontAlgn="auto" latinLnBrk="0" hangingPunct="1">
+              <a:lnSpc>
+                <a:spcPct val="100000"/>
+              </a:lnSpc>
+              <a:spcBef>
+                <a:spcPts val="0"/>
+              </a:spcBef>
+              <a:spcAft>
+                <a:spcPts val="0"/>
+              </a:spcAft>
+              <a:buClrTx/>
+              <a:buSzTx/>
+              <a:buFontTx/>
+              <a:buChar char="-"/>
+              <a:tabLst/>
+              <a:defRPr/>
+            </a:pPr>
+            <a:r>
+              <a:rPr lang="de-CH" baseline="0" dirty="0"/>
+              <a:t>Code </a:t>
+            </a:r>
+            <a:r>
+              <a:rPr lang="de-CH" baseline="0" dirty="0" err="1"/>
+              <a:t>Coverage</a:t>
+            </a:r>
+            <a:r>
+              <a:rPr lang="de-CH" baseline="0" dirty="0"/>
+              <a:t> Buggy (</a:t>
+            </a:r>
+            <a:r>
+              <a:rPr lang="de-CH" baseline="0" dirty="0" err="1"/>
+              <a:t>Enums</a:t>
+            </a:r>
+            <a:r>
+              <a:rPr lang="de-CH" baseline="0" dirty="0"/>
+              <a:t>)</a:t>
+            </a:r>
+          </a:p>
+          <a:p>
+            <a:endParaRPr lang="de-CH" baseline="0" dirty="0"/>
           </a:p>
         </p:txBody>
       </p:sp>
@@ -827,7 +917,7 @@
           <a:lstStyle/>
           <a:p>
             <a:r>
-              <a:rPr lang="de-CH" dirty="0" err="1" smtClean="0"/>
+              <a:rPr lang="de-CH" dirty="0" err="1"/>
               <a:t>Ghenzi</a:t>
             </a:r>
             <a:endParaRPr lang="de-CH" dirty="0"/>
@@ -932,9 +1022,10 @@
               <a:defRPr/>
             </a:pPr>
             <a:r>
-              <a:rPr lang="de-CH" dirty="0" smtClean="0"/>
+              <a:rPr lang="de-CH"/>
               <a:t>Joel</a:t>
             </a:r>
+            <a:endParaRPr lang="de-CH" dirty="0"/>
           </a:p>
           <a:p>
             <a:pPr marL="0" marR="0" indent="0" algn="l" defTabSz="914400" rtl="0" eaLnBrk="1" fontAlgn="auto" latinLnBrk="0" hangingPunct="1">
@@ -954,7 +1045,7 @@
               <a:tabLst/>
               <a:defRPr/>
             </a:pPr>
-            <a:endParaRPr lang="de-CH" dirty="0" smtClean="0"/>
+            <a:endParaRPr lang="de-CH" dirty="0"/>
           </a:p>
           <a:p>
             <a:pPr marL="0" marR="0" indent="0" algn="l" defTabSz="914400" rtl="0" eaLnBrk="1" fontAlgn="auto" latinLnBrk="0" hangingPunct="1">
@@ -974,7 +1065,7 @@
               <a:tabLst/>
               <a:defRPr/>
             </a:pPr>
-            <a:endParaRPr lang="de-CH" dirty="0" smtClean="0"/>
+            <a:endParaRPr lang="de-CH" dirty="0"/>
           </a:p>
           <a:p>
             <a:pPr marL="0" marR="0" indent="0" algn="l" defTabSz="914400" rtl="0" eaLnBrk="1" fontAlgn="auto" latinLnBrk="0" hangingPunct="1">
@@ -995,7 +1086,7 @@
               <a:defRPr/>
             </a:pPr>
             <a:r>
-              <a:rPr lang="de-CH" dirty="0" smtClean="0"/>
+              <a:rPr lang="de-CH" dirty="0"/>
               <a:t>Screenshot </a:t>
             </a:r>
             <a:r>
@@ -1090,10 +1181,9 @@
           <a:lstStyle/>
           <a:p>
             <a:r>
-              <a:rPr lang="de-CH" dirty="0" smtClean="0"/>
+              <a:rPr lang="de-CH" dirty="0"/>
               <a:t>Chris</a:t>
             </a:r>
-            <a:endParaRPr lang="de-CH" dirty="0"/>
           </a:p>
         </p:txBody>
       </p:sp>
@@ -1178,10 +1268,9 @@
           <a:lstStyle/>
           <a:p>
             <a:r>
-              <a:rPr lang="de-CH" dirty="0" smtClean="0"/>
+              <a:rPr lang="de-CH" dirty="0"/>
               <a:t>Chris</a:t>
             </a:r>
-            <a:endParaRPr lang="de-CH" dirty="0"/>
           </a:p>
         </p:txBody>
       </p:sp>
@@ -1266,10 +1355,9 @@
           <a:lstStyle/>
           <a:p>
             <a:r>
-              <a:rPr lang="de-CH" dirty="0" smtClean="0"/>
+              <a:rPr lang="de-CH" dirty="0"/>
               <a:t>Chris</a:t>
             </a:r>
-            <a:endParaRPr lang="de-CH" dirty="0"/>
           </a:p>
         </p:txBody>
       </p:sp>
@@ -1354,10 +1442,9 @@
           <a:lstStyle/>
           <a:p>
             <a:r>
-              <a:rPr lang="de-CH" dirty="0" smtClean="0"/>
+              <a:rPr lang="de-CH" dirty="0"/>
               <a:t>Mazenauer</a:t>
             </a:r>
-            <a:endParaRPr lang="de-CH" dirty="0"/>
           </a:p>
         </p:txBody>
       </p:sp>
@@ -1442,10 +1529,9 @@
           <a:lstStyle/>
           <a:p>
             <a:r>
-              <a:rPr lang="de-CH" dirty="0" smtClean="0"/>
+              <a:rPr lang="de-CH" dirty="0"/>
               <a:t>Mazenauer</a:t>
             </a:r>
-            <a:endParaRPr lang="de-CH" dirty="0"/>
           </a:p>
         </p:txBody>
       </p:sp>
@@ -1547,33 +1633,25 @@
               <a:defRPr/>
             </a:pPr>
             <a:r>
-              <a:rPr lang="de-CH" dirty="0" smtClean="0"/>
-              <a:t>MVC </a:t>
-            </a:r>
-            <a:r>
-              <a:rPr lang="de-CH" dirty="0"/>
-              <a:t>(Model-View-Controller):</a:t>
+              <a:rPr lang="de-CH" dirty="0"/>
+              <a:t>MVC (Model-View-Controller):</a:t>
             </a:r>
             <a:r>
               <a:rPr lang="de-CH" baseline="0" dirty="0"/>
-              <a:t> </a:t>
-            </a:r>
-            <a:r>
-              <a:rPr lang="de-CH" baseline="0" dirty="0" smtClean="0"/>
-              <a:t>			</a:t>
-            </a:r>
-            <a:r>
-              <a:rPr lang="de-CH" dirty="0" smtClean="0"/>
+              <a:t> 			</a:t>
+            </a:r>
+            <a:r>
+              <a:rPr lang="de-CH" dirty="0"/>
               <a:t>Martin</a:t>
             </a:r>
           </a:p>
           <a:p>
             <a:r>
-              <a:rPr lang="de-CH" dirty="0" smtClean="0"/>
+              <a:rPr lang="de-CH" dirty="0"/>
               <a:t>Factory:					</a:t>
             </a:r>
             <a:r>
-              <a:rPr lang="de-CH" dirty="0" err="1" smtClean="0"/>
+              <a:rPr lang="de-CH" dirty="0" err="1"/>
               <a:t>Ghenzi</a:t>
             </a:r>
             <a:endParaRPr lang="de-CH" dirty="0"/>
@@ -1608,15 +1686,15 @@
               <a:t> auf </a:t>
             </a:r>
             <a:r>
-              <a:rPr lang="de-CH" baseline="0" dirty="0" err="1" smtClean="0"/>
+              <a:rPr lang="de-CH" baseline="0" dirty="0" err="1"/>
               <a:t>BaseGraphDAS</a:t>
             </a:r>
             <a:r>
-              <a:rPr lang="de-CH" baseline="0" dirty="0" smtClean="0"/>
+              <a:rPr lang="de-CH" baseline="0" dirty="0"/>
               <a:t>		</a:t>
             </a:r>
             <a:r>
-              <a:rPr lang="de-CH" baseline="0" dirty="0" err="1" smtClean="0"/>
+              <a:rPr lang="de-CH" baseline="0" dirty="0" err="1"/>
               <a:t>Ghenzi</a:t>
             </a:r>
             <a:endParaRPr lang="de-CH" dirty="0"/>
@@ -1643,15 +1721,15 @@
               <a:t> </a:t>
             </a:r>
             <a:r>
-              <a:rPr lang="de-CH" dirty="0" err="1" smtClean="0"/>
+              <a:rPr lang="de-CH" dirty="0" err="1"/>
               <a:t>Kommands</a:t>
             </a:r>
             <a:r>
-              <a:rPr lang="de-CH" dirty="0" smtClean="0"/>
+              <a:rPr lang="de-CH" dirty="0"/>
               <a:t>			</a:t>
             </a:r>
             <a:r>
-              <a:rPr lang="de-CH" dirty="0" err="1" smtClean="0"/>
+              <a:rPr lang="de-CH" dirty="0" err="1"/>
               <a:t>Ghenzi</a:t>
             </a:r>
             <a:endParaRPr lang="de-CH" dirty="0"/>
@@ -1676,11 +1754,7 @@
             </a:pPr>
             <a:r>
               <a:rPr lang="de-CH" dirty="0"/>
-              <a:t>Template: </a:t>
-            </a:r>
-            <a:r>
-              <a:rPr lang="de-CH" dirty="0" smtClean="0"/>
-              <a:t>					Martin</a:t>
+              <a:t>Template: 					Martin</a:t>
             </a:r>
           </a:p>
           <a:p>
@@ -1769,10 +1843,9 @@
           <a:lstStyle/>
           <a:p>
             <a:r>
-              <a:rPr lang="de-CH" dirty="0" smtClean="0"/>
+              <a:rPr lang="de-CH" dirty="0"/>
               <a:t>Philippe</a:t>
             </a:r>
-            <a:endParaRPr lang="de-CH" dirty="0"/>
           </a:p>
         </p:txBody>
       </p:sp>
@@ -1857,9 +1930,235 @@
           <a:lstStyle/>
           <a:p>
             <a:r>
-              <a:rPr lang="de-CH" dirty="0" smtClean="0"/>
+              <a:rPr lang="de-CH" dirty="0"/>
               <a:t>Christian</a:t>
             </a:r>
+          </a:p>
+          <a:p>
+            <a:r>
+              <a:rPr lang="de-CH" dirty="0"/>
+              <a:t>-</a:t>
+            </a:r>
+            <a:r>
+              <a:rPr lang="de-CH" baseline="0" dirty="0"/>
+              <a:t> </a:t>
+            </a:r>
+            <a:r>
+              <a:rPr lang="de-CH" baseline="0" dirty="0" err="1"/>
+              <a:t>Testing</a:t>
+            </a:r>
+            <a:endParaRPr lang="de-CH" dirty="0"/>
+          </a:p>
+          <a:p>
+            <a:pPr marL="628650" lvl="1" indent="-171450">
+              <a:buFontTx/>
+              <a:buChar char="-"/>
+            </a:pPr>
+            <a:r>
+              <a:rPr lang="de-CH" dirty="0" err="1"/>
+              <a:t>Junit</a:t>
+            </a:r>
+            <a:endParaRPr lang="de-CH" dirty="0"/>
+          </a:p>
+          <a:p>
+            <a:pPr marL="628650" lvl="1" indent="-171450">
+              <a:buFontTx/>
+              <a:buChar char="-"/>
+            </a:pPr>
+            <a:r>
+              <a:rPr lang="de-CH" baseline="0" dirty="0"/>
+              <a:t>Tests wie im Selbststudium (</a:t>
+            </a:r>
+            <a:r>
+              <a:rPr lang="de-CH" baseline="0" dirty="0" err="1"/>
+              <a:t>assertTrue</a:t>
+            </a:r>
+            <a:r>
+              <a:rPr lang="de-CH" baseline="0" dirty="0"/>
+              <a:t>) </a:t>
+            </a:r>
+          </a:p>
+          <a:p>
+            <a:pPr marL="628650" marR="0" lvl="1" indent="-171450" algn="l" defTabSz="914400" rtl="0" eaLnBrk="1" fontAlgn="auto" latinLnBrk="0" hangingPunct="1">
+              <a:lnSpc>
+                <a:spcPct val="100000"/>
+              </a:lnSpc>
+              <a:spcBef>
+                <a:spcPts val="0"/>
+              </a:spcBef>
+              <a:spcAft>
+                <a:spcPts val="0"/>
+              </a:spcAft>
+              <a:buClrTx/>
+              <a:buSzTx/>
+              <a:buFontTx/>
+              <a:buChar char="-"/>
+              <a:tabLst/>
+              <a:defRPr/>
+            </a:pPr>
+            <a:r>
+              <a:rPr lang="de-CH" baseline="0" dirty="0"/>
+              <a:t>Keine gravierenden Fehler, nur überflüssiger Code entfernt</a:t>
+            </a:r>
+          </a:p>
+          <a:p>
+            <a:pPr marL="1085850" lvl="2" indent="-171450">
+              <a:buFontTx/>
+              <a:buChar char="-"/>
+            </a:pPr>
+            <a:endParaRPr lang="de-CH" baseline="0" dirty="0"/>
+          </a:p>
+          <a:p>
+            <a:pPr marL="628650" lvl="1" indent="-171450">
+              <a:buFontTx/>
+              <a:buChar char="-"/>
+            </a:pPr>
+            <a:r>
+              <a:rPr lang="de-CH" baseline="0" dirty="0"/>
+              <a:t>Code-</a:t>
+            </a:r>
+            <a:r>
+              <a:rPr lang="de-CH" baseline="0" dirty="0" err="1"/>
+              <a:t>Coverage</a:t>
+            </a:r>
+            <a:r>
+              <a:rPr lang="de-CH" baseline="0" dirty="0"/>
+              <a:t> mit </a:t>
+            </a:r>
+            <a:r>
+              <a:rPr lang="de-CH" baseline="0" dirty="0" err="1"/>
+              <a:t>EclEmma</a:t>
+            </a:r>
+            <a:r>
+              <a:rPr lang="de-CH" baseline="0" dirty="0"/>
+              <a:t> </a:t>
+            </a:r>
+          </a:p>
+          <a:p>
+            <a:pPr marL="628650" lvl="1" indent="-171450">
+              <a:buFontTx/>
+              <a:buChar char="-"/>
+            </a:pPr>
+            <a:r>
+              <a:rPr lang="de-CH" baseline="0" dirty="0"/>
+              <a:t>auch wie im Selbststudium</a:t>
+            </a:r>
+          </a:p>
+          <a:p>
+            <a:pPr marL="628650" lvl="1" indent="-171450">
+              <a:buFontTx/>
+              <a:buChar char="-"/>
+            </a:pPr>
+            <a:r>
+              <a:rPr lang="de-CH" baseline="0" dirty="0"/>
+              <a:t>Schlechte </a:t>
+            </a:r>
+            <a:r>
+              <a:rPr lang="de-CH" baseline="0" dirty="0" err="1"/>
+              <a:t>Coverage</a:t>
+            </a:r>
+            <a:r>
+              <a:rPr lang="de-CH" baseline="0" dirty="0"/>
+              <a:t> wegen GUI, </a:t>
+            </a:r>
+            <a:r>
+              <a:rPr lang="de-CH" baseline="0" dirty="0" err="1"/>
+              <a:t>Enums</a:t>
+            </a:r>
+            <a:endParaRPr lang="de-CH" baseline="0" dirty="0"/>
+          </a:p>
+          <a:p>
+            <a:pPr marL="1085850" lvl="2" indent="-171450">
+              <a:buFontTx/>
+              <a:buChar char="-"/>
+            </a:pPr>
+            <a:endParaRPr lang="de-CH" baseline="0" dirty="0"/>
+          </a:p>
+          <a:p>
+            <a:pPr marL="171450" lvl="0" indent="-171450">
+              <a:buFontTx/>
+              <a:buChar char="-"/>
+            </a:pPr>
+            <a:r>
+              <a:rPr lang="de-CH" baseline="0" dirty="0"/>
+              <a:t>Metrik</a:t>
+            </a:r>
+          </a:p>
+          <a:p>
+            <a:pPr marL="628650" lvl="1" indent="-171450">
+              <a:buFontTx/>
+              <a:buChar char="-"/>
+            </a:pPr>
+            <a:r>
+              <a:rPr lang="de-CH" baseline="0" dirty="0"/>
+              <a:t>Tests mit Borland </a:t>
+            </a:r>
+            <a:r>
+              <a:rPr lang="de-CH" baseline="0" dirty="0" err="1"/>
+              <a:t>Together</a:t>
+            </a:r>
+            <a:endParaRPr lang="de-CH" baseline="0" dirty="0"/>
+          </a:p>
+          <a:p>
+            <a:pPr marL="628650" lvl="1" indent="-171450">
+              <a:buFontTx/>
+              <a:buChar char="-"/>
+            </a:pPr>
+            <a:r>
+              <a:rPr lang="de-CH" baseline="0" dirty="0"/>
+              <a:t>Schlechte </a:t>
+            </a:r>
+            <a:r>
+              <a:rPr lang="de-CH" baseline="0" dirty="0" err="1"/>
+              <a:t>Coupling</a:t>
+            </a:r>
+            <a:r>
+              <a:rPr lang="de-CH" baseline="0" dirty="0"/>
+              <a:t> </a:t>
+            </a:r>
+            <a:r>
+              <a:rPr lang="de-CH" baseline="0" dirty="0" err="1"/>
+              <a:t>Between</a:t>
+            </a:r>
+            <a:r>
+              <a:rPr lang="de-CH" baseline="0" dirty="0"/>
+              <a:t> Objects und </a:t>
+            </a:r>
+            <a:r>
+              <a:rPr lang="de-CH" baseline="0" dirty="0" err="1"/>
+              <a:t>Depth</a:t>
+            </a:r>
+            <a:r>
+              <a:rPr lang="de-CH" baseline="0" dirty="0"/>
+              <a:t> </a:t>
+            </a:r>
+            <a:r>
+              <a:rPr lang="de-CH" baseline="0" dirty="0" err="1"/>
+              <a:t>of</a:t>
+            </a:r>
+            <a:r>
+              <a:rPr lang="de-CH" baseline="0" dirty="0"/>
+              <a:t> </a:t>
+            </a:r>
+            <a:r>
+              <a:rPr lang="de-CH" baseline="0" dirty="0" err="1"/>
+              <a:t>Inheritance</a:t>
+            </a:r>
+            <a:r>
+              <a:rPr lang="de-CH" baseline="0" dirty="0"/>
+              <a:t> </a:t>
+            </a:r>
+            <a:r>
+              <a:rPr lang="de-CH" baseline="0" dirty="0" err="1"/>
+              <a:t>Hierarchy</a:t>
+            </a:r>
+            <a:endParaRPr lang="de-CH" baseline="0" dirty="0"/>
+          </a:p>
+          <a:p>
+            <a:pPr marL="628650" lvl="1" indent="-171450">
+              <a:buFontTx/>
+              <a:buChar char="-"/>
+            </a:pPr>
             <a:endParaRPr lang="de-CH" dirty="0"/>
           </a:p>
         </p:txBody>
@@ -1961,7 +2260,7 @@
           </a:lstStyle>
           <a:p>
             <a:r>
-              <a:rPr lang="de-DE" smtClean="0"/>
+              <a:rPr lang="de-DE"/>
               <a:t>Titelmasterformat durch Klicken bearbeiten</a:t>
             </a:r>
             <a:endParaRPr lang="en-US" dirty="0"/>
@@ -2034,7 +2333,7 @@
           </a:lstStyle>
           <a:p>
             <a:r>
-              <a:rPr lang="de-DE" smtClean="0"/>
+              <a:rPr lang="de-DE"/>
               <a:t>Formatvorlage des Untertitelmasters durch Klicken bearbeiten</a:t>
             </a:r>
             <a:endParaRPr lang="en-US" dirty="0"/>
@@ -2068,7 +2367,7 @@
           <a:p>
             <a:fld id="{EDF032E5-4712-4CD3-A297-BA927FE98535}" type="datetimeFigureOut">
               <a:rPr lang="de-CH" smtClean="0"/>
-              <a:t>06.06.2016</a:t>
+              <a:t>07.06.2016</a:t>
             </a:fld>
             <a:endParaRPr lang="de-CH"/>
           </a:p>
@@ -2220,7 +2519,7 @@
           <a:lstStyle/>
           <a:p>
             <a:r>
-              <a:rPr lang="de-DE" smtClean="0"/>
+              <a:rPr lang="de-DE"/>
               <a:t>Titelmasterformat durch Klicken bearbeiten</a:t>
             </a:r>
             <a:endParaRPr lang="en-US" dirty="0"/>
@@ -2244,35 +2543,35 @@
           <a:p>
             <a:pPr lvl="0"/>
             <a:r>
-              <a:rPr lang="de-DE" smtClean="0"/>
+              <a:rPr lang="de-DE"/>
               <a:t>Textmasterformat bearbeiten</a:t>
             </a:r>
           </a:p>
           <a:p>
             <a:pPr lvl="1"/>
             <a:r>
-              <a:rPr lang="de-DE" smtClean="0"/>
+              <a:rPr lang="de-DE"/>
               <a:t>Zweite Ebene</a:t>
             </a:r>
           </a:p>
           <a:p>
             <a:pPr lvl="2"/>
             <a:r>
-              <a:rPr lang="de-DE" smtClean="0"/>
+              <a:rPr lang="de-DE"/>
               <a:t>Dritte Ebene</a:t>
             </a:r>
           </a:p>
           <a:p>
             <a:pPr lvl="3"/>
             <a:r>
-              <a:rPr lang="de-DE" smtClean="0"/>
+              <a:rPr lang="de-DE"/>
               <a:t>Vierte Ebene</a:t>
             </a:r>
           </a:p>
           <a:p>
             <a:pPr lvl="4"/>
             <a:r>
-              <a:rPr lang="de-DE" smtClean="0"/>
+              <a:rPr lang="de-DE"/>
               <a:t>Fünfte Ebene</a:t>
             </a:r>
             <a:endParaRPr lang="en-US" dirty="0"/>
@@ -2296,7 +2595,7 @@
           <a:p>
             <a:fld id="{EDF032E5-4712-4CD3-A297-BA927FE98535}" type="datetimeFigureOut">
               <a:rPr lang="de-CH" smtClean="0"/>
-              <a:t>06.06.2016</a:t>
+              <a:t>07.06.2016</a:t>
             </a:fld>
             <a:endParaRPr lang="de-CH"/>
           </a:p>
@@ -2395,7 +2694,7 @@
           <a:lstStyle/>
           <a:p>
             <a:r>
-              <a:rPr lang="de-DE" smtClean="0"/>
+              <a:rPr lang="de-DE"/>
               <a:t>Titelmasterformat durch Klicken bearbeiten</a:t>
             </a:r>
             <a:endParaRPr lang="en-US" dirty="0"/>
@@ -2424,35 +2723,35 @@
           <a:p>
             <a:pPr lvl="0"/>
             <a:r>
-              <a:rPr lang="de-DE" smtClean="0"/>
+              <a:rPr lang="de-DE"/>
               <a:t>Textmasterformat bearbeiten</a:t>
             </a:r>
           </a:p>
           <a:p>
             <a:pPr lvl="1"/>
             <a:r>
-              <a:rPr lang="de-DE" smtClean="0"/>
+              <a:rPr lang="de-DE"/>
               <a:t>Zweite Ebene</a:t>
             </a:r>
           </a:p>
           <a:p>
             <a:pPr lvl="2"/>
             <a:r>
-              <a:rPr lang="de-DE" smtClean="0"/>
+              <a:rPr lang="de-DE"/>
               <a:t>Dritte Ebene</a:t>
             </a:r>
           </a:p>
           <a:p>
             <a:pPr lvl="3"/>
             <a:r>
-              <a:rPr lang="de-DE" smtClean="0"/>
+              <a:rPr lang="de-DE"/>
               <a:t>Vierte Ebene</a:t>
             </a:r>
           </a:p>
           <a:p>
             <a:pPr lvl="4"/>
             <a:r>
-              <a:rPr lang="de-DE" smtClean="0"/>
+              <a:rPr lang="de-DE"/>
               <a:t>Fünfte Ebene</a:t>
             </a:r>
             <a:endParaRPr lang="en-US" dirty="0"/>
@@ -2476,7 +2775,7 @@
           <a:p>
             <a:fld id="{EDF032E5-4712-4CD3-A297-BA927FE98535}" type="datetimeFigureOut">
               <a:rPr lang="de-CH" smtClean="0"/>
-              <a:t>06.06.2016</a:t>
+              <a:t>07.06.2016</a:t>
             </a:fld>
             <a:endParaRPr lang="de-CH"/>
           </a:p>
@@ -2570,7 +2869,7 @@
           <a:lstStyle/>
           <a:p>
             <a:r>
-              <a:rPr lang="de-DE" smtClean="0"/>
+              <a:rPr lang="de-DE"/>
               <a:t>Titelmasterformat durch Klicken bearbeiten</a:t>
             </a:r>
             <a:endParaRPr lang="en-US" dirty="0"/>
@@ -2594,35 +2893,35 @@
           <a:p>
             <a:pPr lvl="0"/>
             <a:r>
-              <a:rPr lang="de-DE" smtClean="0"/>
+              <a:rPr lang="de-DE"/>
               <a:t>Textmasterformat bearbeiten</a:t>
             </a:r>
           </a:p>
           <a:p>
             <a:pPr lvl="1"/>
             <a:r>
-              <a:rPr lang="de-DE" smtClean="0"/>
+              <a:rPr lang="de-DE"/>
               <a:t>Zweite Ebene</a:t>
             </a:r>
           </a:p>
           <a:p>
             <a:pPr lvl="2"/>
             <a:r>
-              <a:rPr lang="de-DE" smtClean="0"/>
+              <a:rPr lang="de-DE"/>
               <a:t>Dritte Ebene</a:t>
             </a:r>
           </a:p>
           <a:p>
             <a:pPr lvl="3"/>
             <a:r>
-              <a:rPr lang="de-DE" smtClean="0"/>
+              <a:rPr lang="de-DE"/>
               <a:t>Vierte Ebene</a:t>
             </a:r>
           </a:p>
           <a:p>
             <a:pPr lvl="4"/>
             <a:r>
-              <a:rPr lang="de-DE" smtClean="0"/>
+              <a:rPr lang="de-DE"/>
               <a:t>Fünfte Ebene</a:t>
             </a:r>
             <a:endParaRPr lang="en-US" dirty="0"/>
@@ -2646,7 +2945,7 @@
           <a:p>
             <a:fld id="{EDF032E5-4712-4CD3-A297-BA927FE98535}" type="datetimeFigureOut">
               <a:rPr lang="de-CH" smtClean="0"/>
-              <a:t>06.06.2016</a:t>
+              <a:t>07.06.2016</a:t>
             </a:fld>
             <a:endParaRPr lang="de-CH"/>
           </a:p>
@@ -2754,7 +3053,7 @@
           </a:lstStyle>
           <a:p>
             <a:r>
-              <a:rPr lang="de-DE" smtClean="0"/>
+              <a:rPr lang="de-DE"/>
               <a:t>Titelmasterformat durch Klicken bearbeiten</a:t>
             </a:r>
             <a:endParaRPr lang="en-US" dirty="0"/>
@@ -2877,7 +3176,7 @@
           <a:p>
             <a:pPr lvl="0"/>
             <a:r>
-              <a:rPr lang="de-DE" smtClean="0"/>
+              <a:rPr lang="de-DE"/>
               <a:t>Textmasterformat bearbeiten</a:t>
             </a:r>
           </a:p>
@@ -2900,7 +3199,7 @@
           <a:p>
             <a:fld id="{EDF032E5-4712-4CD3-A297-BA927FE98535}" type="datetimeFigureOut">
               <a:rPr lang="de-CH" smtClean="0"/>
-              <a:t>06.06.2016</a:t>
+              <a:t>07.06.2016</a:t>
             </a:fld>
             <a:endParaRPr lang="de-CH"/>
           </a:p>
@@ -3032,7 +3331,7 @@
           <a:lstStyle/>
           <a:p>
             <a:r>
-              <a:rPr lang="de-DE" smtClean="0"/>
+              <a:rPr lang="de-DE"/>
               <a:t>Titelmasterformat durch Klicken bearbeiten</a:t>
             </a:r>
             <a:endParaRPr lang="en-US" dirty="0"/>
@@ -3089,35 +3388,35 @@
           <a:p>
             <a:pPr lvl="0"/>
             <a:r>
-              <a:rPr lang="de-DE" smtClean="0"/>
+              <a:rPr lang="de-DE"/>
               <a:t>Textmasterformat bearbeiten</a:t>
             </a:r>
           </a:p>
           <a:p>
             <a:pPr lvl="1"/>
             <a:r>
-              <a:rPr lang="de-DE" smtClean="0"/>
+              <a:rPr lang="de-DE"/>
               <a:t>Zweite Ebene</a:t>
             </a:r>
           </a:p>
           <a:p>
             <a:pPr lvl="2"/>
             <a:r>
-              <a:rPr lang="de-DE" smtClean="0"/>
+              <a:rPr lang="de-DE"/>
               <a:t>Dritte Ebene</a:t>
             </a:r>
           </a:p>
           <a:p>
             <a:pPr lvl="3"/>
             <a:r>
-              <a:rPr lang="de-DE" smtClean="0"/>
+              <a:rPr lang="de-DE"/>
               <a:t>Vierte Ebene</a:t>
             </a:r>
           </a:p>
           <a:p>
             <a:pPr lvl="4"/>
             <a:r>
-              <a:rPr lang="de-DE" smtClean="0"/>
+              <a:rPr lang="de-DE"/>
               <a:t>Fünfte Ebene</a:t>
             </a:r>
             <a:endParaRPr lang="en-US" dirty="0"/>
@@ -3174,35 +3473,35 @@
           <a:p>
             <a:pPr lvl="0"/>
             <a:r>
-              <a:rPr lang="de-DE" smtClean="0"/>
+              <a:rPr lang="de-DE"/>
               <a:t>Textmasterformat bearbeiten</a:t>
             </a:r>
           </a:p>
           <a:p>
             <a:pPr lvl="1"/>
             <a:r>
-              <a:rPr lang="de-DE" smtClean="0"/>
+              <a:rPr lang="de-DE"/>
               <a:t>Zweite Ebene</a:t>
             </a:r>
           </a:p>
           <a:p>
             <a:pPr lvl="2"/>
             <a:r>
-              <a:rPr lang="de-DE" smtClean="0"/>
+              <a:rPr lang="de-DE"/>
               <a:t>Dritte Ebene</a:t>
             </a:r>
           </a:p>
           <a:p>
             <a:pPr lvl="3"/>
             <a:r>
-              <a:rPr lang="de-DE" smtClean="0"/>
+              <a:rPr lang="de-DE"/>
               <a:t>Vierte Ebene</a:t>
             </a:r>
           </a:p>
           <a:p>
             <a:pPr lvl="4"/>
             <a:r>
-              <a:rPr lang="de-DE" smtClean="0"/>
+              <a:rPr lang="de-DE"/>
               <a:t>Fünfte Ebene</a:t>
             </a:r>
             <a:endParaRPr lang="en-US" dirty="0"/>
@@ -3226,7 +3525,7 @@
           <a:p>
             <a:fld id="{EDF032E5-4712-4CD3-A297-BA927FE98535}" type="datetimeFigureOut">
               <a:rPr lang="de-CH" smtClean="0"/>
-              <a:t>06.06.2016</a:t>
+              <a:t>07.06.2016</a:t>
             </a:fld>
             <a:endParaRPr lang="de-CH"/>
           </a:p>
@@ -3320,7 +3619,7 @@
           <a:lstStyle/>
           <a:p>
             <a:r>
-              <a:rPr lang="de-DE" smtClean="0"/>
+              <a:rPr lang="de-DE"/>
               <a:t>Titelmasterformat durch Klicken bearbeiten</a:t>
             </a:r>
             <a:endParaRPr lang="en-US" dirty="0"/>
@@ -3395,7 +3694,7 @@
           <a:p>
             <a:pPr lvl="0"/>
             <a:r>
-              <a:rPr lang="de-DE" smtClean="0"/>
+              <a:rPr lang="de-DE"/>
               <a:t>Textmasterformat bearbeiten</a:t>
             </a:r>
           </a:p>
@@ -3451,35 +3750,35 @@
           <a:p>
             <a:pPr lvl="0"/>
             <a:r>
-              <a:rPr lang="de-DE" smtClean="0"/>
+              <a:rPr lang="de-DE"/>
               <a:t>Textmasterformat bearbeiten</a:t>
             </a:r>
           </a:p>
           <a:p>
             <a:pPr lvl="1"/>
             <a:r>
-              <a:rPr lang="de-DE" smtClean="0"/>
+              <a:rPr lang="de-DE"/>
               <a:t>Zweite Ebene</a:t>
             </a:r>
           </a:p>
           <a:p>
             <a:pPr lvl="2"/>
             <a:r>
-              <a:rPr lang="de-DE" smtClean="0"/>
+              <a:rPr lang="de-DE"/>
               <a:t>Dritte Ebene</a:t>
             </a:r>
           </a:p>
           <a:p>
             <a:pPr lvl="3"/>
             <a:r>
-              <a:rPr lang="de-DE" smtClean="0"/>
+              <a:rPr lang="de-DE"/>
               <a:t>Vierte Ebene</a:t>
             </a:r>
           </a:p>
           <a:p>
             <a:pPr lvl="4"/>
             <a:r>
-              <a:rPr lang="de-DE" smtClean="0"/>
+              <a:rPr lang="de-DE"/>
               <a:t>Fünfte Ebene</a:t>
             </a:r>
             <a:endParaRPr lang="en-US" dirty="0"/>
@@ -3569,7 +3868,7 @@
               <a:buNone/>
             </a:pPr>
             <a:r>
-              <a:rPr lang="de-DE" smtClean="0"/>
+              <a:rPr lang="de-DE"/>
               <a:t>Textmasterformat bearbeiten</a:t>
             </a:r>
           </a:p>
@@ -3625,35 +3924,35 @@
           <a:p>
             <a:pPr lvl="0"/>
             <a:r>
-              <a:rPr lang="de-DE" smtClean="0"/>
+              <a:rPr lang="de-DE"/>
               <a:t>Textmasterformat bearbeiten</a:t>
             </a:r>
           </a:p>
           <a:p>
             <a:pPr lvl="1"/>
             <a:r>
-              <a:rPr lang="de-DE" smtClean="0"/>
+              <a:rPr lang="de-DE"/>
               <a:t>Zweite Ebene</a:t>
             </a:r>
           </a:p>
           <a:p>
             <a:pPr lvl="2"/>
             <a:r>
-              <a:rPr lang="de-DE" smtClean="0"/>
+              <a:rPr lang="de-DE"/>
               <a:t>Dritte Ebene</a:t>
             </a:r>
           </a:p>
           <a:p>
             <a:pPr lvl="3"/>
             <a:r>
-              <a:rPr lang="de-DE" smtClean="0"/>
+              <a:rPr lang="de-DE"/>
               <a:t>Vierte Ebene</a:t>
             </a:r>
           </a:p>
           <a:p>
             <a:pPr lvl="4"/>
             <a:r>
-              <a:rPr lang="de-DE" smtClean="0"/>
+              <a:rPr lang="de-DE"/>
               <a:t>Fünfte Ebene</a:t>
             </a:r>
             <a:endParaRPr lang="en-US" dirty="0"/>
@@ -3677,7 +3976,7 @@
           <a:p>
             <a:fld id="{EDF032E5-4712-4CD3-A297-BA927FE98535}" type="datetimeFigureOut">
               <a:rPr lang="de-CH" smtClean="0"/>
-              <a:t>06.06.2016</a:t>
+              <a:t>07.06.2016</a:t>
             </a:fld>
             <a:endParaRPr lang="de-CH"/>
           </a:p>
@@ -3771,7 +4070,7 @@
           <a:lstStyle/>
           <a:p>
             <a:r>
-              <a:rPr lang="de-DE" smtClean="0"/>
+              <a:rPr lang="de-DE"/>
               <a:t>Titelmasterformat durch Klicken bearbeiten</a:t>
             </a:r>
             <a:endParaRPr lang="en-US" dirty="0"/>
@@ -3795,7 +4094,7 @@
           <a:p>
             <a:fld id="{EDF032E5-4712-4CD3-A297-BA927FE98535}" type="datetimeFigureOut">
               <a:rPr lang="de-CH" smtClean="0"/>
-              <a:t>06.06.2016</a:t>
+              <a:t>07.06.2016</a:t>
             </a:fld>
             <a:endParaRPr lang="de-CH"/>
           </a:p>
@@ -3890,7 +4189,7 @@
           <a:p>
             <a:fld id="{EDF032E5-4712-4CD3-A297-BA927FE98535}" type="datetimeFigureOut">
               <a:rPr lang="de-CH" smtClean="0"/>
-              <a:t>06.06.2016</a:t>
+              <a:t>07.06.2016</a:t>
             </a:fld>
             <a:endParaRPr lang="de-CH"/>
           </a:p>
@@ -3995,7 +4294,7 @@
           </a:lstStyle>
           <a:p>
             <a:r>
-              <a:rPr lang="de-DE" smtClean="0"/>
+              <a:rPr lang="de-DE"/>
               <a:t>Titelmasterformat durch Klicken bearbeiten</a:t>
             </a:r>
             <a:endParaRPr lang="en-US" dirty="0"/>
@@ -4052,35 +4351,35 @@
           <a:p>
             <a:pPr lvl="0"/>
             <a:r>
-              <a:rPr lang="de-DE" smtClean="0"/>
+              <a:rPr lang="de-DE"/>
               <a:t>Textmasterformat bearbeiten</a:t>
             </a:r>
           </a:p>
           <a:p>
             <a:pPr lvl="1"/>
             <a:r>
-              <a:rPr lang="de-DE" smtClean="0"/>
+              <a:rPr lang="de-DE"/>
               <a:t>Zweite Ebene</a:t>
             </a:r>
           </a:p>
           <a:p>
             <a:pPr lvl="2"/>
             <a:r>
-              <a:rPr lang="de-DE" smtClean="0"/>
+              <a:rPr lang="de-DE"/>
               <a:t>Dritte Ebene</a:t>
             </a:r>
           </a:p>
           <a:p>
             <a:pPr lvl="3"/>
             <a:r>
-              <a:rPr lang="de-DE" smtClean="0"/>
+              <a:rPr lang="de-DE"/>
               <a:t>Vierte Ebene</a:t>
             </a:r>
           </a:p>
           <a:p>
             <a:pPr lvl="4"/>
             <a:r>
-              <a:rPr lang="de-DE" smtClean="0"/>
+              <a:rPr lang="de-DE"/>
               <a:t>Fünfte Ebene</a:t>
             </a:r>
             <a:endParaRPr lang="en-US" dirty="0"/>
@@ -4154,7 +4453,7 @@
           <a:p>
             <a:pPr lvl="0"/>
             <a:r>
-              <a:rPr lang="de-DE" smtClean="0"/>
+              <a:rPr lang="de-DE"/>
               <a:t>Textmasterformat bearbeiten</a:t>
             </a:r>
           </a:p>
@@ -4177,7 +4476,7 @@
           <a:p>
             <a:fld id="{EDF032E5-4712-4CD3-A297-BA927FE98535}" type="datetimeFigureOut">
               <a:rPr lang="de-CH" smtClean="0"/>
-              <a:t>06.06.2016</a:t>
+              <a:t>07.06.2016</a:t>
             </a:fld>
             <a:endParaRPr lang="de-CH"/>
           </a:p>
@@ -4324,7 +4623,7 @@
           </a:lstStyle>
           <a:p>
             <a:r>
-              <a:rPr lang="de-DE" smtClean="0"/>
+              <a:rPr lang="de-DE"/>
               <a:t>Titelmasterformat durch Klicken bearbeiten</a:t>
             </a:r>
             <a:endParaRPr lang="en-US" dirty="0"/>
@@ -4399,7 +4698,7 @@
           </a:lstStyle>
           <a:p>
             <a:r>
-              <a:rPr lang="de-DE" smtClean="0"/>
+              <a:rPr lang="de-DE"/>
               <a:t>Bild durch Klicken auf Symbol hinzufügen</a:t>
             </a:r>
             <a:endParaRPr lang="en-US" dirty="0"/>
@@ -4479,7 +4778,7 @@
           <a:p>
             <a:pPr lvl="0"/>
             <a:r>
-              <a:rPr lang="de-DE" smtClean="0"/>
+              <a:rPr lang="de-DE"/>
               <a:t>Textmasterformat bearbeiten</a:t>
             </a:r>
           </a:p>
@@ -4502,7 +4801,7 @@
           <a:p>
             <a:fld id="{EDF032E5-4712-4CD3-A297-BA927FE98535}" type="datetimeFigureOut">
               <a:rPr lang="de-CH" smtClean="0"/>
-              <a:t>06.06.2016</a:t>
+              <a:t>07.06.2016</a:t>
             </a:fld>
             <a:endParaRPr lang="de-CH"/>
           </a:p>
@@ -4651,7 +4950,7 @@
           <a:lstStyle/>
           <a:p>
             <a:r>
-              <a:rPr lang="de-DE" smtClean="0"/>
+              <a:rPr lang="de-DE"/>
               <a:t>Titelmasterformat durch Klicken bearbeiten</a:t>
             </a:r>
             <a:endParaRPr lang="en-US" dirty="0"/>
@@ -4685,35 +4984,35 @@
           <a:p>
             <a:pPr lvl="0"/>
             <a:r>
-              <a:rPr lang="de-DE" smtClean="0"/>
+              <a:rPr lang="de-DE"/>
               <a:t>Textmasterformat bearbeiten</a:t>
             </a:r>
           </a:p>
           <a:p>
             <a:pPr lvl="1"/>
             <a:r>
-              <a:rPr lang="de-DE" smtClean="0"/>
+              <a:rPr lang="de-DE"/>
               <a:t>Zweite Ebene</a:t>
             </a:r>
           </a:p>
           <a:p>
             <a:pPr lvl="2"/>
             <a:r>
-              <a:rPr lang="de-DE" smtClean="0"/>
+              <a:rPr lang="de-DE"/>
               <a:t>Dritte Ebene</a:t>
             </a:r>
           </a:p>
           <a:p>
             <a:pPr lvl="3"/>
             <a:r>
-              <a:rPr lang="de-DE" smtClean="0"/>
+              <a:rPr lang="de-DE"/>
               <a:t>Vierte Ebene</a:t>
             </a:r>
           </a:p>
           <a:p>
             <a:pPr lvl="4"/>
             <a:r>
-              <a:rPr lang="de-DE" smtClean="0"/>
+              <a:rPr lang="de-DE"/>
               <a:t>Fünfte Ebene</a:t>
             </a:r>
             <a:endParaRPr lang="en-US" dirty="0"/>
@@ -4756,7 +5055,7 @@
           <a:p>
             <a:fld id="{EDF032E5-4712-4CD3-A297-BA927FE98535}" type="datetimeFigureOut">
               <a:rPr lang="de-CH" smtClean="0"/>
-              <a:t>06.06.2016</a:t>
+              <a:t>07.06.2016</a:t>
             </a:fld>
             <a:endParaRPr lang="de-CH"/>
           </a:p>
@@ -5307,25 +5606,18 @@
   <p:clrMapOvr>
     <a:masterClrMapping/>
   </p:clrMapOvr>
-  <mc:AlternateContent xmlns:mc="http://schemas.openxmlformats.org/markup-compatibility/2006">
-    <mc:Choice xmlns:p14="http://schemas.microsoft.com/office/powerpoint/2010/main" Requires="p14">
+  <mc:AlternateContent xmlns:mc="http://schemas.openxmlformats.org/markup-compatibility/2006" xmlns:p14="http://schemas.microsoft.com/office/powerpoint/2010/main">
+    <mc:Choice Requires="p14">
       <p:transition spd="med" p14:dur="700">
         <p:fade/>
       </p:transition>
     </mc:Choice>
-    <mc:Fallback>
+    <mc:Fallback xmlns="">
       <p:transition spd="med">
         <p:fade/>
       </p:transition>
     </mc:Fallback>
   </mc:AlternateContent>
-  <p:timing>
-    <p:tnLst>
-      <p:par>
-        <p:cTn id="1" dur="indefinite" restart="never" nodeType="tmRoot"/>
-      </p:par>
-    </p:tnLst>
-  </p:timing>
 </p:sld>
 </file>
 
@@ -5386,91 +5678,91 @@
           <a:lstStyle/>
           <a:p>
             <a:r>
-              <a:rPr lang="de-CH" dirty="0" err="1" smtClean="0"/>
+              <a:rPr lang="de-CH" dirty="0" err="1"/>
               <a:t>Scrum</a:t>
             </a:r>
-            <a:endParaRPr lang="de-CH" dirty="0" smtClean="0"/>
+            <a:endParaRPr lang="de-CH" dirty="0"/>
           </a:p>
           <a:p>
             <a:pPr lvl="1"/>
             <a:r>
-              <a:rPr lang="de-CH" dirty="0" smtClean="0"/>
+              <a:rPr lang="de-CH" dirty="0"/>
               <a:t>Grundplanung</a:t>
             </a:r>
           </a:p>
           <a:p>
             <a:pPr lvl="1"/>
             <a:r>
-              <a:rPr lang="de-CH" dirty="0" smtClean="0"/>
+              <a:rPr lang="de-CH" dirty="0"/>
               <a:t>Entwicklung parallel </a:t>
             </a:r>
             <a:r>
-              <a:rPr lang="de-CH" dirty="0" smtClean="0">
+              <a:rPr lang="de-CH" dirty="0">
                 <a:sym typeface="Wingdings" panose="05000000000000000000" pitchFamily="2" charset="2"/>
               </a:rPr>
               <a:t> gute Kommunikation zwingend notwendig</a:t>
             </a:r>
-            <a:endParaRPr lang="de-CH" dirty="0" smtClean="0"/>
+            <a:endParaRPr lang="de-CH" dirty="0"/>
           </a:p>
           <a:p>
             <a:pPr lvl="1"/>
             <a:r>
-              <a:rPr lang="de-CH" dirty="0" smtClean="0"/>
+              <a:rPr lang="de-CH" dirty="0"/>
               <a:t>Gezieltes Einsetzen der Stärken und Fähigkeiten der Teammitglieder</a:t>
             </a:r>
           </a:p>
           <a:p>
             <a:pPr lvl="1"/>
             <a:r>
-              <a:rPr lang="de-CH" dirty="0" smtClean="0"/>
+              <a:rPr lang="de-CH" dirty="0"/>
               <a:t>Schwierigkeiten beim Erstellen des </a:t>
             </a:r>
             <a:r>
-              <a:rPr lang="de-CH" dirty="0" err="1" smtClean="0"/>
+              <a:rPr lang="de-CH" dirty="0" err="1"/>
               <a:t>Product</a:t>
             </a:r>
             <a:r>
-              <a:rPr lang="de-CH" dirty="0" smtClean="0"/>
+              <a:rPr lang="de-CH" dirty="0"/>
               <a:t> &amp; Sprint </a:t>
             </a:r>
             <a:r>
-              <a:rPr lang="de-CH" dirty="0" err="1" smtClean="0"/>
+              <a:rPr lang="de-CH" dirty="0" err="1"/>
               <a:t>Backlogs</a:t>
             </a:r>
-            <a:endParaRPr lang="de-CH" dirty="0" smtClean="0"/>
+            <a:endParaRPr lang="de-CH" dirty="0"/>
           </a:p>
           <a:p>
             <a:pPr lvl="1"/>
             <a:r>
-              <a:rPr lang="de-CH" dirty="0" smtClean="0"/>
+              <a:rPr lang="de-CH" dirty="0"/>
               <a:t>«Daily </a:t>
             </a:r>
             <a:r>
-              <a:rPr lang="de-CH" dirty="0" err="1" smtClean="0"/>
+              <a:rPr lang="de-CH" dirty="0" err="1"/>
               <a:t>Scrum</a:t>
             </a:r>
             <a:r>
-              <a:rPr lang="de-CH" dirty="0" smtClean="0"/>
+              <a:rPr lang="de-CH" dirty="0"/>
               <a:t> Meeting» nicht «</a:t>
             </a:r>
             <a:r>
-              <a:rPr lang="de-CH" dirty="0" err="1" smtClean="0"/>
+              <a:rPr lang="de-CH" dirty="0" err="1"/>
               <a:t>daily</a:t>
             </a:r>
             <a:r>
-              <a:rPr lang="de-CH" dirty="0" smtClean="0"/>
+              <a:rPr lang="de-CH" dirty="0"/>
               <a:t>» durchgeführt</a:t>
             </a:r>
           </a:p>
           <a:p>
             <a:pPr lvl="1"/>
             <a:r>
-              <a:rPr lang="de-CH" dirty="0" smtClean="0"/>
+              <a:rPr lang="de-CH" dirty="0"/>
               <a:t>Projektabwicklung interessant</a:t>
             </a:r>
           </a:p>
           <a:p>
-            <a:endParaRPr lang="de-CH" dirty="0" smtClean="0"/>
+            <a:endParaRPr lang="de-CH" dirty="0"/>
           </a:p>
           <a:p>
             <a:endParaRPr lang="de-CH" dirty="0"/>
@@ -5487,25 +5779,18 @@
   <p:clrMapOvr>
     <a:masterClrMapping/>
   </p:clrMapOvr>
-  <mc:AlternateContent xmlns:mc="http://schemas.openxmlformats.org/markup-compatibility/2006">
-    <mc:Choice xmlns:p14="http://schemas.microsoft.com/office/powerpoint/2010/main" Requires="p14">
+  <mc:AlternateContent xmlns:mc="http://schemas.openxmlformats.org/markup-compatibility/2006" xmlns:p14="http://schemas.microsoft.com/office/powerpoint/2010/main">
+    <mc:Choice Requires="p14">
       <p:transition spd="med" p14:dur="700">
         <p:fade/>
       </p:transition>
     </mc:Choice>
-    <mc:Fallback>
+    <mc:Fallback xmlns="">
       <p:transition spd="med">
         <p:fade/>
       </p:transition>
     </mc:Fallback>
   </mc:AlternateContent>
-  <p:timing>
-    <p:tnLst>
-      <p:par>
-        <p:cTn id="1" dur="indefinite" restart="never" nodeType="tmRoot"/>
-      </p:par>
-    </p:tnLst>
-  </p:timing>
 </p:sld>
 </file>
 
@@ -5566,12 +5851,8 @@
           <a:lstStyle/>
           <a:p>
             <a:r>
-              <a:rPr lang="de-CH" dirty="0" smtClean="0"/>
-              <a:t>Verwendete </a:t>
-            </a:r>
-            <a:r>
-              <a:rPr lang="de-CH" dirty="0"/>
-              <a:t>Tools</a:t>
+              <a:rPr lang="de-CH" dirty="0"/>
+              <a:t>Verwendete Tools</a:t>
             </a:r>
           </a:p>
           <a:p>
@@ -5601,16 +5882,24 @@
           <a:p>
             <a:pPr lvl="1"/>
             <a:r>
-              <a:rPr lang="de-CH" dirty="0" err="1" smtClean="0"/>
+              <a:rPr lang="de-CH" dirty="0" err="1"/>
               <a:t>Junit</a:t>
             </a:r>
             <a:r>
-              <a:rPr lang="de-CH" dirty="0" smtClean="0"/>
+              <a:rPr lang="de-CH" dirty="0"/>
               <a:t>, </a:t>
             </a:r>
             <a:r>
-              <a:rPr lang="de-CH" dirty="0" err="1" smtClean="0"/>
+              <a:rPr lang="de-CH" dirty="0" err="1"/>
               <a:t>EclEmma</a:t>
+            </a:r>
+            <a:r>
+              <a:rPr lang="de-CH" dirty="0"/>
+              <a:t>, Borland </a:t>
+            </a:r>
+            <a:r>
+              <a:rPr lang="de-CH" dirty="0" err="1"/>
+              <a:t>Together</a:t>
             </a:r>
             <a:endParaRPr lang="de-CH" dirty="0"/>
           </a:p>
@@ -5626,25 +5915,18 @@
   <p:clrMapOvr>
     <a:masterClrMapping/>
   </p:clrMapOvr>
-  <mc:AlternateContent xmlns:mc="http://schemas.openxmlformats.org/markup-compatibility/2006">
-    <mc:Choice xmlns:p14="http://schemas.microsoft.com/office/powerpoint/2010/main" Requires="p14">
+  <mc:AlternateContent xmlns:mc="http://schemas.openxmlformats.org/markup-compatibility/2006" xmlns:p14="http://schemas.microsoft.com/office/powerpoint/2010/main">
+    <mc:Choice Requires="p14">
       <p:transition spd="med" p14:dur="700">
         <p:fade/>
       </p:transition>
     </mc:Choice>
-    <mc:Fallback>
+    <mc:Fallback xmlns="">
       <p:transition spd="med">
         <p:fade/>
       </p:transition>
     </mc:Fallback>
   </mc:AlternateContent>
-  <p:timing>
-    <p:tnLst>
-      <p:par>
-        <p:cTn id="1" dur="indefinite" restart="never" nodeType="tmRoot"/>
-      </p:par>
-    </p:tnLst>
-  </p:timing>
 </p:sld>
 </file>
 
@@ -5703,19 +5985,19 @@
           <a:lstStyle/>
           <a:p>
             <a:r>
-              <a:rPr lang="de-CH" dirty="0" smtClean="0"/>
+              <a:rPr lang="de-CH" dirty="0"/>
               <a:t>Wenig Planung erforderlich</a:t>
             </a:r>
           </a:p>
           <a:p>
             <a:r>
-              <a:rPr lang="de-CH" dirty="0" smtClean="0"/>
+              <a:rPr lang="de-CH" dirty="0"/>
               <a:t>Flexibilität</a:t>
             </a:r>
           </a:p>
           <a:p>
             <a:r>
-              <a:rPr lang="de-CH" dirty="0" smtClean="0"/>
+              <a:rPr lang="de-CH" dirty="0"/>
               <a:t>Entwickler viel Freiheit aber auch Eigenverantwortung</a:t>
             </a:r>
           </a:p>
@@ -5735,25 +6017,18 @@
   <p:clrMapOvr>
     <a:masterClrMapping/>
   </p:clrMapOvr>
-  <mc:AlternateContent xmlns:mc="http://schemas.openxmlformats.org/markup-compatibility/2006">
-    <mc:Choice xmlns:p14="http://schemas.microsoft.com/office/powerpoint/2010/main" Requires="p14">
+  <mc:AlternateContent xmlns:mc="http://schemas.openxmlformats.org/markup-compatibility/2006" xmlns:p14="http://schemas.microsoft.com/office/powerpoint/2010/main">
+    <mc:Choice Requires="p14">
       <p:transition spd="med" p14:dur="700">
         <p:fade/>
       </p:transition>
     </mc:Choice>
-    <mc:Fallback>
+    <mc:Fallback xmlns="">
       <p:transition spd="med">
         <p:fade/>
       </p:transition>
     </mc:Fallback>
   </mc:AlternateContent>
-  <p:timing>
-    <p:tnLst>
-      <p:par>
-        <p:cTn id="1" dur="indefinite" restart="never" nodeType="tmRoot"/>
-      </p:par>
-    </p:tnLst>
-  </p:timing>
 </p:sld>
 </file>
 
@@ -5790,11 +6065,11 @@
           <a:lstStyle/>
           <a:p>
             <a:r>
-              <a:rPr lang="de-CH" dirty="0" smtClean="0"/>
+              <a:rPr lang="de-CH" dirty="0"/>
               <a:t>Vorführung </a:t>
             </a:r>
             <a:r>
-              <a:rPr lang="de-CH" dirty="0" err="1" smtClean="0"/>
+              <a:rPr lang="de-CH" dirty="0" err="1"/>
               <a:t>Hashi</a:t>
             </a:r>
             <a:r>
@@ -5853,25 +6128,18 @@
   <p:clrMapOvr>
     <a:masterClrMapping/>
   </p:clrMapOvr>
-  <mc:AlternateContent xmlns:mc="http://schemas.openxmlformats.org/markup-compatibility/2006">
-    <mc:Choice xmlns:p14="http://schemas.microsoft.com/office/powerpoint/2010/main" Requires="p14">
+  <mc:AlternateContent xmlns:mc="http://schemas.openxmlformats.org/markup-compatibility/2006" xmlns:p14="http://schemas.microsoft.com/office/powerpoint/2010/main">
+    <mc:Choice Requires="p14">
       <p:transition spd="med" p14:dur="700">
         <p:fade/>
       </p:transition>
     </mc:Choice>
-    <mc:Fallback>
+    <mc:Fallback xmlns="">
       <p:transition spd="med">
         <p:fade/>
       </p:transition>
     </mc:Fallback>
   </mc:AlternateContent>
-  <p:timing>
-    <p:tnLst>
-      <p:par>
-        <p:cTn id="1" dur="indefinite" restart="never" nodeType="tmRoot"/>
-      </p:par>
-    </p:tnLst>
-  </p:timing>
 </p:sld>
 </file>
 
@@ -5943,25 +6211,18 @@
   <p:clrMapOvr>
     <a:masterClrMapping/>
   </p:clrMapOvr>
-  <mc:AlternateContent xmlns:mc="http://schemas.openxmlformats.org/markup-compatibility/2006">
-    <mc:Choice xmlns:p14="http://schemas.microsoft.com/office/powerpoint/2010/main" Requires="p14">
+  <mc:AlternateContent xmlns:mc="http://schemas.openxmlformats.org/markup-compatibility/2006" xmlns:p14="http://schemas.microsoft.com/office/powerpoint/2010/main">
+    <mc:Choice Requires="p14">
       <p:transition spd="med" p14:dur="700">
         <p:fade/>
       </p:transition>
     </mc:Choice>
-    <mc:Fallback>
+    <mc:Fallback xmlns="">
       <p:transition spd="med">
         <p:fade/>
       </p:transition>
     </mc:Fallback>
   </mc:AlternateContent>
-  <p:timing>
-    <p:tnLst>
-      <p:par>
-        <p:cTn id="1" dur="indefinite" restart="never" nodeType="tmRoot"/>
-      </p:par>
-    </p:tnLst>
-  </p:timing>
 </p:sld>
 </file>
 
@@ -5998,10 +6259,9 @@
           <a:lstStyle/>
           <a:p>
             <a:r>
-              <a:rPr lang="de-CH" dirty="0" smtClean="0"/>
+              <a:rPr lang="de-CH" dirty="0"/>
               <a:t>Ablauf</a:t>
             </a:r>
-            <a:endParaRPr lang="de-CH" dirty="0"/>
           </a:p>
         </p:txBody>
       </p:sp>
@@ -6023,102 +6283,102 @@
           <a:lstStyle/>
           <a:p>
             <a:r>
-              <a:rPr lang="de-CH" dirty="0" smtClean="0"/>
+              <a:rPr lang="de-CH" dirty="0"/>
               <a:t>Prozessmodell </a:t>
             </a:r>
             <a:r>
-              <a:rPr lang="de-CH" dirty="0" err="1" smtClean="0"/>
+              <a:rPr lang="de-CH" dirty="0" err="1"/>
               <a:t>Scrum</a:t>
             </a:r>
-            <a:endParaRPr lang="de-CH" dirty="0" smtClean="0"/>
-          </a:p>
-          <a:p>
-            <a:r>
-              <a:rPr lang="de-CH" dirty="0" smtClean="0"/>
+            <a:endParaRPr lang="de-CH" dirty="0"/>
+          </a:p>
+          <a:p>
+            <a:r>
+              <a:rPr lang="de-CH" dirty="0"/>
               <a:t>Entwicklungsschritte</a:t>
             </a:r>
           </a:p>
           <a:p>
             <a:pPr lvl="1"/>
             <a:r>
-              <a:rPr lang="de-CH" dirty="0" smtClean="0"/>
+              <a:rPr lang="de-CH" dirty="0"/>
               <a:t>User Stories</a:t>
             </a:r>
           </a:p>
           <a:p>
             <a:pPr lvl="1"/>
             <a:r>
-              <a:rPr lang="de-CH" dirty="0" err="1" smtClean="0"/>
+              <a:rPr lang="de-CH" dirty="0" err="1"/>
               <a:t>Product</a:t>
             </a:r>
             <a:r>
-              <a:rPr lang="de-CH" dirty="0" smtClean="0"/>
+              <a:rPr lang="de-CH" dirty="0"/>
               <a:t> und Sprint </a:t>
             </a:r>
             <a:r>
-              <a:rPr lang="de-CH" dirty="0" err="1" smtClean="0"/>
+              <a:rPr lang="de-CH" dirty="0" err="1"/>
               <a:t>Backlog</a:t>
             </a:r>
-            <a:endParaRPr lang="de-CH" dirty="0" smtClean="0"/>
-          </a:p>
-          <a:p>
-            <a:r>
-              <a:rPr lang="de-CH" dirty="0" smtClean="0"/>
+            <a:endParaRPr lang="de-CH" dirty="0"/>
+          </a:p>
+          <a:p>
+            <a:r>
+              <a:rPr lang="de-CH" dirty="0"/>
               <a:t>Software</a:t>
             </a:r>
           </a:p>
           <a:p>
             <a:pPr lvl="1"/>
             <a:r>
-              <a:rPr lang="de-CH" dirty="0" smtClean="0"/>
+              <a:rPr lang="de-CH" dirty="0"/>
               <a:t>Klassendiagramme</a:t>
             </a:r>
           </a:p>
           <a:p>
             <a:pPr lvl="1"/>
             <a:r>
-              <a:rPr lang="de-CH" dirty="0" smtClean="0"/>
+              <a:rPr lang="de-CH" dirty="0"/>
               <a:t>Verwendete Patterns</a:t>
             </a:r>
           </a:p>
           <a:p>
             <a:pPr lvl="1"/>
             <a:r>
-              <a:rPr lang="de-CH" dirty="0" smtClean="0"/>
+              <a:rPr lang="de-CH" dirty="0"/>
               <a:t>Spiel speichern/laden</a:t>
             </a:r>
           </a:p>
           <a:p>
             <a:r>
-              <a:rPr lang="de-CH" dirty="0" smtClean="0"/>
+              <a:rPr lang="de-CH" dirty="0"/>
               <a:t>Metriken und Tests</a:t>
             </a:r>
           </a:p>
           <a:p>
             <a:r>
-              <a:rPr lang="de-CH" dirty="0" smtClean="0"/>
+              <a:rPr lang="de-CH" dirty="0"/>
               <a:t>Erfahrungen</a:t>
             </a:r>
           </a:p>
           <a:p>
             <a:r>
-              <a:rPr lang="de-CH" dirty="0" smtClean="0"/>
+              <a:rPr lang="de-CH" dirty="0"/>
               <a:t>Vergleich der Prozesse</a:t>
             </a:r>
           </a:p>
           <a:p>
             <a:r>
-              <a:rPr lang="de-CH" dirty="0" smtClean="0"/>
+              <a:rPr lang="de-CH" dirty="0"/>
               <a:t>Vorführung </a:t>
             </a:r>
             <a:r>
-              <a:rPr lang="de-CH" dirty="0" err="1" smtClean="0"/>
+              <a:rPr lang="de-CH" dirty="0" err="1"/>
               <a:t>Hashi</a:t>
             </a:r>
-            <a:endParaRPr lang="de-CH" dirty="0" smtClean="0"/>
-          </a:p>
-          <a:p>
-            <a:endParaRPr lang="de-CH" dirty="0" smtClean="0"/>
+            <a:endParaRPr lang="de-CH" dirty="0"/>
+          </a:p>
+          <a:p>
+            <a:endParaRPr lang="de-CH" dirty="0"/>
           </a:p>
         </p:txBody>
       </p:sp>
@@ -6132,25 +6392,18 @@
   <p:clrMapOvr>
     <a:masterClrMapping/>
   </p:clrMapOvr>
-  <mc:AlternateContent xmlns:mc="http://schemas.openxmlformats.org/markup-compatibility/2006">
-    <mc:Choice xmlns:p14="http://schemas.microsoft.com/office/powerpoint/2010/main" Requires="p14">
+  <mc:AlternateContent xmlns:mc="http://schemas.openxmlformats.org/markup-compatibility/2006" xmlns:p14="http://schemas.microsoft.com/office/powerpoint/2010/main">
+    <mc:Choice Requires="p14">
       <p:transition spd="med" p14:dur="700">
         <p:fade/>
       </p:transition>
     </mc:Choice>
-    <mc:Fallback>
+    <mc:Fallback xmlns="">
       <p:transition spd="med">
         <p:fade/>
       </p:transition>
     </mc:Fallback>
   </mc:AlternateContent>
-  <p:timing>
-    <p:tnLst>
-      <p:par>
-        <p:cTn id="1" dur="indefinite" restart="never" nodeType="tmRoot"/>
-      </p:par>
-    </p:tnLst>
-  </p:timing>
 </p:sld>
 </file>
 
@@ -6187,7 +6440,7 @@
           <a:lstStyle/>
           <a:p>
             <a:r>
-              <a:rPr lang="de-CH" dirty="0" err="1" smtClean="0"/>
+              <a:rPr lang="de-CH" dirty="0" err="1"/>
               <a:t>Scrum</a:t>
             </a:r>
             <a:endParaRPr lang="de-CH" dirty="0"/>
@@ -6210,7 +6463,7 @@
           <a:lstStyle/>
           <a:p>
             <a:r>
-              <a:rPr lang="de-CH" dirty="0" smtClean="0"/>
+              <a:rPr lang="de-CH" dirty="0"/>
               <a:t>User Stories</a:t>
             </a:r>
           </a:p>
@@ -6218,31 +6471,31 @@
             <a:endParaRPr lang="de-CH" dirty="0"/>
           </a:p>
           <a:p>
-            <a:endParaRPr lang="de-CH" dirty="0" smtClean="0"/>
-          </a:p>
-          <a:p>
             <a:endParaRPr lang="de-CH" dirty="0"/>
           </a:p>
           <a:p>
-            <a:endParaRPr lang="de-CH" dirty="0" smtClean="0"/>
-          </a:p>
-          <a:p>
-            <a:r>
-              <a:rPr lang="de-CH" dirty="0" err="1" smtClean="0"/>
+            <a:endParaRPr lang="de-CH" dirty="0"/>
+          </a:p>
+          <a:p>
+            <a:endParaRPr lang="de-CH" dirty="0"/>
+          </a:p>
+          <a:p>
+            <a:r>
+              <a:rPr lang="de-CH" dirty="0" err="1"/>
               <a:t>Product</a:t>
             </a:r>
             <a:r>
-              <a:rPr lang="de-CH" dirty="0" smtClean="0"/>
+              <a:rPr lang="de-CH" dirty="0"/>
               <a:t> </a:t>
             </a:r>
             <a:r>
-              <a:rPr lang="de-CH" dirty="0" err="1" smtClean="0"/>
+              <a:rPr lang="de-CH" dirty="0" err="1"/>
               <a:t>Backlog</a:t>
             </a:r>
-            <a:endParaRPr lang="de-CH" dirty="0" smtClean="0"/>
-          </a:p>
-          <a:p>
-            <a:endParaRPr lang="de-CH" dirty="0" smtClean="0"/>
+            <a:endParaRPr lang="de-CH" dirty="0"/>
+          </a:p>
+          <a:p>
+            <a:endParaRPr lang="de-CH" dirty="0"/>
           </a:p>
           <a:p>
             <a:endParaRPr lang="de-CH" dirty="0"/>
@@ -6307,25 +6560,18 @@
   <p:clrMapOvr>
     <a:masterClrMapping/>
   </p:clrMapOvr>
-  <mc:AlternateContent xmlns:mc="http://schemas.openxmlformats.org/markup-compatibility/2006">
-    <mc:Choice xmlns:p14="http://schemas.microsoft.com/office/powerpoint/2010/main" Requires="p14">
+  <mc:AlternateContent xmlns:mc="http://schemas.openxmlformats.org/markup-compatibility/2006" xmlns:p14="http://schemas.microsoft.com/office/powerpoint/2010/main">
+    <mc:Choice Requires="p14">
       <p:transition spd="med" p14:dur="700">
         <p:fade/>
       </p:transition>
     </mc:Choice>
-    <mc:Fallback>
+    <mc:Fallback xmlns="">
       <p:transition spd="med">
         <p:fade/>
       </p:transition>
     </mc:Fallback>
   </mc:AlternateContent>
-  <p:timing>
-    <p:tnLst>
-      <p:par>
-        <p:cTn id="1" dur="indefinite" restart="never" nodeType="tmRoot"/>
-      </p:par>
-    </p:tnLst>
-  </p:timing>
 </p:sld>
 </file>
 
@@ -6362,7 +6608,7 @@
           <a:lstStyle/>
           <a:p>
             <a:r>
-              <a:rPr lang="de-CH" dirty="0" err="1" smtClean="0"/>
+              <a:rPr lang="de-CH" dirty="0" err="1"/>
               <a:t>Scrum</a:t>
             </a:r>
             <a:endParaRPr lang="de-CH" dirty="0"/>
@@ -6385,23 +6631,23 @@
           <a:lstStyle/>
           <a:p>
             <a:r>
-              <a:rPr lang="de-CH" dirty="0" smtClean="0"/>
+              <a:rPr lang="de-CH" dirty="0"/>
               <a:t>Sprint </a:t>
             </a:r>
             <a:r>
-              <a:rPr lang="de-CH" dirty="0" err="1" smtClean="0"/>
+              <a:rPr lang="de-CH" dirty="0" err="1"/>
               <a:t>Backlog</a:t>
             </a:r>
-            <a:endParaRPr lang="de-CH" dirty="0" smtClean="0"/>
-          </a:p>
-          <a:p>
-            <a:endParaRPr lang="de-CH" dirty="0" smtClean="0"/>
-          </a:p>
-          <a:p>
             <a:endParaRPr lang="de-CH" dirty="0"/>
           </a:p>
           <a:p>
-            <a:endParaRPr lang="de-CH" dirty="0" smtClean="0"/>
+            <a:endParaRPr lang="de-CH" dirty="0"/>
+          </a:p>
+          <a:p>
+            <a:endParaRPr lang="de-CH" dirty="0"/>
+          </a:p>
+          <a:p>
+            <a:endParaRPr lang="de-CH" dirty="0"/>
           </a:p>
           <a:p>
             <a:endParaRPr lang="de-CH" dirty="0"/>
@@ -6442,25 +6688,18 @@
   <p:clrMapOvr>
     <a:masterClrMapping/>
   </p:clrMapOvr>
-  <mc:AlternateContent xmlns:mc="http://schemas.openxmlformats.org/markup-compatibility/2006">
-    <mc:Choice xmlns:p14="http://schemas.microsoft.com/office/powerpoint/2010/main" Requires="p14">
+  <mc:AlternateContent xmlns:mc="http://schemas.openxmlformats.org/markup-compatibility/2006" xmlns:p14="http://schemas.microsoft.com/office/powerpoint/2010/main">
+    <mc:Choice Requires="p14">
       <p:transition spd="med" p14:dur="700">
         <p:fade/>
       </p:transition>
     </mc:Choice>
-    <mc:Fallback>
+    <mc:Fallback xmlns="">
       <p:transition spd="med">
         <p:fade/>
       </p:transition>
     </mc:Fallback>
   </mc:AlternateContent>
-  <p:timing>
-    <p:tnLst>
-      <p:par>
-        <p:cTn id="1" dur="indefinite" restart="never" nodeType="tmRoot"/>
-      </p:par>
-    </p:tnLst>
-  </p:timing>
 </p:sld>
 </file>
 
@@ -6617,25 +6856,18 @@
   <p:clrMapOvr>
     <a:masterClrMapping/>
   </p:clrMapOvr>
-  <mc:AlternateContent xmlns:mc="http://schemas.openxmlformats.org/markup-compatibility/2006">
-    <mc:Choice xmlns:p14="http://schemas.microsoft.com/office/powerpoint/2010/main" Requires="p14">
+  <mc:AlternateContent xmlns:mc="http://schemas.openxmlformats.org/markup-compatibility/2006" xmlns:p14="http://schemas.microsoft.com/office/powerpoint/2010/main">
+    <mc:Choice Requires="p14">
       <p:transition spd="med" p14:dur="700">
         <p:fade/>
       </p:transition>
     </mc:Choice>
-    <mc:Fallback>
+    <mc:Fallback xmlns="">
       <p:transition spd="med">
         <p:fade/>
       </p:transition>
     </mc:Fallback>
   </mc:AlternateContent>
-  <p:timing>
-    <p:tnLst>
-      <p:par>
-        <p:cTn id="1" dur="indefinite" restart="never" nodeType="tmRoot"/>
-      </p:par>
-    </p:tnLst>
-  </p:timing>
 </p:sld>
 </file>
 
@@ -6792,25 +7024,18 @@
   <p:clrMapOvr>
     <a:masterClrMapping/>
   </p:clrMapOvr>
-  <mc:AlternateContent xmlns:mc="http://schemas.openxmlformats.org/markup-compatibility/2006">
-    <mc:Choice xmlns:p14="http://schemas.microsoft.com/office/powerpoint/2010/main" Requires="p14">
+  <mc:AlternateContent xmlns:mc="http://schemas.openxmlformats.org/markup-compatibility/2006" xmlns:p14="http://schemas.microsoft.com/office/powerpoint/2010/main">
+    <mc:Choice Requires="p14">
       <p:transition spd="med" p14:dur="700">
         <p:fade/>
       </p:transition>
     </mc:Choice>
-    <mc:Fallback>
+    <mc:Fallback xmlns="">
       <p:transition spd="med">
         <p:fade/>
       </p:transition>
     </mc:Fallback>
   </mc:AlternateContent>
-  <p:timing>
-    <p:tnLst>
-      <p:par>
-        <p:cTn id="1" dur="indefinite" restart="never" nodeType="tmRoot"/>
-      </p:par>
-    </p:tnLst>
-  </p:timing>
 </p:sld>
 </file>
 
@@ -6870,115 +7095,108 @@
           <a:p>
             <a:r>
               <a:rPr lang="de-CH" dirty="0"/>
-              <a:t>MVC (Model-View-Controller</a:t>
-            </a:r>
-            <a:r>
-              <a:rPr lang="de-CH" dirty="0" smtClean="0"/>
-              <a:t>)</a:t>
+              <a:t>MVC (Model-View-Controller)</a:t>
             </a:r>
           </a:p>
           <a:p>
             <a:pPr lvl="1"/>
             <a:r>
-              <a:rPr lang="de-CH" dirty="0" smtClean="0"/>
+              <a:rPr lang="de-CH" dirty="0"/>
               <a:t>Model (Verarbeitung/Datenhaltung)</a:t>
             </a:r>
           </a:p>
           <a:p>
             <a:pPr lvl="1"/>
             <a:r>
-              <a:rPr lang="de-CH" dirty="0" smtClean="0"/>
+              <a:rPr lang="de-CH" dirty="0"/>
               <a:t>View (GUI)</a:t>
             </a:r>
           </a:p>
           <a:p>
             <a:pPr lvl="1"/>
             <a:r>
-              <a:rPr lang="de-CH" dirty="0" smtClean="0"/>
+              <a:rPr lang="de-CH" dirty="0"/>
               <a:t>Controller (Eingaben im Spielfeld)</a:t>
             </a:r>
+          </a:p>
+          <a:p>
+            <a:r>
+              <a:rPr lang="de-CH" dirty="0" err="1"/>
+              <a:t>Decorator</a:t>
+            </a:r>
             <a:endParaRPr lang="de-CH" dirty="0"/>
           </a:p>
           <a:p>
-            <a:r>
-              <a:rPr lang="de-CH" dirty="0" err="1" smtClean="0"/>
-              <a:t>Decorator</a:t>
-            </a:r>
-            <a:endParaRPr lang="de-CH" dirty="0" smtClean="0"/>
-          </a:p>
-          <a:p>
             <a:pPr lvl="1"/>
             <a:r>
-              <a:rPr lang="de-CH" dirty="0" err="1" smtClean="0"/>
+              <a:rPr lang="de-CH" dirty="0" err="1"/>
               <a:t>Undo</a:t>
             </a:r>
             <a:r>
-              <a:rPr lang="de-CH" dirty="0" smtClean="0"/>
+              <a:rPr lang="de-CH" dirty="0"/>
               <a:t>/</a:t>
             </a:r>
             <a:r>
-              <a:rPr lang="de-CH" dirty="0" err="1" smtClean="0"/>
+              <a:rPr lang="de-CH" dirty="0" err="1"/>
               <a:t>Redo</a:t>
             </a:r>
             <a:endParaRPr lang="de-CH" dirty="0"/>
           </a:p>
           <a:p>
             <a:r>
-              <a:rPr lang="de-CH" dirty="0" smtClean="0"/>
+              <a:rPr lang="de-CH" dirty="0"/>
               <a:t>Command</a:t>
             </a:r>
           </a:p>
           <a:p>
             <a:pPr lvl="1"/>
             <a:r>
-              <a:rPr lang="de-CH" dirty="0" err="1" smtClean="0"/>
+              <a:rPr lang="de-CH" dirty="0" err="1"/>
               <a:t>Undo</a:t>
             </a:r>
             <a:r>
-              <a:rPr lang="de-CH" dirty="0" smtClean="0"/>
+              <a:rPr lang="de-CH" dirty="0"/>
               <a:t>/</a:t>
             </a:r>
             <a:r>
-              <a:rPr lang="de-CH" dirty="0" err="1" smtClean="0"/>
+              <a:rPr lang="de-CH" dirty="0" err="1"/>
               <a:t>Redo</a:t>
             </a:r>
-            <a:endParaRPr lang="de-CH" dirty="0" smtClean="0"/>
-          </a:p>
-          <a:p>
-            <a:r>
-              <a:rPr lang="de-CH" dirty="0" smtClean="0"/>
+            <a:endParaRPr lang="de-CH" dirty="0"/>
+          </a:p>
+          <a:p>
+            <a:r>
+              <a:rPr lang="de-CH" dirty="0"/>
               <a:t>Factory</a:t>
             </a:r>
           </a:p>
           <a:p>
             <a:pPr lvl="1"/>
             <a:r>
-              <a:rPr lang="de-CH" dirty="0" smtClean="0"/>
+              <a:rPr lang="de-CH" dirty="0"/>
               <a:t>Erstellen neuer Spielvorlage</a:t>
             </a:r>
-            <a:endParaRPr lang="de-CH" dirty="0"/>
-          </a:p>
-          <a:p>
-            <a:r>
-              <a:rPr lang="de-CH" dirty="0" smtClean="0"/>
+          </a:p>
+          <a:p>
+            <a:r>
+              <a:rPr lang="de-CH" dirty="0"/>
               <a:t>Template</a:t>
             </a:r>
           </a:p>
           <a:p>
             <a:pPr lvl="1"/>
             <a:r>
-              <a:rPr lang="de-CH" dirty="0" smtClean="0"/>
+              <a:rPr lang="de-CH" dirty="0"/>
               <a:t>Abstrakte Klasse «</a:t>
             </a:r>
             <a:r>
-              <a:rPr lang="de-CH" dirty="0" err="1" smtClean="0"/>
+              <a:rPr lang="de-CH" dirty="0" err="1"/>
               <a:t>GameFieldController</a:t>
             </a:r>
             <a:r>
-              <a:rPr lang="de-CH" dirty="0" smtClean="0"/>
+              <a:rPr lang="de-CH" dirty="0"/>
               <a:t>»</a:t>
             </a:r>
-            <a:endParaRPr lang="de-CH" dirty="0"/>
           </a:p>
         </p:txBody>
       </p:sp>
@@ -6992,25 +7210,18 @@
   <p:clrMapOvr>
     <a:masterClrMapping/>
   </p:clrMapOvr>
-  <mc:AlternateContent xmlns:mc="http://schemas.openxmlformats.org/markup-compatibility/2006">
-    <mc:Choice xmlns:p14="http://schemas.microsoft.com/office/powerpoint/2010/main" Requires="p14">
+  <mc:AlternateContent xmlns:mc="http://schemas.openxmlformats.org/markup-compatibility/2006" xmlns:p14="http://schemas.microsoft.com/office/powerpoint/2010/main">
+    <mc:Choice Requires="p14">
       <p:transition spd="med" p14:dur="700">
         <p:fade/>
       </p:transition>
     </mc:Choice>
-    <mc:Fallback>
+    <mc:Fallback xmlns="">
       <p:transition spd="med">
         <p:fade/>
       </p:transition>
     </mc:Fallback>
   </mc:AlternateContent>
-  <p:timing>
-    <p:tnLst>
-      <p:par>
-        <p:cTn id="1" dur="indefinite" restart="never" nodeType="tmRoot"/>
-      </p:par>
-    </p:tnLst>
-  </p:timing>
 </p:sld>
 </file>
 
@@ -7048,13 +7259,8 @@
           <a:p>
             <a:r>
               <a:rPr lang="de-CH" dirty="0"/>
-              <a:t>Spiel </a:t>
-            </a:r>
-            <a:r>
-              <a:rPr lang="de-CH" dirty="0" smtClean="0"/>
-              <a:t>speichern/laden</a:t>
-            </a:r>
-            <a:endParaRPr lang="de-CH" dirty="0"/>
+              <a:t>Spiel speichern/laden</a:t>
+            </a:r>
           </a:p>
         </p:txBody>
       </p:sp>
@@ -7074,22 +7280,21 @@
           <a:lstStyle/>
           <a:p>
             <a:r>
-              <a:rPr lang="de-CH" dirty="0" smtClean="0"/>
+              <a:rPr lang="de-CH" dirty="0"/>
               <a:t>Basierend auf neo4j (Graphische Datenbank)</a:t>
             </a:r>
           </a:p>
           <a:p>
             <a:r>
-              <a:rPr lang="de-CH" dirty="0" smtClean="0"/>
+              <a:rPr lang="de-CH" dirty="0"/>
               <a:t>Funktionen speichern und laden integriert</a:t>
             </a:r>
           </a:p>
           <a:p>
             <a:r>
-              <a:rPr lang="de-CH" dirty="0" smtClean="0"/>
+              <a:rPr lang="de-CH" dirty="0"/>
               <a:t>Datenbank in XML oder JSON Format</a:t>
             </a:r>
-            <a:endParaRPr lang="de-CH" dirty="0"/>
           </a:p>
         </p:txBody>
       </p:sp>
@@ -7103,25 +7308,18 @@
   <p:clrMapOvr>
     <a:masterClrMapping/>
   </p:clrMapOvr>
-  <mc:AlternateContent xmlns:mc="http://schemas.openxmlformats.org/markup-compatibility/2006">
-    <mc:Choice xmlns:p14="http://schemas.microsoft.com/office/powerpoint/2010/main" Requires="p14">
+  <mc:AlternateContent xmlns:mc="http://schemas.openxmlformats.org/markup-compatibility/2006" xmlns:p14="http://schemas.microsoft.com/office/powerpoint/2010/main">
+    <mc:Choice Requires="p14">
       <p:transition spd="med" p14:dur="700">
         <p:fade/>
       </p:transition>
     </mc:Choice>
-    <mc:Fallback>
+    <mc:Fallback xmlns="">
       <p:transition spd="med">
         <p:fade/>
       </p:transition>
     </mc:Fallback>
   </mc:AlternateContent>
-  <p:timing>
-    <p:tnLst>
-      <p:par>
-        <p:cTn id="1" dur="indefinite" restart="never" nodeType="tmRoot"/>
-      </p:par>
-    </p:tnLst>
-  </p:timing>
 </p:sld>
 </file>
 
@@ -7180,116 +7378,116 @@
           <a:lstStyle/>
           <a:p>
             <a:r>
-              <a:rPr lang="de-CH" dirty="0" smtClean="0"/>
+              <a:rPr lang="de-CH" dirty="0"/>
               <a:t>Tests</a:t>
             </a:r>
           </a:p>
           <a:p>
             <a:pPr lvl="1"/>
             <a:r>
-              <a:rPr lang="de-CH" dirty="0" err="1" smtClean="0"/>
+              <a:rPr lang="de-CH" dirty="0" err="1"/>
               <a:t>Junit</a:t>
             </a:r>
-            <a:endParaRPr lang="de-CH" dirty="0" smtClean="0"/>
+            <a:endParaRPr lang="de-CH" dirty="0"/>
           </a:p>
           <a:p>
             <a:pPr lvl="1"/>
             <a:r>
-              <a:rPr lang="de-CH" dirty="0" smtClean="0"/>
+              <a:rPr lang="de-CH" dirty="0"/>
               <a:t>Code-</a:t>
             </a:r>
             <a:r>
-              <a:rPr lang="de-CH" dirty="0" err="1" smtClean="0"/>
+              <a:rPr lang="de-CH" dirty="0" err="1"/>
               <a:t>Coverage</a:t>
             </a:r>
-            <a:endParaRPr lang="de-CH" dirty="0" smtClean="0"/>
+            <a:endParaRPr lang="de-CH" dirty="0"/>
           </a:p>
           <a:p>
             <a:pPr lvl="1"/>
             <a:r>
-              <a:rPr lang="de-CH" dirty="0" smtClean="0"/>
+              <a:rPr lang="de-CH" dirty="0"/>
               <a:t>Keine gravierende Fehler, jedoch Code besser strukturieren</a:t>
             </a:r>
           </a:p>
           <a:p>
             <a:r>
-              <a:rPr lang="de-CH" dirty="0" smtClean="0"/>
+              <a:rPr lang="de-CH" dirty="0"/>
               <a:t>Metrik</a:t>
             </a:r>
           </a:p>
           <a:p>
             <a:pPr lvl="1"/>
             <a:r>
-              <a:rPr lang="de-CH" dirty="0" smtClean="0"/>
+              <a:rPr lang="de-CH" dirty="0"/>
               <a:t>Software-Tool «Borland </a:t>
             </a:r>
             <a:r>
-              <a:rPr lang="de-CH" dirty="0" err="1" smtClean="0"/>
+              <a:rPr lang="de-CH" dirty="0" err="1"/>
               <a:t>Together</a:t>
             </a:r>
             <a:r>
-              <a:rPr lang="de-CH" dirty="0" smtClean="0"/>
+              <a:rPr lang="de-CH" dirty="0"/>
               <a:t>»</a:t>
             </a:r>
           </a:p>
           <a:p>
             <a:pPr lvl="1"/>
             <a:r>
-              <a:rPr lang="de-CH" dirty="0" smtClean="0"/>
+              <a:rPr lang="de-CH" dirty="0"/>
               <a:t>Schlechte CBO (</a:t>
             </a:r>
             <a:r>
-              <a:rPr lang="de-CH" dirty="0" err="1" smtClean="0"/>
+              <a:rPr lang="de-CH" dirty="0" err="1"/>
               <a:t>Coupling</a:t>
             </a:r>
             <a:r>
-              <a:rPr lang="de-CH" dirty="0" smtClean="0"/>
+              <a:rPr lang="de-CH" dirty="0"/>
               <a:t> </a:t>
             </a:r>
             <a:r>
-              <a:rPr lang="de-CH" dirty="0" err="1" smtClean="0"/>
+              <a:rPr lang="de-CH" dirty="0" err="1"/>
               <a:t>Between</a:t>
             </a:r>
             <a:r>
-              <a:rPr lang="de-CH" dirty="0" smtClean="0"/>
+              <a:rPr lang="de-CH" dirty="0"/>
               <a:t> Objects) und DOIH (</a:t>
             </a:r>
             <a:r>
-              <a:rPr lang="de-CH" dirty="0" err="1" smtClean="0"/>
+              <a:rPr lang="de-CH" dirty="0" err="1"/>
               <a:t>Depth</a:t>
             </a:r>
             <a:r>
-              <a:rPr lang="de-CH" dirty="0" smtClean="0"/>
+              <a:rPr lang="de-CH" dirty="0"/>
               <a:t> </a:t>
             </a:r>
             <a:r>
-              <a:rPr lang="de-CH" dirty="0" err="1" smtClean="0"/>
+              <a:rPr lang="de-CH" dirty="0" err="1"/>
               <a:t>of</a:t>
             </a:r>
             <a:r>
-              <a:rPr lang="de-CH" dirty="0" smtClean="0"/>
+              <a:rPr lang="de-CH" dirty="0"/>
               <a:t> </a:t>
             </a:r>
             <a:r>
-              <a:rPr lang="de-CH" dirty="0" err="1" smtClean="0"/>
+              <a:rPr lang="de-CH" dirty="0" err="1"/>
               <a:t>Inheritance</a:t>
             </a:r>
             <a:r>
-              <a:rPr lang="de-CH" dirty="0" smtClean="0"/>
+              <a:rPr lang="de-CH" dirty="0"/>
               <a:t> </a:t>
             </a:r>
             <a:r>
-              <a:rPr lang="de-CH" dirty="0" err="1" smtClean="0"/>
+              <a:rPr lang="de-CH" dirty="0" err="1"/>
               <a:t>Hierarchy</a:t>
             </a:r>
             <a:r>
-              <a:rPr lang="de-CH" dirty="0" smtClean="0"/>
+              <a:rPr lang="de-CH" dirty="0"/>
               <a:t>) Werte</a:t>
             </a:r>
           </a:p>
           <a:p>
             <a:pPr lvl="1"/>
-            <a:endParaRPr lang="de-CH" dirty="0" smtClean="0"/>
+            <a:endParaRPr lang="de-CH" dirty="0"/>
           </a:p>
         </p:txBody>
       </p:sp>
@@ -7331,25 +7529,18 @@
   <p:clrMapOvr>
     <a:masterClrMapping/>
   </p:clrMapOvr>
-  <mc:AlternateContent xmlns:mc="http://schemas.openxmlformats.org/markup-compatibility/2006">
-    <mc:Choice xmlns:p14="http://schemas.microsoft.com/office/powerpoint/2010/main" Requires="p14">
+  <mc:AlternateContent xmlns:mc="http://schemas.openxmlformats.org/markup-compatibility/2006" xmlns:p14="http://schemas.microsoft.com/office/powerpoint/2010/main">
+    <mc:Choice Requires="p14">
       <p:transition spd="med" p14:dur="700">
         <p:fade/>
       </p:transition>
     </mc:Choice>
-    <mc:Fallback>
+    <mc:Fallback xmlns="">
       <p:transition spd="med">
         <p:fade/>
       </p:transition>
     </mc:Fallback>
   </mc:AlternateContent>
-  <p:timing>
-    <p:tnLst>
-      <p:par>
-        <p:cTn id="1" dur="indefinite" restart="never" nodeType="tmRoot"/>
-      </p:par>
-    </p:tnLst>
-  </p:timing>
 </p:sld>
 </file>
 

--- a/documentation/Präsentation_Hashi_TeamSG.pptx
+++ b/documentation/Präsentation_Hashi_TeamSG.pptx
@@ -6788,9 +6788,9 @@
       </p:sp>
       <p:pic>
         <p:nvPicPr>
-          <p:cNvPr id="4" name="Grafik 3"/>
+          <p:cNvPr id="1026" name="Picture 2" descr="DiagrammOverview.PNG"/>
           <p:cNvPicPr>
-            <a:picLocks noChangeAspect="1"/>
+            <a:picLocks noChangeAspect="1" noChangeArrowheads="1"/>
           </p:cNvPicPr>
           <p:nvPr/>
         </p:nvPicPr>
@@ -6802,25 +6802,36 @@
               </a:ext>
             </a:extLst>
           </a:blip>
+          <a:srcRect/>
           <a:stretch>
             <a:fillRect/>
           </a:stretch>
         </p:blipFill>
-        <p:spPr>
+        <p:spPr bwMode="auto">
           <a:xfrm>
-            <a:off x="1184705" y="2655478"/>
-            <a:ext cx="4717189" cy="2118544"/>
+            <a:off x="1261872" y="2557924"/>
+            <a:ext cx="3759574" cy="2686297"/>
           </a:xfrm>
           <a:prstGeom prst="rect">
             <a:avLst/>
           </a:prstGeom>
+          <a:noFill/>
+          <a:extLst>
+            <a:ext uri="{909E8E84-426E-40DD-AFC4-6F175D3DCCD1}">
+              <a14:hiddenFill xmlns:a14="http://schemas.microsoft.com/office/drawing/2010/main">
+                <a:solidFill>
+                  <a:srgbClr val="FFFFFF"/>
+                </a:solidFill>
+              </a14:hiddenFill>
+            </a:ext>
+          </a:extLst>
         </p:spPr>
       </p:pic>
       <p:pic>
         <p:nvPicPr>
-          <p:cNvPr id="6" name="Grafik 5"/>
+          <p:cNvPr id="1028" name="Picture 4" descr="ClassDiagramModel.PNG"/>
           <p:cNvPicPr>
-            <a:picLocks noChangeAspect="1"/>
+            <a:picLocks noChangeAspect="1" noChangeArrowheads="1"/>
           </p:cNvPicPr>
           <p:nvPr/>
         </p:nvPicPr>
@@ -6832,18 +6843,29 @@
               </a:ext>
             </a:extLst>
           </a:blip>
+          <a:srcRect/>
           <a:stretch>
             <a:fillRect/>
           </a:stretch>
         </p:blipFill>
-        <p:spPr>
+        <p:spPr bwMode="auto">
           <a:xfrm>
-            <a:off x="6172200" y="2655478"/>
-            <a:ext cx="4987495" cy="2491190"/>
+            <a:off x="6126480" y="2731294"/>
+            <a:ext cx="4685645" cy="2339556"/>
           </a:xfrm>
           <a:prstGeom prst="rect">
             <a:avLst/>
           </a:prstGeom>
+          <a:noFill/>
+          <a:extLst>
+            <a:ext uri="{909E8E84-426E-40DD-AFC4-6F175D3DCCD1}">
+              <a14:hiddenFill xmlns:a14="http://schemas.microsoft.com/office/drawing/2010/main">
+                <a:solidFill>
+                  <a:srgbClr val="FFFFFF"/>
+                </a:solidFill>
+              </a14:hiddenFill>
+            </a:ext>
+          </a:extLst>
         </p:spPr>
       </p:pic>
     </p:spTree>
@@ -6868,6 +6890,13 @@
       </p:transition>
     </mc:Fallback>
   </mc:AlternateContent>
+  <p:timing>
+    <p:tnLst>
+      <p:par>
+        <p:cTn id="1" dur="indefinite" restart="never" nodeType="tmRoot"/>
+      </p:par>
+    </p:tnLst>
+  </p:timing>
 </p:sld>
 </file>
 
@@ -6956,9 +6985,9 @@
       </p:sp>
       <p:pic>
         <p:nvPicPr>
-          <p:cNvPr id="6" name="Grafik 5"/>
+          <p:cNvPr id="2050" name="Picture 2" descr="ClassDiagrammGraph.PNG"/>
           <p:cNvPicPr>
-            <a:picLocks noChangeAspect="1"/>
+            <a:picLocks noChangeAspect="1" noChangeArrowheads="1"/>
           </p:cNvPicPr>
           <p:nvPr/>
         </p:nvPicPr>
@@ -6970,25 +6999,36 @@
               </a:ext>
             </a:extLst>
           </a:blip>
+          <a:srcRect/>
           <a:stretch>
             <a:fillRect/>
           </a:stretch>
         </p:blipFill>
-        <p:spPr>
+        <p:spPr bwMode="auto">
           <a:xfrm>
-            <a:off x="1207577" y="2370472"/>
-            <a:ext cx="4442845" cy="3261643"/>
+            <a:off x="1261872" y="2341046"/>
+            <a:ext cx="4522638" cy="3326844"/>
           </a:xfrm>
           <a:prstGeom prst="rect">
             <a:avLst/>
           </a:prstGeom>
+          <a:noFill/>
+          <a:extLst>
+            <a:ext uri="{909E8E84-426E-40DD-AFC4-6F175D3DCCD1}">
+              <a14:hiddenFill xmlns:a14="http://schemas.microsoft.com/office/drawing/2010/main">
+                <a:solidFill>
+                  <a:srgbClr val="FFFFFF"/>
+                </a:solidFill>
+              </a14:hiddenFill>
+            </a:ext>
+          </a:extLst>
         </p:spPr>
       </p:pic>
       <p:pic>
         <p:nvPicPr>
-          <p:cNvPr id="7" name="Grafik 6"/>
+          <p:cNvPr id="2052" name="Picture 4" descr="ClassDiagrammController.PNG"/>
           <p:cNvPicPr>
-            <a:picLocks noChangeAspect="1"/>
+            <a:picLocks noChangeAspect="1" noChangeArrowheads="1"/>
           </p:cNvPicPr>
           <p:nvPr/>
         </p:nvPicPr>
@@ -7000,18 +7040,29 @@
               </a:ext>
             </a:extLst>
           </a:blip>
+          <a:srcRect/>
           <a:stretch>
             <a:fillRect/>
           </a:stretch>
         </p:blipFill>
-        <p:spPr>
+        <p:spPr bwMode="auto">
           <a:xfrm>
-            <a:off x="6172200" y="2370472"/>
-            <a:ext cx="4457700" cy="3318437"/>
+            <a:off x="6126480" y="2706913"/>
+            <a:ext cx="4721224" cy="2595110"/>
           </a:xfrm>
           <a:prstGeom prst="rect">
             <a:avLst/>
           </a:prstGeom>
+          <a:noFill/>
+          <a:extLst>
+            <a:ext uri="{909E8E84-426E-40DD-AFC4-6F175D3DCCD1}">
+              <a14:hiddenFill xmlns:a14="http://schemas.microsoft.com/office/drawing/2010/main">
+                <a:solidFill>
+                  <a:srgbClr val="FFFFFF"/>
+                </a:solidFill>
+              </a14:hiddenFill>
+            </a:ext>
+          </a:extLst>
         </p:spPr>
       </p:pic>
     </p:spTree>
@@ -7036,6 +7087,13 @@
       </p:transition>
     </mc:Fallback>
   </mc:AlternateContent>
+  <p:timing>
+    <p:tnLst>
+      <p:par>
+        <p:cTn id="1" dur="indefinite" restart="never" nodeType="tmRoot"/>
+      </p:par>
+    </p:tnLst>
+  </p:timing>
 </p:sld>
 </file>
 
@@ -7222,6 +7280,13 @@
       </p:transition>
     </mc:Fallback>
   </mc:AlternateContent>
+  <p:timing>
+    <p:tnLst>
+      <p:par>
+        <p:cTn id="1" dur="indefinite" restart="never" nodeType="tmRoot"/>
+      </p:par>
+    </p:tnLst>
+  </p:timing>
 </p:sld>
 </file>
 

--- a/documentation/Präsentation_Hashi_TeamSG.pptx
+++ b/documentation/Präsentation_Hashi_TeamSG.pptx
@@ -723,8 +723,12 @@
           </a:p>
           <a:p>
             <a:r>
+              <a:rPr lang="de-CH" baseline="0" dirty="0" err="1"/>
+              <a:t>Tinkerpop</a:t>
+            </a:r>
+            <a:r>
               <a:rPr lang="de-CH" baseline="0" dirty="0"/>
-              <a:t>Neo4j -&gt; Philippe</a:t>
+              <a:t> -&gt; Philippe</a:t>
             </a:r>
           </a:p>
           <a:p>
@@ -1022,10 +1026,9 @@
               <a:defRPr/>
             </a:pPr>
             <a:r>
-              <a:rPr lang="de-CH"/>
-              <a:t>Joel</a:t>
-            </a:r>
-            <a:endParaRPr lang="de-CH" dirty="0"/>
+              <a:rPr lang="de-CH" dirty="0"/>
+              <a:t>Martin</a:t>
+            </a:r>
           </a:p>
           <a:p>
             <a:pPr marL="0" marR="0" indent="0" algn="l" defTabSz="914400" rtl="0" eaLnBrk="1" fontAlgn="auto" latinLnBrk="0" hangingPunct="1">
@@ -1642,7 +1645,7 @@
             </a:r>
             <a:r>
               <a:rPr lang="de-CH" dirty="0"/>
-              <a:t>Martin</a:t>
+              <a:t>Ghenzi</a:t>
             </a:r>
           </a:p>
           <a:p>
@@ -1754,7 +1757,7 @@
             </a:pPr>
             <a:r>
               <a:rPr lang="de-CH" dirty="0"/>
-              <a:t>Template: 					Martin</a:t>
+              <a:t>Template: 					Ghenzi</a:t>
             </a:r>
           </a:p>
           <a:p>
@@ -5868,9 +5871,10 @@
           <a:p>
             <a:pPr lvl="1"/>
             <a:r>
-              <a:rPr lang="de-CH" dirty="0"/>
-              <a:t>neo4j</a:t>
-            </a:r>
+              <a:rPr lang="de-CH" dirty="0" err="1"/>
+              <a:t>Tinkerpop</a:t>
+            </a:r>
+            <a:endParaRPr lang="de-CH" dirty="0"/>
           </a:p>
           <a:p>
             <a:pPr lvl="1"/>
@@ -6890,13 +6894,6 @@
       </p:transition>
     </mc:Fallback>
   </mc:AlternateContent>
-  <p:timing>
-    <p:tnLst>
-      <p:par>
-        <p:cTn id="1" dur="indefinite" restart="never" nodeType="tmRoot"/>
-      </p:par>
-    </p:tnLst>
-  </p:timing>
 </p:sld>
 </file>
 
@@ -7087,13 +7084,6 @@
       </p:transition>
     </mc:Fallback>
   </mc:AlternateContent>
-  <p:timing>
-    <p:tnLst>
-      <p:par>
-        <p:cTn id="1" dur="indefinite" restart="never" nodeType="tmRoot"/>
-      </p:par>
-    </p:tnLst>
-  </p:timing>
 </p:sld>
 </file>
 
@@ -7280,13 +7270,6 @@
       </p:transition>
     </mc:Fallback>
   </mc:AlternateContent>
-  <p:timing>
-    <p:tnLst>
-      <p:par>
-        <p:cTn id="1" dur="indefinite" restart="never" nodeType="tmRoot"/>
-      </p:par>
-    </p:tnLst>
-  </p:timing>
 </p:sld>
 </file>
 
@@ -7346,7 +7329,23 @@
           <a:p>
             <a:r>
               <a:rPr lang="de-CH" dirty="0"/>
-              <a:t>Basierend auf neo4j (Graphische Datenbank)</a:t>
+              <a:t>Basierend auf </a:t>
+            </a:r>
+            <a:r>
+              <a:rPr lang="de-CH" dirty="0" err="1"/>
+              <a:t>Tinkerpop</a:t>
+            </a:r>
+            <a:r>
+              <a:rPr lang="de-CH" dirty="0"/>
+              <a:t>/neo4j (</a:t>
+            </a:r>
+            <a:r>
+              <a:rPr lang="de-CH" dirty="0" err="1"/>
+              <a:t>Graphedatenbank</a:t>
+            </a:r>
+            <a:r>
+              <a:rPr lang="de-CH" dirty="0"/>
+              <a:t>)</a:t>
             </a:r>
           </a:p>
           <a:p>
@@ -7358,7 +7357,15 @@
           <a:p>
             <a:r>
               <a:rPr lang="de-CH" dirty="0"/>
-              <a:t>Datenbank in XML oder JSON Format</a:t>
+              <a:t>Gespeichert als </a:t>
+            </a:r>
+            <a:r>
+              <a:rPr lang="de-CH" dirty="0" err="1"/>
+              <a:t>GraphML</a:t>
+            </a:r>
+            <a:r>
+              <a:rPr lang="de-CH" dirty="0"/>
+              <a:t> (XML) oder JSON</a:t>
             </a:r>
           </a:p>
         </p:txBody>

--- a/documentation/Präsentation_Hashi_TeamSG.pptx
+++ b/documentation/Präsentation_Hashi_TeamSG.pptx
@@ -6982,7 +6982,7 @@
       </p:sp>
       <p:pic>
         <p:nvPicPr>
-          <p:cNvPr id="2050" name="Picture 2" descr="ClassDiagrammGraph.PNG"/>
+          <p:cNvPr id="2052" name="Picture 4" descr="ClassDiagrammController.PNG"/>
           <p:cNvPicPr>
             <a:picLocks noChangeAspect="1" noChangeArrowheads="1"/>
           </p:cNvPicPr>
@@ -6990,47 +6990,6 @@
         </p:nvPicPr>
         <p:blipFill>
           <a:blip r:embed="rId3">
-            <a:extLst>
-              <a:ext uri="{28A0092B-C50C-407E-A947-70E740481C1C}">
-                <a14:useLocalDpi xmlns:a14="http://schemas.microsoft.com/office/drawing/2010/main" val="0"/>
-              </a:ext>
-            </a:extLst>
-          </a:blip>
-          <a:srcRect/>
-          <a:stretch>
-            <a:fillRect/>
-          </a:stretch>
-        </p:blipFill>
-        <p:spPr bwMode="auto">
-          <a:xfrm>
-            <a:off x="1261872" y="2341046"/>
-            <a:ext cx="4522638" cy="3326844"/>
-          </a:xfrm>
-          <a:prstGeom prst="rect">
-            <a:avLst/>
-          </a:prstGeom>
-          <a:noFill/>
-          <a:extLst>
-            <a:ext uri="{909E8E84-426E-40DD-AFC4-6F175D3DCCD1}">
-              <a14:hiddenFill xmlns:a14="http://schemas.microsoft.com/office/drawing/2010/main">
-                <a:solidFill>
-                  <a:srgbClr val="FFFFFF"/>
-                </a:solidFill>
-              </a14:hiddenFill>
-            </a:ext>
-          </a:extLst>
-        </p:spPr>
-      </p:pic>
-      <p:pic>
-        <p:nvPicPr>
-          <p:cNvPr id="2052" name="Picture 4" descr="ClassDiagrammController.PNG"/>
-          <p:cNvPicPr>
-            <a:picLocks noChangeAspect="1" noChangeArrowheads="1"/>
-          </p:cNvPicPr>
-          <p:nvPr/>
-        </p:nvPicPr>
-        <p:blipFill>
-          <a:blip r:embed="rId4">
             <a:extLst>
               <a:ext uri="{28A0092B-C50C-407E-A947-70E740481C1C}">
                 <a14:useLocalDpi xmlns:a14="http://schemas.microsoft.com/office/drawing/2010/main" val="0"/>
@@ -7060,6 +7019,36 @@
               </a14:hiddenFill>
             </a:ext>
           </a:extLst>
+        </p:spPr>
+      </p:pic>
+      <p:pic>
+        <p:nvPicPr>
+          <p:cNvPr id="8" name="Grafik 7"/>
+          <p:cNvPicPr>
+            <a:picLocks noChangeAspect="1"/>
+          </p:cNvPicPr>
+          <p:nvPr/>
+        </p:nvPicPr>
+        <p:blipFill>
+          <a:blip r:embed="rId4">
+            <a:extLst>
+              <a:ext uri="{28A0092B-C50C-407E-A947-70E740481C1C}">
+                <a14:useLocalDpi xmlns:a14="http://schemas.microsoft.com/office/drawing/2010/main" val="0"/>
+              </a:ext>
+            </a:extLst>
+          </a:blip>
+          <a:stretch>
+            <a:fillRect/>
+          </a:stretch>
+        </p:blipFill>
+        <p:spPr>
+          <a:xfrm>
+            <a:off x="1475633" y="2706913"/>
+            <a:ext cx="4458823" cy="3274191"/>
+          </a:xfrm>
+          <a:prstGeom prst="rect">
+            <a:avLst/>
+          </a:prstGeom>
         </p:spPr>
       </p:pic>
     </p:spTree>
